--- a/slides/Module3R.pptx
+++ b/slides/Module3R.pptx
@@ -6,15 +6,19 @@
     <p:sldMasterId id="2147483660" r:id="rId2"/>
   </p:sldMasterIdLst>
   <p:notesMasterIdLst>
-    <p:notesMasterId r:id="rId9"/>
+    <p:notesMasterId r:id="rId13"/>
   </p:notesMasterIdLst>
   <p:sldIdLst>
     <p:sldId id="256" r:id="rId3"/>
     <p:sldId id="414" r:id="rId4"/>
     <p:sldId id="310" r:id="rId5"/>
     <p:sldId id="311" r:id="rId6"/>
-    <p:sldId id="416" r:id="rId7"/>
-    <p:sldId id="423" r:id="rId8"/>
+    <p:sldId id="424" r:id="rId7"/>
+    <p:sldId id="425" r:id="rId8"/>
+    <p:sldId id="427" r:id="rId9"/>
+    <p:sldId id="428" r:id="rId10"/>
+    <p:sldId id="416" r:id="rId11"/>
+    <p:sldId id="423" r:id="rId12"/>
   </p:sldIdLst>
   <p:sldSz cx="12192000" cy="6858000"/>
   <p:notesSz cx="6858000" cy="9144000"/>
@@ -113,6 +117,11 @@
       </a:defRPr>
     </a:lvl9pPr>
   </p:defaultTextStyle>
+  <p:extLst>
+    <p:ext uri="{EFAFB233-063F-42B5-8137-9DF3F51BA10A}">
+      <p15:sldGuideLst xmlns:p15="http://schemas.microsoft.com/office/powerpoint/2012/main"/>
+    </p:ext>
+  </p:extLst>
 </p:presentation>
 </file>
 
@@ -3404,7 +3413,7 @@
           <a:p>
             <a:fld id="{E52CFFB2-ED7C-1B45-8092-9C6B42AF074F}" type="datetimeFigureOut">
               <a:rPr lang="en-US" smtClean="0"/>
-              <a:t>8/1/23</a:t>
+              <a:t>8/7/23</a:t>
             </a:fld>
             <a:endParaRPr lang="en-US"/>
           </a:p>
@@ -4194,6 +4203,624 @@
 </p:notes>
 </file>
 
+<file path=ppt/notesSlides/notesSlide4.xml><?xml version="1.0" encoding="utf-8"?>
+<p:notes xmlns:a="http://schemas.openxmlformats.org/drawingml/2006/main" xmlns:r="http://schemas.openxmlformats.org/officeDocument/2006/relationships" xmlns:p="http://schemas.openxmlformats.org/presentationml/2006/main">
+  <p:cSld>
+    <p:spTree>
+      <p:nvGrpSpPr>
+        <p:cNvPr id="1" name=""/>
+        <p:cNvGrpSpPr/>
+        <p:nvPr/>
+      </p:nvGrpSpPr>
+      <p:grpSpPr>
+        <a:xfrm>
+          <a:off x="0" y="0"/>
+          <a:ext cx="0" cy="0"/>
+          <a:chOff x="0" y="0"/>
+          <a:chExt cx="0" cy="0"/>
+        </a:xfrm>
+      </p:grpSpPr>
+      <p:sp>
+        <p:nvSpPr>
+          <p:cNvPr id="2" name="Slide Image Placeholder 1"/>
+          <p:cNvSpPr>
+            <a:spLocks noGrp="1" noRot="1" noChangeAspect="1"/>
+          </p:cNvSpPr>
+          <p:nvPr>
+            <p:ph type="sldImg"/>
+          </p:nvPr>
+        </p:nvSpPr>
+        <p:spPr/>
+      </p:sp>
+      <p:sp>
+        <p:nvSpPr>
+          <p:cNvPr id="3" name="Notes Placeholder 2"/>
+          <p:cNvSpPr>
+            <a:spLocks noGrp="1"/>
+          </p:cNvSpPr>
+          <p:nvPr>
+            <p:ph type="body" idx="1"/>
+          </p:nvPr>
+        </p:nvSpPr>
+        <p:spPr/>
+        <p:txBody>
+          <a:bodyPr/>
+          <a:lstStyle/>
+          <a:p>
+            <a:pPr algn="l"/>
+            <a:r>
+              <a:rPr lang="en-AU" b="0" i="0" dirty="0">
+                <a:solidFill>
+                  <a:srgbClr val="333333"/>
+                </a:solidFill>
+                <a:effectLst/>
+                <a:latin typeface="Merriweather" panose="020F0502020204030204" pitchFamily="34" charset="0"/>
+              </a:rPr>
+              <a:t>Classical machine learning is often divided into two categories – </a:t>
+            </a:r>
+            <a:r>
+              <a:rPr lang="en-AU" b="1" i="0" dirty="0">
+                <a:solidFill>
+                  <a:srgbClr val="333333"/>
+                </a:solidFill>
+                <a:effectLst/>
+                <a:latin typeface="Merriweather" panose="020F0502020204030204" pitchFamily="34" charset="0"/>
+              </a:rPr>
+              <a:t>Supervised</a:t>
+            </a:r>
+            <a:r>
+              <a:rPr lang="en-AU" b="0" i="0" dirty="0">
+                <a:solidFill>
+                  <a:srgbClr val="333333"/>
+                </a:solidFill>
+                <a:effectLst/>
+                <a:latin typeface="Merriweather" panose="020F0502020204030204" pitchFamily="34" charset="0"/>
+              </a:rPr>
+              <a:t> and </a:t>
+            </a:r>
+            <a:r>
+              <a:rPr lang="en-AU" b="1" i="0" dirty="0">
+                <a:solidFill>
+                  <a:srgbClr val="333333"/>
+                </a:solidFill>
+                <a:effectLst/>
+                <a:latin typeface="Merriweather" panose="020F0502020204030204" pitchFamily="34" charset="0"/>
+              </a:rPr>
+              <a:t>Unsupervised Learning</a:t>
+            </a:r>
+            <a:r>
+              <a:rPr lang="en-AU" b="0" i="0" dirty="0">
+                <a:solidFill>
+                  <a:srgbClr val="333333"/>
+                </a:solidFill>
+                <a:effectLst/>
+                <a:latin typeface="Merriweather" panose="020F0502020204030204" pitchFamily="34" charset="0"/>
+              </a:rPr>
+              <a:t>.</a:t>
+            </a:r>
+          </a:p>
+          <a:p>
+            <a:pPr algn="l"/>
+            <a:r>
+              <a:rPr lang="en-AU" b="0" i="0" dirty="0">
+                <a:solidFill>
+                  <a:srgbClr val="333333"/>
+                </a:solidFill>
+                <a:effectLst/>
+                <a:latin typeface="Merriweather" panose="020F0502020204030204" pitchFamily="34" charset="0"/>
+              </a:rPr>
+              <a:t>In the first case, the machine has a "supervisor" or a "teacher" who gives the machine all the answers, like whether it's a cat in the picture or a dog. The teacher has already divided (</a:t>
+            </a:r>
+            <a:r>
+              <a:rPr lang="en-AU" b="0" i="0" dirty="0" err="1">
+                <a:solidFill>
+                  <a:srgbClr val="333333"/>
+                </a:solidFill>
+                <a:effectLst/>
+                <a:latin typeface="Merriweather" panose="020F0502020204030204" pitchFamily="34" charset="0"/>
+              </a:rPr>
+              <a:t>labeled</a:t>
+            </a:r>
+            <a:r>
+              <a:rPr lang="en-AU" b="0" i="0" dirty="0">
+                <a:solidFill>
+                  <a:srgbClr val="333333"/>
+                </a:solidFill>
+                <a:effectLst/>
+                <a:latin typeface="Merriweather" panose="020F0502020204030204" pitchFamily="34" charset="0"/>
+              </a:rPr>
+              <a:t>) the data into cats and dogs, and the machine is using these examples to learn. One by one. Dog by cat.</a:t>
+            </a:r>
+          </a:p>
+          <a:p>
+            <a:pPr algn="l"/>
+            <a:r>
+              <a:rPr lang="en-AU" b="0" i="0" dirty="0">
+                <a:solidFill>
+                  <a:srgbClr val="333333"/>
+                </a:solidFill>
+                <a:effectLst/>
+                <a:latin typeface="Merriweather" panose="020F0502020204030204" pitchFamily="34" charset="0"/>
+              </a:rPr>
+              <a:t>Unsupervised learning means the machine is left on its own with a pile of animal photos and a task to find out who's who. Data is not </a:t>
+            </a:r>
+            <a:r>
+              <a:rPr lang="en-AU" b="0" i="0" dirty="0" err="1">
+                <a:solidFill>
+                  <a:srgbClr val="333333"/>
+                </a:solidFill>
+                <a:effectLst/>
+                <a:latin typeface="Merriweather" panose="020F0502020204030204" pitchFamily="34" charset="0"/>
+              </a:rPr>
+              <a:t>labeled</a:t>
+            </a:r>
+            <a:r>
+              <a:rPr lang="en-AU" b="0" i="0" dirty="0">
+                <a:solidFill>
+                  <a:srgbClr val="333333"/>
+                </a:solidFill>
+                <a:effectLst/>
+                <a:latin typeface="Merriweather" panose="020F0502020204030204" pitchFamily="34" charset="0"/>
+              </a:rPr>
+              <a:t>, there's no teacher, the machine is trying to find any patterns on its own. </a:t>
+            </a:r>
+          </a:p>
+          <a:p>
+            <a:pPr algn="l"/>
+            <a:r>
+              <a:rPr lang="en-AU" b="0" i="0" dirty="0">
+                <a:solidFill>
+                  <a:srgbClr val="333333"/>
+                </a:solidFill>
+                <a:effectLst/>
+                <a:latin typeface="Merriweather" panose="020F0502020204030204" pitchFamily="34" charset="0"/>
+              </a:rPr>
+              <a:t>Clearly, the machine will learn faster with a teacher, so it's more commonly used in real-life tasks. There are two types of such tasks: </a:t>
+            </a:r>
+            <a:r>
+              <a:rPr lang="en-AU" b="1" i="0" dirty="0">
+                <a:solidFill>
+                  <a:srgbClr val="333333"/>
+                </a:solidFill>
+                <a:effectLst/>
+                <a:latin typeface="Merriweather" panose="020F0502020204030204" pitchFamily="34" charset="0"/>
+              </a:rPr>
+              <a:t>classification – an object's category prediction, and regression – prediction of a specific point on a </a:t>
+            </a:r>
+            <a:r>
+              <a:rPr lang="en-AU" b="1" i="0">
+                <a:solidFill>
+                  <a:srgbClr val="333333"/>
+                </a:solidFill>
+                <a:effectLst/>
+                <a:latin typeface="Merriweather" panose="020F0502020204030204" pitchFamily="34" charset="0"/>
+              </a:rPr>
+              <a:t>numeric axis.</a:t>
+            </a:r>
+            <a:endParaRPr lang="en-AU" b="0" i="0" dirty="0">
+              <a:solidFill>
+                <a:srgbClr val="333333"/>
+              </a:solidFill>
+              <a:effectLst/>
+              <a:latin typeface="Merriweather" panose="020F0502020204030204" pitchFamily="34" charset="0"/>
+            </a:endParaRPr>
+          </a:p>
+        </p:txBody>
+      </p:sp>
+      <p:sp>
+        <p:nvSpPr>
+          <p:cNvPr id="4" name="Slide Number Placeholder 3"/>
+          <p:cNvSpPr>
+            <a:spLocks noGrp="1"/>
+          </p:cNvSpPr>
+          <p:nvPr>
+            <p:ph type="sldNum" sz="quarter" idx="5"/>
+          </p:nvPr>
+        </p:nvSpPr>
+        <p:spPr/>
+        <p:txBody>
+          <a:bodyPr/>
+          <a:lstStyle/>
+          <a:p>
+            <a:fld id="{0D1E54C2-E970-D74E-A0B0-616948416249}" type="slidenum">
+              <a:rPr lang="en-US" smtClean="0"/>
+              <a:t>5</a:t>
+            </a:fld>
+            <a:endParaRPr lang="en-US"/>
+          </a:p>
+        </p:txBody>
+      </p:sp>
+    </p:spTree>
+    <p:extLst>
+      <p:ext uri="{BB962C8B-B14F-4D97-AF65-F5344CB8AC3E}">
+        <p14:creationId xmlns:p14="http://schemas.microsoft.com/office/powerpoint/2010/main" val="2929334606"/>
+      </p:ext>
+    </p:extLst>
+  </p:cSld>
+  <p:clrMapOvr>
+    <a:masterClrMapping/>
+  </p:clrMapOvr>
+</p:notes>
+</file>
+
+<file path=ppt/notesSlides/notesSlide5.xml><?xml version="1.0" encoding="utf-8"?>
+<p:notes xmlns:a="http://schemas.openxmlformats.org/drawingml/2006/main" xmlns:r="http://schemas.openxmlformats.org/officeDocument/2006/relationships" xmlns:p="http://schemas.openxmlformats.org/presentationml/2006/main">
+  <p:cSld>
+    <p:spTree>
+      <p:nvGrpSpPr>
+        <p:cNvPr id="1" name=""/>
+        <p:cNvGrpSpPr/>
+        <p:nvPr/>
+      </p:nvGrpSpPr>
+      <p:grpSpPr>
+        <a:xfrm>
+          <a:off x="0" y="0"/>
+          <a:ext cx="0" cy="0"/>
+          <a:chOff x="0" y="0"/>
+          <a:chExt cx="0" cy="0"/>
+        </a:xfrm>
+      </p:grpSpPr>
+      <p:sp>
+        <p:nvSpPr>
+          <p:cNvPr id="2" name="Slide Image Placeholder 1"/>
+          <p:cNvSpPr>
+            <a:spLocks noGrp="1" noRot="1" noChangeAspect="1"/>
+          </p:cNvSpPr>
+          <p:nvPr>
+            <p:ph type="sldImg"/>
+          </p:nvPr>
+        </p:nvSpPr>
+        <p:spPr/>
+      </p:sp>
+      <p:sp>
+        <p:nvSpPr>
+          <p:cNvPr id="3" name="Notes Placeholder 2"/>
+          <p:cNvSpPr>
+            <a:spLocks noGrp="1"/>
+          </p:cNvSpPr>
+          <p:nvPr>
+            <p:ph type="body" idx="1"/>
+          </p:nvPr>
+        </p:nvSpPr>
+        <p:spPr/>
+        <p:txBody>
+          <a:bodyPr/>
+          <a:lstStyle/>
+          <a:p>
+            <a:r>
+              <a:rPr lang="en-US" dirty="0"/>
+              <a:t>Things you are going to practice in the tutorial </a:t>
+            </a:r>
+          </a:p>
+        </p:txBody>
+      </p:sp>
+      <p:sp>
+        <p:nvSpPr>
+          <p:cNvPr id="4" name="Slide Number Placeholder 3"/>
+          <p:cNvSpPr>
+            <a:spLocks noGrp="1"/>
+          </p:cNvSpPr>
+          <p:nvPr>
+            <p:ph type="sldNum" sz="quarter" idx="5"/>
+          </p:nvPr>
+        </p:nvSpPr>
+        <p:spPr/>
+        <p:txBody>
+          <a:bodyPr/>
+          <a:lstStyle/>
+          <a:p>
+            <a:fld id="{0D1E54C2-E970-D74E-A0B0-616948416249}" type="slidenum">
+              <a:rPr lang="en-US" smtClean="0"/>
+              <a:t>6</a:t>
+            </a:fld>
+            <a:endParaRPr lang="en-US"/>
+          </a:p>
+        </p:txBody>
+      </p:sp>
+    </p:spTree>
+    <p:extLst>
+      <p:ext uri="{BB962C8B-B14F-4D97-AF65-F5344CB8AC3E}">
+        <p14:creationId xmlns:p14="http://schemas.microsoft.com/office/powerpoint/2010/main" val="519582767"/>
+      </p:ext>
+    </p:extLst>
+  </p:cSld>
+  <p:clrMapOvr>
+    <a:masterClrMapping/>
+  </p:clrMapOvr>
+</p:notes>
+</file>
+
+<file path=ppt/notesSlides/notesSlide6.xml><?xml version="1.0" encoding="utf-8"?>
+<p:notes xmlns:a="http://schemas.openxmlformats.org/drawingml/2006/main" xmlns:r="http://schemas.openxmlformats.org/officeDocument/2006/relationships" xmlns:p="http://schemas.openxmlformats.org/presentationml/2006/main">
+  <p:cSld>
+    <p:spTree>
+      <p:nvGrpSpPr>
+        <p:cNvPr id="1" name=""/>
+        <p:cNvGrpSpPr/>
+        <p:nvPr/>
+      </p:nvGrpSpPr>
+      <p:grpSpPr>
+        <a:xfrm>
+          <a:off x="0" y="0"/>
+          <a:ext cx="0" cy="0"/>
+          <a:chOff x="0" y="0"/>
+          <a:chExt cx="0" cy="0"/>
+        </a:xfrm>
+      </p:grpSpPr>
+      <p:sp>
+        <p:nvSpPr>
+          <p:cNvPr id="2" name="Slide Image Placeholder 1"/>
+          <p:cNvSpPr>
+            <a:spLocks noGrp="1" noRot="1" noChangeAspect="1"/>
+          </p:cNvSpPr>
+          <p:nvPr>
+            <p:ph type="sldImg"/>
+          </p:nvPr>
+        </p:nvSpPr>
+        <p:spPr/>
+      </p:sp>
+      <p:sp>
+        <p:nvSpPr>
+          <p:cNvPr id="3" name="Notes Placeholder 2"/>
+          <p:cNvSpPr>
+            <a:spLocks noGrp="1"/>
+          </p:cNvSpPr>
+          <p:nvPr>
+            <p:ph type="body" idx="1"/>
+          </p:nvPr>
+        </p:nvSpPr>
+        <p:spPr/>
+        <p:txBody>
+          <a:bodyPr/>
+          <a:lstStyle/>
+          <a:p>
+            <a:pPr algn="l"/>
+            <a:r>
+              <a:rPr lang="en-AU" b="0" i="0" u="none" strike="noStrike" dirty="0">
+                <a:solidFill>
+                  <a:srgbClr val="1F2328"/>
+                </a:solidFill>
+                <a:effectLst/>
+                <a:latin typeface="-apple-system"/>
+              </a:rPr>
+              <a:t>These tutorials consist of content along with interactive components for checking and reinforcing understanding. Throughout the tutorials you will find:</a:t>
+            </a:r>
+          </a:p>
+          <a:p>
+            <a:pPr algn="l">
+              <a:buFont typeface="Arial" panose="020B0604020202020204" pitchFamily="34" charset="0"/>
+              <a:buChar char="•"/>
+            </a:pPr>
+            <a:r>
+              <a:rPr lang="en-AU" b="0" i="0" u="none" strike="noStrike" dirty="0">
+                <a:solidFill>
+                  <a:srgbClr val="1F2328"/>
+                </a:solidFill>
+                <a:effectLst/>
+                <a:latin typeface="-apple-system"/>
+              </a:rPr>
+              <a:t>Narrative, figures and illustrations;</a:t>
+            </a:r>
+          </a:p>
+          <a:p>
+            <a:pPr algn="l">
+              <a:buFont typeface="Arial" panose="020B0604020202020204" pitchFamily="34" charset="0"/>
+              <a:buChar char="•"/>
+            </a:pPr>
+            <a:r>
+              <a:rPr lang="en-AU" b="0" i="0" u="none" strike="noStrike" dirty="0">
+                <a:solidFill>
+                  <a:srgbClr val="1F2328"/>
+                </a:solidFill>
+                <a:effectLst/>
+                <a:latin typeface="-apple-system"/>
+              </a:rPr>
+              <a:t>Code exercises that you can edit and execute directly;</a:t>
+            </a:r>
+          </a:p>
+          <a:p>
+            <a:pPr algn="l">
+              <a:buFont typeface="Arial" panose="020B0604020202020204" pitchFamily="34" charset="0"/>
+              <a:buChar char="•"/>
+            </a:pPr>
+            <a:r>
+              <a:rPr lang="en-AU" b="0" i="0" u="none" strike="noStrike" dirty="0">
+                <a:solidFill>
+                  <a:srgbClr val="1F2328"/>
+                </a:solidFill>
+                <a:effectLst/>
+                <a:latin typeface="-apple-system"/>
+              </a:rPr>
+              <a:t>Quiz questions...</a:t>
+            </a:r>
+          </a:p>
+          <a:p>
+            <a:pPr algn="l"/>
+            <a:r>
+              <a:rPr lang="en-AU" b="0" i="0" u="none" strike="noStrike" dirty="0">
+                <a:solidFill>
+                  <a:srgbClr val="1F2328"/>
+                </a:solidFill>
+                <a:effectLst/>
+                <a:latin typeface="-apple-system"/>
+              </a:rPr>
+              <a:t>Each tutorial automatically preserve work done within them, so if you work on a few exercises or questions and then return to the tutorial later, you can pick up right where you have left off.</a:t>
+            </a:r>
+          </a:p>
+          <a:p>
+            <a:pPr algn="l"/>
+            <a:r>
+              <a:rPr lang="en-AU" b="0" i="0" u="none" strike="noStrike" dirty="0">
+                <a:solidFill>
+                  <a:srgbClr val="1F2328"/>
+                </a:solidFill>
+                <a:effectLst/>
+                <a:latin typeface="-apple-system"/>
+              </a:rPr>
+              <a:t>Each tutorial includes a Table of Contents and it reveals content one sub-section at a time:</a:t>
+            </a:r>
+          </a:p>
+          <a:p>
+            <a:endParaRPr lang="en-US" dirty="0"/>
+          </a:p>
+        </p:txBody>
+      </p:sp>
+      <p:sp>
+        <p:nvSpPr>
+          <p:cNvPr id="4" name="Slide Number Placeholder 3"/>
+          <p:cNvSpPr>
+            <a:spLocks noGrp="1"/>
+          </p:cNvSpPr>
+          <p:nvPr>
+            <p:ph type="sldNum" sz="quarter" idx="5"/>
+          </p:nvPr>
+        </p:nvSpPr>
+        <p:spPr/>
+        <p:txBody>
+          <a:bodyPr/>
+          <a:lstStyle/>
+          <a:p>
+            <a:fld id="{0D1E54C2-E970-D74E-A0B0-616948416249}" type="slidenum">
+              <a:rPr lang="en-US" smtClean="0"/>
+              <a:t>7</a:t>
+            </a:fld>
+            <a:endParaRPr lang="en-US"/>
+          </a:p>
+        </p:txBody>
+      </p:sp>
+    </p:spTree>
+    <p:extLst>
+      <p:ext uri="{BB962C8B-B14F-4D97-AF65-F5344CB8AC3E}">
+        <p14:creationId xmlns:p14="http://schemas.microsoft.com/office/powerpoint/2010/main" val="1352764144"/>
+      </p:ext>
+    </p:extLst>
+  </p:cSld>
+  <p:clrMapOvr>
+    <a:masterClrMapping/>
+  </p:clrMapOvr>
+</p:notes>
+</file>
+
+<file path=ppt/notesSlides/notesSlide7.xml><?xml version="1.0" encoding="utf-8"?>
+<p:notes xmlns:a="http://schemas.openxmlformats.org/drawingml/2006/main" xmlns:r="http://schemas.openxmlformats.org/officeDocument/2006/relationships" xmlns:p="http://schemas.openxmlformats.org/presentationml/2006/main">
+  <p:cSld>
+    <p:spTree>
+      <p:nvGrpSpPr>
+        <p:cNvPr id="1" name=""/>
+        <p:cNvGrpSpPr/>
+        <p:nvPr/>
+      </p:nvGrpSpPr>
+      <p:grpSpPr>
+        <a:xfrm>
+          <a:off x="0" y="0"/>
+          <a:ext cx="0" cy="0"/>
+          <a:chOff x="0" y="0"/>
+          <a:chExt cx="0" cy="0"/>
+        </a:xfrm>
+      </p:grpSpPr>
+      <p:sp>
+        <p:nvSpPr>
+          <p:cNvPr id="2" name="Slide Image Placeholder 1"/>
+          <p:cNvSpPr>
+            <a:spLocks noGrp="1" noRot="1" noChangeAspect="1"/>
+          </p:cNvSpPr>
+          <p:nvPr>
+            <p:ph type="sldImg"/>
+          </p:nvPr>
+        </p:nvSpPr>
+        <p:spPr/>
+      </p:sp>
+      <p:sp>
+        <p:nvSpPr>
+          <p:cNvPr id="3" name="Notes Placeholder 2"/>
+          <p:cNvSpPr>
+            <a:spLocks noGrp="1"/>
+          </p:cNvSpPr>
+          <p:nvPr>
+            <p:ph type="body" idx="1"/>
+          </p:nvPr>
+        </p:nvSpPr>
+        <p:spPr/>
+        <p:txBody>
+          <a:bodyPr/>
+          <a:lstStyle/>
+          <a:p>
+            <a:pPr algn="l"/>
+            <a:r>
+              <a:rPr lang="en-AU" b="0" i="0" u="none" strike="noStrike" dirty="0">
+                <a:solidFill>
+                  <a:srgbClr val="1F2328"/>
+                </a:solidFill>
+                <a:effectLst/>
+                <a:latin typeface="-apple-system"/>
+              </a:rPr>
+              <a:t>Exercises are interactive R code chunks that allow you to directly execute R code and see its results. When a solution code chunk is provided, there will be a </a:t>
+            </a:r>
+            <a:r>
+              <a:rPr lang="en-AU" b="0" i="1" u="none" strike="noStrike" dirty="0">
+                <a:solidFill>
+                  <a:srgbClr val="1F2328"/>
+                </a:solidFill>
+                <a:effectLst/>
+                <a:latin typeface="-apple-system"/>
+              </a:rPr>
+              <a:t>Solution</a:t>
+            </a:r>
+            <a:r>
+              <a:rPr lang="en-AU" b="0" i="0" u="none" strike="noStrike" dirty="0">
+                <a:solidFill>
+                  <a:srgbClr val="1F2328"/>
+                </a:solidFill>
+                <a:effectLst/>
+                <a:latin typeface="-apple-system"/>
+              </a:rPr>
+              <a:t> button on the exercise that you can click if you are stuck:</a:t>
+            </a:r>
+          </a:p>
+          <a:p>
+            <a:br>
+              <a:rPr lang="en-AU" dirty="0"/>
+            </a:br>
+            <a:endParaRPr lang="en-US" dirty="0"/>
+          </a:p>
+        </p:txBody>
+      </p:sp>
+      <p:sp>
+        <p:nvSpPr>
+          <p:cNvPr id="4" name="Slide Number Placeholder 3"/>
+          <p:cNvSpPr>
+            <a:spLocks noGrp="1"/>
+          </p:cNvSpPr>
+          <p:nvPr>
+            <p:ph type="sldNum" sz="quarter" idx="5"/>
+          </p:nvPr>
+        </p:nvSpPr>
+        <p:spPr/>
+        <p:txBody>
+          <a:bodyPr/>
+          <a:lstStyle/>
+          <a:p>
+            <a:fld id="{0D1E54C2-E970-D74E-A0B0-616948416249}" type="slidenum">
+              <a:rPr lang="en-US" smtClean="0"/>
+              <a:t>8</a:t>
+            </a:fld>
+            <a:endParaRPr lang="en-US"/>
+          </a:p>
+        </p:txBody>
+      </p:sp>
+    </p:spTree>
+    <p:extLst>
+      <p:ext uri="{BB962C8B-B14F-4D97-AF65-F5344CB8AC3E}">
+        <p14:creationId xmlns:p14="http://schemas.microsoft.com/office/powerpoint/2010/main" val="1976974702"/>
+      </p:ext>
+    </p:extLst>
+  </p:cSld>
+  <p:clrMapOvr>
+    <a:masterClrMapping/>
+  </p:clrMapOvr>
+</p:notes>
+</file>
+
 <file path=ppt/slideLayouts/slideLayout1.xml><?xml version="1.0" encoding="utf-8"?>
 <p:sldLayout xmlns:a="http://schemas.openxmlformats.org/drawingml/2006/main" xmlns:r="http://schemas.openxmlformats.org/officeDocument/2006/relationships" xmlns:p="http://schemas.openxmlformats.org/presentationml/2006/main" type="title" preserve="1">
   <p:cSld name="Title Slide">
@@ -4343,7 +4970,7 @@
           <a:p>
             <a:fld id="{7F872E2C-CB02-0A4B-9808-D43DF4D6EFE9}" type="datetimeFigureOut">
               <a:rPr lang="en-US" smtClean="0"/>
-              <a:t>8/1/23</a:t>
+              <a:t>8/7/23</a:t>
             </a:fld>
             <a:endParaRPr lang="en-US"/>
           </a:p>
@@ -4543,7 +5170,7 @@
           <a:p>
             <a:fld id="{7F872E2C-CB02-0A4B-9808-D43DF4D6EFE9}" type="datetimeFigureOut">
               <a:rPr lang="en-US" smtClean="0"/>
-              <a:t>8/1/23</a:t>
+              <a:t>8/7/23</a:t>
             </a:fld>
             <a:endParaRPr lang="en-US"/>
           </a:p>
@@ -4753,7 +5380,7 @@
           <a:p>
             <a:fld id="{7F872E2C-CB02-0A4B-9808-D43DF4D6EFE9}" type="datetimeFigureOut">
               <a:rPr lang="en-US" smtClean="0"/>
-              <a:t>8/1/23</a:t>
+              <a:t>8/7/23</a:t>
             </a:fld>
             <a:endParaRPr lang="en-US"/>
           </a:p>
@@ -7211,7 +7838,7 @@
           <a:p>
             <a:fld id="{7F872E2C-CB02-0A4B-9808-D43DF4D6EFE9}" type="datetimeFigureOut">
               <a:rPr lang="en-US" smtClean="0"/>
-              <a:t>8/1/23</a:t>
+              <a:t>8/7/23</a:t>
             </a:fld>
             <a:endParaRPr lang="en-US"/>
           </a:p>
@@ -10086,7 +10713,7 @@
           <a:p>
             <a:fld id="{7F872E2C-CB02-0A4B-9808-D43DF4D6EFE9}" type="datetimeFigureOut">
               <a:rPr lang="en-US" smtClean="0"/>
-              <a:t>8/1/23</a:t>
+              <a:t>8/7/23</a:t>
             </a:fld>
             <a:endParaRPr lang="en-US"/>
           </a:p>
@@ -11386,14 +12013,14 @@
           </a:ln>
           <a:extLst>
             <a:ext uri="{909E8E84-426E-40dd-AFC4-6F175D3DCCD1}">
-              <a14:hiddenFill xmlns:a14="http://schemas.microsoft.com/office/drawing/2010/main" xmlns="">
+              <a14:hiddenFill xmlns="" xmlns:a14="http://schemas.microsoft.com/office/drawing/2010/main">
                 <a:solidFill>
                   <a:srgbClr val="FFFFFF"/>
                 </a:solidFill>
               </a14:hiddenFill>
             </a:ext>
             <a:ext uri="{91240B29-F687-4f45-9708-019B960494DF}">
-              <a14:hiddenLine xmlns:a14="http://schemas.microsoft.com/office/drawing/2010/main" xmlns="" w="9525">
+              <a14:hiddenLine xmlns="" xmlns:a14="http://schemas.microsoft.com/office/drawing/2010/main" w="9525">
                 <a:solidFill>
                   <a:srgbClr val="000000"/>
                 </a:solidFill>
@@ -11403,7 +12030,7 @@
               </a14:hiddenLine>
             </a:ext>
             <a:ext uri="{FAA26D3D-D897-4be2-8F04-BA451C77F1D7}">
-              <ma14:placeholderFlag xmlns:ma14="http://schemas.microsoft.com/office/mac/drawingml/2011/main" xmlns="" val="1"/>
+              <ma14:placeholderFlag xmlns="" xmlns:ma14="http://schemas.microsoft.com/office/mac/drawingml/2011/main" val="1"/>
             </a:ext>
           </a:extLst>
         </p:spPr>
@@ -11483,14 +12110,14 @@
           </a:ln>
           <a:extLst>
             <a:ext uri="{909E8E84-426E-40dd-AFC4-6F175D3DCCD1}">
-              <a14:hiddenFill xmlns:a14="http://schemas.microsoft.com/office/drawing/2010/main" xmlns="">
+              <a14:hiddenFill xmlns="" xmlns:a14="http://schemas.microsoft.com/office/drawing/2010/main">
                 <a:solidFill>
                   <a:srgbClr val="FFFFFF"/>
                 </a:solidFill>
               </a14:hiddenFill>
             </a:ext>
             <a:ext uri="{91240B29-F687-4f45-9708-019B960494DF}">
-              <a14:hiddenLine xmlns:a14="http://schemas.microsoft.com/office/drawing/2010/main" xmlns="" w="9525">
+              <a14:hiddenLine xmlns="" xmlns:a14="http://schemas.microsoft.com/office/drawing/2010/main" w="9525">
                 <a:solidFill>
                   <a:srgbClr val="000000"/>
                 </a:solidFill>
@@ -11500,7 +12127,7 @@
               </a14:hiddenLine>
             </a:ext>
             <a:ext uri="{FAA26D3D-D897-4be2-8F04-BA451C77F1D7}">
-              <ma14:placeholderFlag xmlns:ma14="http://schemas.microsoft.com/office/mac/drawingml/2011/main" xmlns="" val="1"/>
+              <ma14:placeholderFlag xmlns="" xmlns:ma14="http://schemas.microsoft.com/office/mac/drawingml/2011/main" val="1"/>
             </a:ext>
           </a:extLst>
         </p:spPr>
@@ -11817,14 +12444,14 @@
           </a:ln>
           <a:extLst>
             <a:ext uri="{909E8E84-426E-40dd-AFC4-6F175D3DCCD1}">
-              <a14:hiddenFill xmlns:a14="http://schemas.microsoft.com/office/drawing/2010/main" xmlns="">
+              <a14:hiddenFill xmlns="" xmlns:a14="http://schemas.microsoft.com/office/drawing/2010/main">
                 <a:solidFill>
                   <a:srgbClr val="FFFFFF"/>
                 </a:solidFill>
               </a14:hiddenFill>
             </a:ext>
             <a:ext uri="{91240B29-F687-4f45-9708-019B960494DF}">
-              <a14:hiddenLine xmlns:a14="http://schemas.microsoft.com/office/drawing/2010/main" xmlns="" w="9525">
+              <a14:hiddenLine xmlns="" xmlns:a14="http://schemas.microsoft.com/office/drawing/2010/main" w="9525">
                 <a:solidFill>
                   <a:srgbClr val="000000"/>
                 </a:solidFill>
@@ -11834,7 +12461,7 @@
               </a14:hiddenLine>
             </a:ext>
             <a:ext uri="{FAA26D3D-D897-4be2-8F04-BA451C77F1D7}">
-              <ma14:placeholderFlag xmlns:ma14="http://schemas.microsoft.com/office/mac/drawingml/2011/main" xmlns="" val="1"/>
+              <ma14:placeholderFlag xmlns="" xmlns:ma14="http://schemas.microsoft.com/office/mac/drawingml/2011/main" val="1"/>
             </a:ext>
           </a:extLst>
         </p:spPr>
@@ -12031,14 +12658,14 @@
           </a:ln>
           <a:extLst>
             <a:ext uri="{909E8E84-426E-40dd-AFC4-6F175D3DCCD1}">
-              <a14:hiddenFill xmlns:a14="http://schemas.microsoft.com/office/drawing/2010/main" xmlns="">
+              <a14:hiddenFill xmlns="" xmlns:a14="http://schemas.microsoft.com/office/drawing/2010/main">
                 <a:solidFill>
                   <a:srgbClr val="FFFFFF"/>
                 </a:solidFill>
               </a14:hiddenFill>
             </a:ext>
             <a:ext uri="{91240B29-F687-4f45-9708-019B960494DF}">
-              <a14:hiddenLine xmlns:a14="http://schemas.microsoft.com/office/drawing/2010/main" xmlns="" w="9525">
+              <a14:hiddenLine xmlns="" xmlns:a14="http://schemas.microsoft.com/office/drawing/2010/main" w="9525">
                 <a:solidFill>
                   <a:srgbClr val="000000"/>
                 </a:solidFill>
@@ -12048,7 +12675,7 @@
               </a14:hiddenLine>
             </a:ext>
             <a:ext uri="{FAA26D3D-D897-4be2-8F04-BA451C77F1D7}">
-              <ma14:placeholderFlag xmlns:ma14="http://schemas.microsoft.com/office/mac/drawingml/2011/main" xmlns="" val="1"/>
+              <ma14:placeholderFlag xmlns="" xmlns:ma14="http://schemas.microsoft.com/office/mac/drawingml/2011/main" val="1"/>
             </a:ext>
           </a:extLst>
         </p:spPr>
@@ -12297,14 +12924,14 @@
           </a:ln>
           <a:extLst>
             <a:ext uri="{909E8E84-426E-40dd-AFC4-6F175D3DCCD1}">
-              <a14:hiddenFill xmlns:a14="http://schemas.microsoft.com/office/drawing/2010/main" xmlns="">
+              <a14:hiddenFill xmlns="" xmlns:a14="http://schemas.microsoft.com/office/drawing/2010/main">
                 <a:solidFill>
                   <a:srgbClr val="FFFFFF"/>
                 </a:solidFill>
               </a14:hiddenFill>
             </a:ext>
             <a:ext uri="{91240B29-F687-4f45-9708-019B960494DF}">
-              <a14:hiddenLine xmlns:a14="http://schemas.microsoft.com/office/drawing/2010/main" xmlns="" w="9525">
+              <a14:hiddenLine xmlns="" xmlns:a14="http://schemas.microsoft.com/office/drawing/2010/main" w="9525">
                 <a:solidFill>
                   <a:srgbClr val="000000"/>
                 </a:solidFill>
@@ -12314,7 +12941,7 @@
               </a14:hiddenLine>
             </a:ext>
             <a:ext uri="{FAA26D3D-D897-4be2-8F04-BA451C77F1D7}">
-              <ma14:placeholderFlag xmlns:ma14="http://schemas.microsoft.com/office/mac/drawingml/2011/main" xmlns="" val="1"/>
+              <ma14:placeholderFlag xmlns="" xmlns:ma14="http://schemas.microsoft.com/office/mac/drawingml/2011/main" val="1"/>
             </a:ext>
           </a:extLst>
         </p:spPr>
@@ -12548,14 +13175,14 @@
           </a:ln>
           <a:extLst>
             <a:ext uri="{909E8E84-426E-40dd-AFC4-6F175D3DCCD1}">
-              <a14:hiddenFill xmlns:a14="http://schemas.microsoft.com/office/drawing/2010/main" xmlns="">
+              <a14:hiddenFill xmlns="" xmlns:a14="http://schemas.microsoft.com/office/drawing/2010/main">
                 <a:solidFill>
                   <a:srgbClr val="FFFFFF"/>
                 </a:solidFill>
               </a14:hiddenFill>
             </a:ext>
             <a:ext uri="{91240B29-F687-4f45-9708-019B960494DF}">
-              <a14:hiddenLine xmlns:a14="http://schemas.microsoft.com/office/drawing/2010/main" xmlns="" w="9525">
+              <a14:hiddenLine xmlns="" xmlns:a14="http://schemas.microsoft.com/office/drawing/2010/main" w="9525">
                 <a:solidFill>
                   <a:srgbClr val="000000"/>
                 </a:solidFill>
@@ -12565,7 +13192,7 @@
               </a14:hiddenLine>
             </a:ext>
             <a:ext uri="{FAA26D3D-D897-4be2-8F04-BA451C77F1D7}">
-              <ma14:placeholderFlag xmlns:ma14="http://schemas.microsoft.com/office/mac/drawingml/2011/main" xmlns="" val="1"/>
+              <ma14:placeholderFlag xmlns="" xmlns:ma14="http://schemas.microsoft.com/office/mac/drawingml/2011/main" val="1"/>
             </a:ext>
           </a:extLst>
         </p:spPr>
@@ -12645,14 +13272,14 @@
           </a:ln>
           <a:extLst>
             <a:ext uri="{909E8E84-426E-40dd-AFC4-6F175D3DCCD1}">
-              <a14:hiddenFill xmlns:a14="http://schemas.microsoft.com/office/drawing/2010/main" xmlns="">
+              <a14:hiddenFill xmlns="" xmlns:a14="http://schemas.microsoft.com/office/drawing/2010/main">
                 <a:solidFill>
                   <a:srgbClr val="FFFFFF"/>
                 </a:solidFill>
               </a14:hiddenFill>
             </a:ext>
             <a:ext uri="{91240B29-F687-4f45-9708-019B960494DF}">
-              <a14:hiddenLine xmlns:a14="http://schemas.microsoft.com/office/drawing/2010/main" xmlns="" w="9525">
+              <a14:hiddenLine xmlns="" xmlns:a14="http://schemas.microsoft.com/office/drawing/2010/main" w="9525">
                 <a:solidFill>
                   <a:srgbClr val="000000"/>
                 </a:solidFill>
@@ -12662,7 +13289,7 @@
               </a14:hiddenLine>
             </a:ext>
             <a:ext uri="{FAA26D3D-D897-4be2-8F04-BA451C77F1D7}">
-              <ma14:placeholderFlag xmlns:ma14="http://schemas.microsoft.com/office/mac/drawingml/2011/main" xmlns="" val="1"/>
+              <ma14:placeholderFlag xmlns="" xmlns:ma14="http://schemas.microsoft.com/office/mac/drawingml/2011/main" val="1"/>
             </a:ext>
           </a:extLst>
         </p:spPr>
@@ -12747,14 +13374,14 @@
           </a:ln>
           <a:extLst>
             <a:ext uri="{909E8E84-426E-40dd-AFC4-6F175D3DCCD1}">
-              <a14:hiddenFill xmlns="" xmlns:a14="http://schemas.microsoft.com/office/drawing/2010/main">
+              <a14:hiddenFill xmlns:a14="http://schemas.microsoft.com/office/drawing/2010/main" xmlns="">
                 <a:solidFill>
                   <a:srgbClr val="FFFFFF"/>
                 </a:solidFill>
               </a14:hiddenFill>
             </a:ext>
             <a:ext uri="{91240B29-F687-4f45-9708-019B960494DF}">
-              <a14:hiddenLine xmlns="" xmlns:a14="http://schemas.microsoft.com/office/drawing/2010/main" w="9525">
+              <a14:hiddenLine xmlns:a14="http://schemas.microsoft.com/office/drawing/2010/main" xmlns="" w="9525">
                 <a:solidFill>
                   <a:srgbClr val="000000"/>
                 </a:solidFill>
@@ -12895,14 +13522,14 @@
           </a:ln>
           <a:extLst>
             <a:ext uri="{909E8E84-426E-40dd-AFC4-6F175D3DCCD1}">
-              <a14:hiddenFill xmlns="" xmlns:a14="http://schemas.microsoft.com/office/drawing/2010/main">
+              <a14:hiddenFill xmlns:a14="http://schemas.microsoft.com/office/drawing/2010/main" xmlns="">
                 <a:solidFill>
                   <a:srgbClr val="FFFFFF"/>
                 </a:solidFill>
               </a14:hiddenFill>
             </a:ext>
             <a:ext uri="{91240B29-F687-4f45-9708-019B960494DF}">
-              <a14:hiddenLine xmlns="" xmlns:a14="http://schemas.microsoft.com/office/drawing/2010/main" w="9525">
+              <a14:hiddenLine xmlns:a14="http://schemas.microsoft.com/office/drawing/2010/main" xmlns="" w="9525">
                 <a:solidFill>
                   <a:srgbClr val="000000"/>
                 </a:solidFill>
@@ -12912,7 +13539,7 @@
               </a14:hiddenLine>
             </a:ext>
             <a:ext uri="{FAA26D3D-D897-4be2-8F04-BA451C77F1D7}">
-              <ma14:placeholderFlag xmlns="" xmlns:ma14="http://schemas.microsoft.com/office/mac/drawingml/2011/main" val="1"/>
+              <ma14:placeholderFlag xmlns:ma14="http://schemas.microsoft.com/office/mac/drawingml/2011/main" xmlns="" val="1"/>
             </a:ext>
           </a:extLst>
         </p:spPr>
@@ -13140,7 +13767,7 @@
           <a:p>
             <a:fld id="{7F872E2C-CB02-0A4B-9808-D43DF4D6EFE9}" type="datetimeFigureOut">
               <a:rPr lang="en-US" smtClean="0"/>
-              <a:t>8/1/23</a:t>
+              <a:t>8/7/23</a:t>
             </a:fld>
             <a:endParaRPr lang="en-US"/>
           </a:p>
@@ -14238,7 +14865,7 @@
           <a:p>
             <a:fld id="{7F872E2C-CB02-0A4B-9808-D43DF4D6EFE9}" type="datetimeFigureOut">
               <a:rPr lang="en-US" smtClean="0"/>
-              <a:t>8/1/23</a:t>
+              <a:t>8/7/23</a:t>
             </a:fld>
             <a:endParaRPr lang="en-US"/>
           </a:p>
@@ -14380,7 +15007,7 @@
           <a:p>
             <a:fld id="{7F872E2C-CB02-0A4B-9808-D43DF4D6EFE9}" type="datetimeFigureOut">
               <a:rPr lang="en-US" smtClean="0"/>
-              <a:t>8/1/23</a:t>
+              <a:t>8/7/23</a:t>
             </a:fld>
             <a:endParaRPr lang="en-US"/>
           </a:p>
@@ -14493,7 +15120,7 @@
           <a:p>
             <a:fld id="{7F872E2C-CB02-0A4B-9808-D43DF4D6EFE9}" type="datetimeFigureOut">
               <a:rPr lang="en-US" smtClean="0"/>
-              <a:t>8/1/23</a:t>
+              <a:t>8/7/23</a:t>
             </a:fld>
             <a:endParaRPr lang="en-US"/>
           </a:p>
@@ -14806,7 +15433,7 @@
           <a:p>
             <a:fld id="{7F872E2C-CB02-0A4B-9808-D43DF4D6EFE9}" type="datetimeFigureOut">
               <a:rPr lang="en-US" smtClean="0"/>
-              <a:t>8/1/23</a:t>
+              <a:t>8/7/23</a:t>
             </a:fld>
             <a:endParaRPr lang="en-US"/>
           </a:p>
@@ -15095,7 +15722,7 @@
           <a:p>
             <a:fld id="{7F872E2C-CB02-0A4B-9808-D43DF4D6EFE9}" type="datetimeFigureOut">
               <a:rPr lang="en-US" smtClean="0"/>
-              <a:t>8/1/23</a:t>
+              <a:t>8/7/23</a:t>
             </a:fld>
             <a:endParaRPr lang="en-US"/>
           </a:p>
@@ -15338,7 +15965,7 @@
           <a:p>
             <a:fld id="{7F872E2C-CB02-0A4B-9808-D43DF4D6EFE9}" type="datetimeFigureOut">
               <a:rPr lang="en-US" smtClean="0"/>
-              <a:t>8/1/23</a:t>
+              <a:t>8/7/23</a:t>
             </a:fld>
             <a:endParaRPr lang="en-US"/>
           </a:p>
@@ -16086,14 +16713,14 @@
           </a:ln>
           <a:extLst>
             <a:ext uri="{909E8E84-426E-40dd-AFC4-6F175D3DCCD1}">
-              <a14:hiddenFill xmlns:a14="http://schemas.microsoft.com/office/drawing/2010/main" xmlns="">
+              <a14:hiddenFill xmlns="" xmlns:a14="http://schemas.microsoft.com/office/drawing/2010/main">
                 <a:solidFill>
                   <a:srgbClr val="FFFFFF"/>
                 </a:solidFill>
               </a14:hiddenFill>
             </a:ext>
             <a:ext uri="{91240B29-F687-4f45-9708-019B960494DF}">
-              <a14:hiddenLine xmlns:a14="http://schemas.microsoft.com/office/drawing/2010/main" xmlns="" w="9525">
+              <a14:hiddenLine xmlns="" xmlns:a14="http://schemas.microsoft.com/office/drawing/2010/main" w="9525">
                 <a:solidFill>
                   <a:srgbClr val="000000"/>
                 </a:solidFill>
@@ -16103,7 +16730,7 @@
               </a14:hiddenLine>
             </a:ext>
             <a:ext uri="{FAA26D3D-D897-4be2-8F04-BA451C77F1D7}">
-              <ma14:placeholderFlag xmlns:ma14="http://schemas.microsoft.com/office/mac/drawingml/2011/main" xmlns="" val="1"/>
+              <ma14:placeholderFlag xmlns="" xmlns:ma14="http://schemas.microsoft.com/office/mac/drawingml/2011/main" val="1"/>
             </a:ext>
           </a:extLst>
         </p:spPr>
@@ -16153,14 +16780,14 @@
           </a:ln>
           <a:extLst>
             <a:ext uri="{909E8E84-426E-40dd-AFC4-6F175D3DCCD1}">
-              <a14:hiddenFill xmlns:a14="http://schemas.microsoft.com/office/drawing/2010/main" xmlns="">
+              <a14:hiddenFill xmlns="" xmlns:a14="http://schemas.microsoft.com/office/drawing/2010/main">
                 <a:solidFill>
                   <a:srgbClr val="FFFFFF"/>
                 </a:solidFill>
               </a14:hiddenFill>
             </a:ext>
             <a:ext uri="{91240B29-F687-4f45-9708-019B960494DF}">
-              <a14:hiddenLine xmlns:a14="http://schemas.microsoft.com/office/drawing/2010/main" xmlns="" w="9525">
+              <a14:hiddenLine xmlns="" xmlns:a14="http://schemas.microsoft.com/office/drawing/2010/main" w="9525">
                 <a:solidFill>
                   <a:srgbClr val="000000"/>
                 </a:solidFill>
@@ -16170,7 +16797,7 @@
               </a14:hiddenLine>
             </a:ext>
             <a:ext uri="{FAA26D3D-D897-4be2-8F04-BA451C77F1D7}">
-              <ma14:placeholderFlag xmlns:ma14="http://schemas.microsoft.com/office/mac/drawingml/2011/main" xmlns="" val="1"/>
+              <ma14:placeholderFlag xmlns="" xmlns:ma14="http://schemas.microsoft.com/office/mac/drawingml/2011/main" val="1"/>
             </a:ext>
           </a:extLst>
         </p:spPr>
@@ -16645,53 +17272,6 @@
           <a:chExt cx="0" cy="0"/>
         </a:xfrm>
       </p:grpSpPr>
-      <p:pic>
-        <p:nvPicPr>
-          <p:cNvPr id="1026" name="Picture 2">
-            <a:extLst>
-              <a:ext uri="{FF2B5EF4-FFF2-40B4-BE49-F238E27FC236}">
-                <a16:creationId xmlns:a16="http://schemas.microsoft.com/office/drawing/2014/main" id="{4AEE3BC7-0152-957B-E9BB-766A6DC4D871}"/>
-              </a:ext>
-            </a:extLst>
-          </p:cNvPr>
-          <p:cNvPicPr>
-            <a:picLocks noChangeAspect="1" noChangeArrowheads="1"/>
-          </p:cNvPicPr>
-          <p:nvPr/>
-        </p:nvPicPr>
-        <p:blipFill>
-          <a:blip r:embed="rId2">
-            <a:extLst>
-              <a:ext uri="{28A0092B-C50C-407E-A947-70E740481C1C}">
-                <a14:useLocalDpi xmlns:a14="http://schemas.microsoft.com/office/drawing/2010/main" val="0"/>
-              </a:ext>
-            </a:extLst>
-          </a:blip>
-          <a:srcRect/>
-          <a:stretch>
-            <a:fillRect/>
-          </a:stretch>
-        </p:blipFill>
-        <p:spPr bwMode="auto">
-          <a:xfrm>
-            <a:off x="3380586" y="3026979"/>
-            <a:ext cx="5430827" cy="3831021"/>
-          </a:xfrm>
-          <a:prstGeom prst="rect">
-            <a:avLst/>
-          </a:prstGeom>
-          <a:noFill/>
-          <a:extLst>
-            <a:ext uri="{909E8E84-426E-40DD-AFC4-6F175D3DCCD1}">
-              <a14:hiddenFill xmlns:a14="http://schemas.microsoft.com/office/drawing/2010/main">
-                <a:solidFill>
-                  <a:srgbClr val="FFFFFF"/>
-                </a:solidFill>
-              </a14:hiddenFill>
-            </a:ext>
-          </a:extLst>
-        </p:spPr>
-      </p:pic>
       <p:sp>
         <p:nvSpPr>
           <p:cNvPr id="2" name="Title 1">
@@ -16710,19 +17290,23 @@
         </p:nvSpPr>
         <p:spPr>
           <a:xfrm>
-            <a:off x="1523999" y="-159899"/>
-            <a:ext cx="9144000" cy="2387600"/>
+            <a:off x="1240325" y="-1083352"/>
+            <a:ext cx="10034256" cy="2387600"/>
           </a:xfrm>
         </p:spPr>
         <p:txBody>
-          <a:bodyPr/>
+          <a:bodyPr>
+            <a:normAutofit/>
+          </a:bodyPr>
           <a:lstStyle/>
           <a:p>
             <a:r>
-              <a:rPr lang="en-US" b="1" dirty="0">
+              <a:rPr lang="en-US" sz="4000" b="1" dirty="0">
                 <a:solidFill>
-                  <a:srgbClr val="0070C0"/>
+                  <a:srgbClr val="002060"/>
                 </a:solidFill>
+                <a:latin typeface="Tw Cen MT"/>
+                <a:ea typeface="ＭＳ Ｐゴシック" charset="0"/>
               </a:rPr>
               <a:t>Getting Started with Machine Learning in R</a:t>
             </a:r>
@@ -16747,7 +17331,7 @@
         </p:nvSpPr>
         <p:spPr>
           <a:xfrm>
-            <a:off x="1523999" y="2227701"/>
+            <a:off x="1370090" y="1403836"/>
             <a:ext cx="9144000" cy="1655762"/>
           </a:xfrm>
         </p:spPr>
@@ -16766,6 +17350,249 @@
     <p:extLst>
       <p:ext uri="{BB962C8B-B14F-4D97-AF65-F5344CB8AC3E}">
         <p14:creationId xmlns:p14="http://schemas.microsoft.com/office/powerpoint/2010/main" val="3340625970"/>
+      </p:ext>
+    </p:extLst>
+  </p:cSld>
+  <p:clrMapOvr>
+    <a:masterClrMapping/>
+  </p:clrMapOvr>
+</p:sld>
+</file>
+
+<file path=ppt/slides/slide10.xml><?xml version="1.0" encoding="utf-8"?>
+<p:sld xmlns:a="http://schemas.openxmlformats.org/drawingml/2006/main" xmlns:r="http://schemas.openxmlformats.org/officeDocument/2006/relationships" xmlns:p="http://schemas.openxmlformats.org/presentationml/2006/main">
+  <p:cSld>
+    <p:spTree>
+      <p:nvGrpSpPr>
+        <p:cNvPr id="1" name=""/>
+        <p:cNvGrpSpPr/>
+        <p:nvPr/>
+      </p:nvGrpSpPr>
+      <p:grpSpPr>
+        <a:xfrm>
+          <a:off x="0" y="0"/>
+          <a:ext cx="0" cy="0"/>
+          <a:chOff x="0" y="0"/>
+          <a:chExt cx="0" cy="0"/>
+        </a:xfrm>
+      </p:grpSpPr>
+      <p:sp>
+        <p:nvSpPr>
+          <p:cNvPr id="2" name="Content Placeholder 1">
+            <a:extLst>
+              <a:ext uri="{FF2B5EF4-FFF2-40B4-BE49-F238E27FC236}">
+                <a16:creationId xmlns:a16="http://schemas.microsoft.com/office/drawing/2014/main" id="{9BC353E3-BD5D-AE49-23BE-82B24AFD8568}"/>
+              </a:ext>
+            </a:extLst>
+          </p:cNvPr>
+          <p:cNvSpPr>
+            <a:spLocks noGrp="1"/>
+          </p:cNvSpPr>
+          <p:nvPr>
+            <p:ph idx="1"/>
+          </p:nvPr>
+        </p:nvSpPr>
+        <p:spPr/>
+        <p:txBody>
+          <a:bodyPr/>
+          <a:lstStyle/>
+          <a:p>
+            <a:pPr marL="342265" indent="-342265">
+              <a:buFont typeface="Calibri" charset="0"/>
+              <a:buChar char="-"/>
+            </a:pPr>
+            <a:r>
+              <a:rPr lang="en-AU" b="0" i="0" u="none" strike="noStrike" dirty="0">
+                <a:effectLst/>
+                <a:latin typeface="+mn-lt"/>
+                <a:ea typeface="ＭＳ Ｐゴシック"/>
+              </a:rPr>
+              <a:t>Form teams </a:t>
+            </a:r>
+            <a:r>
+              <a:rPr lang="en-AU" b="0" dirty="0">
+                <a:latin typeface="+mn-lt"/>
+                <a:ea typeface="ＭＳ Ｐゴシック"/>
+              </a:rPr>
+              <a:t>within your table</a:t>
+            </a:r>
+            <a:r>
+              <a:rPr lang="en-AU" b="0" i="0" u="none" strike="noStrike" dirty="0">
+                <a:effectLst/>
+                <a:latin typeface="+mn-lt"/>
+                <a:ea typeface="ＭＳ Ｐゴシック"/>
+              </a:rPr>
+              <a:t>;</a:t>
+            </a:r>
+            <a:endParaRPr lang="en-US" dirty="0"/>
+          </a:p>
+          <a:p>
+            <a:pPr marL="342265" indent="-342265" algn="l"/>
+            <a:r>
+              <a:rPr lang="en-AU" b="0" i="0" u="none" strike="noStrike" dirty="0">
+                <a:effectLst/>
+                <a:latin typeface="+mn-lt"/>
+                <a:ea typeface="ＭＳ Ｐゴシック"/>
+              </a:rPr>
+              <a:t>Share your backgrounds with R, data, and Machine Learning; </a:t>
+            </a:r>
+          </a:p>
+          <a:p>
+            <a:pPr marL="342265" indent="-342265" algn="l"/>
+            <a:r>
+              <a:rPr lang="en-AU" b="0" dirty="0">
+                <a:latin typeface="+mn-lt"/>
+                <a:ea typeface="ＭＳ Ｐゴシック"/>
+              </a:rPr>
+              <a:t>Choose</a:t>
+            </a:r>
+            <a:r>
+              <a:rPr lang="en-AU" b="0" i="0" u="none" strike="noStrike" dirty="0">
+                <a:effectLst/>
+                <a:latin typeface="+mn-lt"/>
+                <a:ea typeface="ＭＳ Ｐゴシック"/>
+              </a:rPr>
+              <a:t> a team name;</a:t>
+            </a:r>
+          </a:p>
+          <a:p>
+            <a:pPr marL="342265" indent="-342265" algn="l"/>
+            <a:r>
+              <a:rPr lang="en-AU" b="0" dirty="0">
+                <a:latin typeface="+mn-lt"/>
+                <a:ea typeface="ＭＳ Ｐゴシック"/>
+              </a:rPr>
+              <a:t>Start the tutorial!</a:t>
+            </a:r>
+            <a:endParaRPr lang="en-AU" b="0" i="0" u="none" strike="noStrike" dirty="0">
+              <a:effectLst/>
+              <a:latin typeface="+mn-lt"/>
+              <a:ea typeface="ＭＳ Ｐゴシック"/>
+            </a:endParaRPr>
+          </a:p>
+          <a:p>
+            <a:pPr marL="342265" indent="-342265"/>
+            <a:endParaRPr lang="en-US" dirty="0">
+              <a:latin typeface="+mn-lt"/>
+            </a:endParaRPr>
+          </a:p>
+        </p:txBody>
+      </p:sp>
+      <p:sp>
+        <p:nvSpPr>
+          <p:cNvPr id="3" name="Title 2">
+            <a:extLst>
+              <a:ext uri="{FF2B5EF4-FFF2-40B4-BE49-F238E27FC236}">
+                <a16:creationId xmlns:a16="http://schemas.microsoft.com/office/drawing/2014/main" id="{4EE4C11D-6F78-F5C5-494C-358FF9C1889B}"/>
+              </a:ext>
+            </a:extLst>
+          </p:cNvPr>
+          <p:cNvSpPr>
+            <a:spLocks noGrp="1"/>
+          </p:cNvSpPr>
+          <p:nvPr>
+            <p:ph type="title"/>
+          </p:nvPr>
+        </p:nvSpPr>
+        <p:spPr/>
+        <p:txBody>
+          <a:bodyPr/>
+          <a:lstStyle/>
+          <a:p>
+            <a:r>
+              <a:rPr lang="en-US">
+                <a:solidFill>
+                  <a:srgbClr val="002060"/>
+                </a:solidFill>
+                <a:ea typeface="ＭＳ Ｐゴシック"/>
+              </a:rPr>
+              <a:t>Your turn!</a:t>
+            </a:r>
+            <a:endParaRPr lang="en-US">
+              <a:solidFill>
+                <a:srgbClr val="002060"/>
+              </a:solidFill>
+            </a:endParaRPr>
+          </a:p>
+        </p:txBody>
+      </p:sp>
+      <p:pic>
+        <p:nvPicPr>
+          <p:cNvPr id="7" name="Picture 6">
+            <a:extLst>
+              <a:ext uri="{FF2B5EF4-FFF2-40B4-BE49-F238E27FC236}">
+                <a16:creationId xmlns:a16="http://schemas.microsoft.com/office/drawing/2014/main" id="{E6175ED7-73B5-B184-8F0C-47DD99534D63}"/>
+              </a:ext>
+            </a:extLst>
+          </p:cNvPr>
+          <p:cNvPicPr>
+            <a:picLocks noChangeAspect="1"/>
+          </p:cNvPicPr>
+          <p:nvPr/>
+        </p:nvPicPr>
+        <p:blipFill>
+          <a:blip r:embed="rId2"/>
+          <a:stretch>
+            <a:fillRect/>
+          </a:stretch>
+        </p:blipFill>
+        <p:spPr>
+          <a:xfrm>
+            <a:off x="478367" y="4780107"/>
+            <a:ext cx="10267196" cy="718991"/>
+          </a:xfrm>
+          <a:prstGeom prst="rect">
+            <a:avLst/>
+          </a:prstGeom>
+        </p:spPr>
+      </p:pic>
+      <p:sp>
+        <p:nvSpPr>
+          <p:cNvPr id="9" name="TextBox 8">
+            <a:extLst>
+              <a:ext uri="{FF2B5EF4-FFF2-40B4-BE49-F238E27FC236}">
+                <a16:creationId xmlns:a16="http://schemas.microsoft.com/office/drawing/2014/main" id="{D70203D9-0EFE-3ED2-BE8A-129FDF2FC4DD}"/>
+              </a:ext>
+            </a:extLst>
+          </p:cNvPr>
+          <p:cNvSpPr txBox="1"/>
+          <p:nvPr/>
+        </p:nvSpPr>
+        <p:spPr>
+          <a:xfrm>
+            <a:off x="534479" y="4200707"/>
+            <a:ext cx="10154971" cy="369332"/>
+          </a:xfrm>
+          <a:prstGeom prst="rect">
+            <a:avLst/>
+          </a:prstGeom>
+          <a:noFill/>
+        </p:spPr>
+        <p:txBody>
+          <a:bodyPr wrap="square">
+            <a:spAutoFit/>
+          </a:bodyPr>
+          <a:lstStyle/>
+          <a:p>
+            <a:r>
+              <a:rPr lang="en-US" dirty="0"/>
+              <a:t>https://</a:t>
+            </a:r>
+            <a:r>
+              <a:rPr lang="en-US" dirty="0" err="1"/>
+              <a:t>github.com</a:t>
+            </a:r>
+            <a:r>
+              <a:rPr lang="en-US" dirty="0"/>
+              <a:t>/Sydney-Informatics-Hub/Module3R</a:t>
+            </a:r>
+          </a:p>
+        </p:txBody>
+      </p:sp>
+    </p:spTree>
+    <p:extLst>
+      <p:ext uri="{BB962C8B-B14F-4D97-AF65-F5344CB8AC3E}">
+        <p14:creationId xmlns:p14="http://schemas.microsoft.com/office/powerpoint/2010/main" val="1800459148"/>
       </p:ext>
     </p:extLst>
   </p:cSld>
@@ -17731,7 +18558,7 @@
           <a:p>
             <a:pPr algn="ctr"/>
             <a:r>
-              <a:rPr lang="en-AU">
+              <a:rPr lang="en-AU" dirty="0">
                 <a:solidFill>
                   <a:srgbClr val="002060"/>
                 </a:solidFill>
@@ -17739,14 +18566,14 @@
               <a:t>Sydney Informatics Hub</a:t>
             </a:r>
             <a:br>
-              <a:rPr lang="en-AU">
+              <a:rPr lang="en-AU" dirty="0">
                 <a:solidFill>
                   <a:srgbClr val="002060"/>
                 </a:solidFill>
               </a:rPr>
             </a:br>
             <a:r>
-              <a:rPr lang="en-AU" sz="2667" i="1">
+              <a:rPr lang="en-AU" sz="2667" i="1" dirty="0">
                 <a:solidFill>
                   <a:srgbClr val="002060"/>
                 </a:solidFill>
@@ -18040,14 +18867,14 @@
           <a:lstStyle/>
           <a:p>
             <a:r>
-              <a:rPr lang="en-AU">
+              <a:rPr lang="en-AU" dirty="0">
                 <a:solidFill>
                   <a:srgbClr val="002060"/>
                 </a:solidFill>
               </a:rPr>
               <a:t>(Examples of) Unacceptable behaviour</a:t>
             </a:r>
-            <a:endParaRPr i="1">
+            <a:endParaRPr i="1" dirty="0">
               <a:solidFill>
                 <a:srgbClr val="002060"/>
               </a:solidFill>
@@ -18157,6 +18984,506 @@
 </file>
 
 <file path=ppt/slides/slide5.xml><?xml version="1.0" encoding="utf-8"?>
+<p:sld xmlns:a="http://schemas.openxmlformats.org/drawingml/2006/main" xmlns:r="http://schemas.openxmlformats.org/officeDocument/2006/relationships" xmlns:p="http://schemas.openxmlformats.org/presentationml/2006/main">
+  <p:cSld>
+    <p:spTree>
+      <p:nvGrpSpPr>
+        <p:cNvPr id="1" name=""/>
+        <p:cNvGrpSpPr/>
+        <p:nvPr/>
+      </p:nvGrpSpPr>
+      <p:grpSpPr>
+        <a:xfrm>
+          <a:off x="0" y="0"/>
+          <a:ext cx="0" cy="0"/>
+          <a:chOff x="0" y="0"/>
+          <a:chExt cx="0" cy="0"/>
+        </a:xfrm>
+      </p:grpSpPr>
+      <p:sp>
+        <p:nvSpPr>
+          <p:cNvPr id="3" name="Title 2">
+            <a:extLst>
+              <a:ext uri="{FF2B5EF4-FFF2-40B4-BE49-F238E27FC236}">
+                <a16:creationId xmlns:a16="http://schemas.microsoft.com/office/drawing/2014/main" id="{7D4D9F36-F5B5-589A-2538-40DF983E3015}"/>
+              </a:ext>
+            </a:extLst>
+          </p:cNvPr>
+          <p:cNvSpPr>
+            <a:spLocks noGrp="1"/>
+          </p:cNvSpPr>
+          <p:nvPr>
+            <p:ph type="title"/>
+          </p:nvPr>
+        </p:nvSpPr>
+        <p:spPr/>
+        <p:txBody>
+          <a:bodyPr/>
+          <a:lstStyle/>
+          <a:p>
+            <a:r>
+              <a:rPr lang="en-US" dirty="0">
+                <a:solidFill>
+                  <a:srgbClr val="002060"/>
+                </a:solidFill>
+              </a:rPr>
+              <a:t>What is machine learning?</a:t>
+            </a:r>
+          </a:p>
+        </p:txBody>
+      </p:sp>
+      <p:pic>
+        <p:nvPicPr>
+          <p:cNvPr id="4" name="Picture 2">
+            <a:extLst>
+              <a:ext uri="{FF2B5EF4-FFF2-40B4-BE49-F238E27FC236}">
+                <a16:creationId xmlns:a16="http://schemas.microsoft.com/office/drawing/2014/main" id="{5308F0E4-4617-CA46-8B58-9ADF6A2750D7}"/>
+              </a:ext>
+            </a:extLst>
+          </p:cNvPr>
+          <p:cNvPicPr>
+            <a:picLocks noGrp="1" noChangeAspect="1" noChangeArrowheads="1"/>
+          </p:cNvPicPr>
+          <p:nvPr>
+            <p:ph idx="1"/>
+          </p:nvPr>
+        </p:nvPicPr>
+        <p:blipFill>
+          <a:blip r:embed="rId3">
+            <a:extLst>
+              <a:ext uri="{28A0092B-C50C-407E-A947-70E740481C1C}">
+                <a14:useLocalDpi xmlns:a14="http://schemas.microsoft.com/office/drawing/2010/main" val="0"/>
+              </a:ext>
+            </a:extLst>
+          </a:blip>
+          <a:srcRect/>
+          <a:stretch>
+            <a:fillRect/>
+          </a:stretch>
+        </p:blipFill>
+        <p:spPr bwMode="auto">
+          <a:xfrm>
+            <a:off x="2647236" y="1589086"/>
+            <a:ext cx="6765766" cy="4767263"/>
+          </a:xfrm>
+          <a:prstGeom prst="rect">
+            <a:avLst/>
+          </a:prstGeom>
+          <a:noFill/>
+          <a:extLst>
+            <a:ext uri="{909E8E84-426E-40DD-AFC4-6F175D3DCCD1}">
+              <a14:hiddenFill xmlns:a14="http://schemas.microsoft.com/office/drawing/2010/main">
+                <a:solidFill>
+                  <a:srgbClr val="FFFFFF"/>
+                </a:solidFill>
+              </a14:hiddenFill>
+            </a:ext>
+          </a:extLst>
+        </p:spPr>
+      </p:pic>
+    </p:spTree>
+    <p:extLst>
+      <p:ext uri="{BB962C8B-B14F-4D97-AF65-F5344CB8AC3E}">
+        <p14:creationId xmlns:p14="http://schemas.microsoft.com/office/powerpoint/2010/main" val="2999654089"/>
+      </p:ext>
+    </p:extLst>
+  </p:cSld>
+  <p:clrMapOvr>
+    <a:masterClrMapping/>
+  </p:clrMapOvr>
+</p:sld>
+</file>
+
+<file path=ppt/slides/slide6.xml><?xml version="1.0" encoding="utf-8"?>
+<p:sld xmlns:a="http://schemas.openxmlformats.org/drawingml/2006/main" xmlns:r="http://schemas.openxmlformats.org/officeDocument/2006/relationships" xmlns:p="http://schemas.openxmlformats.org/presentationml/2006/main">
+  <p:cSld>
+    <p:spTree>
+      <p:nvGrpSpPr>
+        <p:cNvPr id="1" name=""/>
+        <p:cNvGrpSpPr/>
+        <p:nvPr/>
+      </p:nvGrpSpPr>
+      <p:grpSpPr>
+        <a:xfrm>
+          <a:off x="0" y="0"/>
+          <a:ext cx="0" cy="0"/>
+          <a:chOff x="0" y="0"/>
+          <a:chExt cx="0" cy="0"/>
+        </a:xfrm>
+      </p:grpSpPr>
+      <p:sp>
+        <p:nvSpPr>
+          <p:cNvPr id="2" name="Content Placeholder 1">
+            <a:extLst>
+              <a:ext uri="{FF2B5EF4-FFF2-40B4-BE49-F238E27FC236}">
+                <a16:creationId xmlns:a16="http://schemas.microsoft.com/office/drawing/2014/main" id="{42579BB9-9951-F3EA-0EDA-F417539D54A3}"/>
+              </a:ext>
+            </a:extLst>
+          </p:cNvPr>
+          <p:cNvSpPr>
+            <a:spLocks noGrp="1"/>
+          </p:cNvSpPr>
+          <p:nvPr>
+            <p:ph idx="1"/>
+          </p:nvPr>
+        </p:nvSpPr>
+        <p:spPr/>
+        <p:txBody>
+          <a:bodyPr/>
+          <a:lstStyle/>
+          <a:p>
+            <a:pPr algn="l" fontAlgn="base"/>
+            <a:r>
+              <a:rPr lang="en-AU" b="0" i="0" dirty="0">
+                <a:solidFill>
+                  <a:srgbClr val="1A162D"/>
+                </a:solidFill>
+                <a:effectLst/>
+                <a:latin typeface="Jost"/>
+              </a:rPr>
+              <a:t>Part of any modelling process is</a:t>
+            </a:r>
+          </a:p>
+          <a:p>
+            <a:pPr algn="l" fontAlgn="base">
+              <a:buFont typeface="Arial" panose="020B0604020202020204" pitchFamily="34" charset="0"/>
+              <a:buChar char="•"/>
+            </a:pPr>
+            <a:r>
+              <a:rPr lang="en-AU" b="0" i="0" dirty="0">
+                <a:solidFill>
+                  <a:srgbClr val="1A162D"/>
+                </a:solidFill>
+                <a:effectLst/>
+                <a:latin typeface="Jost"/>
+              </a:rPr>
+              <a:t>Splitting your data into training and test set</a:t>
+            </a:r>
+          </a:p>
+          <a:p>
+            <a:pPr algn="l" fontAlgn="base">
+              <a:buFont typeface="Arial" panose="020B0604020202020204" pitchFamily="34" charset="0"/>
+              <a:buChar char="•"/>
+            </a:pPr>
+            <a:r>
+              <a:rPr lang="en-AU" b="0" i="0" dirty="0">
+                <a:solidFill>
+                  <a:srgbClr val="1A162D"/>
+                </a:solidFill>
+                <a:effectLst/>
+                <a:latin typeface="Jost"/>
+              </a:rPr>
+              <a:t>Using a resampling scheme</a:t>
+            </a:r>
+          </a:p>
+          <a:p>
+            <a:pPr algn="l" fontAlgn="base">
+              <a:buFont typeface="Arial" panose="020B0604020202020204" pitchFamily="34" charset="0"/>
+              <a:buChar char="•"/>
+            </a:pPr>
+            <a:r>
+              <a:rPr lang="en-AU" b="0" i="0" dirty="0">
+                <a:solidFill>
+                  <a:srgbClr val="1A162D"/>
+                </a:solidFill>
+                <a:effectLst/>
+                <a:latin typeface="Jost"/>
+              </a:rPr>
+              <a:t>Fitting models</a:t>
+            </a:r>
+          </a:p>
+          <a:p>
+            <a:pPr algn="l" fontAlgn="base">
+              <a:buFont typeface="Arial" panose="020B0604020202020204" pitchFamily="34" charset="0"/>
+              <a:buChar char="•"/>
+            </a:pPr>
+            <a:r>
+              <a:rPr lang="en-AU" b="0" i="0" dirty="0">
+                <a:solidFill>
+                  <a:srgbClr val="1A162D"/>
+                </a:solidFill>
+                <a:effectLst/>
+                <a:latin typeface="Jost"/>
+              </a:rPr>
+              <a:t>Assessing performance</a:t>
+            </a:r>
+          </a:p>
+          <a:p>
+            <a:pPr algn="l" fontAlgn="base">
+              <a:buFont typeface="Arial" panose="020B0604020202020204" pitchFamily="34" charset="0"/>
+              <a:buChar char="•"/>
+            </a:pPr>
+            <a:r>
+              <a:rPr lang="en-AU" b="0" i="0" dirty="0">
+                <a:solidFill>
+                  <a:srgbClr val="1A162D"/>
+                </a:solidFill>
+                <a:effectLst/>
+                <a:latin typeface="Jost"/>
+              </a:rPr>
+              <a:t>Choosing a model</a:t>
+            </a:r>
+          </a:p>
+          <a:p>
+            <a:pPr algn="l" fontAlgn="base">
+              <a:buFont typeface="Arial" panose="020B0604020202020204" pitchFamily="34" charset="0"/>
+              <a:buChar char="•"/>
+            </a:pPr>
+            <a:r>
+              <a:rPr lang="en-AU" b="0" i="0" dirty="0">
+                <a:solidFill>
+                  <a:srgbClr val="1A162D"/>
+                </a:solidFill>
+                <a:effectLst/>
+                <a:latin typeface="Jost"/>
+              </a:rPr>
+              <a:t>Fitting and assessing the final model</a:t>
+            </a:r>
+          </a:p>
+          <a:p>
+            <a:endParaRPr lang="en-US" dirty="0"/>
+          </a:p>
+        </p:txBody>
+      </p:sp>
+      <p:sp>
+        <p:nvSpPr>
+          <p:cNvPr id="3" name="Title 2">
+            <a:extLst>
+              <a:ext uri="{FF2B5EF4-FFF2-40B4-BE49-F238E27FC236}">
+                <a16:creationId xmlns:a16="http://schemas.microsoft.com/office/drawing/2014/main" id="{E0D59872-9E1D-9F60-E5A9-96BA43C69F94}"/>
+              </a:ext>
+            </a:extLst>
+          </p:cNvPr>
+          <p:cNvSpPr>
+            <a:spLocks noGrp="1"/>
+          </p:cNvSpPr>
+          <p:nvPr>
+            <p:ph type="title"/>
+          </p:nvPr>
+        </p:nvSpPr>
+        <p:spPr/>
+        <p:txBody>
+          <a:bodyPr/>
+          <a:lstStyle/>
+          <a:p>
+            <a:r>
+              <a:rPr lang="en-US" dirty="0">
+                <a:solidFill>
+                  <a:srgbClr val="002060"/>
+                </a:solidFill>
+              </a:rPr>
+              <a:t>The whole game</a:t>
+            </a:r>
+          </a:p>
+        </p:txBody>
+      </p:sp>
+    </p:spTree>
+    <p:extLst>
+      <p:ext uri="{BB962C8B-B14F-4D97-AF65-F5344CB8AC3E}">
+        <p14:creationId xmlns:p14="http://schemas.microsoft.com/office/powerpoint/2010/main" val="1090820978"/>
+      </p:ext>
+    </p:extLst>
+  </p:cSld>
+  <p:clrMapOvr>
+    <a:masterClrMapping/>
+  </p:clrMapOvr>
+</p:sld>
+</file>
+
+<file path=ppt/slides/slide7.xml><?xml version="1.0" encoding="utf-8"?>
+<p:sld xmlns:a="http://schemas.openxmlformats.org/drawingml/2006/main" xmlns:r="http://schemas.openxmlformats.org/officeDocument/2006/relationships" xmlns:p="http://schemas.openxmlformats.org/presentationml/2006/main">
+  <p:cSld>
+    <p:spTree>
+      <p:nvGrpSpPr>
+        <p:cNvPr id="1" name=""/>
+        <p:cNvGrpSpPr/>
+        <p:nvPr/>
+      </p:nvGrpSpPr>
+      <p:grpSpPr>
+        <a:xfrm>
+          <a:off x="0" y="0"/>
+          <a:ext cx="0" cy="0"/>
+          <a:chOff x="0" y="0"/>
+          <a:chExt cx="0" cy="0"/>
+        </a:xfrm>
+      </p:grpSpPr>
+      <p:pic>
+        <p:nvPicPr>
+          <p:cNvPr id="5" name="Content Placeholder 4" descr="A screenshot of a computer&#10;&#10;Description automatically generated">
+            <a:extLst>
+              <a:ext uri="{FF2B5EF4-FFF2-40B4-BE49-F238E27FC236}">
+                <a16:creationId xmlns:a16="http://schemas.microsoft.com/office/drawing/2014/main" id="{3DE5640F-124B-B239-4480-4FA96B3CD8E0}"/>
+              </a:ext>
+            </a:extLst>
+          </p:cNvPr>
+          <p:cNvPicPr>
+            <a:picLocks noGrp="1" noChangeAspect="1"/>
+          </p:cNvPicPr>
+          <p:nvPr>
+            <p:ph idx="1"/>
+          </p:nvPr>
+        </p:nvPicPr>
+        <p:blipFill>
+          <a:blip r:embed="rId3"/>
+          <a:stretch>
+            <a:fillRect/>
+          </a:stretch>
+        </p:blipFill>
+        <p:spPr>
+          <a:xfrm>
+            <a:off x="1832258" y="1310104"/>
+            <a:ext cx="7785100" cy="4660900"/>
+          </a:xfrm>
+        </p:spPr>
+      </p:pic>
+      <p:sp>
+        <p:nvSpPr>
+          <p:cNvPr id="3" name="Title 2">
+            <a:extLst>
+              <a:ext uri="{FF2B5EF4-FFF2-40B4-BE49-F238E27FC236}">
+                <a16:creationId xmlns:a16="http://schemas.microsoft.com/office/drawing/2014/main" id="{A36B876C-8720-9227-A96D-D1D84DC8EFFB}"/>
+              </a:ext>
+            </a:extLst>
+          </p:cNvPr>
+          <p:cNvSpPr>
+            <a:spLocks noGrp="1"/>
+          </p:cNvSpPr>
+          <p:nvPr>
+            <p:ph type="title"/>
+          </p:nvPr>
+        </p:nvSpPr>
+        <p:spPr>
+          <a:xfrm>
+            <a:off x="478366" y="358744"/>
+            <a:ext cx="11235267" cy="647183"/>
+          </a:xfrm>
+        </p:spPr>
+        <p:txBody>
+          <a:bodyPr/>
+          <a:lstStyle/>
+          <a:p>
+            <a:r>
+              <a:rPr lang="en-US" dirty="0">
+                <a:solidFill>
+                  <a:srgbClr val="002060"/>
+                </a:solidFill>
+              </a:rPr>
+              <a:t>How to use the tutorial</a:t>
+            </a:r>
+          </a:p>
+        </p:txBody>
+      </p:sp>
+    </p:spTree>
+    <p:extLst>
+      <p:ext uri="{BB962C8B-B14F-4D97-AF65-F5344CB8AC3E}">
+        <p14:creationId xmlns:p14="http://schemas.microsoft.com/office/powerpoint/2010/main" val="2547146072"/>
+      </p:ext>
+    </p:extLst>
+  </p:cSld>
+  <p:clrMapOvr>
+    <a:masterClrMapping/>
+  </p:clrMapOvr>
+</p:sld>
+</file>
+
+<file path=ppt/slides/slide8.xml><?xml version="1.0" encoding="utf-8"?>
+<p:sld xmlns:a="http://schemas.openxmlformats.org/drawingml/2006/main" xmlns:r="http://schemas.openxmlformats.org/officeDocument/2006/relationships" xmlns:p="http://schemas.openxmlformats.org/presentationml/2006/main">
+  <p:cSld>
+    <p:spTree>
+      <p:nvGrpSpPr>
+        <p:cNvPr id="1" name=""/>
+        <p:cNvGrpSpPr/>
+        <p:nvPr/>
+      </p:nvGrpSpPr>
+      <p:grpSpPr>
+        <a:xfrm>
+          <a:off x="0" y="0"/>
+          <a:ext cx="0" cy="0"/>
+          <a:chOff x="0" y="0"/>
+          <a:chExt cx="0" cy="0"/>
+        </a:xfrm>
+      </p:grpSpPr>
+      <p:sp>
+        <p:nvSpPr>
+          <p:cNvPr id="3" name="Title 2">
+            <a:extLst>
+              <a:ext uri="{FF2B5EF4-FFF2-40B4-BE49-F238E27FC236}">
+                <a16:creationId xmlns:a16="http://schemas.microsoft.com/office/drawing/2014/main" id="{A36B876C-8720-9227-A96D-D1D84DC8EFFB}"/>
+              </a:ext>
+            </a:extLst>
+          </p:cNvPr>
+          <p:cNvSpPr>
+            <a:spLocks noGrp="1"/>
+          </p:cNvSpPr>
+          <p:nvPr>
+            <p:ph type="title"/>
+          </p:nvPr>
+        </p:nvSpPr>
+        <p:spPr>
+          <a:xfrm>
+            <a:off x="478366" y="358744"/>
+            <a:ext cx="11235267" cy="647183"/>
+          </a:xfrm>
+        </p:spPr>
+        <p:txBody>
+          <a:bodyPr/>
+          <a:lstStyle/>
+          <a:p>
+            <a:r>
+              <a:rPr lang="en-US" dirty="0">
+                <a:solidFill>
+                  <a:srgbClr val="002060"/>
+                </a:solidFill>
+              </a:rPr>
+              <a:t>How to use the tutorial</a:t>
+            </a:r>
+          </a:p>
+        </p:txBody>
+      </p:sp>
+      <p:pic>
+        <p:nvPicPr>
+          <p:cNvPr id="7" name="Picture 6" descr="A screenshot of a computer&#10;&#10;Description automatically generated">
+            <a:extLst>
+              <a:ext uri="{FF2B5EF4-FFF2-40B4-BE49-F238E27FC236}">
+                <a16:creationId xmlns:a16="http://schemas.microsoft.com/office/drawing/2014/main" id="{FE1E7B9E-0066-F4BE-1809-00B608E910E1}"/>
+              </a:ext>
+            </a:extLst>
+          </p:cNvPr>
+          <p:cNvPicPr>
+            <a:picLocks noChangeAspect="1"/>
+          </p:cNvPicPr>
+          <p:nvPr/>
+        </p:nvPicPr>
+        <p:blipFill>
+          <a:blip r:embed="rId3"/>
+          <a:stretch>
+            <a:fillRect/>
+          </a:stretch>
+        </p:blipFill>
+        <p:spPr>
+          <a:xfrm>
+            <a:off x="2936342" y="2744329"/>
+            <a:ext cx="5803900" cy="1143000"/>
+          </a:xfrm>
+          <a:prstGeom prst="rect">
+            <a:avLst/>
+          </a:prstGeom>
+        </p:spPr>
+      </p:pic>
+    </p:spTree>
+    <p:extLst>
+      <p:ext uri="{BB962C8B-B14F-4D97-AF65-F5344CB8AC3E}">
+        <p14:creationId xmlns:p14="http://schemas.microsoft.com/office/powerpoint/2010/main" val="2002883471"/>
+      </p:ext>
+    </p:extLst>
+  </p:cSld>
+  <p:clrMapOvr>
+    <a:masterClrMapping/>
+  </p:clrMapOvr>
+</p:sld>
+</file>
+
+<file path=ppt/slides/slide9.xml><?xml version="1.0" encoding="utf-8"?>
 <p:sld xmlns:a="http://schemas.openxmlformats.org/drawingml/2006/main" xmlns:r="http://schemas.openxmlformats.org/officeDocument/2006/relationships" xmlns:p="http://schemas.openxmlformats.org/presentationml/2006/main">
   <p:cSld>
     <p:spTree>
@@ -18520,176 +19847,6 @@
     <p:extLst>
       <p:ext uri="{BB962C8B-B14F-4D97-AF65-F5344CB8AC3E}">
         <p14:creationId xmlns:p14="http://schemas.microsoft.com/office/powerpoint/2010/main" val="45786628"/>
-      </p:ext>
-    </p:extLst>
-  </p:cSld>
-  <p:clrMapOvr>
-    <a:masterClrMapping/>
-  </p:clrMapOvr>
-</p:sld>
-</file>
-
-<file path=ppt/slides/slide6.xml><?xml version="1.0" encoding="utf-8"?>
-<p:sld xmlns:a="http://schemas.openxmlformats.org/drawingml/2006/main" xmlns:r="http://schemas.openxmlformats.org/officeDocument/2006/relationships" xmlns:p="http://schemas.openxmlformats.org/presentationml/2006/main">
-  <p:cSld>
-    <p:spTree>
-      <p:nvGrpSpPr>
-        <p:cNvPr id="1" name=""/>
-        <p:cNvGrpSpPr/>
-        <p:nvPr/>
-      </p:nvGrpSpPr>
-      <p:grpSpPr>
-        <a:xfrm>
-          <a:off x="0" y="0"/>
-          <a:ext cx="0" cy="0"/>
-          <a:chOff x="0" y="0"/>
-          <a:chExt cx="0" cy="0"/>
-        </a:xfrm>
-      </p:grpSpPr>
-      <p:sp>
-        <p:nvSpPr>
-          <p:cNvPr id="2" name="Content Placeholder 1">
-            <a:extLst>
-              <a:ext uri="{FF2B5EF4-FFF2-40B4-BE49-F238E27FC236}">
-                <a16:creationId xmlns:a16="http://schemas.microsoft.com/office/drawing/2014/main" id="{9BC353E3-BD5D-AE49-23BE-82B24AFD8568}"/>
-              </a:ext>
-            </a:extLst>
-          </p:cNvPr>
-          <p:cNvSpPr>
-            <a:spLocks noGrp="1"/>
-          </p:cNvSpPr>
-          <p:nvPr>
-            <p:ph idx="1"/>
-          </p:nvPr>
-        </p:nvSpPr>
-        <p:spPr/>
-        <p:txBody>
-          <a:bodyPr/>
-          <a:lstStyle/>
-          <a:p>
-            <a:pPr marL="342265" indent="-342265">
-              <a:buFont typeface="Calibri" charset="0"/>
-              <a:buChar char="-"/>
-            </a:pPr>
-            <a:r>
-              <a:rPr lang="en-AU" b="0" i="0" u="none" strike="noStrike" dirty="0">
-                <a:effectLst/>
-                <a:latin typeface="+mn-lt"/>
-                <a:ea typeface="ＭＳ Ｐゴシック"/>
-              </a:rPr>
-              <a:t>Form teams </a:t>
-            </a:r>
-            <a:r>
-              <a:rPr lang="en-AU" b="0" dirty="0">
-                <a:latin typeface="+mn-lt"/>
-                <a:ea typeface="ＭＳ Ｐゴシック"/>
-              </a:rPr>
-              <a:t>within your table</a:t>
-            </a:r>
-            <a:r>
-              <a:rPr lang="en-AU" b="0" i="0" u="none" strike="noStrike" dirty="0">
-                <a:effectLst/>
-                <a:latin typeface="+mn-lt"/>
-                <a:ea typeface="ＭＳ Ｐゴシック"/>
-              </a:rPr>
-              <a:t>;</a:t>
-            </a:r>
-            <a:endParaRPr lang="en-US" dirty="0"/>
-          </a:p>
-          <a:p>
-            <a:pPr marL="342265" indent="-342265" algn="l"/>
-            <a:r>
-              <a:rPr lang="en-AU" b="0" i="0" u="none" strike="noStrike" dirty="0">
-                <a:effectLst/>
-                <a:latin typeface="+mn-lt"/>
-                <a:ea typeface="ＭＳ Ｐゴシック"/>
-              </a:rPr>
-              <a:t>Share your backgrounds with R, data, and Machine Learning; </a:t>
-            </a:r>
-          </a:p>
-          <a:p>
-            <a:pPr marL="342265" indent="-342265" algn="l"/>
-            <a:r>
-              <a:rPr lang="en-AU" b="0" dirty="0">
-                <a:latin typeface="+mn-lt"/>
-                <a:ea typeface="ＭＳ Ｐゴシック"/>
-              </a:rPr>
-              <a:t>Choose</a:t>
-            </a:r>
-            <a:r>
-              <a:rPr lang="en-AU" b="0" i="0" u="none" strike="noStrike" dirty="0">
-                <a:effectLst/>
-                <a:latin typeface="+mn-lt"/>
-                <a:ea typeface="ＭＳ Ｐゴシック"/>
-              </a:rPr>
-              <a:t> a team name;</a:t>
-            </a:r>
-          </a:p>
-          <a:p>
-            <a:pPr marL="342265" indent="-342265" algn="l"/>
-            <a:r>
-              <a:rPr lang="en-AU" b="0" dirty="0">
-                <a:latin typeface="+mn-lt"/>
-                <a:ea typeface="ＭＳ Ｐゴシック"/>
-              </a:rPr>
-              <a:t>Start the tutorial!</a:t>
-            </a:r>
-            <a:endParaRPr lang="en-AU" b="0" i="0" u="none" strike="noStrike" dirty="0">
-              <a:effectLst/>
-              <a:latin typeface="+mn-lt"/>
-              <a:ea typeface="ＭＳ Ｐゴシック"/>
-            </a:endParaRPr>
-          </a:p>
-          <a:p>
-            <a:pPr marL="342265" indent="-342265"/>
-            <a:endParaRPr lang="en-US" dirty="0">
-              <a:latin typeface="+mn-lt"/>
-            </a:endParaRPr>
-          </a:p>
-        </p:txBody>
-      </p:sp>
-      <p:sp>
-        <p:nvSpPr>
-          <p:cNvPr id="3" name="Title 2">
-            <a:extLst>
-              <a:ext uri="{FF2B5EF4-FFF2-40B4-BE49-F238E27FC236}">
-                <a16:creationId xmlns:a16="http://schemas.microsoft.com/office/drawing/2014/main" id="{4EE4C11D-6F78-F5C5-494C-358FF9C1889B}"/>
-              </a:ext>
-            </a:extLst>
-          </p:cNvPr>
-          <p:cNvSpPr>
-            <a:spLocks noGrp="1"/>
-          </p:cNvSpPr>
-          <p:nvPr>
-            <p:ph type="title"/>
-          </p:nvPr>
-        </p:nvSpPr>
-        <p:spPr/>
-        <p:txBody>
-          <a:bodyPr/>
-          <a:lstStyle/>
-          <a:p>
-            <a:r>
-              <a:rPr lang="en-US">
-                <a:solidFill>
-                  <a:srgbClr val="002060"/>
-                </a:solidFill>
-                <a:ea typeface="ＭＳ Ｐゴシック"/>
-              </a:rPr>
-              <a:t>Your turn!</a:t>
-            </a:r>
-            <a:endParaRPr lang="en-US">
-              <a:solidFill>
-                <a:srgbClr val="002060"/>
-              </a:solidFill>
-            </a:endParaRPr>
-          </a:p>
-        </p:txBody>
-      </p:sp>
-    </p:spTree>
-    <p:extLst>
-      <p:ext uri="{BB962C8B-B14F-4D97-AF65-F5344CB8AC3E}">
-        <p14:creationId xmlns:p14="http://schemas.microsoft.com/office/powerpoint/2010/main" val="1800459148"/>
       </p:ext>
     </p:extLst>
   </p:cSld>

--- a/slides/Module3R.pptx
+++ b/slides/Module3R.pptx
@@ -9,7 +9,7 @@
     <p:notesMasterId r:id="rId13"/>
   </p:notesMasterIdLst>
   <p:sldIdLst>
-    <p:sldId id="256" r:id="rId3"/>
+    <p:sldId id="463" r:id="rId3"/>
     <p:sldId id="414" r:id="rId4"/>
     <p:sldId id="310" r:id="rId5"/>
     <p:sldId id="311" r:id="rId6"/>
@@ -3413,7 +3413,7 @@
           <a:p>
             <a:fld id="{E52CFFB2-ED7C-1B45-8092-9C6B42AF074F}" type="datetimeFigureOut">
               <a:rPr lang="en-US" smtClean="0"/>
-              <a:t>8/7/23</a:t>
+              <a:t>10/16/23</a:t>
             </a:fld>
             <a:endParaRPr lang="en-US"/>
           </a:p>
@@ -3725,6 +3725,90 @@
           <a:bodyPr/>
           <a:lstStyle/>
           <a:p>
+            <a:endParaRPr lang="en-US"/>
+          </a:p>
+        </p:txBody>
+      </p:sp>
+      <p:sp>
+        <p:nvSpPr>
+          <p:cNvPr id="4" name="Slide Number Placeholder 3"/>
+          <p:cNvSpPr>
+            <a:spLocks noGrp="1"/>
+          </p:cNvSpPr>
+          <p:nvPr>
+            <p:ph type="sldNum" sz="quarter" idx="5"/>
+          </p:nvPr>
+        </p:nvSpPr>
+        <p:spPr/>
+        <p:txBody>
+          <a:bodyPr/>
+          <a:lstStyle/>
+          <a:p>
+            <a:fld id="{767B1F04-EA3C-1942-9FAC-889953BAA9B0}" type="slidenum">
+              <a:rPr lang="en-US" smtClean="0"/>
+              <a:t>1</a:t>
+            </a:fld>
+            <a:endParaRPr lang="en-US"/>
+          </a:p>
+        </p:txBody>
+      </p:sp>
+    </p:spTree>
+    <p:extLst>
+      <p:ext uri="{BB962C8B-B14F-4D97-AF65-F5344CB8AC3E}">
+        <p14:creationId xmlns:p14="http://schemas.microsoft.com/office/powerpoint/2010/main" val="1180606364"/>
+      </p:ext>
+    </p:extLst>
+  </p:cSld>
+  <p:clrMapOvr>
+    <a:masterClrMapping/>
+  </p:clrMapOvr>
+</p:notes>
+</file>
+
+<file path=ppt/notesSlides/notesSlide2.xml><?xml version="1.0" encoding="utf-8"?>
+<p:notes xmlns:a="http://schemas.openxmlformats.org/drawingml/2006/main" xmlns:r="http://schemas.openxmlformats.org/officeDocument/2006/relationships" xmlns:p="http://schemas.openxmlformats.org/presentationml/2006/main">
+  <p:cSld>
+    <p:spTree>
+      <p:nvGrpSpPr>
+        <p:cNvPr id="1" name=""/>
+        <p:cNvGrpSpPr/>
+        <p:nvPr/>
+      </p:nvGrpSpPr>
+      <p:grpSpPr>
+        <a:xfrm>
+          <a:off x="0" y="0"/>
+          <a:ext cx="0" cy="0"/>
+          <a:chOff x="0" y="0"/>
+          <a:chExt cx="0" cy="0"/>
+        </a:xfrm>
+      </p:grpSpPr>
+      <p:sp>
+        <p:nvSpPr>
+          <p:cNvPr id="2" name="Slide Image Placeholder 1"/>
+          <p:cNvSpPr>
+            <a:spLocks noGrp="1" noRot="1" noChangeAspect="1"/>
+          </p:cNvSpPr>
+          <p:nvPr>
+            <p:ph type="sldImg"/>
+          </p:nvPr>
+        </p:nvSpPr>
+        <p:spPr/>
+      </p:sp>
+      <p:sp>
+        <p:nvSpPr>
+          <p:cNvPr id="3" name="Notes Placeholder 2"/>
+          <p:cNvSpPr>
+            <a:spLocks noGrp="1"/>
+          </p:cNvSpPr>
+          <p:nvPr>
+            <p:ph type="body" idx="1"/>
+          </p:nvPr>
+        </p:nvSpPr>
+        <p:spPr/>
+        <p:txBody>
+          <a:bodyPr/>
+          <a:lstStyle/>
+          <a:p>
             <a:pPr>
               <a:defRPr/>
             </a:pPr>
@@ -3876,7 +3960,7 @@
 </p:notes>
 </file>
 
-<file path=ppt/notesSlides/notesSlide2.xml><?xml version="1.0" encoding="utf-8"?>
+<file path=ppt/notesSlides/notesSlide3.xml><?xml version="1.0" encoding="utf-8"?>
 <p:notes xmlns:a="http://schemas.openxmlformats.org/drawingml/2006/main" xmlns:r="http://schemas.openxmlformats.org/officeDocument/2006/relationships" xmlns:p="http://schemas.openxmlformats.org/presentationml/2006/main">
   <p:cSld>
     <p:spTree>
@@ -4023,7 +4107,7 @@
 </p:notes>
 </file>
 
-<file path=ppt/notesSlides/notesSlide3.xml><?xml version="1.0" encoding="utf-8"?>
+<file path=ppt/notesSlides/notesSlide4.xml><?xml version="1.0" encoding="utf-8"?>
 <p:notes xmlns:a="http://schemas.openxmlformats.org/drawingml/2006/main" xmlns:r="http://schemas.openxmlformats.org/officeDocument/2006/relationships" xmlns:p="http://schemas.openxmlformats.org/presentationml/2006/main">
   <p:cSld>
     <p:spTree>
@@ -4203,246 +4287,6 @@
 </p:notes>
 </file>
 
-<file path=ppt/notesSlides/notesSlide4.xml><?xml version="1.0" encoding="utf-8"?>
-<p:notes xmlns:a="http://schemas.openxmlformats.org/drawingml/2006/main" xmlns:r="http://schemas.openxmlformats.org/officeDocument/2006/relationships" xmlns:p="http://schemas.openxmlformats.org/presentationml/2006/main">
-  <p:cSld>
-    <p:spTree>
-      <p:nvGrpSpPr>
-        <p:cNvPr id="1" name=""/>
-        <p:cNvGrpSpPr/>
-        <p:nvPr/>
-      </p:nvGrpSpPr>
-      <p:grpSpPr>
-        <a:xfrm>
-          <a:off x="0" y="0"/>
-          <a:ext cx="0" cy="0"/>
-          <a:chOff x="0" y="0"/>
-          <a:chExt cx="0" cy="0"/>
-        </a:xfrm>
-      </p:grpSpPr>
-      <p:sp>
-        <p:nvSpPr>
-          <p:cNvPr id="2" name="Slide Image Placeholder 1"/>
-          <p:cNvSpPr>
-            <a:spLocks noGrp="1" noRot="1" noChangeAspect="1"/>
-          </p:cNvSpPr>
-          <p:nvPr>
-            <p:ph type="sldImg"/>
-          </p:nvPr>
-        </p:nvSpPr>
-        <p:spPr/>
-      </p:sp>
-      <p:sp>
-        <p:nvSpPr>
-          <p:cNvPr id="3" name="Notes Placeholder 2"/>
-          <p:cNvSpPr>
-            <a:spLocks noGrp="1"/>
-          </p:cNvSpPr>
-          <p:nvPr>
-            <p:ph type="body" idx="1"/>
-          </p:nvPr>
-        </p:nvSpPr>
-        <p:spPr/>
-        <p:txBody>
-          <a:bodyPr/>
-          <a:lstStyle/>
-          <a:p>
-            <a:pPr algn="l"/>
-            <a:r>
-              <a:rPr lang="en-AU" b="0" i="0" dirty="0">
-                <a:solidFill>
-                  <a:srgbClr val="333333"/>
-                </a:solidFill>
-                <a:effectLst/>
-                <a:latin typeface="Merriweather" panose="020F0502020204030204" pitchFamily="34" charset="0"/>
-              </a:rPr>
-              <a:t>Classical machine learning is often divided into two categories – </a:t>
-            </a:r>
-            <a:r>
-              <a:rPr lang="en-AU" b="1" i="0" dirty="0">
-                <a:solidFill>
-                  <a:srgbClr val="333333"/>
-                </a:solidFill>
-                <a:effectLst/>
-                <a:latin typeface="Merriweather" panose="020F0502020204030204" pitchFamily="34" charset="0"/>
-              </a:rPr>
-              <a:t>Supervised</a:t>
-            </a:r>
-            <a:r>
-              <a:rPr lang="en-AU" b="0" i="0" dirty="0">
-                <a:solidFill>
-                  <a:srgbClr val="333333"/>
-                </a:solidFill>
-                <a:effectLst/>
-                <a:latin typeface="Merriweather" panose="020F0502020204030204" pitchFamily="34" charset="0"/>
-              </a:rPr>
-              <a:t> and </a:t>
-            </a:r>
-            <a:r>
-              <a:rPr lang="en-AU" b="1" i="0" dirty="0">
-                <a:solidFill>
-                  <a:srgbClr val="333333"/>
-                </a:solidFill>
-                <a:effectLst/>
-                <a:latin typeface="Merriweather" panose="020F0502020204030204" pitchFamily="34" charset="0"/>
-              </a:rPr>
-              <a:t>Unsupervised Learning</a:t>
-            </a:r>
-            <a:r>
-              <a:rPr lang="en-AU" b="0" i="0" dirty="0">
-                <a:solidFill>
-                  <a:srgbClr val="333333"/>
-                </a:solidFill>
-                <a:effectLst/>
-                <a:latin typeface="Merriweather" panose="020F0502020204030204" pitchFamily="34" charset="0"/>
-              </a:rPr>
-              <a:t>.</a:t>
-            </a:r>
-          </a:p>
-          <a:p>
-            <a:pPr algn="l"/>
-            <a:r>
-              <a:rPr lang="en-AU" b="0" i="0" dirty="0">
-                <a:solidFill>
-                  <a:srgbClr val="333333"/>
-                </a:solidFill>
-                <a:effectLst/>
-                <a:latin typeface="Merriweather" panose="020F0502020204030204" pitchFamily="34" charset="0"/>
-              </a:rPr>
-              <a:t>In the first case, the machine has a "supervisor" or a "teacher" who gives the machine all the answers, like whether it's a cat in the picture or a dog. The teacher has already divided (</a:t>
-            </a:r>
-            <a:r>
-              <a:rPr lang="en-AU" b="0" i="0" dirty="0" err="1">
-                <a:solidFill>
-                  <a:srgbClr val="333333"/>
-                </a:solidFill>
-                <a:effectLst/>
-                <a:latin typeface="Merriweather" panose="020F0502020204030204" pitchFamily="34" charset="0"/>
-              </a:rPr>
-              <a:t>labeled</a:t>
-            </a:r>
-            <a:r>
-              <a:rPr lang="en-AU" b="0" i="0" dirty="0">
-                <a:solidFill>
-                  <a:srgbClr val="333333"/>
-                </a:solidFill>
-                <a:effectLst/>
-                <a:latin typeface="Merriweather" panose="020F0502020204030204" pitchFamily="34" charset="0"/>
-              </a:rPr>
-              <a:t>) the data into cats and dogs, and the machine is using these examples to learn. One by one. Dog by cat.</a:t>
-            </a:r>
-          </a:p>
-          <a:p>
-            <a:pPr algn="l"/>
-            <a:r>
-              <a:rPr lang="en-AU" b="0" i="0" dirty="0">
-                <a:solidFill>
-                  <a:srgbClr val="333333"/>
-                </a:solidFill>
-                <a:effectLst/>
-                <a:latin typeface="Merriweather" panose="020F0502020204030204" pitchFamily="34" charset="0"/>
-              </a:rPr>
-              <a:t>Unsupervised learning means the machine is left on its own with a pile of animal photos and a task to find out who's who. Data is not </a:t>
-            </a:r>
-            <a:r>
-              <a:rPr lang="en-AU" b="0" i="0" dirty="0" err="1">
-                <a:solidFill>
-                  <a:srgbClr val="333333"/>
-                </a:solidFill>
-                <a:effectLst/>
-                <a:latin typeface="Merriweather" panose="020F0502020204030204" pitchFamily="34" charset="0"/>
-              </a:rPr>
-              <a:t>labeled</a:t>
-            </a:r>
-            <a:r>
-              <a:rPr lang="en-AU" b="0" i="0" dirty="0">
-                <a:solidFill>
-                  <a:srgbClr val="333333"/>
-                </a:solidFill>
-                <a:effectLst/>
-                <a:latin typeface="Merriweather" panose="020F0502020204030204" pitchFamily="34" charset="0"/>
-              </a:rPr>
-              <a:t>, there's no teacher, the machine is trying to find any patterns on its own. </a:t>
-            </a:r>
-          </a:p>
-          <a:p>
-            <a:pPr algn="l"/>
-            <a:r>
-              <a:rPr lang="en-AU" b="0" i="0" dirty="0">
-                <a:solidFill>
-                  <a:srgbClr val="333333"/>
-                </a:solidFill>
-                <a:effectLst/>
-                <a:latin typeface="Merriweather" panose="020F0502020204030204" pitchFamily="34" charset="0"/>
-              </a:rPr>
-              <a:t>Clearly, the machine will learn faster with a teacher, so it's more commonly used in real-life tasks. There are two types of such tasks: </a:t>
-            </a:r>
-            <a:r>
-              <a:rPr lang="en-AU" b="1" i="0" dirty="0">
-                <a:solidFill>
-                  <a:srgbClr val="333333"/>
-                </a:solidFill>
-                <a:effectLst/>
-                <a:latin typeface="Merriweather" panose="020F0502020204030204" pitchFamily="34" charset="0"/>
-              </a:rPr>
-              <a:t>classification – an object's category prediction, and regression – prediction of a specific point on a </a:t>
-            </a:r>
-            <a:r>
-              <a:rPr lang="en-AU" b="1" i="0">
-                <a:solidFill>
-                  <a:srgbClr val="333333"/>
-                </a:solidFill>
-                <a:effectLst/>
-                <a:latin typeface="Merriweather" panose="020F0502020204030204" pitchFamily="34" charset="0"/>
-              </a:rPr>
-              <a:t>numeric axis.</a:t>
-            </a:r>
-            <a:endParaRPr lang="en-AU" b="0" i="0" dirty="0">
-              <a:solidFill>
-                <a:srgbClr val="333333"/>
-              </a:solidFill>
-              <a:effectLst/>
-              <a:latin typeface="Merriweather" panose="020F0502020204030204" pitchFamily="34" charset="0"/>
-            </a:endParaRPr>
-          </a:p>
-        </p:txBody>
-      </p:sp>
-      <p:sp>
-        <p:nvSpPr>
-          <p:cNvPr id="4" name="Slide Number Placeholder 3"/>
-          <p:cNvSpPr>
-            <a:spLocks noGrp="1"/>
-          </p:cNvSpPr>
-          <p:nvPr>
-            <p:ph type="sldNum" sz="quarter" idx="5"/>
-          </p:nvPr>
-        </p:nvSpPr>
-        <p:spPr/>
-        <p:txBody>
-          <a:bodyPr/>
-          <a:lstStyle/>
-          <a:p>
-            <a:fld id="{0D1E54C2-E970-D74E-A0B0-616948416249}" type="slidenum">
-              <a:rPr lang="en-US" smtClean="0"/>
-              <a:t>5</a:t>
-            </a:fld>
-            <a:endParaRPr lang="en-US"/>
-          </a:p>
-        </p:txBody>
-      </p:sp>
-    </p:spTree>
-    <p:extLst>
-      <p:ext uri="{BB962C8B-B14F-4D97-AF65-F5344CB8AC3E}">
-        <p14:creationId xmlns:p14="http://schemas.microsoft.com/office/powerpoint/2010/main" val="2929334606"/>
-      </p:ext>
-    </p:extLst>
-  </p:cSld>
-  <p:clrMapOvr>
-    <a:masterClrMapping/>
-  </p:clrMapOvr>
-</p:notes>
-</file>
-
 <file path=ppt/notesSlides/notesSlide5.xml><?xml version="1.0" encoding="utf-8"?>
 <p:notes xmlns:a="http://schemas.openxmlformats.org/drawingml/2006/main" xmlns:r="http://schemas.openxmlformats.org/officeDocument/2006/relationships" xmlns:p="http://schemas.openxmlformats.org/presentationml/2006/main">
   <p:cSld>
@@ -4487,10 +4331,163 @@
           <a:bodyPr/>
           <a:lstStyle/>
           <a:p>
-            <a:r>
-              <a:rPr lang="en-US" dirty="0"/>
-              <a:t>Things you are going to practice in the tutorial </a:t>
-            </a:r>
+            <a:pPr algn="l"/>
+            <a:r>
+              <a:rPr lang="en-AU" b="0" i="0" dirty="0">
+                <a:solidFill>
+                  <a:srgbClr val="333333"/>
+                </a:solidFill>
+                <a:effectLst/>
+                <a:latin typeface="Merriweather" panose="020F0502020204030204" pitchFamily="34" charset="0"/>
+              </a:rPr>
+              <a:t>Classical machine learning is often divided into two categories – </a:t>
+            </a:r>
+            <a:r>
+              <a:rPr lang="en-AU" b="1" i="0" dirty="0">
+                <a:solidFill>
+                  <a:srgbClr val="333333"/>
+                </a:solidFill>
+                <a:effectLst/>
+                <a:latin typeface="Merriweather" panose="020F0502020204030204" pitchFamily="34" charset="0"/>
+              </a:rPr>
+              <a:t>Supervised</a:t>
+            </a:r>
+            <a:r>
+              <a:rPr lang="en-AU" b="0" i="0" dirty="0">
+                <a:solidFill>
+                  <a:srgbClr val="333333"/>
+                </a:solidFill>
+                <a:effectLst/>
+                <a:latin typeface="Merriweather" panose="020F0502020204030204" pitchFamily="34" charset="0"/>
+              </a:rPr>
+              <a:t> and </a:t>
+            </a:r>
+            <a:r>
+              <a:rPr lang="en-AU" b="1" i="0" dirty="0">
+                <a:solidFill>
+                  <a:srgbClr val="333333"/>
+                </a:solidFill>
+                <a:effectLst/>
+                <a:latin typeface="Merriweather" panose="020F0502020204030204" pitchFamily="34" charset="0"/>
+              </a:rPr>
+              <a:t>Unsupervised Learning</a:t>
+            </a:r>
+            <a:r>
+              <a:rPr lang="en-AU" b="0" i="0" dirty="0">
+                <a:solidFill>
+                  <a:srgbClr val="333333"/>
+                </a:solidFill>
+                <a:effectLst/>
+                <a:latin typeface="Merriweather" panose="020F0502020204030204" pitchFamily="34" charset="0"/>
+              </a:rPr>
+              <a:t>.</a:t>
+            </a:r>
+          </a:p>
+          <a:p>
+            <a:pPr algn="l"/>
+            <a:r>
+              <a:rPr lang="en-AU" b="0" i="0" dirty="0">
+                <a:solidFill>
+                  <a:srgbClr val="333333"/>
+                </a:solidFill>
+                <a:effectLst/>
+                <a:latin typeface="Merriweather" panose="020F0502020204030204" pitchFamily="34" charset="0"/>
+              </a:rPr>
+              <a:t>In the first case, the machine has a "supervisor" or a "teacher" who gives the machine all the answers, like whether it's a cat in the picture or a dog. The teacher has already divided (</a:t>
+            </a:r>
+            <a:r>
+              <a:rPr lang="en-AU" b="0" i="0" dirty="0" err="1">
+                <a:solidFill>
+                  <a:srgbClr val="333333"/>
+                </a:solidFill>
+                <a:effectLst/>
+                <a:latin typeface="Merriweather" panose="020F0502020204030204" pitchFamily="34" charset="0"/>
+              </a:rPr>
+              <a:t>labeled</a:t>
+            </a:r>
+            <a:r>
+              <a:rPr lang="en-AU" b="0" i="0" dirty="0">
+                <a:solidFill>
+                  <a:srgbClr val="333333"/>
+                </a:solidFill>
+                <a:effectLst/>
+                <a:latin typeface="Merriweather" panose="020F0502020204030204" pitchFamily="34" charset="0"/>
+              </a:rPr>
+              <a:t>) the data into cats and dogs, and the machine is using these examples to learn. One by one. Dog by cat.</a:t>
+            </a:r>
+          </a:p>
+          <a:p>
+            <a:pPr algn="l"/>
+            <a:r>
+              <a:rPr lang="en-AU" b="0" i="0" dirty="0">
+                <a:solidFill>
+                  <a:srgbClr val="333333"/>
+                </a:solidFill>
+                <a:effectLst/>
+                <a:latin typeface="Merriweather" panose="020F0502020204030204" pitchFamily="34" charset="0"/>
+              </a:rPr>
+              <a:t>Unsupervised learning means the machine is left on its own with a pile of animal photos and a task to find out who's who. Data is not </a:t>
+            </a:r>
+            <a:r>
+              <a:rPr lang="en-AU" b="0" i="0" dirty="0" err="1">
+                <a:solidFill>
+                  <a:srgbClr val="333333"/>
+                </a:solidFill>
+                <a:effectLst/>
+                <a:latin typeface="Merriweather" panose="020F0502020204030204" pitchFamily="34" charset="0"/>
+              </a:rPr>
+              <a:t>labeled</a:t>
+            </a:r>
+            <a:r>
+              <a:rPr lang="en-AU" b="0" i="0" dirty="0">
+                <a:solidFill>
+                  <a:srgbClr val="333333"/>
+                </a:solidFill>
+                <a:effectLst/>
+                <a:latin typeface="Merriweather" panose="020F0502020204030204" pitchFamily="34" charset="0"/>
+              </a:rPr>
+              <a:t>, there's no teacher, the machine is trying to find any patterns on its own. </a:t>
+            </a:r>
+          </a:p>
+          <a:p>
+            <a:pPr algn="l"/>
+            <a:r>
+              <a:rPr lang="en-AU" b="0" i="0" dirty="0">
+                <a:solidFill>
+                  <a:srgbClr val="333333"/>
+                </a:solidFill>
+                <a:effectLst/>
+                <a:latin typeface="Merriweather" panose="020F0502020204030204" pitchFamily="34" charset="0"/>
+              </a:rPr>
+              <a:t>Clearly, the machine will learn faster with a teacher, so it's more commonly used in real-life tasks. There are two types of such tasks: </a:t>
+            </a:r>
+            <a:r>
+              <a:rPr lang="en-AU" b="1" i="0" dirty="0">
+                <a:solidFill>
+                  <a:srgbClr val="333333"/>
+                </a:solidFill>
+                <a:effectLst/>
+                <a:latin typeface="Merriweather" panose="020F0502020204030204" pitchFamily="34" charset="0"/>
+              </a:rPr>
+              <a:t>classification – an object's category prediction, and regression – prediction of a specific point on a </a:t>
+            </a:r>
+            <a:r>
+              <a:rPr lang="en-AU" b="1" i="0">
+                <a:solidFill>
+                  <a:srgbClr val="333333"/>
+                </a:solidFill>
+                <a:effectLst/>
+                <a:latin typeface="Merriweather" panose="020F0502020204030204" pitchFamily="34" charset="0"/>
+              </a:rPr>
+              <a:t>numeric axis.</a:t>
+            </a:r>
+            <a:endParaRPr lang="en-AU" b="0" i="0" dirty="0">
+              <a:solidFill>
+                <a:srgbClr val="333333"/>
+              </a:solidFill>
+              <a:effectLst/>
+              <a:latin typeface="Merriweather" panose="020F0502020204030204" pitchFamily="34" charset="0"/>
+            </a:endParaRPr>
           </a:p>
         </p:txBody>
       </p:sp>
@@ -4511,7 +4508,7 @@
           <a:p>
             <a:fld id="{0D1E54C2-E970-D74E-A0B0-616948416249}" type="slidenum">
               <a:rPr lang="en-US" smtClean="0"/>
-              <a:t>6</a:t>
+              <a:t>5</a:t>
             </a:fld>
             <a:endParaRPr lang="en-US"/>
           </a:p>
@@ -4520,7 +4517,7 @@
     </p:spTree>
     <p:extLst>
       <p:ext uri="{BB962C8B-B14F-4D97-AF65-F5344CB8AC3E}">
-        <p14:creationId xmlns:p14="http://schemas.microsoft.com/office/powerpoint/2010/main" val="519582767"/>
+        <p14:creationId xmlns:p14="http://schemas.microsoft.com/office/powerpoint/2010/main" val="2929334606"/>
       </p:ext>
     </p:extLst>
   </p:cSld>
@@ -4574,94 +4571,10 @@
           <a:bodyPr/>
           <a:lstStyle/>
           <a:p>
-            <a:pPr algn="l"/>
-            <a:r>
-              <a:rPr lang="en-AU" b="0" i="0" u="none" strike="noStrike" dirty="0">
-                <a:solidFill>
-                  <a:srgbClr val="1F2328"/>
-                </a:solidFill>
-                <a:effectLst/>
-                <a:latin typeface="-apple-system"/>
-              </a:rPr>
-              <a:t>These tutorials consist of content along with interactive components for checking and reinforcing understanding. Throughout the tutorials you will find:</a:t>
-            </a:r>
-          </a:p>
-          <a:p>
-            <a:pPr algn="l">
-              <a:buFont typeface="Arial" panose="020B0604020202020204" pitchFamily="34" charset="0"/>
-              <a:buChar char="•"/>
-            </a:pPr>
-            <a:r>
-              <a:rPr lang="en-AU" b="0" i="0" u="none" strike="noStrike" dirty="0">
-                <a:solidFill>
-                  <a:srgbClr val="1F2328"/>
-                </a:solidFill>
-                <a:effectLst/>
-                <a:latin typeface="-apple-system"/>
-              </a:rPr>
-              <a:t>Narrative, figures and illustrations;</a:t>
-            </a:r>
-          </a:p>
-          <a:p>
-            <a:pPr algn="l">
-              <a:buFont typeface="Arial" panose="020B0604020202020204" pitchFamily="34" charset="0"/>
-              <a:buChar char="•"/>
-            </a:pPr>
-            <a:r>
-              <a:rPr lang="en-AU" b="0" i="0" u="none" strike="noStrike" dirty="0">
-                <a:solidFill>
-                  <a:srgbClr val="1F2328"/>
-                </a:solidFill>
-                <a:effectLst/>
-                <a:latin typeface="-apple-system"/>
-              </a:rPr>
-              <a:t>Code exercises that you can edit and execute directly;</a:t>
-            </a:r>
-          </a:p>
-          <a:p>
-            <a:pPr algn="l">
-              <a:buFont typeface="Arial" panose="020B0604020202020204" pitchFamily="34" charset="0"/>
-              <a:buChar char="•"/>
-            </a:pPr>
-            <a:r>
-              <a:rPr lang="en-AU" b="0" i="0" u="none" strike="noStrike" dirty="0">
-                <a:solidFill>
-                  <a:srgbClr val="1F2328"/>
-                </a:solidFill>
-                <a:effectLst/>
-                <a:latin typeface="-apple-system"/>
-              </a:rPr>
-              <a:t>Quiz questions...</a:t>
-            </a:r>
-          </a:p>
-          <a:p>
-            <a:pPr algn="l"/>
-            <a:r>
-              <a:rPr lang="en-AU" b="0" i="0" u="none" strike="noStrike" dirty="0">
-                <a:solidFill>
-                  <a:srgbClr val="1F2328"/>
-                </a:solidFill>
-                <a:effectLst/>
-                <a:latin typeface="-apple-system"/>
-              </a:rPr>
-              <a:t>Each tutorial automatically preserve work done within them, so if you work on a few exercises or questions and then return to the tutorial later, you can pick up right where you have left off.</a:t>
-            </a:r>
-          </a:p>
-          <a:p>
-            <a:pPr algn="l"/>
-            <a:r>
-              <a:rPr lang="en-AU" b="0" i="0" u="none" strike="noStrike" dirty="0">
-                <a:solidFill>
-                  <a:srgbClr val="1F2328"/>
-                </a:solidFill>
-                <a:effectLst/>
-                <a:latin typeface="-apple-system"/>
-              </a:rPr>
-              <a:t>Each tutorial includes a Table of Contents and it reveals content one sub-section at a time:</a:t>
-            </a:r>
-          </a:p>
-          <a:p>
-            <a:endParaRPr lang="en-US" dirty="0"/>
+            <a:r>
+              <a:rPr lang="en-US" dirty="0"/>
+              <a:t>Things you are going to practice in the tutorial </a:t>
+            </a:r>
           </a:p>
         </p:txBody>
       </p:sp>
@@ -4682,6 +4595,177 @@
           <a:p>
             <a:fld id="{0D1E54C2-E970-D74E-A0B0-616948416249}" type="slidenum">
               <a:rPr lang="en-US" smtClean="0"/>
+              <a:t>6</a:t>
+            </a:fld>
+            <a:endParaRPr lang="en-US"/>
+          </a:p>
+        </p:txBody>
+      </p:sp>
+    </p:spTree>
+    <p:extLst>
+      <p:ext uri="{BB962C8B-B14F-4D97-AF65-F5344CB8AC3E}">
+        <p14:creationId xmlns:p14="http://schemas.microsoft.com/office/powerpoint/2010/main" val="519582767"/>
+      </p:ext>
+    </p:extLst>
+  </p:cSld>
+  <p:clrMapOvr>
+    <a:masterClrMapping/>
+  </p:clrMapOvr>
+</p:notes>
+</file>
+
+<file path=ppt/notesSlides/notesSlide7.xml><?xml version="1.0" encoding="utf-8"?>
+<p:notes xmlns:a="http://schemas.openxmlformats.org/drawingml/2006/main" xmlns:r="http://schemas.openxmlformats.org/officeDocument/2006/relationships" xmlns:p="http://schemas.openxmlformats.org/presentationml/2006/main">
+  <p:cSld>
+    <p:spTree>
+      <p:nvGrpSpPr>
+        <p:cNvPr id="1" name=""/>
+        <p:cNvGrpSpPr/>
+        <p:nvPr/>
+      </p:nvGrpSpPr>
+      <p:grpSpPr>
+        <a:xfrm>
+          <a:off x="0" y="0"/>
+          <a:ext cx="0" cy="0"/>
+          <a:chOff x="0" y="0"/>
+          <a:chExt cx="0" cy="0"/>
+        </a:xfrm>
+      </p:grpSpPr>
+      <p:sp>
+        <p:nvSpPr>
+          <p:cNvPr id="2" name="Slide Image Placeholder 1"/>
+          <p:cNvSpPr>
+            <a:spLocks noGrp="1" noRot="1" noChangeAspect="1"/>
+          </p:cNvSpPr>
+          <p:nvPr>
+            <p:ph type="sldImg"/>
+          </p:nvPr>
+        </p:nvSpPr>
+        <p:spPr/>
+      </p:sp>
+      <p:sp>
+        <p:nvSpPr>
+          <p:cNvPr id="3" name="Notes Placeholder 2"/>
+          <p:cNvSpPr>
+            <a:spLocks noGrp="1"/>
+          </p:cNvSpPr>
+          <p:nvPr>
+            <p:ph type="body" idx="1"/>
+          </p:nvPr>
+        </p:nvSpPr>
+        <p:spPr/>
+        <p:txBody>
+          <a:bodyPr/>
+          <a:lstStyle/>
+          <a:p>
+            <a:pPr algn="l"/>
+            <a:r>
+              <a:rPr lang="en-AU" b="0" i="0" u="none" strike="noStrike" dirty="0">
+                <a:solidFill>
+                  <a:srgbClr val="1F2328"/>
+                </a:solidFill>
+                <a:effectLst/>
+                <a:latin typeface="-apple-system"/>
+              </a:rPr>
+              <a:t>These tutorials consist of content along with interactive components for checking and reinforcing understanding. Throughout the tutorials you will find:</a:t>
+            </a:r>
+          </a:p>
+          <a:p>
+            <a:pPr algn="l">
+              <a:buFont typeface="Arial" panose="020B0604020202020204" pitchFamily="34" charset="0"/>
+              <a:buChar char="•"/>
+            </a:pPr>
+            <a:r>
+              <a:rPr lang="en-AU" b="0" i="0" u="none" strike="noStrike" dirty="0">
+                <a:solidFill>
+                  <a:srgbClr val="1F2328"/>
+                </a:solidFill>
+                <a:effectLst/>
+                <a:latin typeface="-apple-system"/>
+              </a:rPr>
+              <a:t>Narrative, figures and illustrations;</a:t>
+            </a:r>
+          </a:p>
+          <a:p>
+            <a:pPr algn="l">
+              <a:buFont typeface="Arial" panose="020B0604020202020204" pitchFamily="34" charset="0"/>
+              <a:buChar char="•"/>
+            </a:pPr>
+            <a:r>
+              <a:rPr lang="en-AU" b="0" i="0" u="none" strike="noStrike" dirty="0">
+                <a:solidFill>
+                  <a:srgbClr val="1F2328"/>
+                </a:solidFill>
+                <a:effectLst/>
+                <a:latin typeface="-apple-system"/>
+              </a:rPr>
+              <a:t>Code exercises that you can edit and execute directly;</a:t>
+            </a:r>
+          </a:p>
+          <a:p>
+            <a:pPr algn="l">
+              <a:buFont typeface="Arial" panose="020B0604020202020204" pitchFamily="34" charset="0"/>
+              <a:buChar char="•"/>
+            </a:pPr>
+            <a:r>
+              <a:rPr lang="en-AU" b="0" i="0" u="none" strike="noStrike" dirty="0">
+                <a:solidFill>
+                  <a:srgbClr val="1F2328"/>
+                </a:solidFill>
+                <a:effectLst/>
+                <a:latin typeface="-apple-system"/>
+              </a:rPr>
+              <a:t>Quiz questions...</a:t>
+            </a:r>
+          </a:p>
+          <a:p>
+            <a:pPr algn="l"/>
+            <a:r>
+              <a:rPr lang="en-AU" b="0" i="0" u="none" strike="noStrike" dirty="0">
+                <a:solidFill>
+                  <a:srgbClr val="1F2328"/>
+                </a:solidFill>
+                <a:effectLst/>
+                <a:latin typeface="-apple-system"/>
+              </a:rPr>
+              <a:t>Each tutorial automatically preserve work done within them, so if you work on a few exercises or questions and then return to the tutorial later, you can pick up right where you have left off.</a:t>
+            </a:r>
+          </a:p>
+          <a:p>
+            <a:pPr algn="l"/>
+            <a:r>
+              <a:rPr lang="en-AU" b="0" i="0" u="none" strike="noStrike" dirty="0">
+                <a:solidFill>
+                  <a:srgbClr val="1F2328"/>
+                </a:solidFill>
+                <a:effectLst/>
+                <a:latin typeface="-apple-system"/>
+              </a:rPr>
+              <a:t>Each tutorial includes a Table of Contents and it reveals content one sub-section at a time:</a:t>
+            </a:r>
+          </a:p>
+          <a:p>
+            <a:endParaRPr lang="en-US" dirty="0"/>
+          </a:p>
+        </p:txBody>
+      </p:sp>
+      <p:sp>
+        <p:nvSpPr>
+          <p:cNvPr id="4" name="Slide Number Placeholder 3"/>
+          <p:cNvSpPr>
+            <a:spLocks noGrp="1"/>
+          </p:cNvSpPr>
+          <p:nvPr>
+            <p:ph type="sldNum" sz="quarter" idx="5"/>
+          </p:nvPr>
+        </p:nvSpPr>
+        <p:spPr/>
+        <p:txBody>
+          <a:bodyPr/>
+          <a:lstStyle/>
+          <a:p>
+            <a:fld id="{0D1E54C2-E970-D74E-A0B0-616948416249}" type="slidenum">
+              <a:rPr lang="en-US" smtClean="0"/>
               <a:t>7</a:t>
             </a:fld>
             <a:endParaRPr lang="en-US"/>
@@ -4701,7 +4785,7 @@
 </p:notes>
 </file>
 
-<file path=ppt/notesSlides/notesSlide7.xml><?xml version="1.0" encoding="utf-8"?>
+<file path=ppt/notesSlides/notesSlide8.xml><?xml version="1.0" encoding="utf-8"?>
 <p:notes xmlns:a="http://schemas.openxmlformats.org/drawingml/2006/main" xmlns:r="http://schemas.openxmlformats.org/officeDocument/2006/relationships" xmlns:p="http://schemas.openxmlformats.org/presentationml/2006/main">
   <p:cSld>
     <p:spTree>
@@ -4970,7 +5054,7 @@
           <a:p>
             <a:fld id="{7F872E2C-CB02-0A4B-9808-D43DF4D6EFE9}" type="datetimeFigureOut">
               <a:rPr lang="en-US" smtClean="0"/>
-              <a:t>8/7/23</a:t>
+              <a:t>10/16/23</a:t>
             </a:fld>
             <a:endParaRPr lang="en-US"/>
           </a:p>
@@ -5170,7 +5254,7 @@
           <a:p>
             <a:fld id="{7F872E2C-CB02-0A4B-9808-D43DF4D6EFE9}" type="datetimeFigureOut">
               <a:rPr lang="en-US" smtClean="0"/>
-              <a:t>8/7/23</a:t>
+              <a:t>10/16/23</a:t>
             </a:fld>
             <a:endParaRPr lang="en-US"/>
           </a:p>
@@ -5380,7 +5464,7 @@
           <a:p>
             <a:fld id="{7F872E2C-CB02-0A4B-9808-D43DF4D6EFE9}" type="datetimeFigureOut">
               <a:rPr lang="en-US" smtClean="0"/>
-              <a:t>8/7/23</a:t>
+              <a:t>10/16/23</a:t>
             </a:fld>
             <a:endParaRPr lang="en-US"/>
           </a:p>
@@ -5454,6 +5538,292 @@
 </file>
 
 <file path=ppt/slideLayouts/slideLayout12.xml><?xml version="1.0" encoding="utf-8"?>
+<p:sldLayout xmlns:a="http://schemas.openxmlformats.org/drawingml/2006/main" xmlns:r="http://schemas.openxmlformats.org/officeDocument/2006/relationships" xmlns:p="http://schemas.openxmlformats.org/presentationml/2006/main" userDrawn="1">
+  <p:cSld name="Title slide – White option 1 (add own image)">
+    <p:spTree>
+      <p:nvGrpSpPr>
+        <p:cNvPr id="1" name=""/>
+        <p:cNvGrpSpPr/>
+        <p:nvPr/>
+      </p:nvGrpSpPr>
+      <p:grpSpPr>
+        <a:xfrm>
+          <a:off x="0" y="0"/>
+          <a:ext cx="0" cy="0"/>
+          <a:chOff x="0" y="0"/>
+          <a:chExt cx="0" cy="0"/>
+        </a:xfrm>
+      </p:grpSpPr>
+      <p:sp>
+        <p:nvSpPr>
+          <p:cNvPr id="6" name="Rectangle 5"/>
+          <p:cNvSpPr/>
+          <p:nvPr/>
+        </p:nvSpPr>
+        <p:spPr>
+          <a:xfrm>
+            <a:off x="0" y="0"/>
+            <a:ext cx="12192000" cy="6858000"/>
+          </a:xfrm>
+          <a:prstGeom prst="rect">
+            <a:avLst/>
+          </a:prstGeom>
+          <a:solidFill>
+            <a:schemeClr val="bg1"/>
+          </a:solidFill>
+          <a:ln>
+            <a:noFill/>
+          </a:ln>
+          <a:effectLst/>
+        </p:spPr>
+        <p:style>
+          <a:lnRef idx="1">
+            <a:schemeClr val="accent1"/>
+          </a:lnRef>
+          <a:fillRef idx="3">
+            <a:schemeClr val="accent1"/>
+          </a:fillRef>
+          <a:effectRef idx="2">
+            <a:schemeClr val="accent1"/>
+          </a:effectRef>
+          <a:fontRef idx="minor">
+            <a:schemeClr val="lt1"/>
+          </a:fontRef>
+        </p:style>
+        <p:txBody>
+          <a:bodyPr anchor="ctr"/>
+          <a:lstStyle/>
+          <a:p>
+            <a:pPr algn="ctr" fontAlgn="auto">
+              <a:spcBef>
+                <a:spcPts val="0"/>
+              </a:spcBef>
+              <a:spcAft>
+                <a:spcPts val="0"/>
+              </a:spcAft>
+              <a:defRPr/>
+            </a:pPr>
+            <a:endParaRPr lang="en-US" sz="2400"/>
+          </a:p>
+        </p:txBody>
+      </p:sp>
+      <p:sp>
+        <p:nvSpPr>
+          <p:cNvPr id="14" name="Picture Placeholder 13"/>
+          <p:cNvSpPr>
+            <a:spLocks noGrp="1"/>
+          </p:cNvSpPr>
+          <p:nvPr>
+            <p:ph type="pic" sz="quarter" idx="12"/>
+          </p:nvPr>
+        </p:nvSpPr>
+        <p:spPr>
+          <a:xfrm>
+            <a:off x="6117168" y="418355"/>
+            <a:ext cx="5533811" cy="6017555"/>
+          </a:xfrm>
+          <a:prstGeom prst="rect">
+            <a:avLst/>
+          </a:prstGeom>
+          <a:solidFill>
+            <a:schemeClr val="bg1">
+              <a:lumMod val="85000"/>
+            </a:schemeClr>
+          </a:solidFill>
+          <a:ln>
+            <a:noFill/>
+          </a:ln>
+        </p:spPr>
+        <p:txBody>
+          <a:bodyPr anchor="ctr" anchorCtr="0"/>
+          <a:lstStyle>
+            <a:lvl1pPr marL="0" indent="0" algn="ctr">
+              <a:buNone/>
+              <a:defRPr/>
+            </a:lvl1pPr>
+          </a:lstStyle>
+          <a:p>
+            <a:pPr lvl="0"/>
+            <a:r>
+              <a:rPr lang="en-US" noProof="0"/>
+              <a:t>Click icon to add picture</a:t>
+            </a:r>
+          </a:p>
+        </p:txBody>
+      </p:sp>
+      <p:pic>
+        <p:nvPicPr>
+          <p:cNvPr id="10" name="Picture 9" descr="A close up of a logo&#10;&#10;Description automatically generated">
+            <a:extLst>
+              <a:ext uri="{FF2B5EF4-FFF2-40B4-BE49-F238E27FC236}">
+                <a16:creationId xmlns:a16="http://schemas.microsoft.com/office/drawing/2014/main" id="{84F9BD62-11D8-462A-B64E-C30BAC85B36B}"/>
+              </a:ext>
+            </a:extLst>
+          </p:cNvPr>
+          <p:cNvPicPr>
+            <a:picLocks noChangeAspect="1"/>
+          </p:cNvPicPr>
+          <p:nvPr userDrawn="1"/>
+        </p:nvPicPr>
+        <p:blipFill>
+          <a:blip r:embed="rId2" cstate="email">
+            <a:extLst>
+              <a:ext uri="{28A0092B-C50C-407E-A947-70E740481C1C}">
+                <a14:useLocalDpi xmlns:a14="http://schemas.microsoft.com/office/drawing/2010/main"/>
+              </a:ext>
+            </a:extLst>
+          </a:blip>
+          <a:stretch>
+            <a:fillRect/>
+          </a:stretch>
+        </p:blipFill>
+        <p:spPr>
+          <a:xfrm>
+            <a:off x="258718" y="5145627"/>
+            <a:ext cx="2470783" cy="1153032"/>
+          </a:xfrm>
+          <a:prstGeom prst="rect">
+            <a:avLst/>
+          </a:prstGeom>
+        </p:spPr>
+      </p:pic>
+      <p:sp>
+        <p:nvSpPr>
+          <p:cNvPr id="7" name="Title 8">
+            <a:extLst>
+              <a:ext uri="{FF2B5EF4-FFF2-40B4-BE49-F238E27FC236}">
+                <a16:creationId xmlns:a16="http://schemas.microsoft.com/office/drawing/2014/main" id="{4643FC5D-68CC-524A-A2AA-180E44A70BE1}"/>
+              </a:ext>
+            </a:extLst>
+          </p:cNvPr>
+          <p:cNvSpPr>
+            <a:spLocks noGrp="1"/>
+          </p:cNvSpPr>
+          <p:nvPr>
+            <p:ph type="title"/>
+          </p:nvPr>
+        </p:nvSpPr>
+        <p:spPr>
+          <a:xfrm>
+            <a:off x="509179" y="559342"/>
+            <a:ext cx="5265165" cy="1322972"/>
+          </a:xfrm>
+          <a:prstGeom prst="rect">
+            <a:avLst/>
+          </a:prstGeom>
+        </p:spPr>
+        <p:txBody>
+          <a:bodyPr anchor="t"/>
+          <a:lstStyle>
+            <a:lvl1pPr>
+              <a:defRPr sz="4000">
+                <a:solidFill>
+                  <a:srgbClr val="E64626"/>
+                </a:solidFill>
+                <a:latin typeface="+mj-lt"/>
+                <a:cs typeface="Arial" panose="020B0604020202020204" pitchFamily="34" charset="0"/>
+              </a:defRPr>
+            </a:lvl1pPr>
+          </a:lstStyle>
+          <a:p>
+            <a:r>
+              <a:rPr lang="en-US"/>
+              <a:t>Click to edit Master title style</a:t>
+            </a:r>
+          </a:p>
+        </p:txBody>
+      </p:sp>
+      <p:sp>
+        <p:nvSpPr>
+          <p:cNvPr id="11" name="Text Placeholder 4">
+            <a:extLst>
+              <a:ext uri="{FF2B5EF4-FFF2-40B4-BE49-F238E27FC236}">
+                <a16:creationId xmlns:a16="http://schemas.microsoft.com/office/drawing/2014/main" id="{4301ADD1-6AF0-EB4D-BFC7-6145C24D2B9A}"/>
+              </a:ext>
+            </a:extLst>
+          </p:cNvPr>
+          <p:cNvSpPr>
+            <a:spLocks noGrp="1"/>
+          </p:cNvSpPr>
+          <p:nvPr>
+            <p:ph type="body" sz="quarter" idx="11"/>
+          </p:nvPr>
+        </p:nvSpPr>
+        <p:spPr>
+          <a:xfrm>
+            <a:off x="489257" y="2122710"/>
+            <a:ext cx="5285089" cy="3022916"/>
+          </a:xfrm>
+          <a:prstGeom prst="rect">
+            <a:avLst/>
+          </a:prstGeom>
+        </p:spPr>
+        <p:txBody>
+          <a:bodyPr>
+            <a:noAutofit/>
+          </a:bodyPr>
+          <a:lstStyle>
+            <a:lvl1pPr marL="0" indent="0">
+              <a:lnSpc>
+                <a:spcPct val="90000"/>
+              </a:lnSpc>
+              <a:buNone/>
+              <a:defRPr sz="3200"/>
+            </a:lvl1pPr>
+            <a:lvl2pPr marL="457189" indent="0">
+              <a:buNone/>
+              <a:defRPr sz="3200"/>
+            </a:lvl2pPr>
+            <a:lvl3pPr marL="914377" indent="0">
+              <a:buNone/>
+              <a:defRPr sz="3200"/>
+            </a:lvl3pPr>
+            <a:lvl4pPr marL="1371566" indent="0">
+              <a:buNone/>
+              <a:defRPr/>
+            </a:lvl4pPr>
+            <a:lvl5pPr marL="1828754" indent="0">
+              <a:buNone/>
+              <a:defRPr/>
+            </a:lvl5pPr>
+          </a:lstStyle>
+          <a:p>
+            <a:pPr lvl="0"/>
+            <a:r>
+              <a:rPr lang="en-US"/>
+              <a:t>Click to edit Master text styles</a:t>
+            </a:r>
+          </a:p>
+          <a:p>
+            <a:pPr lvl="1"/>
+            <a:r>
+              <a:rPr lang="en-US"/>
+              <a:t>Second level</a:t>
+            </a:r>
+          </a:p>
+          <a:p>
+            <a:pPr lvl="2"/>
+            <a:r>
+              <a:rPr lang="en-US"/>
+              <a:t>Third level</a:t>
+            </a:r>
+          </a:p>
+        </p:txBody>
+      </p:sp>
+    </p:spTree>
+    <p:extLst>
+      <p:ext uri="{BB962C8B-B14F-4D97-AF65-F5344CB8AC3E}">
+        <p14:creationId xmlns:p14="http://schemas.microsoft.com/office/powerpoint/2010/main" val="3945363846"/>
+      </p:ext>
+    </p:extLst>
+  </p:cSld>
+  <p:clrMapOvr>
+    <a:masterClrMapping/>
+  </p:clrMapOvr>
+</p:sldLayout>
+</file>
+
+<file path=ppt/slideLayouts/slideLayout13.xml><?xml version="1.0" encoding="utf-8"?>
 <p:sldLayout xmlns:a="http://schemas.openxmlformats.org/drawingml/2006/main" xmlns:r="http://schemas.openxmlformats.org/officeDocument/2006/relationships" xmlns:p="http://schemas.openxmlformats.org/presentationml/2006/main" preserve="1" userDrawn="1">
   <p:cSld name="Title slide – Red option 1 (add own image)">
     <p:spTree>
@@ -5730,7 +6100,7 @@
 </p:sldLayout>
 </file>
 
-<file path=ppt/slideLayouts/slideLayout13.xml><?xml version="1.0" encoding="utf-8"?>
+<file path=ppt/slideLayouts/slideLayout14.xml><?xml version="1.0" encoding="utf-8"?>
 <p:sldLayout xmlns:a="http://schemas.openxmlformats.org/drawingml/2006/main" xmlns:r="http://schemas.openxmlformats.org/officeDocument/2006/relationships" xmlns:p="http://schemas.openxmlformats.org/presentationml/2006/main" preserve="1" userDrawn="1">
   <p:cSld name="Title slide – Red option 2">
     <p:spTree>
@@ -6013,7 +6383,7 @@
 </p:sldLayout>
 </file>
 
-<file path=ppt/slideLayouts/slideLayout14.xml><?xml version="1.0" encoding="utf-8"?>
+<file path=ppt/slideLayouts/slideLayout15.xml><?xml version="1.0" encoding="utf-8"?>
 <p:sldLayout xmlns:a="http://schemas.openxmlformats.org/drawingml/2006/main" xmlns:r="http://schemas.openxmlformats.org/officeDocument/2006/relationships" xmlns:p="http://schemas.openxmlformats.org/presentationml/2006/main" preserve="1" userDrawn="1">
   <p:cSld name="Title slide – Red option 4">
     <p:spTree>
@@ -6296,7 +6666,7 @@
 </p:sldLayout>
 </file>
 
-<file path=ppt/slideLayouts/slideLayout15.xml><?xml version="1.0" encoding="utf-8"?>
+<file path=ppt/slideLayouts/slideLayout16.xml><?xml version="1.0" encoding="utf-8"?>
 <p:sldLayout xmlns:a="http://schemas.openxmlformats.org/drawingml/2006/main" xmlns:r="http://schemas.openxmlformats.org/officeDocument/2006/relationships" xmlns:p="http://schemas.openxmlformats.org/presentationml/2006/main" preserve="1" userDrawn="1">
   <p:cSld name="3_Title slide – Red option 4">
     <p:spTree>
@@ -6579,7 +6949,7 @@
 </p:sldLayout>
 </file>
 
-<file path=ppt/slideLayouts/slideLayout16.xml><?xml version="1.0" encoding="utf-8"?>
+<file path=ppt/slideLayouts/slideLayout17.xml><?xml version="1.0" encoding="utf-8"?>
 <p:sldLayout xmlns:a="http://schemas.openxmlformats.org/drawingml/2006/main" xmlns:r="http://schemas.openxmlformats.org/officeDocument/2006/relationships" xmlns:p="http://schemas.openxmlformats.org/presentationml/2006/main" preserve="1" userDrawn="1">
   <p:cSld name="4_Title slide – Red option 4">
     <p:spTree>
@@ -6862,7 +7232,7 @@
 </p:sldLayout>
 </file>
 
-<file path=ppt/slideLayouts/slideLayout17.xml><?xml version="1.0" encoding="utf-8"?>
+<file path=ppt/slideLayouts/slideLayout18.xml><?xml version="1.0" encoding="utf-8"?>
 <p:sldLayout xmlns:a="http://schemas.openxmlformats.org/drawingml/2006/main" xmlns:r="http://schemas.openxmlformats.org/officeDocument/2006/relationships" xmlns:p="http://schemas.openxmlformats.org/presentationml/2006/main" preserve="1" userDrawn="1">
   <p:cSld name="5_Title slide – Red option 4">
     <p:spTree>
@@ -7145,7 +7515,7 @@
 </p:sldLayout>
 </file>
 
-<file path=ppt/slideLayouts/slideLayout18.xml><?xml version="1.0" encoding="utf-8"?>
+<file path=ppt/slideLayouts/slideLayout19.xml><?xml version="1.0" encoding="utf-8"?>
 <p:sldLayout xmlns:a="http://schemas.openxmlformats.org/drawingml/2006/main" xmlns:r="http://schemas.openxmlformats.org/officeDocument/2006/relationships" xmlns:p="http://schemas.openxmlformats.org/presentationml/2006/main" preserve="1" userDrawn="1">
   <p:cSld name="6_Title slide – Red option 4">
     <p:spTree>
@@ -7428,7 +7798,207 @@
 </p:sldLayout>
 </file>
 
-<file path=ppt/slideLayouts/slideLayout19.xml><?xml version="1.0" encoding="utf-8"?>
+<file path=ppt/slideLayouts/slideLayout2.xml><?xml version="1.0" encoding="utf-8"?>
+<p:sldLayout xmlns:a="http://schemas.openxmlformats.org/drawingml/2006/main" xmlns:r="http://schemas.openxmlformats.org/officeDocument/2006/relationships" xmlns:p="http://schemas.openxmlformats.org/presentationml/2006/main" type="obj" preserve="1">
+  <p:cSld name="Title and Content">
+    <p:spTree>
+      <p:nvGrpSpPr>
+        <p:cNvPr id="1" name=""/>
+        <p:cNvGrpSpPr/>
+        <p:nvPr/>
+      </p:nvGrpSpPr>
+      <p:grpSpPr>
+        <a:xfrm>
+          <a:off x="0" y="0"/>
+          <a:ext cx="0" cy="0"/>
+          <a:chOff x="0" y="0"/>
+          <a:chExt cx="0" cy="0"/>
+        </a:xfrm>
+      </p:grpSpPr>
+      <p:sp>
+        <p:nvSpPr>
+          <p:cNvPr id="2" name="Title 1">
+            <a:extLst>
+              <a:ext uri="{FF2B5EF4-FFF2-40B4-BE49-F238E27FC236}">
+                <a16:creationId xmlns:a16="http://schemas.microsoft.com/office/drawing/2014/main" id="{DEA8FEEC-7778-7813-9702-F792A4D5E84D}"/>
+              </a:ext>
+            </a:extLst>
+          </p:cNvPr>
+          <p:cNvSpPr>
+            <a:spLocks noGrp="1"/>
+          </p:cNvSpPr>
+          <p:nvPr>
+            <p:ph type="title"/>
+          </p:nvPr>
+        </p:nvSpPr>
+        <p:spPr/>
+        <p:txBody>
+          <a:bodyPr/>
+          <a:lstStyle/>
+          <a:p>
+            <a:r>
+              <a:rPr lang="en-GB"/>
+              <a:t>Click to edit Master title style</a:t>
+            </a:r>
+            <a:endParaRPr lang="en-US"/>
+          </a:p>
+        </p:txBody>
+      </p:sp>
+      <p:sp>
+        <p:nvSpPr>
+          <p:cNvPr id="3" name="Content Placeholder 2">
+            <a:extLst>
+              <a:ext uri="{FF2B5EF4-FFF2-40B4-BE49-F238E27FC236}">
+                <a16:creationId xmlns:a16="http://schemas.microsoft.com/office/drawing/2014/main" id="{AC8BCD5A-58B5-BD35-8FDC-5F543ED18A1E}"/>
+              </a:ext>
+            </a:extLst>
+          </p:cNvPr>
+          <p:cNvSpPr>
+            <a:spLocks noGrp="1"/>
+          </p:cNvSpPr>
+          <p:nvPr>
+            <p:ph idx="1"/>
+          </p:nvPr>
+        </p:nvSpPr>
+        <p:spPr/>
+        <p:txBody>
+          <a:bodyPr/>
+          <a:lstStyle/>
+          <a:p>
+            <a:pPr lvl="0"/>
+            <a:r>
+              <a:rPr lang="en-GB"/>
+              <a:t>Click to edit Master text styles</a:t>
+            </a:r>
+          </a:p>
+          <a:p>
+            <a:pPr lvl="1"/>
+            <a:r>
+              <a:rPr lang="en-GB"/>
+              <a:t>Second level</a:t>
+            </a:r>
+          </a:p>
+          <a:p>
+            <a:pPr lvl="2"/>
+            <a:r>
+              <a:rPr lang="en-GB"/>
+              <a:t>Third level</a:t>
+            </a:r>
+          </a:p>
+          <a:p>
+            <a:pPr lvl="3"/>
+            <a:r>
+              <a:rPr lang="en-GB"/>
+              <a:t>Fourth level</a:t>
+            </a:r>
+          </a:p>
+          <a:p>
+            <a:pPr lvl="4"/>
+            <a:r>
+              <a:rPr lang="en-GB"/>
+              <a:t>Fifth level</a:t>
+            </a:r>
+            <a:endParaRPr lang="en-US"/>
+          </a:p>
+        </p:txBody>
+      </p:sp>
+      <p:sp>
+        <p:nvSpPr>
+          <p:cNvPr id="4" name="Date Placeholder 3">
+            <a:extLst>
+              <a:ext uri="{FF2B5EF4-FFF2-40B4-BE49-F238E27FC236}">
+                <a16:creationId xmlns:a16="http://schemas.microsoft.com/office/drawing/2014/main" id="{37C6D3C1-B26C-BA2A-B110-8D718F0C12E2}"/>
+              </a:ext>
+            </a:extLst>
+          </p:cNvPr>
+          <p:cNvSpPr>
+            <a:spLocks noGrp="1"/>
+          </p:cNvSpPr>
+          <p:nvPr>
+            <p:ph type="dt" sz="half" idx="10"/>
+          </p:nvPr>
+        </p:nvSpPr>
+        <p:spPr/>
+        <p:txBody>
+          <a:bodyPr/>
+          <a:lstStyle/>
+          <a:p>
+            <a:fld id="{7F872E2C-CB02-0A4B-9808-D43DF4D6EFE9}" type="datetimeFigureOut">
+              <a:rPr lang="en-US" smtClean="0"/>
+              <a:t>10/16/23</a:t>
+            </a:fld>
+            <a:endParaRPr lang="en-US"/>
+          </a:p>
+        </p:txBody>
+      </p:sp>
+      <p:sp>
+        <p:nvSpPr>
+          <p:cNvPr id="5" name="Footer Placeholder 4">
+            <a:extLst>
+              <a:ext uri="{FF2B5EF4-FFF2-40B4-BE49-F238E27FC236}">
+                <a16:creationId xmlns:a16="http://schemas.microsoft.com/office/drawing/2014/main" id="{74740D3A-031E-2531-E37C-8FC342DA574B}"/>
+              </a:ext>
+            </a:extLst>
+          </p:cNvPr>
+          <p:cNvSpPr>
+            <a:spLocks noGrp="1"/>
+          </p:cNvSpPr>
+          <p:nvPr>
+            <p:ph type="ftr" sz="quarter" idx="11"/>
+          </p:nvPr>
+        </p:nvSpPr>
+        <p:spPr/>
+        <p:txBody>
+          <a:bodyPr/>
+          <a:lstStyle/>
+          <a:p>
+            <a:endParaRPr lang="en-US"/>
+          </a:p>
+        </p:txBody>
+      </p:sp>
+      <p:sp>
+        <p:nvSpPr>
+          <p:cNvPr id="6" name="Slide Number Placeholder 5">
+            <a:extLst>
+              <a:ext uri="{FF2B5EF4-FFF2-40B4-BE49-F238E27FC236}">
+                <a16:creationId xmlns:a16="http://schemas.microsoft.com/office/drawing/2014/main" id="{4847C18D-5DD5-0761-5464-1549E1A2E4C1}"/>
+              </a:ext>
+            </a:extLst>
+          </p:cNvPr>
+          <p:cNvSpPr>
+            <a:spLocks noGrp="1"/>
+          </p:cNvSpPr>
+          <p:nvPr>
+            <p:ph type="sldNum" sz="quarter" idx="12"/>
+          </p:nvPr>
+        </p:nvSpPr>
+        <p:spPr/>
+        <p:txBody>
+          <a:bodyPr/>
+          <a:lstStyle/>
+          <a:p>
+            <a:fld id="{06B02C6F-B72C-1E4C-A6D2-177E785FCAF7}" type="slidenum">
+              <a:rPr lang="en-US" smtClean="0"/>
+              <a:t>‹#›</a:t>
+            </a:fld>
+            <a:endParaRPr lang="en-US"/>
+          </a:p>
+        </p:txBody>
+      </p:sp>
+    </p:spTree>
+    <p:extLst>
+      <p:ext uri="{BB962C8B-B14F-4D97-AF65-F5344CB8AC3E}">
+        <p14:creationId xmlns:p14="http://schemas.microsoft.com/office/powerpoint/2010/main" val="1675214705"/>
+      </p:ext>
+    </p:extLst>
+  </p:cSld>
+  <p:clrMapOvr>
+    <a:masterClrMapping/>
+  </p:clrMapOvr>
+</p:sldLayout>
+</file>
+
+<file path=ppt/slideLayouts/slideLayout20.xml><?xml version="1.0" encoding="utf-8"?>
 <p:sldLayout xmlns:a="http://schemas.openxmlformats.org/drawingml/2006/main" xmlns:r="http://schemas.openxmlformats.org/officeDocument/2006/relationships" xmlns:p="http://schemas.openxmlformats.org/presentationml/2006/main" preserve="1" userDrawn="1">
   <p:cSld name="7_Title slide – Red option 4">
     <p:spTree>
@@ -7711,207 +8281,7 @@
 </p:sldLayout>
 </file>
 
-<file path=ppt/slideLayouts/slideLayout2.xml><?xml version="1.0" encoding="utf-8"?>
-<p:sldLayout xmlns:a="http://schemas.openxmlformats.org/drawingml/2006/main" xmlns:r="http://schemas.openxmlformats.org/officeDocument/2006/relationships" xmlns:p="http://schemas.openxmlformats.org/presentationml/2006/main" type="obj" preserve="1">
-  <p:cSld name="Title and Content">
-    <p:spTree>
-      <p:nvGrpSpPr>
-        <p:cNvPr id="1" name=""/>
-        <p:cNvGrpSpPr/>
-        <p:nvPr/>
-      </p:nvGrpSpPr>
-      <p:grpSpPr>
-        <a:xfrm>
-          <a:off x="0" y="0"/>
-          <a:ext cx="0" cy="0"/>
-          <a:chOff x="0" y="0"/>
-          <a:chExt cx="0" cy="0"/>
-        </a:xfrm>
-      </p:grpSpPr>
-      <p:sp>
-        <p:nvSpPr>
-          <p:cNvPr id="2" name="Title 1">
-            <a:extLst>
-              <a:ext uri="{FF2B5EF4-FFF2-40B4-BE49-F238E27FC236}">
-                <a16:creationId xmlns:a16="http://schemas.microsoft.com/office/drawing/2014/main" id="{DEA8FEEC-7778-7813-9702-F792A4D5E84D}"/>
-              </a:ext>
-            </a:extLst>
-          </p:cNvPr>
-          <p:cNvSpPr>
-            <a:spLocks noGrp="1"/>
-          </p:cNvSpPr>
-          <p:nvPr>
-            <p:ph type="title"/>
-          </p:nvPr>
-        </p:nvSpPr>
-        <p:spPr/>
-        <p:txBody>
-          <a:bodyPr/>
-          <a:lstStyle/>
-          <a:p>
-            <a:r>
-              <a:rPr lang="en-GB"/>
-              <a:t>Click to edit Master title style</a:t>
-            </a:r>
-            <a:endParaRPr lang="en-US"/>
-          </a:p>
-        </p:txBody>
-      </p:sp>
-      <p:sp>
-        <p:nvSpPr>
-          <p:cNvPr id="3" name="Content Placeholder 2">
-            <a:extLst>
-              <a:ext uri="{FF2B5EF4-FFF2-40B4-BE49-F238E27FC236}">
-                <a16:creationId xmlns:a16="http://schemas.microsoft.com/office/drawing/2014/main" id="{AC8BCD5A-58B5-BD35-8FDC-5F543ED18A1E}"/>
-              </a:ext>
-            </a:extLst>
-          </p:cNvPr>
-          <p:cNvSpPr>
-            <a:spLocks noGrp="1"/>
-          </p:cNvSpPr>
-          <p:nvPr>
-            <p:ph idx="1"/>
-          </p:nvPr>
-        </p:nvSpPr>
-        <p:spPr/>
-        <p:txBody>
-          <a:bodyPr/>
-          <a:lstStyle/>
-          <a:p>
-            <a:pPr lvl="0"/>
-            <a:r>
-              <a:rPr lang="en-GB"/>
-              <a:t>Click to edit Master text styles</a:t>
-            </a:r>
-          </a:p>
-          <a:p>
-            <a:pPr lvl="1"/>
-            <a:r>
-              <a:rPr lang="en-GB"/>
-              <a:t>Second level</a:t>
-            </a:r>
-          </a:p>
-          <a:p>
-            <a:pPr lvl="2"/>
-            <a:r>
-              <a:rPr lang="en-GB"/>
-              <a:t>Third level</a:t>
-            </a:r>
-          </a:p>
-          <a:p>
-            <a:pPr lvl="3"/>
-            <a:r>
-              <a:rPr lang="en-GB"/>
-              <a:t>Fourth level</a:t>
-            </a:r>
-          </a:p>
-          <a:p>
-            <a:pPr lvl="4"/>
-            <a:r>
-              <a:rPr lang="en-GB"/>
-              <a:t>Fifth level</a:t>
-            </a:r>
-            <a:endParaRPr lang="en-US"/>
-          </a:p>
-        </p:txBody>
-      </p:sp>
-      <p:sp>
-        <p:nvSpPr>
-          <p:cNvPr id="4" name="Date Placeholder 3">
-            <a:extLst>
-              <a:ext uri="{FF2B5EF4-FFF2-40B4-BE49-F238E27FC236}">
-                <a16:creationId xmlns:a16="http://schemas.microsoft.com/office/drawing/2014/main" id="{37C6D3C1-B26C-BA2A-B110-8D718F0C12E2}"/>
-              </a:ext>
-            </a:extLst>
-          </p:cNvPr>
-          <p:cNvSpPr>
-            <a:spLocks noGrp="1"/>
-          </p:cNvSpPr>
-          <p:nvPr>
-            <p:ph type="dt" sz="half" idx="10"/>
-          </p:nvPr>
-        </p:nvSpPr>
-        <p:spPr/>
-        <p:txBody>
-          <a:bodyPr/>
-          <a:lstStyle/>
-          <a:p>
-            <a:fld id="{7F872E2C-CB02-0A4B-9808-D43DF4D6EFE9}" type="datetimeFigureOut">
-              <a:rPr lang="en-US" smtClean="0"/>
-              <a:t>8/7/23</a:t>
-            </a:fld>
-            <a:endParaRPr lang="en-US"/>
-          </a:p>
-        </p:txBody>
-      </p:sp>
-      <p:sp>
-        <p:nvSpPr>
-          <p:cNvPr id="5" name="Footer Placeholder 4">
-            <a:extLst>
-              <a:ext uri="{FF2B5EF4-FFF2-40B4-BE49-F238E27FC236}">
-                <a16:creationId xmlns:a16="http://schemas.microsoft.com/office/drawing/2014/main" id="{74740D3A-031E-2531-E37C-8FC342DA574B}"/>
-              </a:ext>
-            </a:extLst>
-          </p:cNvPr>
-          <p:cNvSpPr>
-            <a:spLocks noGrp="1"/>
-          </p:cNvSpPr>
-          <p:nvPr>
-            <p:ph type="ftr" sz="quarter" idx="11"/>
-          </p:nvPr>
-        </p:nvSpPr>
-        <p:spPr/>
-        <p:txBody>
-          <a:bodyPr/>
-          <a:lstStyle/>
-          <a:p>
-            <a:endParaRPr lang="en-US"/>
-          </a:p>
-        </p:txBody>
-      </p:sp>
-      <p:sp>
-        <p:nvSpPr>
-          <p:cNvPr id="6" name="Slide Number Placeholder 5">
-            <a:extLst>
-              <a:ext uri="{FF2B5EF4-FFF2-40B4-BE49-F238E27FC236}">
-                <a16:creationId xmlns:a16="http://schemas.microsoft.com/office/drawing/2014/main" id="{4847C18D-5DD5-0761-5464-1549E1A2E4C1}"/>
-              </a:ext>
-            </a:extLst>
-          </p:cNvPr>
-          <p:cNvSpPr>
-            <a:spLocks noGrp="1"/>
-          </p:cNvSpPr>
-          <p:nvPr>
-            <p:ph type="sldNum" sz="quarter" idx="12"/>
-          </p:nvPr>
-        </p:nvSpPr>
-        <p:spPr/>
-        <p:txBody>
-          <a:bodyPr/>
-          <a:lstStyle/>
-          <a:p>
-            <a:fld id="{06B02C6F-B72C-1E4C-A6D2-177E785FCAF7}" type="slidenum">
-              <a:rPr lang="en-US" smtClean="0"/>
-              <a:t>‹#›</a:t>
-            </a:fld>
-            <a:endParaRPr lang="en-US"/>
-          </a:p>
-        </p:txBody>
-      </p:sp>
-    </p:spTree>
-    <p:extLst>
-      <p:ext uri="{BB962C8B-B14F-4D97-AF65-F5344CB8AC3E}">
-        <p14:creationId xmlns:p14="http://schemas.microsoft.com/office/powerpoint/2010/main" val="1675214705"/>
-      </p:ext>
-    </p:extLst>
-  </p:cSld>
-  <p:clrMapOvr>
-    <a:masterClrMapping/>
-  </p:clrMapOvr>
-</p:sldLayout>
-</file>
-
-<file path=ppt/slideLayouts/slideLayout20.xml><?xml version="1.0" encoding="utf-8"?>
+<file path=ppt/slideLayouts/slideLayout21.xml><?xml version="1.0" encoding="utf-8"?>
 <p:sldLayout xmlns:a="http://schemas.openxmlformats.org/drawingml/2006/main" xmlns:r="http://schemas.openxmlformats.org/officeDocument/2006/relationships" xmlns:p="http://schemas.openxmlformats.org/presentationml/2006/main" preserve="1" userDrawn="1">
   <p:cSld name="8_Title slide – Red option 4">
     <p:spTree>
@@ -8194,7 +8564,7 @@
 </p:sldLayout>
 </file>
 
-<file path=ppt/slideLayouts/slideLayout21.xml><?xml version="1.0" encoding="utf-8"?>
+<file path=ppt/slideLayouts/slideLayout22.xml><?xml version="1.0" encoding="utf-8"?>
 <p:sldLayout xmlns:a="http://schemas.openxmlformats.org/drawingml/2006/main" xmlns:r="http://schemas.openxmlformats.org/officeDocument/2006/relationships" xmlns:p="http://schemas.openxmlformats.org/presentationml/2006/main" preserve="1" userDrawn="1">
   <p:cSld name="1_Title slide – Red option 4">
     <p:spTree>
@@ -8418,7 +8788,7 @@
 </p:sldLayout>
 </file>
 
-<file path=ppt/slideLayouts/slideLayout22.xml><?xml version="1.0" encoding="utf-8"?>
+<file path=ppt/slideLayouts/slideLayout23.xml><?xml version="1.0" encoding="utf-8"?>
 <p:sldLayout xmlns:a="http://schemas.openxmlformats.org/drawingml/2006/main" xmlns:r="http://schemas.openxmlformats.org/officeDocument/2006/relationships" xmlns:p="http://schemas.openxmlformats.org/presentationml/2006/main" preserve="1" userDrawn="1">
   <p:cSld name="9_Title slide – Red option 4">
     <p:spTree>
@@ -8677,7 +9047,7 @@
 </p:sldLayout>
 </file>
 
-<file path=ppt/slideLayouts/slideLayout23.xml><?xml version="1.0" encoding="utf-8"?>
+<file path=ppt/slideLayouts/slideLayout24.xml><?xml version="1.0" encoding="utf-8"?>
 <p:sldLayout xmlns:a="http://schemas.openxmlformats.org/drawingml/2006/main" xmlns:r="http://schemas.openxmlformats.org/officeDocument/2006/relationships" xmlns:p="http://schemas.openxmlformats.org/presentationml/2006/main" preserve="1" userDrawn="1">
   <p:cSld name="2_Title slide – Red option 4">
     <p:spTree>
@@ -8901,7 +9271,7 @@
 </p:sldLayout>
 </file>
 
-<file path=ppt/slideLayouts/slideLayout24.xml><?xml version="1.0" encoding="utf-8"?>
+<file path=ppt/slideLayouts/slideLayout25.xml><?xml version="1.0" encoding="utf-8"?>
 <p:sldLayout xmlns:a="http://schemas.openxmlformats.org/drawingml/2006/main" xmlns:r="http://schemas.openxmlformats.org/officeDocument/2006/relationships" xmlns:p="http://schemas.openxmlformats.org/presentationml/2006/main" preserve="1" userDrawn="1">
   <p:cSld name="Title slide – Red option 5 (no image)">
     <p:spTree>
@@ -9125,7 +9495,7 @@
 </p:sldLayout>
 </file>
 
-<file path=ppt/slideLayouts/slideLayout25.xml><?xml version="1.0" encoding="utf-8"?>
+<file path=ppt/slideLayouts/slideLayout26.xml><?xml version="1.0" encoding="utf-8"?>
 <p:sldLayout xmlns:a="http://schemas.openxmlformats.org/drawingml/2006/main" xmlns:r="http://schemas.openxmlformats.org/officeDocument/2006/relationships" xmlns:p="http://schemas.openxmlformats.org/presentationml/2006/main" preserve="1" userDrawn="1">
   <p:cSld name="Title slide – White option 2">
     <p:spTree>
@@ -9402,7 +9772,7 @@
 </p:sldLayout>
 </file>
 
-<file path=ppt/slideLayouts/slideLayout26.xml><?xml version="1.0" encoding="utf-8"?>
+<file path=ppt/slideLayouts/slideLayout27.xml><?xml version="1.0" encoding="utf-8"?>
 <p:sldLayout xmlns:a="http://schemas.openxmlformats.org/drawingml/2006/main" xmlns:r="http://schemas.openxmlformats.org/officeDocument/2006/relationships" xmlns:p="http://schemas.openxmlformats.org/presentationml/2006/main" preserve="1" userDrawn="1">
   <p:cSld name="Title slide – White option 3">
     <p:spTree>
@@ -9679,7 +10049,7 @@
 </p:sldLayout>
 </file>
 
-<file path=ppt/slideLayouts/slideLayout27.xml><?xml version="1.0" encoding="utf-8"?>
+<file path=ppt/slideLayouts/slideLayout28.xml><?xml version="1.0" encoding="utf-8"?>
 <p:sldLayout xmlns:a="http://schemas.openxmlformats.org/drawingml/2006/main" xmlns:r="http://schemas.openxmlformats.org/officeDocument/2006/relationships" xmlns:p="http://schemas.openxmlformats.org/presentationml/2006/main" preserve="1" userDrawn="1">
   <p:cSld name="Title slide – White option 4">
     <p:spTree>
@@ -9956,7 +10326,7 @@
 </p:sldLayout>
 </file>
 
-<file path=ppt/slideLayouts/slideLayout28.xml><?xml version="1.0" encoding="utf-8"?>
+<file path=ppt/slideLayouts/slideLayout29.xml><?xml version="1.0" encoding="utf-8"?>
 <p:sldLayout xmlns:a="http://schemas.openxmlformats.org/drawingml/2006/main" xmlns:r="http://schemas.openxmlformats.org/officeDocument/2006/relationships" xmlns:p="http://schemas.openxmlformats.org/presentationml/2006/main" preserve="1" userDrawn="1">
   <p:cSld name="Title slide – White option 5 (no image)">
     <p:spTree>
@@ -10224,283 +10594,6 @@
     <p:extLst>
       <p:ext uri="{BB962C8B-B14F-4D97-AF65-F5344CB8AC3E}">
         <p14:creationId xmlns:p14="http://schemas.microsoft.com/office/powerpoint/2010/main" val="784770296"/>
-      </p:ext>
-    </p:extLst>
-  </p:cSld>
-  <p:clrMapOvr>
-    <a:masterClrMapping/>
-  </p:clrMapOvr>
-</p:sldLayout>
-</file>
-
-<file path=ppt/slideLayouts/slideLayout29.xml><?xml version="1.0" encoding="utf-8"?>
-<p:sldLayout xmlns:a="http://schemas.openxmlformats.org/drawingml/2006/main" xmlns:r="http://schemas.openxmlformats.org/officeDocument/2006/relationships" xmlns:p="http://schemas.openxmlformats.org/presentationml/2006/main" preserve="1" userDrawn="1">
-  <p:cSld name="1_Title slide – White option 5 (no image)">
-    <p:spTree>
-      <p:nvGrpSpPr>
-        <p:cNvPr id="1" name=""/>
-        <p:cNvGrpSpPr/>
-        <p:nvPr/>
-      </p:nvGrpSpPr>
-      <p:grpSpPr>
-        <a:xfrm>
-          <a:off x="0" y="0"/>
-          <a:ext cx="0" cy="0"/>
-          <a:chOff x="0" y="0"/>
-          <a:chExt cx="0" cy="0"/>
-        </a:xfrm>
-      </p:grpSpPr>
-      <p:sp>
-        <p:nvSpPr>
-          <p:cNvPr id="5" name="Rectangle 4"/>
-          <p:cNvSpPr/>
-          <p:nvPr/>
-        </p:nvSpPr>
-        <p:spPr>
-          <a:xfrm>
-            <a:off x="0" y="0"/>
-            <a:ext cx="12192000" cy="6858000"/>
-          </a:xfrm>
-          <a:prstGeom prst="rect">
-            <a:avLst/>
-          </a:prstGeom>
-          <a:solidFill>
-            <a:schemeClr val="bg1"/>
-          </a:solidFill>
-          <a:ln>
-            <a:noFill/>
-          </a:ln>
-          <a:effectLst/>
-        </p:spPr>
-        <p:style>
-          <a:lnRef idx="1">
-            <a:schemeClr val="accent1"/>
-          </a:lnRef>
-          <a:fillRef idx="3">
-            <a:schemeClr val="accent1"/>
-          </a:fillRef>
-          <a:effectRef idx="2">
-            <a:schemeClr val="accent1"/>
-          </a:effectRef>
-          <a:fontRef idx="minor">
-            <a:schemeClr val="lt1"/>
-          </a:fontRef>
-        </p:style>
-        <p:txBody>
-          <a:bodyPr anchor="ctr"/>
-          <a:lstStyle/>
-          <a:p>
-            <a:pPr algn="ctr" fontAlgn="auto">
-              <a:spcBef>
-                <a:spcPts val="0"/>
-              </a:spcBef>
-              <a:spcAft>
-                <a:spcPts val="0"/>
-              </a:spcAft>
-              <a:defRPr/>
-            </a:pPr>
-            <a:endParaRPr lang="en-US" sz="2400"/>
-          </a:p>
-        </p:txBody>
-      </p:sp>
-      <p:pic>
-        <p:nvPicPr>
-          <p:cNvPr id="7" name="Picture 6" descr="A close up of a logo&#10;&#10;Description automatically generated">
-            <a:extLst>
-              <a:ext uri="{FF2B5EF4-FFF2-40B4-BE49-F238E27FC236}">
-                <a16:creationId xmlns:a16="http://schemas.microsoft.com/office/drawing/2014/main" id="{396E9556-837F-4DA9-91CD-BD19A69947B1}"/>
-              </a:ext>
-            </a:extLst>
-          </p:cNvPr>
-          <p:cNvPicPr>
-            <a:picLocks noChangeAspect="1"/>
-          </p:cNvPicPr>
-          <p:nvPr userDrawn="1"/>
-        </p:nvPicPr>
-        <p:blipFill>
-          <a:blip r:embed="rId2" cstate="email">
-            <a:extLst>
-              <a:ext uri="{28A0092B-C50C-407E-A947-70E740481C1C}">
-                <a14:useLocalDpi xmlns:a14="http://schemas.microsoft.com/office/drawing/2010/main"/>
-              </a:ext>
-            </a:extLst>
-          </a:blip>
-          <a:stretch>
-            <a:fillRect/>
-          </a:stretch>
-        </p:blipFill>
-        <p:spPr>
-          <a:xfrm>
-            <a:off x="258718" y="5145627"/>
-            <a:ext cx="2470783" cy="1153032"/>
-          </a:xfrm>
-          <a:prstGeom prst="rect">
-            <a:avLst/>
-          </a:prstGeom>
-        </p:spPr>
-      </p:pic>
-      <p:pic>
-        <p:nvPicPr>
-          <p:cNvPr id="9" name="Picture 8" descr="A picture containing indoor, cabinet, wall&#10;&#10;Description automatically generated">
-            <a:extLst>
-              <a:ext uri="{FF2B5EF4-FFF2-40B4-BE49-F238E27FC236}">
-                <a16:creationId xmlns:a16="http://schemas.microsoft.com/office/drawing/2014/main" id="{89702472-5231-D549-9CEF-FFE6B3F4016D}"/>
-              </a:ext>
-            </a:extLst>
-          </p:cNvPr>
-          <p:cNvPicPr>
-            <a:picLocks noChangeAspect="1"/>
-          </p:cNvPicPr>
-          <p:nvPr userDrawn="1"/>
-        </p:nvPicPr>
-        <p:blipFill rotWithShape="1">
-          <a:blip r:embed="rId3" cstate="email">
-            <a:extLst>
-              <a:ext uri="{28A0092B-C50C-407E-A947-70E740481C1C}">
-                <a14:useLocalDpi xmlns:a14="http://schemas.microsoft.com/office/drawing/2010/main"/>
-              </a:ext>
-            </a:extLst>
-          </a:blip>
-          <a:srcRect/>
-          <a:stretch/>
-        </p:blipFill>
-        <p:spPr>
-          <a:xfrm>
-            <a:off x="6193365" y="419101"/>
-            <a:ext cx="5380569" cy="6016624"/>
-          </a:xfrm>
-          <a:prstGeom prst="rect">
-            <a:avLst/>
-          </a:prstGeom>
-        </p:spPr>
-      </p:pic>
-      <p:sp>
-        <p:nvSpPr>
-          <p:cNvPr id="8" name="Title 8">
-            <a:extLst>
-              <a:ext uri="{FF2B5EF4-FFF2-40B4-BE49-F238E27FC236}">
-                <a16:creationId xmlns:a16="http://schemas.microsoft.com/office/drawing/2014/main" id="{38858BE2-0703-F94C-AC5A-D375D26FEF69}"/>
-              </a:ext>
-            </a:extLst>
-          </p:cNvPr>
-          <p:cNvSpPr>
-            <a:spLocks noGrp="1"/>
-          </p:cNvSpPr>
-          <p:nvPr>
-            <p:ph type="title"/>
-          </p:nvPr>
-        </p:nvSpPr>
-        <p:spPr>
-          <a:xfrm>
-            <a:off x="509179" y="559342"/>
-            <a:ext cx="5265165" cy="1322972"/>
-          </a:xfrm>
-          <a:prstGeom prst="rect">
-            <a:avLst/>
-          </a:prstGeom>
-        </p:spPr>
-        <p:txBody>
-          <a:bodyPr anchor="t"/>
-          <a:lstStyle>
-            <a:lvl1pPr>
-              <a:defRPr sz="4000">
-                <a:solidFill>
-                  <a:srgbClr val="E64626"/>
-                </a:solidFill>
-                <a:latin typeface="+mj-lt"/>
-                <a:cs typeface="Arial" panose="020B0604020202020204" pitchFamily="34" charset="0"/>
-              </a:defRPr>
-            </a:lvl1pPr>
-          </a:lstStyle>
-          <a:p>
-            <a:r>
-              <a:rPr lang="en-US"/>
-              <a:t>Click to edit Master title style</a:t>
-            </a:r>
-          </a:p>
-        </p:txBody>
-      </p:sp>
-      <p:sp>
-        <p:nvSpPr>
-          <p:cNvPr id="12" name="Text Placeholder 4">
-            <a:extLst>
-              <a:ext uri="{FF2B5EF4-FFF2-40B4-BE49-F238E27FC236}">
-                <a16:creationId xmlns:a16="http://schemas.microsoft.com/office/drawing/2014/main" id="{131B73F3-BB2F-7649-9898-67A78F7247B8}"/>
-              </a:ext>
-            </a:extLst>
-          </p:cNvPr>
-          <p:cNvSpPr>
-            <a:spLocks noGrp="1"/>
-          </p:cNvSpPr>
-          <p:nvPr>
-            <p:ph type="body" sz="quarter" idx="11"/>
-          </p:nvPr>
-        </p:nvSpPr>
-        <p:spPr>
-          <a:xfrm>
-            <a:off x="489257" y="2122710"/>
-            <a:ext cx="5285089" cy="3022916"/>
-          </a:xfrm>
-          <a:prstGeom prst="rect">
-            <a:avLst/>
-          </a:prstGeom>
-        </p:spPr>
-        <p:txBody>
-          <a:bodyPr>
-            <a:noAutofit/>
-          </a:bodyPr>
-          <a:lstStyle>
-            <a:lvl1pPr marL="0" indent="0">
-              <a:lnSpc>
-                <a:spcPct val="90000"/>
-              </a:lnSpc>
-              <a:buNone/>
-              <a:defRPr sz="3200"/>
-            </a:lvl1pPr>
-            <a:lvl2pPr marL="457189" indent="0">
-              <a:buNone/>
-              <a:defRPr sz="3200"/>
-            </a:lvl2pPr>
-            <a:lvl3pPr marL="914377" indent="0">
-              <a:buNone/>
-              <a:defRPr sz="3200"/>
-            </a:lvl3pPr>
-            <a:lvl4pPr marL="1371566" indent="0">
-              <a:buNone/>
-              <a:defRPr/>
-            </a:lvl4pPr>
-            <a:lvl5pPr marL="1828754" indent="0">
-              <a:buNone/>
-              <a:defRPr/>
-            </a:lvl5pPr>
-          </a:lstStyle>
-          <a:p>
-            <a:pPr lvl="0"/>
-            <a:r>
-              <a:rPr lang="en-US"/>
-              <a:t>Click to edit Master text styles</a:t>
-            </a:r>
-          </a:p>
-          <a:p>
-            <a:pPr lvl="1"/>
-            <a:r>
-              <a:rPr lang="en-US"/>
-              <a:t>Second level</a:t>
-            </a:r>
-          </a:p>
-          <a:p>
-            <a:pPr lvl="2"/>
-            <a:r>
-              <a:rPr lang="en-US"/>
-              <a:t>Third level</a:t>
-            </a:r>
-          </a:p>
-        </p:txBody>
-      </p:sp>
-    </p:spTree>
-    <p:extLst>
-      <p:ext uri="{BB962C8B-B14F-4D97-AF65-F5344CB8AC3E}">
-        <p14:creationId xmlns:p14="http://schemas.microsoft.com/office/powerpoint/2010/main" val="3841894592"/>
       </p:ext>
     </p:extLst>
   </p:cSld>
@@ -10713,7 +10806,7 @@
           <a:p>
             <a:fld id="{7F872E2C-CB02-0A4B-9808-D43DF4D6EFE9}" type="datetimeFigureOut">
               <a:rPr lang="en-US" smtClean="0"/>
-              <a:t>8/7/23</a:t>
+              <a:t>10/16/23</a:t>
             </a:fld>
             <a:endParaRPr lang="en-US"/>
           </a:p>
@@ -10787,6 +10880,283 @@
 </file>
 
 <file path=ppt/slideLayouts/slideLayout30.xml><?xml version="1.0" encoding="utf-8"?>
+<p:sldLayout xmlns:a="http://schemas.openxmlformats.org/drawingml/2006/main" xmlns:r="http://schemas.openxmlformats.org/officeDocument/2006/relationships" xmlns:p="http://schemas.openxmlformats.org/presentationml/2006/main" preserve="1" userDrawn="1">
+  <p:cSld name="1_Title slide – White option 5 (no image)">
+    <p:spTree>
+      <p:nvGrpSpPr>
+        <p:cNvPr id="1" name=""/>
+        <p:cNvGrpSpPr/>
+        <p:nvPr/>
+      </p:nvGrpSpPr>
+      <p:grpSpPr>
+        <a:xfrm>
+          <a:off x="0" y="0"/>
+          <a:ext cx="0" cy="0"/>
+          <a:chOff x="0" y="0"/>
+          <a:chExt cx="0" cy="0"/>
+        </a:xfrm>
+      </p:grpSpPr>
+      <p:sp>
+        <p:nvSpPr>
+          <p:cNvPr id="5" name="Rectangle 4"/>
+          <p:cNvSpPr/>
+          <p:nvPr/>
+        </p:nvSpPr>
+        <p:spPr>
+          <a:xfrm>
+            <a:off x="0" y="0"/>
+            <a:ext cx="12192000" cy="6858000"/>
+          </a:xfrm>
+          <a:prstGeom prst="rect">
+            <a:avLst/>
+          </a:prstGeom>
+          <a:solidFill>
+            <a:schemeClr val="bg1"/>
+          </a:solidFill>
+          <a:ln>
+            <a:noFill/>
+          </a:ln>
+          <a:effectLst/>
+        </p:spPr>
+        <p:style>
+          <a:lnRef idx="1">
+            <a:schemeClr val="accent1"/>
+          </a:lnRef>
+          <a:fillRef idx="3">
+            <a:schemeClr val="accent1"/>
+          </a:fillRef>
+          <a:effectRef idx="2">
+            <a:schemeClr val="accent1"/>
+          </a:effectRef>
+          <a:fontRef idx="minor">
+            <a:schemeClr val="lt1"/>
+          </a:fontRef>
+        </p:style>
+        <p:txBody>
+          <a:bodyPr anchor="ctr"/>
+          <a:lstStyle/>
+          <a:p>
+            <a:pPr algn="ctr" fontAlgn="auto">
+              <a:spcBef>
+                <a:spcPts val="0"/>
+              </a:spcBef>
+              <a:spcAft>
+                <a:spcPts val="0"/>
+              </a:spcAft>
+              <a:defRPr/>
+            </a:pPr>
+            <a:endParaRPr lang="en-US" sz="2400"/>
+          </a:p>
+        </p:txBody>
+      </p:sp>
+      <p:pic>
+        <p:nvPicPr>
+          <p:cNvPr id="7" name="Picture 6" descr="A close up of a logo&#10;&#10;Description automatically generated">
+            <a:extLst>
+              <a:ext uri="{FF2B5EF4-FFF2-40B4-BE49-F238E27FC236}">
+                <a16:creationId xmlns:a16="http://schemas.microsoft.com/office/drawing/2014/main" id="{396E9556-837F-4DA9-91CD-BD19A69947B1}"/>
+              </a:ext>
+            </a:extLst>
+          </p:cNvPr>
+          <p:cNvPicPr>
+            <a:picLocks noChangeAspect="1"/>
+          </p:cNvPicPr>
+          <p:nvPr userDrawn="1"/>
+        </p:nvPicPr>
+        <p:blipFill>
+          <a:blip r:embed="rId2" cstate="email">
+            <a:extLst>
+              <a:ext uri="{28A0092B-C50C-407E-A947-70E740481C1C}">
+                <a14:useLocalDpi xmlns:a14="http://schemas.microsoft.com/office/drawing/2010/main"/>
+              </a:ext>
+            </a:extLst>
+          </a:blip>
+          <a:stretch>
+            <a:fillRect/>
+          </a:stretch>
+        </p:blipFill>
+        <p:spPr>
+          <a:xfrm>
+            <a:off x="258718" y="5145627"/>
+            <a:ext cx="2470783" cy="1153032"/>
+          </a:xfrm>
+          <a:prstGeom prst="rect">
+            <a:avLst/>
+          </a:prstGeom>
+        </p:spPr>
+      </p:pic>
+      <p:pic>
+        <p:nvPicPr>
+          <p:cNvPr id="9" name="Picture 8" descr="A picture containing indoor, cabinet, wall&#10;&#10;Description automatically generated">
+            <a:extLst>
+              <a:ext uri="{FF2B5EF4-FFF2-40B4-BE49-F238E27FC236}">
+                <a16:creationId xmlns:a16="http://schemas.microsoft.com/office/drawing/2014/main" id="{89702472-5231-D549-9CEF-FFE6B3F4016D}"/>
+              </a:ext>
+            </a:extLst>
+          </p:cNvPr>
+          <p:cNvPicPr>
+            <a:picLocks noChangeAspect="1"/>
+          </p:cNvPicPr>
+          <p:nvPr userDrawn="1"/>
+        </p:nvPicPr>
+        <p:blipFill rotWithShape="1">
+          <a:blip r:embed="rId3" cstate="email">
+            <a:extLst>
+              <a:ext uri="{28A0092B-C50C-407E-A947-70E740481C1C}">
+                <a14:useLocalDpi xmlns:a14="http://schemas.microsoft.com/office/drawing/2010/main"/>
+              </a:ext>
+            </a:extLst>
+          </a:blip>
+          <a:srcRect/>
+          <a:stretch/>
+        </p:blipFill>
+        <p:spPr>
+          <a:xfrm>
+            <a:off x="6193365" y="419101"/>
+            <a:ext cx="5380569" cy="6016624"/>
+          </a:xfrm>
+          <a:prstGeom prst="rect">
+            <a:avLst/>
+          </a:prstGeom>
+        </p:spPr>
+      </p:pic>
+      <p:sp>
+        <p:nvSpPr>
+          <p:cNvPr id="8" name="Title 8">
+            <a:extLst>
+              <a:ext uri="{FF2B5EF4-FFF2-40B4-BE49-F238E27FC236}">
+                <a16:creationId xmlns:a16="http://schemas.microsoft.com/office/drawing/2014/main" id="{38858BE2-0703-F94C-AC5A-D375D26FEF69}"/>
+              </a:ext>
+            </a:extLst>
+          </p:cNvPr>
+          <p:cNvSpPr>
+            <a:spLocks noGrp="1"/>
+          </p:cNvSpPr>
+          <p:nvPr>
+            <p:ph type="title"/>
+          </p:nvPr>
+        </p:nvSpPr>
+        <p:spPr>
+          <a:xfrm>
+            <a:off x="509179" y="559342"/>
+            <a:ext cx="5265165" cy="1322972"/>
+          </a:xfrm>
+          <a:prstGeom prst="rect">
+            <a:avLst/>
+          </a:prstGeom>
+        </p:spPr>
+        <p:txBody>
+          <a:bodyPr anchor="t"/>
+          <a:lstStyle>
+            <a:lvl1pPr>
+              <a:defRPr sz="4000">
+                <a:solidFill>
+                  <a:srgbClr val="E64626"/>
+                </a:solidFill>
+                <a:latin typeface="+mj-lt"/>
+                <a:cs typeface="Arial" panose="020B0604020202020204" pitchFamily="34" charset="0"/>
+              </a:defRPr>
+            </a:lvl1pPr>
+          </a:lstStyle>
+          <a:p>
+            <a:r>
+              <a:rPr lang="en-US"/>
+              <a:t>Click to edit Master title style</a:t>
+            </a:r>
+          </a:p>
+        </p:txBody>
+      </p:sp>
+      <p:sp>
+        <p:nvSpPr>
+          <p:cNvPr id="12" name="Text Placeholder 4">
+            <a:extLst>
+              <a:ext uri="{FF2B5EF4-FFF2-40B4-BE49-F238E27FC236}">
+                <a16:creationId xmlns:a16="http://schemas.microsoft.com/office/drawing/2014/main" id="{131B73F3-BB2F-7649-9898-67A78F7247B8}"/>
+              </a:ext>
+            </a:extLst>
+          </p:cNvPr>
+          <p:cNvSpPr>
+            <a:spLocks noGrp="1"/>
+          </p:cNvSpPr>
+          <p:nvPr>
+            <p:ph type="body" sz="quarter" idx="11"/>
+          </p:nvPr>
+        </p:nvSpPr>
+        <p:spPr>
+          <a:xfrm>
+            <a:off x="489257" y="2122710"/>
+            <a:ext cx="5285089" cy="3022916"/>
+          </a:xfrm>
+          <a:prstGeom prst="rect">
+            <a:avLst/>
+          </a:prstGeom>
+        </p:spPr>
+        <p:txBody>
+          <a:bodyPr>
+            <a:noAutofit/>
+          </a:bodyPr>
+          <a:lstStyle>
+            <a:lvl1pPr marL="0" indent="0">
+              <a:lnSpc>
+                <a:spcPct val="90000"/>
+              </a:lnSpc>
+              <a:buNone/>
+              <a:defRPr sz="3200"/>
+            </a:lvl1pPr>
+            <a:lvl2pPr marL="457189" indent="0">
+              <a:buNone/>
+              <a:defRPr sz="3200"/>
+            </a:lvl2pPr>
+            <a:lvl3pPr marL="914377" indent="0">
+              <a:buNone/>
+              <a:defRPr sz="3200"/>
+            </a:lvl3pPr>
+            <a:lvl4pPr marL="1371566" indent="0">
+              <a:buNone/>
+              <a:defRPr/>
+            </a:lvl4pPr>
+            <a:lvl5pPr marL="1828754" indent="0">
+              <a:buNone/>
+              <a:defRPr/>
+            </a:lvl5pPr>
+          </a:lstStyle>
+          <a:p>
+            <a:pPr lvl="0"/>
+            <a:r>
+              <a:rPr lang="en-US"/>
+              <a:t>Click to edit Master text styles</a:t>
+            </a:r>
+          </a:p>
+          <a:p>
+            <a:pPr lvl="1"/>
+            <a:r>
+              <a:rPr lang="en-US"/>
+              <a:t>Second level</a:t>
+            </a:r>
+          </a:p>
+          <a:p>
+            <a:pPr lvl="2"/>
+            <a:r>
+              <a:rPr lang="en-US"/>
+              <a:t>Third level</a:t>
+            </a:r>
+          </a:p>
+        </p:txBody>
+      </p:sp>
+    </p:spTree>
+    <p:extLst>
+      <p:ext uri="{BB962C8B-B14F-4D97-AF65-F5344CB8AC3E}">
+        <p14:creationId xmlns:p14="http://schemas.microsoft.com/office/powerpoint/2010/main" val="3841894592"/>
+      </p:ext>
+    </p:extLst>
+  </p:cSld>
+  <p:clrMapOvr>
+    <a:masterClrMapping/>
+  </p:clrMapOvr>
+</p:sldLayout>
+</file>
+
+<file path=ppt/slideLayouts/slideLayout31.xml><?xml version="1.0" encoding="utf-8"?>
 <p:sldLayout xmlns:a="http://schemas.openxmlformats.org/drawingml/2006/main" xmlns:r="http://schemas.openxmlformats.org/officeDocument/2006/relationships" xmlns:p="http://schemas.openxmlformats.org/presentationml/2006/main" preserve="1" userDrawn="1">
   <p:cSld name="Title slide – White option 1 (add own image)">
     <p:spTree>
@@ -11072,7 +11442,7 @@
 </p:sldLayout>
 </file>
 
-<file path=ppt/slideLayouts/slideLayout31.xml><?xml version="1.0" encoding="utf-8"?>
+<file path=ppt/slideLayouts/slideLayout32.xml><?xml version="1.0" encoding="utf-8"?>
 <p:sldLayout xmlns:a="http://schemas.openxmlformats.org/drawingml/2006/main" xmlns:r="http://schemas.openxmlformats.org/officeDocument/2006/relationships" xmlns:p="http://schemas.openxmlformats.org/presentationml/2006/main" preserve="1" userDrawn="1">
   <p:cSld name="Custom Layout">
     <p:spTree>
@@ -11900,7 +12270,7 @@
 </p:sldLayout>
 </file>
 
-<file path=ppt/slideLayouts/slideLayout32.xml><?xml version="1.0" encoding="utf-8"?>
+<file path=ppt/slideLayouts/slideLayout33.xml><?xml version="1.0" encoding="utf-8"?>
 <p:sldLayout xmlns:a="http://schemas.openxmlformats.org/drawingml/2006/main" xmlns:r="http://schemas.openxmlformats.org/officeDocument/2006/relationships" xmlns:p="http://schemas.openxmlformats.org/presentationml/2006/main" preserve="1" userDrawn="1">
   <p:cSld name="Title and Content">
     <p:spTree>
@@ -12013,14 +12383,14 @@
           </a:ln>
           <a:extLst>
             <a:ext uri="{909E8E84-426E-40dd-AFC4-6F175D3DCCD1}">
-              <a14:hiddenFill xmlns="" xmlns:a14="http://schemas.microsoft.com/office/drawing/2010/main">
+              <a14:hiddenFill xmlns:a14="http://schemas.microsoft.com/office/drawing/2010/main" xmlns="">
                 <a:solidFill>
                   <a:srgbClr val="FFFFFF"/>
                 </a:solidFill>
               </a14:hiddenFill>
             </a:ext>
             <a:ext uri="{91240B29-F687-4f45-9708-019B960494DF}">
-              <a14:hiddenLine xmlns="" xmlns:a14="http://schemas.microsoft.com/office/drawing/2010/main" w="9525">
+              <a14:hiddenLine xmlns:a14="http://schemas.microsoft.com/office/drawing/2010/main" xmlns="" w="9525">
                 <a:solidFill>
                   <a:srgbClr val="000000"/>
                 </a:solidFill>
@@ -12030,7 +12400,7 @@
               </a14:hiddenLine>
             </a:ext>
             <a:ext uri="{FAA26D3D-D897-4be2-8F04-BA451C77F1D7}">
-              <ma14:placeholderFlag xmlns="" xmlns:ma14="http://schemas.microsoft.com/office/mac/drawingml/2011/main" val="1"/>
+              <ma14:placeholderFlag xmlns:ma14="http://schemas.microsoft.com/office/mac/drawingml/2011/main" xmlns="" val="1"/>
             </a:ext>
           </a:extLst>
         </p:spPr>
@@ -12063,7 +12433,7 @@
 </p:sldLayout>
 </file>
 
-<file path=ppt/slideLayouts/slideLayout33.xml><?xml version="1.0" encoding="utf-8"?>
+<file path=ppt/slideLayouts/slideLayout34.xml><?xml version="1.0" encoding="utf-8"?>
 <p:sldLayout xmlns:a="http://schemas.openxmlformats.org/drawingml/2006/main" xmlns:r="http://schemas.openxmlformats.org/officeDocument/2006/relationships" xmlns:p="http://schemas.openxmlformats.org/presentationml/2006/main" preserve="1" userDrawn="1">
   <p:cSld name="Title and Two Content ">
     <p:spTree>
@@ -12110,14 +12480,14 @@
           </a:ln>
           <a:extLst>
             <a:ext uri="{909E8E84-426E-40dd-AFC4-6F175D3DCCD1}">
-              <a14:hiddenFill xmlns="" xmlns:a14="http://schemas.microsoft.com/office/drawing/2010/main">
+              <a14:hiddenFill xmlns:a14="http://schemas.microsoft.com/office/drawing/2010/main" xmlns="">
                 <a:solidFill>
                   <a:srgbClr val="FFFFFF"/>
                 </a:solidFill>
               </a14:hiddenFill>
             </a:ext>
             <a:ext uri="{91240B29-F687-4f45-9708-019B960494DF}">
-              <a14:hiddenLine xmlns="" xmlns:a14="http://schemas.microsoft.com/office/drawing/2010/main" w="9525">
+              <a14:hiddenLine xmlns:a14="http://schemas.microsoft.com/office/drawing/2010/main" xmlns="" w="9525">
                 <a:solidFill>
                   <a:srgbClr val="000000"/>
                 </a:solidFill>
@@ -12127,7 +12497,7 @@
               </a14:hiddenLine>
             </a:ext>
             <a:ext uri="{FAA26D3D-D897-4be2-8F04-BA451C77F1D7}">
-              <ma14:placeholderFlag xmlns="" xmlns:ma14="http://schemas.microsoft.com/office/mac/drawingml/2011/main" val="1"/>
+              <ma14:placeholderFlag xmlns:ma14="http://schemas.microsoft.com/office/mac/drawingml/2011/main" xmlns="" val="1"/>
             </a:ext>
           </a:extLst>
         </p:spPr>
@@ -12322,7 +12692,7 @@
 </p:sldLayout>
 </file>
 
-<file path=ppt/slideLayouts/slideLayout34.xml><?xml version="1.0" encoding="utf-8"?>
+<file path=ppt/slideLayouts/slideLayout35.xml><?xml version="1.0" encoding="utf-8"?>
 <p:sldLayout xmlns:a="http://schemas.openxmlformats.org/drawingml/2006/main" xmlns:r="http://schemas.openxmlformats.org/officeDocument/2006/relationships" xmlns:p="http://schemas.openxmlformats.org/presentationml/2006/main" preserve="1" userDrawn="1">
   <p:cSld name="Title, Content and Image">
     <p:spTree>
@@ -12444,14 +12814,14 @@
           </a:ln>
           <a:extLst>
             <a:ext uri="{909E8E84-426E-40dd-AFC4-6F175D3DCCD1}">
-              <a14:hiddenFill xmlns="" xmlns:a14="http://schemas.microsoft.com/office/drawing/2010/main">
+              <a14:hiddenFill xmlns:a14="http://schemas.microsoft.com/office/drawing/2010/main" xmlns="">
                 <a:solidFill>
                   <a:srgbClr val="FFFFFF"/>
                 </a:solidFill>
               </a14:hiddenFill>
             </a:ext>
             <a:ext uri="{91240B29-F687-4f45-9708-019B960494DF}">
-              <a14:hiddenLine xmlns="" xmlns:a14="http://schemas.microsoft.com/office/drawing/2010/main" w="9525">
+              <a14:hiddenLine xmlns:a14="http://schemas.microsoft.com/office/drawing/2010/main" xmlns="" w="9525">
                 <a:solidFill>
                   <a:srgbClr val="000000"/>
                 </a:solidFill>
@@ -12461,7 +12831,7 @@
               </a14:hiddenLine>
             </a:ext>
             <a:ext uri="{FAA26D3D-D897-4be2-8F04-BA451C77F1D7}">
-              <ma14:placeholderFlag xmlns="" xmlns:ma14="http://schemas.microsoft.com/office/mac/drawingml/2011/main" val="1"/>
+              <ma14:placeholderFlag xmlns:ma14="http://schemas.microsoft.com/office/mac/drawingml/2011/main" xmlns="" val="1"/>
             </a:ext>
           </a:extLst>
         </p:spPr>
@@ -12575,7 +12945,7 @@
 </p:sldLayout>
 </file>
 
-<file path=ppt/slideLayouts/slideLayout35.xml><?xml version="1.0" encoding="utf-8"?>
+<file path=ppt/slideLayouts/slideLayout36.xml><?xml version="1.0" encoding="utf-8"?>
 <p:sldLayout xmlns:a="http://schemas.openxmlformats.org/drawingml/2006/main" xmlns:r="http://schemas.openxmlformats.org/officeDocument/2006/relationships" xmlns:p="http://schemas.openxmlformats.org/presentationml/2006/main" preserve="1" userDrawn="1">
   <p:cSld name="Title, Content and Table">
     <p:spTree>
@@ -12658,14 +13028,14 @@
           </a:ln>
           <a:extLst>
             <a:ext uri="{909E8E84-426E-40dd-AFC4-6F175D3DCCD1}">
-              <a14:hiddenFill xmlns="" xmlns:a14="http://schemas.microsoft.com/office/drawing/2010/main">
+              <a14:hiddenFill xmlns:a14="http://schemas.microsoft.com/office/drawing/2010/main" xmlns="">
                 <a:solidFill>
                   <a:srgbClr val="FFFFFF"/>
                 </a:solidFill>
               </a14:hiddenFill>
             </a:ext>
             <a:ext uri="{91240B29-F687-4f45-9708-019B960494DF}">
-              <a14:hiddenLine xmlns="" xmlns:a14="http://schemas.microsoft.com/office/drawing/2010/main" w="9525">
+              <a14:hiddenLine xmlns:a14="http://schemas.microsoft.com/office/drawing/2010/main" xmlns="" w="9525">
                 <a:solidFill>
                   <a:srgbClr val="000000"/>
                 </a:solidFill>
@@ -12675,7 +13045,7 @@
               </a14:hiddenLine>
             </a:ext>
             <a:ext uri="{FAA26D3D-D897-4be2-8F04-BA451C77F1D7}">
-              <ma14:placeholderFlag xmlns="" xmlns:ma14="http://schemas.microsoft.com/office/mac/drawingml/2011/main" val="1"/>
+              <ma14:placeholderFlag xmlns:ma14="http://schemas.microsoft.com/office/mac/drawingml/2011/main" xmlns="" val="1"/>
             </a:ext>
           </a:extLst>
         </p:spPr>
@@ -12828,7 +13198,7 @@
 </p:sldLayout>
 </file>
 
-<file path=ppt/slideLayouts/slideLayout36.xml><?xml version="1.0" encoding="utf-8"?>
+<file path=ppt/slideLayouts/slideLayout37.xml><?xml version="1.0" encoding="utf-8"?>
 <p:sldLayout xmlns:a="http://schemas.openxmlformats.org/drawingml/2006/main" xmlns:r="http://schemas.openxmlformats.org/officeDocument/2006/relationships" xmlns:p="http://schemas.openxmlformats.org/presentationml/2006/main" preserve="1" userDrawn="1">
   <p:cSld name="Title, Content and Chart">
     <p:spTree>
@@ -12924,14 +13294,14 @@
           </a:ln>
           <a:extLst>
             <a:ext uri="{909E8E84-426E-40dd-AFC4-6F175D3DCCD1}">
-              <a14:hiddenFill xmlns="" xmlns:a14="http://schemas.microsoft.com/office/drawing/2010/main">
+              <a14:hiddenFill xmlns:a14="http://schemas.microsoft.com/office/drawing/2010/main" xmlns="">
                 <a:solidFill>
                   <a:srgbClr val="FFFFFF"/>
                 </a:solidFill>
               </a14:hiddenFill>
             </a:ext>
             <a:ext uri="{91240B29-F687-4f45-9708-019B960494DF}">
-              <a14:hiddenLine xmlns="" xmlns:a14="http://schemas.microsoft.com/office/drawing/2010/main" w="9525">
+              <a14:hiddenLine xmlns:a14="http://schemas.microsoft.com/office/drawing/2010/main" xmlns="" w="9525">
                 <a:solidFill>
                   <a:srgbClr val="000000"/>
                 </a:solidFill>
@@ -12941,7 +13311,7 @@
               </a14:hiddenLine>
             </a:ext>
             <a:ext uri="{FAA26D3D-D897-4be2-8F04-BA451C77F1D7}">
-              <ma14:placeholderFlag xmlns="" xmlns:ma14="http://schemas.microsoft.com/office/mac/drawingml/2011/main" val="1"/>
+              <ma14:placeholderFlag xmlns:ma14="http://schemas.microsoft.com/office/mac/drawingml/2011/main" xmlns="" val="1"/>
             </a:ext>
           </a:extLst>
         </p:spPr>
@@ -13092,7 +13462,7 @@
 </p:sldLayout>
 </file>
 
-<file path=ppt/slideLayouts/slideLayout37.xml><?xml version="1.0" encoding="utf-8"?>
+<file path=ppt/slideLayouts/slideLayout38.xml><?xml version="1.0" encoding="utf-8"?>
 <p:sldLayout xmlns:a="http://schemas.openxmlformats.org/drawingml/2006/main" xmlns:r="http://schemas.openxmlformats.org/officeDocument/2006/relationships" xmlns:p="http://schemas.openxmlformats.org/presentationml/2006/main" preserve="1" userDrawn="1">
   <p:cSld name="Title and Image">
     <p:spTree>
@@ -13175,14 +13545,14 @@
           </a:ln>
           <a:extLst>
             <a:ext uri="{909E8E84-426E-40dd-AFC4-6F175D3DCCD1}">
-              <a14:hiddenFill xmlns="" xmlns:a14="http://schemas.microsoft.com/office/drawing/2010/main">
+              <a14:hiddenFill xmlns:a14="http://schemas.microsoft.com/office/drawing/2010/main" xmlns="">
                 <a:solidFill>
                   <a:srgbClr val="FFFFFF"/>
                 </a:solidFill>
               </a14:hiddenFill>
             </a:ext>
             <a:ext uri="{91240B29-F687-4f45-9708-019B960494DF}">
-              <a14:hiddenLine xmlns="" xmlns:a14="http://schemas.microsoft.com/office/drawing/2010/main" w="9525">
+              <a14:hiddenLine xmlns:a14="http://schemas.microsoft.com/office/drawing/2010/main" xmlns="" w="9525">
                 <a:solidFill>
                   <a:srgbClr val="000000"/>
                 </a:solidFill>
@@ -13192,7 +13562,7 @@
               </a14:hiddenLine>
             </a:ext>
             <a:ext uri="{FAA26D3D-D897-4be2-8F04-BA451C77F1D7}">
-              <ma14:placeholderFlag xmlns="" xmlns:ma14="http://schemas.microsoft.com/office/mac/drawingml/2011/main" val="1"/>
+              <ma14:placeholderFlag xmlns:ma14="http://schemas.microsoft.com/office/mac/drawingml/2011/main" xmlns="" val="1"/>
             </a:ext>
           </a:extLst>
         </p:spPr>
@@ -13225,7 +13595,7 @@
 </p:sldLayout>
 </file>
 
-<file path=ppt/slideLayouts/slideLayout38.xml><?xml version="1.0" encoding="utf-8"?>
+<file path=ppt/slideLayouts/slideLayout39.xml><?xml version="1.0" encoding="utf-8"?>
 <p:sldLayout xmlns:a="http://schemas.openxmlformats.org/drawingml/2006/main" xmlns:r="http://schemas.openxmlformats.org/officeDocument/2006/relationships" xmlns:p="http://schemas.openxmlformats.org/presentationml/2006/main" preserve="1" userDrawn="1">
   <p:cSld name="Title Only">
     <p:spTree>
@@ -13272,14 +13642,14 @@
           </a:ln>
           <a:extLst>
             <a:ext uri="{909E8E84-426E-40dd-AFC4-6F175D3DCCD1}">
-              <a14:hiddenFill xmlns="" xmlns:a14="http://schemas.microsoft.com/office/drawing/2010/main">
+              <a14:hiddenFill xmlns:a14="http://schemas.microsoft.com/office/drawing/2010/main" xmlns="">
                 <a:solidFill>
                   <a:srgbClr val="FFFFFF"/>
                 </a:solidFill>
               </a14:hiddenFill>
             </a:ext>
             <a:ext uri="{91240B29-F687-4f45-9708-019B960494DF}">
-              <a14:hiddenLine xmlns="" xmlns:a14="http://schemas.microsoft.com/office/drawing/2010/main" w="9525">
+              <a14:hiddenLine xmlns:a14="http://schemas.microsoft.com/office/drawing/2010/main" xmlns="" w="9525">
                 <a:solidFill>
                   <a:srgbClr val="000000"/>
                 </a:solidFill>
@@ -13289,7 +13659,7 @@
               </a14:hiddenLine>
             </a:ext>
             <a:ext uri="{FAA26D3D-D897-4be2-8F04-BA451C77F1D7}">
-              <ma14:placeholderFlag xmlns="" xmlns:ma14="http://schemas.microsoft.com/office/mac/drawingml/2011/main" val="1"/>
+              <ma14:placeholderFlag xmlns:ma14="http://schemas.microsoft.com/office/mac/drawingml/2011/main" xmlns="" val="1"/>
             </a:ext>
           </a:extLst>
         </p:spPr>
@@ -13322,7 +13692,275 @@
 </p:sldLayout>
 </file>
 
-<file path=ppt/slideLayouts/slideLayout39.xml><?xml version="1.0" encoding="utf-8"?>
+<file path=ppt/slideLayouts/slideLayout4.xml><?xml version="1.0" encoding="utf-8"?>
+<p:sldLayout xmlns:a="http://schemas.openxmlformats.org/drawingml/2006/main" xmlns:r="http://schemas.openxmlformats.org/officeDocument/2006/relationships" xmlns:p="http://schemas.openxmlformats.org/presentationml/2006/main" type="twoObj" preserve="1">
+  <p:cSld name="Two Content">
+    <p:spTree>
+      <p:nvGrpSpPr>
+        <p:cNvPr id="1" name=""/>
+        <p:cNvGrpSpPr/>
+        <p:nvPr/>
+      </p:nvGrpSpPr>
+      <p:grpSpPr>
+        <a:xfrm>
+          <a:off x="0" y="0"/>
+          <a:ext cx="0" cy="0"/>
+          <a:chOff x="0" y="0"/>
+          <a:chExt cx="0" cy="0"/>
+        </a:xfrm>
+      </p:grpSpPr>
+      <p:sp>
+        <p:nvSpPr>
+          <p:cNvPr id="2" name="Title 1">
+            <a:extLst>
+              <a:ext uri="{FF2B5EF4-FFF2-40B4-BE49-F238E27FC236}">
+                <a16:creationId xmlns:a16="http://schemas.microsoft.com/office/drawing/2014/main" id="{BA2FD37D-07F9-AA81-355F-380E0229865B}"/>
+              </a:ext>
+            </a:extLst>
+          </p:cNvPr>
+          <p:cNvSpPr>
+            <a:spLocks noGrp="1"/>
+          </p:cNvSpPr>
+          <p:nvPr>
+            <p:ph type="title"/>
+          </p:nvPr>
+        </p:nvSpPr>
+        <p:spPr/>
+        <p:txBody>
+          <a:bodyPr/>
+          <a:lstStyle/>
+          <a:p>
+            <a:r>
+              <a:rPr lang="en-GB"/>
+              <a:t>Click to edit Master title style</a:t>
+            </a:r>
+            <a:endParaRPr lang="en-US"/>
+          </a:p>
+        </p:txBody>
+      </p:sp>
+      <p:sp>
+        <p:nvSpPr>
+          <p:cNvPr id="3" name="Content Placeholder 2">
+            <a:extLst>
+              <a:ext uri="{FF2B5EF4-FFF2-40B4-BE49-F238E27FC236}">
+                <a16:creationId xmlns:a16="http://schemas.microsoft.com/office/drawing/2014/main" id="{9C286EB7-4B97-3478-B6AF-C51414186BEE}"/>
+              </a:ext>
+            </a:extLst>
+          </p:cNvPr>
+          <p:cNvSpPr>
+            <a:spLocks noGrp="1"/>
+          </p:cNvSpPr>
+          <p:nvPr>
+            <p:ph sz="half" idx="1"/>
+          </p:nvPr>
+        </p:nvSpPr>
+        <p:spPr>
+          <a:xfrm>
+            <a:off x="838200" y="1825625"/>
+            <a:ext cx="5181600" cy="4351338"/>
+          </a:xfrm>
+        </p:spPr>
+        <p:txBody>
+          <a:bodyPr/>
+          <a:lstStyle/>
+          <a:p>
+            <a:pPr lvl="0"/>
+            <a:r>
+              <a:rPr lang="en-GB"/>
+              <a:t>Click to edit Master text styles</a:t>
+            </a:r>
+          </a:p>
+          <a:p>
+            <a:pPr lvl="1"/>
+            <a:r>
+              <a:rPr lang="en-GB"/>
+              <a:t>Second level</a:t>
+            </a:r>
+          </a:p>
+          <a:p>
+            <a:pPr lvl="2"/>
+            <a:r>
+              <a:rPr lang="en-GB"/>
+              <a:t>Third level</a:t>
+            </a:r>
+          </a:p>
+          <a:p>
+            <a:pPr lvl="3"/>
+            <a:r>
+              <a:rPr lang="en-GB"/>
+              <a:t>Fourth level</a:t>
+            </a:r>
+          </a:p>
+          <a:p>
+            <a:pPr lvl="4"/>
+            <a:r>
+              <a:rPr lang="en-GB"/>
+              <a:t>Fifth level</a:t>
+            </a:r>
+            <a:endParaRPr lang="en-US"/>
+          </a:p>
+        </p:txBody>
+      </p:sp>
+      <p:sp>
+        <p:nvSpPr>
+          <p:cNvPr id="4" name="Content Placeholder 3">
+            <a:extLst>
+              <a:ext uri="{FF2B5EF4-FFF2-40B4-BE49-F238E27FC236}">
+                <a16:creationId xmlns:a16="http://schemas.microsoft.com/office/drawing/2014/main" id="{F88C4EF3-9853-3D1C-32F2-2D25235378B2}"/>
+              </a:ext>
+            </a:extLst>
+          </p:cNvPr>
+          <p:cNvSpPr>
+            <a:spLocks noGrp="1"/>
+          </p:cNvSpPr>
+          <p:nvPr>
+            <p:ph sz="half" idx="2"/>
+          </p:nvPr>
+        </p:nvSpPr>
+        <p:spPr>
+          <a:xfrm>
+            <a:off x="6172200" y="1825625"/>
+            <a:ext cx="5181600" cy="4351338"/>
+          </a:xfrm>
+        </p:spPr>
+        <p:txBody>
+          <a:bodyPr/>
+          <a:lstStyle/>
+          <a:p>
+            <a:pPr lvl="0"/>
+            <a:r>
+              <a:rPr lang="en-GB"/>
+              <a:t>Click to edit Master text styles</a:t>
+            </a:r>
+          </a:p>
+          <a:p>
+            <a:pPr lvl="1"/>
+            <a:r>
+              <a:rPr lang="en-GB"/>
+              <a:t>Second level</a:t>
+            </a:r>
+          </a:p>
+          <a:p>
+            <a:pPr lvl="2"/>
+            <a:r>
+              <a:rPr lang="en-GB"/>
+              <a:t>Third level</a:t>
+            </a:r>
+          </a:p>
+          <a:p>
+            <a:pPr lvl="3"/>
+            <a:r>
+              <a:rPr lang="en-GB"/>
+              <a:t>Fourth level</a:t>
+            </a:r>
+          </a:p>
+          <a:p>
+            <a:pPr lvl="4"/>
+            <a:r>
+              <a:rPr lang="en-GB"/>
+              <a:t>Fifth level</a:t>
+            </a:r>
+            <a:endParaRPr lang="en-US"/>
+          </a:p>
+        </p:txBody>
+      </p:sp>
+      <p:sp>
+        <p:nvSpPr>
+          <p:cNvPr id="5" name="Date Placeholder 4">
+            <a:extLst>
+              <a:ext uri="{FF2B5EF4-FFF2-40B4-BE49-F238E27FC236}">
+                <a16:creationId xmlns:a16="http://schemas.microsoft.com/office/drawing/2014/main" id="{8B1CD88F-B3F2-FEC8-0D7C-616B31CA1C4F}"/>
+              </a:ext>
+            </a:extLst>
+          </p:cNvPr>
+          <p:cNvSpPr>
+            <a:spLocks noGrp="1"/>
+          </p:cNvSpPr>
+          <p:nvPr>
+            <p:ph type="dt" sz="half" idx="10"/>
+          </p:nvPr>
+        </p:nvSpPr>
+        <p:spPr/>
+        <p:txBody>
+          <a:bodyPr/>
+          <a:lstStyle/>
+          <a:p>
+            <a:fld id="{7F872E2C-CB02-0A4B-9808-D43DF4D6EFE9}" type="datetimeFigureOut">
+              <a:rPr lang="en-US" smtClean="0"/>
+              <a:t>10/16/23</a:t>
+            </a:fld>
+            <a:endParaRPr lang="en-US"/>
+          </a:p>
+        </p:txBody>
+      </p:sp>
+      <p:sp>
+        <p:nvSpPr>
+          <p:cNvPr id="6" name="Footer Placeholder 5">
+            <a:extLst>
+              <a:ext uri="{FF2B5EF4-FFF2-40B4-BE49-F238E27FC236}">
+                <a16:creationId xmlns:a16="http://schemas.microsoft.com/office/drawing/2014/main" id="{CC8C39A9-751B-37FA-5A78-F5680EFF0186}"/>
+              </a:ext>
+            </a:extLst>
+          </p:cNvPr>
+          <p:cNvSpPr>
+            <a:spLocks noGrp="1"/>
+          </p:cNvSpPr>
+          <p:nvPr>
+            <p:ph type="ftr" sz="quarter" idx="11"/>
+          </p:nvPr>
+        </p:nvSpPr>
+        <p:spPr/>
+        <p:txBody>
+          <a:bodyPr/>
+          <a:lstStyle/>
+          <a:p>
+            <a:endParaRPr lang="en-US"/>
+          </a:p>
+        </p:txBody>
+      </p:sp>
+      <p:sp>
+        <p:nvSpPr>
+          <p:cNvPr id="7" name="Slide Number Placeholder 6">
+            <a:extLst>
+              <a:ext uri="{FF2B5EF4-FFF2-40B4-BE49-F238E27FC236}">
+                <a16:creationId xmlns:a16="http://schemas.microsoft.com/office/drawing/2014/main" id="{B423E000-E213-B07A-7B1F-ECE44E197FA5}"/>
+              </a:ext>
+            </a:extLst>
+          </p:cNvPr>
+          <p:cNvSpPr>
+            <a:spLocks noGrp="1"/>
+          </p:cNvSpPr>
+          <p:nvPr>
+            <p:ph type="sldNum" sz="quarter" idx="12"/>
+          </p:nvPr>
+        </p:nvSpPr>
+        <p:spPr/>
+        <p:txBody>
+          <a:bodyPr/>
+          <a:lstStyle/>
+          <a:p>
+            <a:fld id="{06B02C6F-B72C-1E4C-A6D2-177E785FCAF7}" type="slidenum">
+              <a:rPr lang="en-US" smtClean="0"/>
+              <a:t>‹#›</a:t>
+            </a:fld>
+            <a:endParaRPr lang="en-US"/>
+          </a:p>
+        </p:txBody>
+      </p:sp>
+    </p:spTree>
+    <p:extLst>
+      <p:ext uri="{BB962C8B-B14F-4D97-AF65-F5344CB8AC3E}">
+        <p14:creationId xmlns:p14="http://schemas.microsoft.com/office/powerpoint/2010/main" val="3207970809"/>
+      </p:ext>
+    </p:extLst>
+  </p:cSld>
+  <p:clrMapOvr>
+    <a:masterClrMapping/>
+  </p:clrMapOvr>
+</p:sldLayout>
+</file>
+
+<file path=ppt/slideLayouts/slideLayout40.xml><?xml version="1.0" encoding="utf-8"?>
 <p:sldLayout xmlns:a="http://schemas.openxmlformats.org/drawingml/2006/main" xmlns:r="http://schemas.openxmlformats.org/officeDocument/2006/relationships" xmlns:p="http://schemas.openxmlformats.org/presentationml/2006/main" preserve="1" userDrawn="1">
   <p:cSld name="Section Divider - Option 1">
     <p:spTree>
@@ -13374,14 +14012,14 @@
           </a:ln>
           <a:extLst>
             <a:ext uri="{909E8E84-426E-40dd-AFC4-6F175D3DCCD1}">
-              <a14:hiddenFill xmlns:a14="http://schemas.microsoft.com/office/drawing/2010/main" xmlns="">
+              <a14:hiddenFill xmlns="" xmlns:a14="http://schemas.microsoft.com/office/drawing/2010/main">
                 <a:solidFill>
                   <a:srgbClr val="FFFFFF"/>
                 </a:solidFill>
               </a14:hiddenFill>
             </a:ext>
             <a:ext uri="{91240B29-F687-4f45-9708-019B960494DF}">
-              <a14:hiddenLine xmlns:a14="http://schemas.microsoft.com/office/drawing/2010/main" xmlns="" w="9525">
+              <a14:hiddenLine xmlns="" xmlns:a14="http://schemas.microsoft.com/office/drawing/2010/main" w="9525">
                 <a:solidFill>
                   <a:srgbClr val="000000"/>
                 </a:solidFill>
@@ -13522,14 +14160,14 @@
           </a:ln>
           <a:extLst>
             <a:ext uri="{909E8E84-426E-40dd-AFC4-6F175D3DCCD1}">
-              <a14:hiddenFill xmlns:a14="http://schemas.microsoft.com/office/drawing/2010/main" xmlns="">
+              <a14:hiddenFill xmlns="" xmlns:a14="http://schemas.microsoft.com/office/drawing/2010/main">
                 <a:solidFill>
                   <a:srgbClr val="FFFFFF"/>
                 </a:solidFill>
               </a14:hiddenFill>
             </a:ext>
             <a:ext uri="{91240B29-F687-4f45-9708-019B960494DF}">
-              <a14:hiddenLine xmlns:a14="http://schemas.microsoft.com/office/drawing/2010/main" xmlns="" w="9525">
+              <a14:hiddenLine xmlns="" xmlns:a14="http://schemas.microsoft.com/office/drawing/2010/main" w="9525">
                 <a:solidFill>
                   <a:srgbClr val="000000"/>
                 </a:solidFill>
@@ -13539,7 +14177,7 @@
               </a14:hiddenLine>
             </a:ext>
             <a:ext uri="{FAA26D3D-D897-4be2-8F04-BA451C77F1D7}">
-              <ma14:placeholderFlag xmlns:ma14="http://schemas.microsoft.com/office/mac/drawingml/2011/main" xmlns="" val="1"/>
+              <ma14:placeholderFlag xmlns="" xmlns:ma14="http://schemas.microsoft.com/office/mac/drawingml/2011/main" val="1"/>
             </a:ext>
           </a:extLst>
         </p:spPr>
@@ -13572,275 +14210,7 @@
 </p:sldLayout>
 </file>
 
-<file path=ppt/slideLayouts/slideLayout4.xml><?xml version="1.0" encoding="utf-8"?>
-<p:sldLayout xmlns:a="http://schemas.openxmlformats.org/drawingml/2006/main" xmlns:r="http://schemas.openxmlformats.org/officeDocument/2006/relationships" xmlns:p="http://schemas.openxmlformats.org/presentationml/2006/main" type="twoObj" preserve="1">
-  <p:cSld name="Two Content">
-    <p:spTree>
-      <p:nvGrpSpPr>
-        <p:cNvPr id="1" name=""/>
-        <p:cNvGrpSpPr/>
-        <p:nvPr/>
-      </p:nvGrpSpPr>
-      <p:grpSpPr>
-        <a:xfrm>
-          <a:off x="0" y="0"/>
-          <a:ext cx="0" cy="0"/>
-          <a:chOff x="0" y="0"/>
-          <a:chExt cx="0" cy="0"/>
-        </a:xfrm>
-      </p:grpSpPr>
-      <p:sp>
-        <p:nvSpPr>
-          <p:cNvPr id="2" name="Title 1">
-            <a:extLst>
-              <a:ext uri="{FF2B5EF4-FFF2-40B4-BE49-F238E27FC236}">
-                <a16:creationId xmlns:a16="http://schemas.microsoft.com/office/drawing/2014/main" id="{BA2FD37D-07F9-AA81-355F-380E0229865B}"/>
-              </a:ext>
-            </a:extLst>
-          </p:cNvPr>
-          <p:cNvSpPr>
-            <a:spLocks noGrp="1"/>
-          </p:cNvSpPr>
-          <p:nvPr>
-            <p:ph type="title"/>
-          </p:nvPr>
-        </p:nvSpPr>
-        <p:spPr/>
-        <p:txBody>
-          <a:bodyPr/>
-          <a:lstStyle/>
-          <a:p>
-            <a:r>
-              <a:rPr lang="en-GB"/>
-              <a:t>Click to edit Master title style</a:t>
-            </a:r>
-            <a:endParaRPr lang="en-US"/>
-          </a:p>
-        </p:txBody>
-      </p:sp>
-      <p:sp>
-        <p:nvSpPr>
-          <p:cNvPr id="3" name="Content Placeholder 2">
-            <a:extLst>
-              <a:ext uri="{FF2B5EF4-FFF2-40B4-BE49-F238E27FC236}">
-                <a16:creationId xmlns:a16="http://schemas.microsoft.com/office/drawing/2014/main" id="{9C286EB7-4B97-3478-B6AF-C51414186BEE}"/>
-              </a:ext>
-            </a:extLst>
-          </p:cNvPr>
-          <p:cNvSpPr>
-            <a:spLocks noGrp="1"/>
-          </p:cNvSpPr>
-          <p:nvPr>
-            <p:ph sz="half" idx="1"/>
-          </p:nvPr>
-        </p:nvSpPr>
-        <p:spPr>
-          <a:xfrm>
-            <a:off x="838200" y="1825625"/>
-            <a:ext cx="5181600" cy="4351338"/>
-          </a:xfrm>
-        </p:spPr>
-        <p:txBody>
-          <a:bodyPr/>
-          <a:lstStyle/>
-          <a:p>
-            <a:pPr lvl="0"/>
-            <a:r>
-              <a:rPr lang="en-GB"/>
-              <a:t>Click to edit Master text styles</a:t>
-            </a:r>
-          </a:p>
-          <a:p>
-            <a:pPr lvl="1"/>
-            <a:r>
-              <a:rPr lang="en-GB"/>
-              <a:t>Second level</a:t>
-            </a:r>
-          </a:p>
-          <a:p>
-            <a:pPr lvl="2"/>
-            <a:r>
-              <a:rPr lang="en-GB"/>
-              <a:t>Third level</a:t>
-            </a:r>
-          </a:p>
-          <a:p>
-            <a:pPr lvl="3"/>
-            <a:r>
-              <a:rPr lang="en-GB"/>
-              <a:t>Fourth level</a:t>
-            </a:r>
-          </a:p>
-          <a:p>
-            <a:pPr lvl="4"/>
-            <a:r>
-              <a:rPr lang="en-GB"/>
-              <a:t>Fifth level</a:t>
-            </a:r>
-            <a:endParaRPr lang="en-US"/>
-          </a:p>
-        </p:txBody>
-      </p:sp>
-      <p:sp>
-        <p:nvSpPr>
-          <p:cNvPr id="4" name="Content Placeholder 3">
-            <a:extLst>
-              <a:ext uri="{FF2B5EF4-FFF2-40B4-BE49-F238E27FC236}">
-                <a16:creationId xmlns:a16="http://schemas.microsoft.com/office/drawing/2014/main" id="{F88C4EF3-9853-3D1C-32F2-2D25235378B2}"/>
-              </a:ext>
-            </a:extLst>
-          </p:cNvPr>
-          <p:cNvSpPr>
-            <a:spLocks noGrp="1"/>
-          </p:cNvSpPr>
-          <p:nvPr>
-            <p:ph sz="half" idx="2"/>
-          </p:nvPr>
-        </p:nvSpPr>
-        <p:spPr>
-          <a:xfrm>
-            <a:off x="6172200" y="1825625"/>
-            <a:ext cx="5181600" cy="4351338"/>
-          </a:xfrm>
-        </p:spPr>
-        <p:txBody>
-          <a:bodyPr/>
-          <a:lstStyle/>
-          <a:p>
-            <a:pPr lvl="0"/>
-            <a:r>
-              <a:rPr lang="en-GB"/>
-              <a:t>Click to edit Master text styles</a:t>
-            </a:r>
-          </a:p>
-          <a:p>
-            <a:pPr lvl="1"/>
-            <a:r>
-              <a:rPr lang="en-GB"/>
-              <a:t>Second level</a:t>
-            </a:r>
-          </a:p>
-          <a:p>
-            <a:pPr lvl="2"/>
-            <a:r>
-              <a:rPr lang="en-GB"/>
-              <a:t>Third level</a:t>
-            </a:r>
-          </a:p>
-          <a:p>
-            <a:pPr lvl="3"/>
-            <a:r>
-              <a:rPr lang="en-GB"/>
-              <a:t>Fourth level</a:t>
-            </a:r>
-          </a:p>
-          <a:p>
-            <a:pPr lvl="4"/>
-            <a:r>
-              <a:rPr lang="en-GB"/>
-              <a:t>Fifth level</a:t>
-            </a:r>
-            <a:endParaRPr lang="en-US"/>
-          </a:p>
-        </p:txBody>
-      </p:sp>
-      <p:sp>
-        <p:nvSpPr>
-          <p:cNvPr id="5" name="Date Placeholder 4">
-            <a:extLst>
-              <a:ext uri="{FF2B5EF4-FFF2-40B4-BE49-F238E27FC236}">
-                <a16:creationId xmlns:a16="http://schemas.microsoft.com/office/drawing/2014/main" id="{8B1CD88F-B3F2-FEC8-0D7C-616B31CA1C4F}"/>
-              </a:ext>
-            </a:extLst>
-          </p:cNvPr>
-          <p:cNvSpPr>
-            <a:spLocks noGrp="1"/>
-          </p:cNvSpPr>
-          <p:nvPr>
-            <p:ph type="dt" sz="half" idx="10"/>
-          </p:nvPr>
-        </p:nvSpPr>
-        <p:spPr/>
-        <p:txBody>
-          <a:bodyPr/>
-          <a:lstStyle/>
-          <a:p>
-            <a:fld id="{7F872E2C-CB02-0A4B-9808-D43DF4D6EFE9}" type="datetimeFigureOut">
-              <a:rPr lang="en-US" smtClean="0"/>
-              <a:t>8/7/23</a:t>
-            </a:fld>
-            <a:endParaRPr lang="en-US"/>
-          </a:p>
-        </p:txBody>
-      </p:sp>
-      <p:sp>
-        <p:nvSpPr>
-          <p:cNvPr id="6" name="Footer Placeholder 5">
-            <a:extLst>
-              <a:ext uri="{FF2B5EF4-FFF2-40B4-BE49-F238E27FC236}">
-                <a16:creationId xmlns:a16="http://schemas.microsoft.com/office/drawing/2014/main" id="{CC8C39A9-751B-37FA-5A78-F5680EFF0186}"/>
-              </a:ext>
-            </a:extLst>
-          </p:cNvPr>
-          <p:cNvSpPr>
-            <a:spLocks noGrp="1"/>
-          </p:cNvSpPr>
-          <p:nvPr>
-            <p:ph type="ftr" sz="quarter" idx="11"/>
-          </p:nvPr>
-        </p:nvSpPr>
-        <p:spPr/>
-        <p:txBody>
-          <a:bodyPr/>
-          <a:lstStyle/>
-          <a:p>
-            <a:endParaRPr lang="en-US"/>
-          </a:p>
-        </p:txBody>
-      </p:sp>
-      <p:sp>
-        <p:nvSpPr>
-          <p:cNvPr id="7" name="Slide Number Placeholder 6">
-            <a:extLst>
-              <a:ext uri="{FF2B5EF4-FFF2-40B4-BE49-F238E27FC236}">
-                <a16:creationId xmlns:a16="http://schemas.microsoft.com/office/drawing/2014/main" id="{B423E000-E213-B07A-7B1F-ECE44E197FA5}"/>
-              </a:ext>
-            </a:extLst>
-          </p:cNvPr>
-          <p:cNvSpPr>
-            <a:spLocks noGrp="1"/>
-          </p:cNvSpPr>
-          <p:nvPr>
-            <p:ph type="sldNum" sz="quarter" idx="12"/>
-          </p:nvPr>
-        </p:nvSpPr>
-        <p:spPr/>
-        <p:txBody>
-          <a:bodyPr/>
-          <a:lstStyle/>
-          <a:p>
-            <a:fld id="{06B02C6F-B72C-1E4C-A6D2-177E785FCAF7}" type="slidenum">
-              <a:rPr lang="en-US" smtClean="0"/>
-              <a:t>‹#›</a:t>
-            </a:fld>
-            <a:endParaRPr lang="en-US"/>
-          </a:p>
-        </p:txBody>
-      </p:sp>
-    </p:spTree>
-    <p:extLst>
-      <p:ext uri="{BB962C8B-B14F-4D97-AF65-F5344CB8AC3E}">
-        <p14:creationId xmlns:p14="http://schemas.microsoft.com/office/powerpoint/2010/main" val="3207970809"/>
-      </p:ext>
-    </p:extLst>
-  </p:cSld>
-  <p:clrMapOvr>
-    <a:masterClrMapping/>
-  </p:clrMapOvr>
-</p:sldLayout>
-</file>
-
-<file path=ppt/slideLayouts/slideLayout40.xml><?xml version="1.0" encoding="utf-8"?>
+<file path=ppt/slideLayouts/slideLayout41.xml><?xml version="1.0" encoding="utf-8"?>
 <p:sldLayout xmlns:a="http://schemas.openxmlformats.org/drawingml/2006/main" xmlns:r="http://schemas.openxmlformats.org/officeDocument/2006/relationships" xmlns:p="http://schemas.openxmlformats.org/presentationml/2006/main" preserve="1" userDrawn="1">
   <p:cSld name="1_Section Divider - Option 2">
     <p:spTree>
@@ -14068,7 +14438,7 @@
 </p:sldLayout>
 </file>
 
-<file path=ppt/slideLayouts/slideLayout41.xml><?xml version="1.0" encoding="utf-8"?>
+<file path=ppt/slideLayouts/slideLayout42.xml><?xml version="1.0" encoding="utf-8"?>
 <p:sldLayout xmlns:a="http://schemas.openxmlformats.org/drawingml/2006/main" xmlns:r="http://schemas.openxmlformats.org/officeDocument/2006/relationships" xmlns:p="http://schemas.openxmlformats.org/presentationml/2006/main" preserve="1" userDrawn="1">
   <p:cSld name="Section Divider - Option 3">
     <p:spTree>
@@ -14304,7 +14674,7 @@
 </p:sldLayout>
 </file>
 
-<file path=ppt/slideLayouts/slideLayout42.xml><?xml version="1.0" encoding="utf-8"?>
+<file path=ppt/slideLayouts/slideLayout43.xml><?xml version="1.0" encoding="utf-8"?>
 <p:sldLayout xmlns:a="http://schemas.openxmlformats.org/drawingml/2006/main" xmlns:r="http://schemas.openxmlformats.org/officeDocument/2006/relationships" xmlns:p="http://schemas.openxmlformats.org/presentationml/2006/main" preserve="1" userDrawn="1">
   <p:cSld name="Section Divider - Option 4">
     <p:spTree>
@@ -14865,7 +15235,7 @@
           <a:p>
             <a:fld id="{7F872E2C-CB02-0A4B-9808-D43DF4D6EFE9}" type="datetimeFigureOut">
               <a:rPr lang="en-US" smtClean="0"/>
-              <a:t>8/7/23</a:t>
+              <a:t>10/16/23</a:t>
             </a:fld>
             <a:endParaRPr lang="en-US"/>
           </a:p>
@@ -15007,7 +15377,7 @@
           <a:p>
             <a:fld id="{7F872E2C-CB02-0A4B-9808-D43DF4D6EFE9}" type="datetimeFigureOut">
               <a:rPr lang="en-US" smtClean="0"/>
-              <a:t>8/7/23</a:t>
+              <a:t>10/16/23</a:t>
             </a:fld>
             <a:endParaRPr lang="en-US"/>
           </a:p>
@@ -15120,7 +15490,7 @@
           <a:p>
             <a:fld id="{7F872E2C-CB02-0A4B-9808-D43DF4D6EFE9}" type="datetimeFigureOut">
               <a:rPr lang="en-US" smtClean="0"/>
-              <a:t>8/7/23</a:t>
+              <a:t>10/16/23</a:t>
             </a:fld>
             <a:endParaRPr lang="en-US"/>
           </a:p>
@@ -15433,7 +15803,7 @@
           <a:p>
             <a:fld id="{7F872E2C-CB02-0A4B-9808-D43DF4D6EFE9}" type="datetimeFigureOut">
               <a:rPr lang="en-US" smtClean="0"/>
-              <a:t>8/7/23</a:t>
+              <a:t>10/16/23</a:t>
             </a:fld>
             <a:endParaRPr lang="en-US"/>
           </a:p>
@@ -15722,7 +16092,7 @@
           <a:p>
             <a:fld id="{7F872E2C-CB02-0A4B-9808-D43DF4D6EFE9}" type="datetimeFigureOut">
               <a:rPr lang="en-US" smtClean="0"/>
-              <a:t>8/7/23</a:t>
+              <a:t>10/16/23</a:t>
             </a:fld>
             <a:endParaRPr lang="en-US"/>
           </a:p>
@@ -15965,7 +16335,7 @@
           <a:p>
             <a:fld id="{7F872E2C-CB02-0A4B-9808-D43DF4D6EFE9}" type="datetimeFigureOut">
               <a:rPr lang="en-US" smtClean="0"/>
-              <a:t>8/7/23</a:t>
+              <a:t>10/16/23</a:t>
             </a:fld>
             <a:endParaRPr lang="en-US"/>
           </a:p>
@@ -16081,6 +16451,7 @@
     <p:sldLayoutId id="2147483657" r:id="rId9"/>
     <p:sldLayoutId id="2147483658" r:id="rId10"/>
     <p:sldLayoutId id="2147483659" r:id="rId11"/>
+    <p:sldLayoutId id="2147483692" r:id="rId12"/>
   </p:sldLayoutIdLst>
   <p:txStyles>
     <p:titleStyle>
@@ -16713,14 +17084,14 @@
           </a:ln>
           <a:extLst>
             <a:ext uri="{909E8E84-426E-40dd-AFC4-6F175D3DCCD1}">
-              <a14:hiddenFill xmlns="" xmlns:a14="http://schemas.microsoft.com/office/drawing/2010/main">
+              <a14:hiddenFill xmlns:a14="http://schemas.microsoft.com/office/drawing/2010/main" xmlns="">
                 <a:solidFill>
                   <a:srgbClr val="FFFFFF"/>
                 </a:solidFill>
               </a14:hiddenFill>
             </a:ext>
             <a:ext uri="{91240B29-F687-4f45-9708-019B960494DF}">
-              <a14:hiddenLine xmlns="" xmlns:a14="http://schemas.microsoft.com/office/drawing/2010/main" w="9525">
+              <a14:hiddenLine xmlns:a14="http://schemas.microsoft.com/office/drawing/2010/main" xmlns="" w="9525">
                 <a:solidFill>
                   <a:srgbClr val="000000"/>
                 </a:solidFill>
@@ -16730,7 +17101,7 @@
               </a14:hiddenLine>
             </a:ext>
             <a:ext uri="{FAA26D3D-D897-4be2-8F04-BA451C77F1D7}">
-              <ma14:placeholderFlag xmlns="" xmlns:ma14="http://schemas.microsoft.com/office/mac/drawingml/2011/main" val="1"/>
+              <ma14:placeholderFlag xmlns:ma14="http://schemas.microsoft.com/office/mac/drawingml/2011/main" xmlns="" val="1"/>
             </a:ext>
           </a:extLst>
         </p:spPr>
@@ -16780,14 +17151,14 @@
           </a:ln>
           <a:extLst>
             <a:ext uri="{909E8E84-426E-40dd-AFC4-6F175D3DCCD1}">
-              <a14:hiddenFill xmlns="" xmlns:a14="http://schemas.microsoft.com/office/drawing/2010/main">
+              <a14:hiddenFill xmlns:a14="http://schemas.microsoft.com/office/drawing/2010/main" xmlns="">
                 <a:solidFill>
                   <a:srgbClr val="FFFFFF"/>
                 </a:solidFill>
               </a14:hiddenFill>
             </a:ext>
             <a:ext uri="{91240B29-F687-4f45-9708-019B960494DF}">
-              <a14:hiddenLine xmlns="" xmlns:a14="http://schemas.microsoft.com/office/drawing/2010/main" w="9525">
+              <a14:hiddenLine xmlns:a14="http://schemas.microsoft.com/office/drawing/2010/main" xmlns="" w="9525">
                 <a:solidFill>
                   <a:srgbClr val="000000"/>
                 </a:solidFill>
@@ -16797,7 +17168,7 @@
               </a14:hiddenLine>
             </a:ext>
             <a:ext uri="{FAA26D3D-D897-4be2-8F04-BA451C77F1D7}">
-              <ma14:placeholderFlag xmlns="" xmlns:ma14="http://schemas.microsoft.com/office/mac/drawingml/2011/main" val="1"/>
+              <ma14:placeholderFlag xmlns:ma14="http://schemas.microsoft.com/office/mac/drawingml/2011/main" xmlns="" val="1"/>
             </a:ext>
           </a:extLst>
         </p:spPr>
@@ -17274,10 +17645,10 @@
       </p:grpSpPr>
       <p:sp>
         <p:nvSpPr>
-          <p:cNvPr id="2" name="Title 1">
+          <p:cNvPr id="3" name="Title 2">
             <a:extLst>
               <a:ext uri="{FF2B5EF4-FFF2-40B4-BE49-F238E27FC236}">
-                <a16:creationId xmlns:a16="http://schemas.microsoft.com/office/drawing/2014/main" id="{2629E3FD-B15D-88C0-5E50-64CCA20801A8}"/>
+                <a16:creationId xmlns:a16="http://schemas.microsoft.com/office/drawing/2014/main" id="{8FAAADD6-9DEC-6B31-E44C-64276970737C}"/>
               </a:ext>
             </a:extLst>
           </p:cNvPr>
@@ -17285,40 +17656,76 @@
             <a:spLocks noGrp="1"/>
           </p:cNvSpPr>
           <p:nvPr>
-            <p:ph type="ctrTitle"/>
+            <p:ph type="title"/>
           </p:nvPr>
         </p:nvSpPr>
-        <p:spPr>
-          <a:xfrm>
-            <a:off x="1240325" y="-1083352"/>
-            <a:ext cx="10034256" cy="2387600"/>
-          </a:xfrm>
-        </p:spPr>
+        <p:spPr/>
         <p:txBody>
           <a:bodyPr>
-            <a:normAutofit/>
+            <a:normAutofit fontScale="90000"/>
           </a:bodyPr>
           <a:lstStyle/>
           <a:p>
             <a:r>
-              <a:rPr lang="en-US" sz="4000" b="1" dirty="0">
+              <a:rPr kumimoji="0" lang="en-AU" sz="4000" b="1" i="0" u="none" strike="noStrike" kern="1200" cap="none" spc="0" normalizeH="0" baseline="0" noProof="0" dirty="0">
+                <a:ln>
+                  <a:noFill/>
+                </a:ln>
                 <a:solidFill>
                   <a:srgbClr val="002060"/>
                 </a:solidFill>
+                <a:effectLst/>
+                <a:uLnTx/>
+                <a:uFillTx/>
                 <a:latin typeface="Tw Cen MT"/>
                 <a:ea typeface="ＭＳ Ｐゴシック" charset="0"/>
               </a:rPr>
               <a:t>Getting Started with Machine Learning in R</a:t>
             </a:r>
+            <a:br>
+              <a:rPr kumimoji="0" lang="en-AU" sz="4000" b="1" i="0" u="none" strike="noStrike" kern="1200" cap="none" spc="0" normalizeH="0" baseline="0" noProof="0" dirty="0">
+                <a:ln>
+                  <a:noFill/>
+                </a:ln>
+                <a:solidFill>
+                  <a:srgbClr val="002060"/>
+                </a:solidFill>
+                <a:effectLst/>
+                <a:uLnTx/>
+                <a:uFillTx/>
+                <a:latin typeface="Tw Cen MT"/>
+                <a:ea typeface="ＭＳ Ｐゴシック" charset="0"/>
+              </a:rPr>
+            </a:br>
+            <a:br>
+              <a:rPr kumimoji="0" lang="en-AU" sz="2667" b="1" i="1" u="none" strike="noStrike" kern="1200" cap="none" spc="0" normalizeH="0" baseline="0" noProof="0" dirty="0">
+                <a:ln>
+                  <a:noFill/>
+                </a:ln>
+                <a:solidFill>
+                  <a:srgbClr val="002060"/>
+                </a:solidFill>
+                <a:effectLst/>
+                <a:uLnTx/>
+                <a:uFillTx/>
+                <a:latin typeface="Tw Cen MT"/>
+                <a:ea typeface="ＭＳ Ｐゴシック" charset="0"/>
+              </a:rPr>
+            </a:br>
+            <a:endParaRPr lang="en-US" dirty="0">
+              <a:solidFill>
+                <a:srgbClr val="002060"/>
+              </a:solidFill>
+            </a:endParaRPr>
           </a:p>
         </p:txBody>
       </p:sp>
       <p:sp>
         <p:nvSpPr>
-          <p:cNvPr id="3" name="Subtitle 2">
+          <p:cNvPr id="4" name="Text Placeholder 3">
             <a:extLst>
               <a:ext uri="{FF2B5EF4-FFF2-40B4-BE49-F238E27FC236}">
-                <a16:creationId xmlns:a16="http://schemas.microsoft.com/office/drawing/2014/main" id="{9C9807A6-7EF5-6C11-1AE3-137FC808C3BF}"/>
+                <a16:creationId xmlns:a16="http://schemas.microsoft.com/office/drawing/2014/main" id="{C2B8C04B-EE39-F452-C44C-ADA55069A6CF}"/>
               </a:ext>
             </a:extLst>
           </p:cNvPr>
@@ -17326,30 +17733,97 @@
             <a:spLocks noGrp="1"/>
           </p:cNvSpPr>
           <p:nvPr>
-            <p:ph type="subTitle" idx="1"/>
+            <p:ph type="body" sz="quarter" idx="11"/>
           </p:nvPr>
         </p:nvSpPr>
-        <p:spPr>
-          <a:xfrm>
-            <a:off x="1370090" y="1403836"/>
-            <a:ext cx="9144000" cy="1655762"/>
-          </a:xfrm>
-        </p:spPr>
+        <p:spPr/>
         <p:txBody>
           <a:bodyPr/>
           <a:lstStyle/>
           <a:p>
             <a:r>
-              <a:rPr lang="en-US" b="1" dirty="0"/>
-              <a:t>Sydney Informatics Hub</a:t>
+              <a:rPr lang="en-US" dirty="0"/>
+              <a:t>Dr </a:t>
+            </a:r>
+            <a:r>
+              <a:rPr lang="en-US" dirty="0" err="1"/>
+              <a:t>Giorgia</a:t>
+            </a:r>
+            <a:r>
+              <a:rPr lang="en-US" dirty="0"/>
+              <a:t> Mori</a:t>
+            </a:r>
+          </a:p>
+          <a:p>
+            <a:r>
+              <a:rPr lang="en-US" dirty="0"/>
+              <a:t>Dr Eden Zhang</a:t>
+            </a:r>
+          </a:p>
+          <a:p>
+            <a:endParaRPr lang="en-US" dirty="0"/>
+          </a:p>
+          <a:p>
+            <a:endParaRPr lang="en-US" b="0" dirty="0"/>
+          </a:p>
+          <a:p>
+            <a:r>
+              <a:rPr lang="en-US" b="0" dirty="0"/>
+              <a:t>Sydney Informatic Hub</a:t>
             </a:r>
           </a:p>
         </p:txBody>
       </p:sp>
+      <p:pic>
+        <p:nvPicPr>
+          <p:cNvPr id="5" name="Picture Placeholder 4" descr="Generated by DALL·E">
+            <a:hlinkClick r:id="rId3"/>
+            <a:extLst>
+              <a:ext uri="{FF2B5EF4-FFF2-40B4-BE49-F238E27FC236}">
+                <a16:creationId xmlns:a16="http://schemas.microsoft.com/office/drawing/2014/main" id="{461B8666-C93E-263E-B783-157FB1B4BEC6}"/>
+              </a:ext>
+            </a:extLst>
+          </p:cNvPr>
+          <p:cNvPicPr>
+            <a:picLocks noGrp="1" noChangeAspect="1" noChangeArrowheads="1"/>
+          </p:cNvPicPr>
+          <p:nvPr>
+            <p:ph type="pic" sz="quarter" idx="12"/>
+          </p:nvPr>
+        </p:nvPicPr>
+        <p:blipFill>
+          <a:blip r:embed="rId4">
+            <a:extLst>
+              <a:ext uri="{28A0092B-C50C-407E-A947-70E740481C1C}">
+                <a14:useLocalDpi xmlns:a14="http://schemas.microsoft.com/office/drawing/2010/main" val="0"/>
+              </a:ext>
+            </a:extLst>
+          </a:blip>
+          <a:srcRect l="4011" r="4011"/>
+          <a:stretch>
+            <a:fillRect/>
+          </a:stretch>
+        </p:blipFill>
+        <p:spPr bwMode="auto">
+          <a:prstGeom prst="rect">
+            <a:avLst/>
+          </a:prstGeom>
+          <a:noFill/>
+          <a:extLst>
+            <a:ext uri="{909E8E84-426E-40DD-AFC4-6F175D3DCCD1}">
+              <a14:hiddenFill xmlns:a14="http://schemas.microsoft.com/office/drawing/2010/main">
+                <a:solidFill>
+                  <a:srgbClr val="FFFFFF"/>
+                </a:solidFill>
+              </a14:hiddenFill>
+            </a:ext>
+          </a:extLst>
+        </p:spPr>
+      </p:pic>
     </p:spTree>
     <p:extLst>
       <p:ext uri="{BB962C8B-B14F-4D97-AF65-F5344CB8AC3E}">
-        <p14:creationId xmlns:p14="http://schemas.microsoft.com/office/powerpoint/2010/main" val="3340625970"/>
+        <p14:creationId xmlns:p14="http://schemas.microsoft.com/office/powerpoint/2010/main" val="480442256"/>
       </p:ext>
     </p:extLst>
   </p:cSld>

--- a/slides/Module3R.pptx
+++ b/slides/Module3R.pptx
@@ -12,13 +12,13 @@
     <p:sldId id="463" r:id="rId3"/>
     <p:sldId id="414" r:id="rId4"/>
     <p:sldId id="310" r:id="rId5"/>
-    <p:sldId id="311" r:id="rId6"/>
-    <p:sldId id="424" r:id="rId7"/>
-    <p:sldId id="425" r:id="rId8"/>
-    <p:sldId id="427" r:id="rId9"/>
-    <p:sldId id="428" r:id="rId10"/>
-    <p:sldId id="416" r:id="rId11"/>
-    <p:sldId id="423" r:id="rId12"/>
+    <p:sldId id="424" r:id="rId6"/>
+    <p:sldId id="425" r:id="rId7"/>
+    <p:sldId id="427" r:id="rId8"/>
+    <p:sldId id="428" r:id="rId9"/>
+    <p:sldId id="416" r:id="rId10"/>
+    <p:sldId id="423" r:id="rId11"/>
+    <p:sldId id="447" r:id="rId12"/>
   </p:sldIdLst>
   <p:sldSz cx="12192000" cy="6858000"/>
   <p:notesSz cx="6858000" cy="9144000"/>
@@ -3413,7 +3413,7 @@
           <a:p>
             <a:fld id="{E52CFFB2-ED7C-1B45-8092-9C6B42AF074F}" type="datetimeFigureOut">
               <a:rPr lang="en-US" smtClean="0"/>
-              <a:t>10/16/23</a:t>
+              <a:t>10/17/23</a:t>
             </a:fld>
             <a:endParaRPr lang="en-US"/>
           </a:p>
@@ -4151,43 +4151,163 @@
           <a:bodyPr/>
           <a:lstStyle/>
           <a:p>
-            <a:r>
-              <a:rPr lang="en-US" sz="1200" i="1"/>
-              <a:t>In line with the University of Sydney Codes of Conduct for staff and students, we ask you not to engage in any of these examples of unacceptable behavior. </a:t>
-            </a:r>
-          </a:p>
-          <a:p>
-            <a:endParaRPr lang="en-US" sz="1200" i="1"/>
-          </a:p>
-          <a:p>
-            <a:r>
-              <a:rPr lang="en-US" sz="1200" i="1"/>
-              <a:t>We’d especially like to </a:t>
-            </a:r>
-            <a:r>
-              <a:rPr lang="en-US" sz="1200" b="1" i="1"/>
-              <a:t>point out the first one: “disruption of talks, communications”,</a:t>
-            </a:r>
-            <a:r>
-              <a:rPr lang="en-US" sz="1200" i="1"/>
-              <a:t> since this is something we’ve had issues with in the past. Some of us (and I know I can be guilty of this) have louder voices… So while we’d definitely encourage you to speak out, we have found that if we have s</a:t>
-            </a:r>
-            <a:r>
-              <a:rPr lang="en-US" sz="1200" b="1" i="1"/>
-              <a:t>tudents who are more comfortable speaking at full volume with a helper we may ask them to switch their seat</a:t>
-            </a:r>
-            <a:r>
-              <a:rPr lang="en-US" sz="1200" i="1"/>
-              <a:t> so the conversation doesn’t impede the learning of students around them. So please </a:t>
-            </a:r>
-            <a:r>
-              <a:rPr lang="en-US" sz="1200" b="1" i="1"/>
-              <a:t>don’t be offended if we ask you to move</a:t>
-            </a:r>
-            <a:r>
-              <a:rPr lang="en-US" sz="1200" i="1"/>
-              <a:t> – we’re really trying to make sure everyone is able to learn effectively. ..</a:t>
-            </a:r>
+            <a:pPr algn="l"/>
+            <a:r>
+              <a:rPr lang="en-AU" b="0" i="0" dirty="0">
+                <a:solidFill>
+                  <a:srgbClr val="333333"/>
+                </a:solidFill>
+                <a:effectLst/>
+                <a:latin typeface="Merriweather" panose="020F0502020204030204" pitchFamily="34" charset="0"/>
+              </a:rPr>
+              <a:t>Classical machine learning is often divided into two categories – </a:t>
+            </a:r>
+            <a:r>
+              <a:rPr lang="en-AU" b="1" i="0" dirty="0">
+                <a:solidFill>
+                  <a:srgbClr val="333333"/>
+                </a:solidFill>
+                <a:effectLst/>
+                <a:latin typeface="Merriweather" panose="020F0502020204030204" pitchFamily="34" charset="0"/>
+              </a:rPr>
+              <a:t>Supervised</a:t>
+            </a:r>
+            <a:r>
+              <a:rPr lang="en-AU" b="0" i="0" dirty="0">
+                <a:solidFill>
+                  <a:srgbClr val="333333"/>
+                </a:solidFill>
+                <a:effectLst/>
+                <a:latin typeface="Merriweather" panose="020F0502020204030204" pitchFamily="34" charset="0"/>
+              </a:rPr>
+              <a:t> and </a:t>
+            </a:r>
+            <a:r>
+              <a:rPr lang="en-AU" b="1" i="0" dirty="0">
+                <a:solidFill>
+                  <a:srgbClr val="333333"/>
+                </a:solidFill>
+                <a:effectLst/>
+                <a:latin typeface="Merriweather" panose="020F0502020204030204" pitchFamily="34" charset="0"/>
+              </a:rPr>
+              <a:t>Unsupervised Learning</a:t>
+            </a:r>
+            <a:r>
+              <a:rPr lang="en-AU" b="0" i="0" dirty="0">
+                <a:solidFill>
+                  <a:srgbClr val="333333"/>
+                </a:solidFill>
+                <a:effectLst/>
+                <a:latin typeface="Merriweather" panose="020F0502020204030204" pitchFamily="34" charset="0"/>
+              </a:rPr>
+              <a:t>.</a:t>
+            </a:r>
+          </a:p>
+          <a:p>
+            <a:pPr algn="l"/>
+            <a:r>
+              <a:rPr lang="en-AU" b="0" i="0" dirty="0">
+                <a:solidFill>
+                  <a:srgbClr val="333333"/>
+                </a:solidFill>
+                <a:effectLst/>
+                <a:latin typeface="Merriweather" panose="020F0502020204030204" pitchFamily="34" charset="0"/>
+              </a:rPr>
+              <a:t>In the first case, the machine has a "supervisor" or a "teacher" who gives the machine all the answers, like whether it's a cat in the picture or a dog. The teacher has already divided (</a:t>
+            </a:r>
+            <a:r>
+              <a:rPr lang="en-AU" b="0" i="0" dirty="0" err="1">
+                <a:solidFill>
+                  <a:srgbClr val="333333"/>
+                </a:solidFill>
+                <a:effectLst/>
+                <a:latin typeface="Merriweather" panose="020F0502020204030204" pitchFamily="34" charset="0"/>
+              </a:rPr>
+              <a:t>labeled</a:t>
+            </a:r>
+            <a:r>
+              <a:rPr lang="en-AU" b="0" i="0" dirty="0">
+                <a:solidFill>
+                  <a:srgbClr val="333333"/>
+                </a:solidFill>
+                <a:effectLst/>
+                <a:latin typeface="Merriweather" panose="020F0502020204030204" pitchFamily="34" charset="0"/>
+              </a:rPr>
+              <a:t>) the data into cats and dogs, and the machine is using these examples to learn. One by one. Dog by cat.</a:t>
+            </a:r>
+          </a:p>
+          <a:p>
+            <a:pPr algn="l"/>
+            <a:r>
+              <a:rPr lang="en-AU" b="0" i="0" dirty="0">
+                <a:solidFill>
+                  <a:srgbClr val="333333"/>
+                </a:solidFill>
+                <a:effectLst/>
+                <a:latin typeface="Merriweather" panose="020F0502020204030204" pitchFamily="34" charset="0"/>
+              </a:rPr>
+              <a:t>Unsupervised learning means the machine is left on its own with a pile of animal photos and a task to find out who's who. Data is not </a:t>
+            </a:r>
+            <a:r>
+              <a:rPr lang="en-AU" b="0" i="0" dirty="0" err="1">
+                <a:solidFill>
+                  <a:srgbClr val="333333"/>
+                </a:solidFill>
+                <a:effectLst/>
+                <a:latin typeface="Merriweather" panose="020F0502020204030204" pitchFamily="34" charset="0"/>
+              </a:rPr>
+              <a:t>labeled</a:t>
+            </a:r>
+            <a:r>
+              <a:rPr lang="en-AU" b="0" i="0" dirty="0">
+                <a:solidFill>
+                  <a:srgbClr val="333333"/>
+                </a:solidFill>
+                <a:effectLst/>
+                <a:latin typeface="Merriweather" panose="020F0502020204030204" pitchFamily="34" charset="0"/>
+              </a:rPr>
+              <a:t>, there's no teacher, the machine is trying to find any patterns on its own. </a:t>
+            </a:r>
+          </a:p>
+          <a:p>
+            <a:pPr algn="l"/>
+            <a:r>
+              <a:rPr lang="en-AU" b="0" i="0" dirty="0">
+                <a:solidFill>
+                  <a:srgbClr val="333333"/>
+                </a:solidFill>
+                <a:effectLst/>
+                <a:latin typeface="Merriweather" panose="020F0502020204030204" pitchFamily="34" charset="0"/>
+              </a:rPr>
+              <a:t>Clearly, the machine will learn faster with a teacher, so it's more commonly used in real-life tasks. There are two types of such tasks: </a:t>
+            </a:r>
+            <a:r>
+              <a:rPr lang="en-AU" b="1" i="0" dirty="0">
+                <a:solidFill>
+                  <a:srgbClr val="333333"/>
+                </a:solidFill>
+                <a:effectLst/>
+                <a:latin typeface="Merriweather" panose="020F0502020204030204" pitchFamily="34" charset="0"/>
+              </a:rPr>
+              <a:t>classification – an object's category prediction, and regression – prediction of a specific point on a </a:t>
+            </a:r>
+            <a:r>
+              <a:rPr lang="en-AU" b="1" i="0">
+                <a:solidFill>
+                  <a:srgbClr val="333333"/>
+                </a:solidFill>
+                <a:effectLst/>
+                <a:latin typeface="Merriweather" panose="020F0502020204030204" pitchFamily="34" charset="0"/>
+              </a:rPr>
+              <a:t>numeric axis.</a:t>
+            </a:r>
+            <a:endParaRPr lang="en-AU" b="0" i="0" dirty="0">
+              <a:solidFill>
+                <a:srgbClr val="333333"/>
+              </a:solidFill>
+              <a:effectLst/>
+              <a:latin typeface="Merriweather" panose="020F0502020204030204" pitchFamily="34" charset="0"/>
+            </a:endParaRPr>
           </a:p>
         </p:txBody>
       </p:sp>
@@ -4206,78 +4326,18 @@
           <a:bodyPr/>
           <a:lstStyle/>
           <a:p>
-            <a:pPr marL="0" marR="0" lvl="0" indent="0" algn="r" defTabSz="914400" rtl="0" eaLnBrk="1" fontAlgn="auto" latinLnBrk="0" hangingPunct="1">
-              <a:lnSpc>
-                <a:spcPct val="100000"/>
-              </a:lnSpc>
-              <a:spcBef>
-                <a:spcPts val="0"/>
-              </a:spcBef>
-              <a:spcAft>
-                <a:spcPts val="0"/>
-              </a:spcAft>
-              <a:buClrTx/>
-              <a:buSzTx/>
-              <a:buFontTx/>
-              <a:buNone/>
-              <a:tabLst/>
-              <a:defRPr/>
-            </a:pPr>
-            <a:fld id="{B787EB44-B05D-9E47-A820-97F0499A35EC}" type="slidenum">
-              <a:rPr kumimoji="0" lang="en-US" sz="1200" b="0" i="0" u="none" strike="noStrike" kern="1200" cap="none" spc="0" normalizeH="0" baseline="0" noProof="0" smtClean="0">
-                <a:ln>
-                  <a:noFill/>
-                </a:ln>
-                <a:solidFill>
-                  <a:prstClr val="black"/>
-                </a:solidFill>
-                <a:effectLst/>
-                <a:uLnTx/>
-                <a:uFillTx/>
-                <a:latin typeface="Calibri" panose="020F0502020204030204"/>
-                <a:ea typeface="+mn-ea"/>
-                <a:cs typeface="+mn-cs"/>
-              </a:rPr>
-              <a:pPr marL="0" marR="0" lvl="0" indent="0" algn="r" defTabSz="914400" rtl="0" eaLnBrk="1" fontAlgn="auto" latinLnBrk="0" hangingPunct="1">
-                <a:lnSpc>
-                  <a:spcPct val="100000"/>
-                </a:lnSpc>
-                <a:spcBef>
-                  <a:spcPts val="0"/>
-                </a:spcBef>
-                <a:spcAft>
-                  <a:spcPts val="0"/>
-                </a:spcAft>
-                <a:buClrTx/>
-                <a:buSzTx/>
-                <a:buFontTx/>
-                <a:buNone/>
-                <a:tabLst/>
-                <a:defRPr/>
-              </a:pPr>
+            <a:fld id="{0D1E54C2-E970-D74E-A0B0-616948416249}" type="slidenum">
+              <a:rPr lang="en-US" smtClean="0"/>
               <a:t>4</a:t>
             </a:fld>
-            <a:endParaRPr kumimoji="0" lang="en-US" sz="1200" b="0" i="0" u="none" strike="noStrike" kern="1200" cap="none" spc="0" normalizeH="0" baseline="0" noProof="0">
-              <a:ln>
-                <a:noFill/>
-              </a:ln>
-              <a:solidFill>
-                <a:prstClr val="black"/>
-              </a:solidFill>
-              <a:effectLst/>
-              <a:uLnTx/>
-              <a:uFillTx/>
-              <a:latin typeface="Calibri" panose="020F0502020204030204"/>
-              <a:ea typeface="+mn-ea"/>
-              <a:cs typeface="+mn-cs"/>
-            </a:endParaRPr>
+            <a:endParaRPr lang="en-US"/>
           </a:p>
         </p:txBody>
       </p:sp>
     </p:spTree>
     <p:extLst>
       <p:ext uri="{BB962C8B-B14F-4D97-AF65-F5344CB8AC3E}">
-        <p14:creationId xmlns:p14="http://schemas.microsoft.com/office/powerpoint/2010/main" val="2921933426"/>
+        <p14:creationId xmlns:p14="http://schemas.microsoft.com/office/powerpoint/2010/main" val="2929334606"/>
       </p:ext>
     </p:extLst>
   </p:cSld>
@@ -4331,163 +4391,10 @@
           <a:bodyPr/>
           <a:lstStyle/>
           <a:p>
-            <a:pPr algn="l"/>
-            <a:r>
-              <a:rPr lang="en-AU" b="0" i="0" dirty="0">
-                <a:solidFill>
-                  <a:srgbClr val="333333"/>
-                </a:solidFill>
-                <a:effectLst/>
-                <a:latin typeface="Merriweather" panose="020F0502020204030204" pitchFamily="34" charset="0"/>
-              </a:rPr>
-              <a:t>Classical machine learning is often divided into two categories – </a:t>
-            </a:r>
-            <a:r>
-              <a:rPr lang="en-AU" b="1" i="0" dirty="0">
-                <a:solidFill>
-                  <a:srgbClr val="333333"/>
-                </a:solidFill>
-                <a:effectLst/>
-                <a:latin typeface="Merriweather" panose="020F0502020204030204" pitchFamily="34" charset="0"/>
-              </a:rPr>
-              <a:t>Supervised</a:t>
-            </a:r>
-            <a:r>
-              <a:rPr lang="en-AU" b="0" i="0" dirty="0">
-                <a:solidFill>
-                  <a:srgbClr val="333333"/>
-                </a:solidFill>
-                <a:effectLst/>
-                <a:latin typeface="Merriweather" panose="020F0502020204030204" pitchFamily="34" charset="0"/>
-              </a:rPr>
-              <a:t> and </a:t>
-            </a:r>
-            <a:r>
-              <a:rPr lang="en-AU" b="1" i="0" dirty="0">
-                <a:solidFill>
-                  <a:srgbClr val="333333"/>
-                </a:solidFill>
-                <a:effectLst/>
-                <a:latin typeface="Merriweather" panose="020F0502020204030204" pitchFamily="34" charset="0"/>
-              </a:rPr>
-              <a:t>Unsupervised Learning</a:t>
-            </a:r>
-            <a:r>
-              <a:rPr lang="en-AU" b="0" i="0" dirty="0">
-                <a:solidFill>
-                  <a:srgbClr val="333333"/>
-                </a:solidFill>
-                <a:effectLst/>
-                <a:latin typeface="Merriweather" panose="020F0502020204030204" pitchFamily="34" charset="0"/>
-              </a:rPr>
-              <a:t>.</a:t>
-            </a:r>
-          </a:p>
-          <a:p>
-            <a:pPr algn="l"/>
-            <a:r>
-              <a:rPr lang="en-AU" b="0" i="0" dirty="0">
-                <a:solidFill>
-                  <a:srgbClr val="333333"/>
-                </a:solidFill>
-                <a:effectLst/>
-                <a:latin typeface="Merriweather" panose="020F0502020204030204" pitchFamily="34" charset="0"/>
-              </a:rPr>
-              <a:t>In the first case, the machine has a "supervisor" or a "teacher" who gives the machine all the answers, like whether it's a cat in the picture or a dog. The teacher has already divided (</a:t>
-            </a:r>
-            <a:r>
-              <a:rPr lang="en-AU" b="0" i="0" dirty="0" err="1">
-                <a:solidFill>
-                  <a:srgbClr val="333333"/>
-                </a:solidFill>
-                <a:effectLst/>
-                <a:latin typeface="Merriweather" panose="020F0502020204030204" pitchFamily="34" charset="0"/>
-              </a:rPr>
-              <a:t>labeled</a:t>
-            </a:r>
-            <a:r>
-              <a:rPr lang="en-AU" b="0" i="0" dirty="0">
-                <a:solidFill>
-                  <a:srgbClr val="333333"/>
-                </a:solidFill>
-                <a:effectLst/>
-                <a:latin typeface="Merriweather" panose="020F0502020204030204" pitchFamily="34" charset="0"/>
-              </a:rPr>
-              <a:t>) the data into cats and dogs, and the machine is using these examples to learn. One by one. Dog by cat.</a:t>
-            </a:r>
-          </a:p>
-          <a:p>
-            <a:pPr algn="l"/>
-            <a:r>
-              <a:rPr lang="en-AU" b="0" i="0" dirty="0">
-                <a:solidFill>
-                  <a:srgbClr val="333333"/>
-                </a:solidFill>
-                <a:effectLst/>
-                <a:latin typeface="Merriweather" panose="020F0502020204030204" pitchFamily="34" charset="0"/>
-              </a:rPr>
-              <a:t>Unsupervised learning means the machine is left on its own with a pile of animal photos and a task to find out who's who. Data is not </a:t>
-            </a:r>
-            <a:r>
-              <a:rPr lang="en-AU" b="0" i="0" dirty="0" err="1">
-                <a:solidFill>
-                  <a:srgbClr val="333333"/>
-                </a:solidFill>
-                <a:effectLst/>
-                <a:latin typeface="Merriweather" panose="020F0502020204030204" pitchFamily="34" charset="0"/>
-              </a:rPr>
-              <a:t>labeled</a:t>
-            </a:r>
-            <a:r>
-              <a:rPr lang="en-AU" b="0" i="0" dirty="0">
-                <a:solidFill>
-                  <a:srgbClr val="333333"/>
-                </a:solidFill>
-                <a:effectLst/>
-                <a:latin typeface="Merriweather" panose="020F0502020204030204" pitchFamily="34" charset="0"/>
-              </a:rPr>
-              <a:t>, there's no teacher, the machine is trying to find any patterns on its own. </a:t>
-            </a:r>
-          </a:p>
-          <a:p>
-            <a:pPr algn="l"/>
-            <a:r>
-              <a:rPr lang="en-AU" b="0" i="0" dirty="0">
-                <a:solidFill>
-                  <a:srgbClr val="333333"/>
-                </a:solidFill>
-                <a:effectLst/>
-                <a:latin typeface="Merriweather" panose="020F0502020204030204" pitchFamily="34" charset="0"/>
-              </a:rPr>
-              <a:t>Clearly, the machine will learn faster with a teacher, so it's more commonly used in real-life tasks. There are two types of such tasks: </a:t>
-            </a:r>
-            <a:r>
-              <a:rPr lang="en-AU" b="1" i="0" dirty="0">
-                <a:solidFill>
-                  <a:srgbClr val="333333"/>
-                </a:solidFill>
-                <a:effectLst/>
-                <a:latin typeface="Merriweather" panose="020F0502020204030204" pitchFamily="34" charset="0"/>
-              </a:rPr>
-              <a:t>classification – an object's category prediction, and regression – prediction of a specific point on a </a:t>
-            </a:r>
-            <a:r>
-              <a:rPr lang="en-AU" b="1" i="0">
-                <a:solidFill>
-                  <a:srgbClr val="333333"/>
-                </a:solidFill>
-                <a:effectLst/>
-                <a:latin typeface="Merriweather" panose="020F0502020204030204" pitchFamily="34" charset="0"/>
-              </a:rPr>
-              <a:t>numeric axis.</a:t>
-            </a:r>
-            <a:endParaRPr lang="en-AU" b="0" i="0" dirty="0">
-              <a:solidFill>
-                <a:srgbClr val="333333"/>
-              </a:solidFill>
-              <a:effectLst/>
-              <a:latin typeface="Merriweather" panose="020F0502020204030204" pitchFamily="34" charset="0"/>
-            </a:endParaRPr>
+            <a:r>
+              <a:rPr lang="en-US" dirty="0"/>
+              <a:t>Things you are going to practice in the tutorial </a:t>
+            </a:r>
           </a:p>
         </p:txBody>
       </p:sp>
@@ -4517,7 +4424,7 @@
     </p:spTree>
     <p:extLst>
       <p:ext uri="{BB962C8B-B14F-4D97-AF65-F5344CB8AC3E}">
-        <p14:creationId xmlns:p14="http://schemas.microsoft.com/office/powerpoint/2010/main" val="2929334606"/>
+        <p14:creationId xmlns:p14="http://schemas.microsoft.com/office/powerpoint/2010/main" val="519582767"/>
       </p:ext>
     </p:extLst>
   </p:cSld>
@@ -4571,10 +4478,94 @@
           <a:bodyPr/>
           <a:lstStyle/>
           <a:p>
-            <a:r>
-              <a:rPr lang="en-US" dirty="0"/>
-              <a:t>Things you are going to practice in the tutorial </a:t>
-            </a:r>
+            <a:pPr algn="l"/>
+            <a:r>
+              <a:rPr lang="en-AU" b="0" i="0" u="none" strike="noStrike" dirty="0">
+                <a:solidFill>
+                  <a:srgbClr val="1F2328"/>
+                </a:solidFill>
+                <a:effectLst/>
+                <a:latin typeface="-apple-system"/>
+              </a:rPr>
+              <a:t>These tutorials consist of content along with interactive components for checking and reinforcing understanding. Throughout the tutorials you will find:</a:t>
+            </a:r>
+          </a:p>
+          <a:p>
+            <a:pPr algn="l">
+              <a:buFont typeface="Arial" panose="020B0604020202020204" pitchFamily="34" charset="0"/>
+              <a:buChar char="•"/>
+            </a:pPr>
+            <a:r>
+              <a:rPr lang="en-AU" b="0" i="0" u="none" strike="noStrike" dirty="0">
+                <a:solidFill>
+                  <a:srgbClr val="1F2328"/>
+                </a:solidFill>
+                <a:effectLst/>
+                <a:latin typeface="-apple-system"/>
+              </a:rPr>
+              <a:t>Narrative, figures and illustrations;</a:t>
+            </a:r>
+          </a:p>
+          <a:p>
+            <a:pPr algn="l">
+              <a:buFont typeface="Arial" panose="020B0604020202020204" pitchFamily="34" charset="0"/>
+              <a:buChar char="•"/>
+            </a:pPr>
+            <a:r>
+              <a:rPr lang="en-AU" b="0" i="0" u="none" strike="noStrike" dirty="0">
+                <a:solidFill>
+                  <a:srgbClr val="1F2328"/>
+                </a:solidFill>
+                <a:effectLst/>
+                <a:latin typeface="-apple-system"/>
+              </a:rPr>
+              <a:t>Code exercises that you can edit and execute directly;</a:t>
+            </a:r>
+          </a:p>
+          <a:p>
+            <a:pPr algn="l">
+              <a:buFont typeface="Arial" panose="020B0604020202020204" pitchFamily="34" charset="0"/>
+              <a:buChar char="•"/>
+            </a:pPr>
+            <a:r>
+              <a:rPr lang="en-AU" b="0" i="0" u="none" strike="noStrike" dirty="0">
+                <a:solidFill>
+                  <a:srgbClr val="1F2328"/>
+                </a:solidFill>
+                <a:effectLst/>
+                <a:latin typeface="-apple-system"/>
+              </a:rPr>
+              <a:t>Quiz questions...</a:t>
+            </a:r>
+          </a:p>
+          <a:p>
+            <a:pPr algn="l"/>
+            <a:r>
+              <a:rPr lang="en-AU" b="0" i="0" u="none" strike="noStrike" dirty="0">
+                <a:solidFill>
+                  <a:srgbClr val="1F2328"/>
+                </a:solidFill>
+                <a:effectLst/>
+                <a:latin typeface="-apple-system"/>
+              </a:rPr>
+              <a:t>Each tutorial automatically preserve work done within them, so if you work on a few exercises or questions and then return to the tutorial later, you can pick up right where you have left off.</a:t>
+            </a:r>
+          </a:p>
+          <a:p>
+            <a:pPr algn="l"/>
+            <a:r>
+              <a:rPr lang="en-AU" b="0" i="0" u="none" strike="noStrike" dirty="0">
+                <a:solidFill>
+                  <a:srgbClr val="1F2328"/>
+                </a:solidFill>
+                <a:effectLst/>
+                <a:latin typeface="-apple-system"/>
+              </a:rPr>
+              <a:t>Each tutorial includes a Table of Contents and it reveals content one sub-section at a time:</a:t>
+            </a:r>
+          </a:p>
+          <a:p>
+            <a:endParaRPr lang="en-US" dirty="0"/>
           </a:p>
         </p:txBody>
       </p:sp>
@@ -4604,7 +4595,7 @@
     </p:spTree>
     <p:extLst>
       <p:ext uri="{BB962C8B-B14F-4D97-AF65-F5344CB8AC3E}">
-        <p14:creationId xmlns:p14="http://schemas.microsoft.com/office/powerpoint/2010/main" val="519582767"/>
+        <p14:creationId xmlns:p14="http://schemas.microsoft.com/office/powerpoint/2010/main" val="1352764144"/>
       </p:ext>
     </p:extLst>
   </p:cSld>
@@ -4667,14 +4658,18 @@
                 <a:effectLst/>
                 <a:latin typeface="-apple-system"/>
               </a:rPr>
-              <a:t>These tutorials consist of content along with interactive components for checking and reinforcing understanding. Throughout the tutorials you will find:</a:t>
-            </a:r>
-          </a:p>
-          <a:p>
-            <a:pPr algn="l">
-              <a:buFont typeface="Arial" panose="020B0604020202020204" pitchFamily="34" charset="0"/>
-              <a:buChar char="•"/>
-            </a:pPr>
+              <a:t>Exercises are interactive R code chunks that allow you to directly execute R code and see its results. When a solution code chunk is provided, there will be a </a:t>
+            </a:r>
+            <a:r>
+              <a:rPr lang="en-AU" b="0" i="1" u="none" strike="noStrike" dirty="0">
+                <a:solidFill>
+                  <a:srgbClr val="1F2328"/>
+                </a:solidFill>
+                <a:effectLst/>
+                <a:latin typeface="-apple-system"/>
+              </a:rPr>
+              <a:t>Solution</a:t>
+            </a:r>
             <a:r>
               <a:rPr lang="en-AU" b="0" i="0" u="none" strike="noStrike" dirty="0">
                 <a:solidFill>
@@ -4683,68 +4678,13 @@
                 <a:effectLst/>
                 <a:latin typeface="-apple-system"/>
               </a:rPr>
-              <a:t>Narrative, figures and illustrations;</a:t>
-            </a:r>
-          </a:p>
-          <a:p>
-            <a:pPr algn="l">
-              <a:buFont typeface="Arial" panose="020B0604020202020204" pitchFamily="34" charset="0"/>
-              <a:buChar char="•"/>
-            </a:pPr>
-            <a:r>
-              <a:rPr lang="en-AU" b="0" i="0" u="none" strike="noStrike" dirty="0">
-                <a:solidFill>
-                  <a:srgbClr val="1F2328"/>
-                </a:solidFill>
-                <a:effectLst/>
-                <a:latin typeface="-apple-system"/>
-              </a:rPr>
-              <a:t>Code exercises that you can edit and execute directly;</a:t>
-            </a:r>
-          </a:p>
-          <a:p>
-            <a:pPr algn="l">
-              <a:buFont typeface="Arial" panose="020B0604020202020204" pitchFamily="34" charset="0"/>
-              <a:buChar char="•"/>
-            </a:pPr>
-            <a:r>
-              <a:rPr lang="en-AU" b="0" i="0" u="none" strike="noStrike" dirty="0">
-                <a:solidFill>
-                  <a:srgbClr val="1F2328"/>
-                </a:solidFill>
-                <a:effectLst/>
-                <a:latin typeface="-apple-system"/>
-              </a:rPr>
-              <a:t>Quiz questions...</a:t>
-            </a:r>
-          </a:p>
-          <a:p>
-            <a:pPr algn="l"/>
-            <a:r>
-              <a:rPr lang="en-AU" b="0" i="0" u="none" strike="noStrike" dirty="0">
-                <a:solidFill>
-                  <a:srgbClr val="1F2328"/>
-                </a:solidFill>
-                <a:effectLst/>
-                <a:latin typeface="-apple-system"/>
-              </a:rPr>
-              <a:t>Each tutorial automatically preserve work done within them, so if you work on a few exercises or questions and then return to the tutorial later, you can pick up right where you have left off.</a:t>
-            </a:r>
-          </a:p>
-          <a:p>
-            <a:pPr algn="l"/>
-            <a:r>
-              <a:rPr lang="en-AU" b="0" i="0" u="none" strike="noStrike" dirty="0">
-                <a:solidFill>
-                  <a:srgbClr val="1F2328"/>
-                </a:solidFill>
-                <a:effectLst/>
-                <a:latin typeface="-apple-system"/>
-              </a:rPr>
-              <a:t>Each tutorial includes a Table of Contents and it reveals content one sub-section at a time:</a:t>
-            </a:r>
-          </a:p>
-          <a:p>
+              <a:t> button on the exercise that you can click if you are stuck:</a:t>
+            </a:r>
+          </a:p>
+          <a:p>
+            <a:br>
+              <a:rPr lang="en-AU" dirty="0"/>
+            </a:br>
             <a:endParaRPr lang="en-US" dirty="0"/>
           </a:p>
         </p:txBody>
@@ -4775,7 +4715,7 @@
     </p:spTree>
     <p:extLst>
       <p:ext uri="{BB962C8B-B14F-4D97-AF65-F5344CB8AC3E}">
-        <p14:creationId xmlns:p14="http://schemas.microsoft.com/office/powerpoint/2010/main" val="1352764144"/>
+        <p14:creationId xmlns:p14="http://schemas.microsoft.com/office/powerpoint/2010/main" val="1976974702"/>
       </p:ext>
     </p:extLst>
   </p:cSld>
@@ -4786,11 +4726,11 @@
 </file>
 
 <file path=ppt/notesSlides/notesSlide8.xml><?xml version="1.0" encoding="utf-8"?>
-<p:notes xmlns:a="http://schemas.openxmlformats.org/drawingml/2006/main" xmlns:r="http://schemas.openxmlformats.org/officeDocument/2006/relationships" xmlns:p="http://schemas.openxmlformats.org/presentationml/2006/main">
+<p:notes xmlns:a="http://schemas.openxmlformats.org/drawingml/2006/main" xmlns:r="http://schemas.openxmlformats.org/officeDocument/2006/relationships" xmlns:p="http://schemas.openxmlformats.org/presentationml/2006/main" showMasterSp="0" showMasterPhAnim="0">
   <p:cSld>
     <p:spTree>
       <p:nvGrpSpPr>
-        <p:cNvPr id="1" name=""/>
+        <p:cNvPr id="1" name="Shape 250"/>
         <p:cNvGrpSpPr/>
         <p:nvPr/>
       </p:nvGrpSpPr>
@@ -4804,98 +4744,206 @@
       </p:grpSpPr>
       <p:sp>
         <p:nvSpPr>
-          <p:cNvPr id="2" name="Slide Image Placeholder 1"/>
+          <p:cNvPr id="251" name="Google Shape;251;g357618ab11_1_0:notes"/>
           <p:cNvSpPr>
             <a:spLocks noGrp="1" noRot="1" noChangeAspect="1"/>
           </p:cNvSpPr>
           <p:nvPr>
-            <p:ph type="sldImg"/>
+            <p:ph type="sldImg" idx="2"/>
           </p:nvPr>
         </p:nvSpPr>
-        <p:spPr/>
+        <p:spPr>
+          <a:xfrm>
+            <a:off x="381000" y="685800"/>
+            <a:ext cx="6096000" cy="3429000"/>
+          </a:xfrm>
+          <a:custGeom>
+            <a:avLst/>
+            <a:gdLst/>
+            <a:ahLst/>
+            <a:cxnLst/>
+            <a:rect l="l" t="t" r="r" b="b"/>
+            <a:pathLst>
+              <a:path w="120000" h="120000" extrusionOk="0">
+                <a:moveTo>
+                  <a:pt x="0" y="0"/>
+                </a:moveTo>
+                <a:lnTo>
+                  <a:pt x="120000" y="0"/>
+                </a:lnTo>
+                <a:lnTo>
+                  <a:pt x="120000" y="120000"/>
+                </a:lnTo>
+                <a:lnTo>
+                  <a:pt x="0" y="120000"/>
+                </a:lnTo>
+                <a:close/>
+              </a:path>
+            </a:pathLst>
+          </a:custGeom>
+        </p:spPr>
       </p:sp>
       <p:sp>
         <p:nvSpPr>
-          <p:cNvPr id="3" name="Notes Placeholder 2"/>
-          <p:cNvSpPr>
+          <p:cNvPr id="252" name="Google Shape;252;g357618ab11_1_0:notes"/>
+          <p:cNvSpPr txBox="1">
             <a:spLocks noGrp="1"/>
           </p:cNvSpPr>
           <p:nvPr>
             <p:ph type="body" idx="1"/>
           </p:nvPr>
         </p:nvSpPr>
-        <p:spPr/>
+        <p:spPr>
+          <a:xfrm>
+            <a:off x="685800" y="4343400"/>
+            <a:ext cx="5486400" cy="4114800"/>
+          </a:xfrm>
+          <a:prstGeom prst="rect">
+            <a:avLst/>
+          </a:prstGeom>
+        </p:spPr>
         <p:txBody>
-          <a:bodyPr/>
+          <a:bodyPr spcFirstLastPara="1" wrap="square" lIns="91425" tIns="91425" rIns="91425" bIns="91425" anchor="t" anchorCtr="0">
+            <a:noAutofit/>
+          </a:bodyPr>
           <a:lstStyle/>
           <a:p>
             <a:pPr algn="l"/>
             <a:r>
-              <a:rPr lang="en-AU" b="0" i="0" u="none" strike="noStrike" dirty="0">
+              <a:rPr lang="en-AU" sz="1800" b="0" i="0" u="none" strike="noStrike" dirty="0">
                 <a:solidFill>
-                  <a:srgbClr val="1F2328"/>
+                  <a:srgbClr val="212121"/>
                 </a:solidFill>
                 <a:effectLst/>
-                <a:latin typeface="-apple-system"/>
+                <a:latin typeface="Calibri" panose="020F0502020204030204" pitchFamily="34" charset="0"/>
               </a:rPr>
-              <a:t>Exercises are interactive R code chunks that allow you to directly execute R code and see its results. When a solution code chunk is provided, there will be a </a:t>
-            </a:r>
-            <a:r>
-              <a:rPr lang="en-AU" b="0" i="1" u="none" strike="noStrike" dirty="0">
+              <a:t>Part 1: </a:t>
+            </a:r>
+            <a:r>
+              <a:rPr lang="en-AU" sz="1800" b="0" i="0" u="sng" strike="noStrike" dirty="0">
                 <a:solidFill>
-                  <a:srgbClr val="1F2328"/>
+                  <a:srgbClr val="0078D7"/>
                 </a:solidFill>
                 <a:effectLst/>
-                <a:latin typeface="-apple-system"/>
+                <a:latin typeface="Calibri" panose="020F0502020204030204" pitchFamily="34" charset="0"/>
+                <a:hlinkClick r:id="rId3" tooltip="https://redcap.sydney.edu.au/surveys/?s=FJ33MYNCRR&amp;training=75&amp;training_date=2023-10-18"/>
               </a:rPr>
-              <a:t>Solution</a:t>
-            </a:r>
-            <a:r>
-              <a:rPr lang="en-AU" b="0" i="0" u="none" strike="noStrike" dirty="0">
+              <a:t>https://redcap.sydney.edu.au/surveys/?s=FJ33MYNCRR&amp;training=75&amp;training_date=2023-10-18</a:t>
+            </a:r>
+            <a:endParaRPr lang="en-AU" sz="1800" b="0" i="0" u="none" strike="noStrike" dirty="0">
+              <a:solidFill>
+                <a:srgbClr val="212121"/>
+              </a:solidFill>
+              <a:effectLst/>
+              <a:latin typeface="Calibri" panose="020F0502020204030204" pitchFamily="34" charset="0"/>
+            </a:endParaRPr>
+          </a:p>
+          <a:p>
+            <a:pPr algn="l"/>
+            <a:r>
+              <a:rPr lang="en-AU" sz="1800" b="0" i="0" u="none" strike="noStrike" dirty="0">
                 <a:solidFill>
-                  <a:srgbClr val="1F2328"/>
+                  <a:srgbClr val="212121"/>
                 </a:solidFill>
                 <a:effectLst/>
-                <a:latin typeface="-apple-system"/>
+                <a:latin typeface="Calibri" panose="020F0502020204030204" pitchFamily="34" charset="0"/>
               </a:rPr>
-              <a:t> button on the exercise that you can click if you are stuck:</a:t>
-            </a:r>
-          </a:p>
-          <a:p>
-            <a:br>
-              <a:rPr lang="en-AU" dirty="0"/>
-            </a:br>
-            <a:endParaRPr lang="en-US" dirty="0"/>
-          </a:p>
-        </p:txBody>
-      </p:sp>
-      <p:sp>
-        <p:nvSpPr>
-          <p:cNvPr id="4" name="Slide Number Placeholder 3"/>
-          <p:cNvSpPr>
-            <a:spLocks noGrp="1"/>
-          </p:cNvSpPr>
-          <p:nvPr>
-            <p:ph type="sldNum" sz="quarter" idx="5"/>
-          </p:nvPr>
-        </p:nvSpPr>
-        <p:spPr/>
-        <p:txBody>
-          <a:bodyPr/>
-          <a:lstStyle/>
-          <a:p>
-            <a:fld id="{0D1E54C2-E970-D74E-A0B0-616948416249}" type="slidenum">
-              <a:rPr lang="en-US" smtClean="0"/>
-              <a:t>8</a:t>
-            </a:fld>
-            <a:endParaRPr lang="en-US"/>
+              <a:t> </a:t>
+            </a:r>
+          </a:p>
+          <a:p>
+            <a:pPr algn="l"/>
+            <a:r>
+              <a:rPr lang="en-AU" sz="1800" b="0" i="0" u="none" strike="noStrike" dirty="0">
+                <a:solidFill>
+                  <a:srgbClr val="212121"/>
+                </a:solidFill>
+                <a:effectLst/>
+                <a:latin typeface="Calibri" panose="020F0502020204030204" pitchFamily="34" charset="0"/>
+              </a:rPr>
+              <a:t>Part 2: </a:t>
+            </a:r>
+            <a:r>
+              <a:rPr lang="en-AU" sz="1800" b="0" i="0" u="sng" strike="noStrike" dirty="0">
+                <a:solidFill>
+                  <a:srgbClr val="0078D7"/>
+                </a:solidFill>
+                <a:effectLst/>
+                <a:latin typeface="Calibri" panose="020F0502020204030204" pitchFamily="34" charset="0"/>
+                <a:hlinkClick r:id="rId4" tooltip="https://redcap.sydney.edu.au/surveys/?s=FJ33MYNCRR&amp;training=76&amp;training_date=2023-10-19"/>
+              </a:rPr>
+              <a:t>https://redcap.sydney.edu.au/surveys/?s=FJ33MYNCRR&amp;training=76&amp;training_date=2023-10-19</a:t>
+            </a:r>
+            <a:endParaRPr lang="en-AU" sz="1800" b="0" i="0" u="none" strike="noStrike" dirty="0">
+              <a:solidFill>
+                <a:srgbClr val="212121"/>
+              </a:solidFill>
+              <a:effectLst/>
+              <a:latin typeface="Calibri" panose="020F0502020204030204" pitchFamily="34" charset="0"/>
+            </a:endParaRPr>
+          </a:p>
+          <a:p>
+            <a:pPr algn="l"/>
+            <a:r>
+              <a:rPr lang="en-AU" sz="1800" b="0" i="0" u="none" strike="noStrike" dirty="0">
+                <a:solidFill>
+                  <a:srgbClr val="212121"/>
+                </a:solidFill>
+                <a:effectLst/>
+                <a:latin typeface="Calibri" panose="020F0502020204030204" pitchFamily="34" charset="0"/>
+              </a:rPr>
+              <a:t> </a:t>
+            </a:r>
+          </a:p>
+          <a:p>
+            <a:pPr algn="l"/>
+            <a:r>
+              <a:rPr lang="en-AU" sz="1800" b="0" i="0" u="none" strike="noStrike" dirty="0">
+                <a:solidFill>
+                  <a:srgbClr val="212121"/>
+                </a:solidFill>
+                <a:effectLst/>
+                <a:latin typeface="Calibri" panose="020F0502020204030204" pitchFamily="34" charset="0"/>
+              </a:rPr>
+              <a:t>Part 3: </a:t>
+            </a:r>
+            <a:r>
+              <a:rPr lang="en-AU" sz="1800" b="0" i="0" u="sng" strike="noStrike" dirty="0">
+                <a:solidFill>
+                  <a:srgbClr val="0078D7"/>
+                </a:solidFill>
+                <a:effectLst/>
+                <a:latin typeface="Calibri" panose="020F0502020204030204" pitchFamily="34" charset="0"/>
+                <a:hlinkClick r:id="rId5" tooltip="https://redcap.sydney.edu.au/surveys/?s=FJ33MYNCRR&amp;training=77&amp;training_date=2023-10-25"/>
+              </a:rPr>
+              <a:t>https://redcap.sydney.edu.au/surveys/?s=FJ33MYNCRR&amp;training=77&amp;training_date=2023-10-25</a:t>
+            </a:r>
+            <a:endParaRPr lang="en-AU" sz="1800" b="0" i="0" u="none" strike="noStrike" dirty="0">
+              <a:solidFill>
+                <a:srgbClr val="212121"/>
+              </a:solidFill>
+              <a:effectLst/>
+              <a:latin typeface="Calibri" panose="020F0502020204030204" pitchFamily="34" charset="0"/>
+            </a:endParaRPr>
+          </a:p>
+          <a:p>
+            <a:pPr marL="0" lvl="0" indent="0" algn="l" rtl="0">
+              <a:spcBef>
+                <a:spcPts val="0"/>
+              </a:spcBef>
+              <a:spcAft>
+                <a:spcPts val="0"/>
+              </a:spcAft>
+              <a:buNone/>
+            </a:pPr>
+            <a:endParaRPr dirty="0"/>
           </a:p>
         </p:txBody>
       </p:sp>
     </p:spTree>
     <p:extLst>
       <p:ext uri="{BB962C8B-B14F-4D97-AF65-F5344CB8AC3E}">
-        <p14:creationId xmlns:p14="http://schemas.microsoft.com/office/powerpoint/2010/main" val="1976974702"/>
+        <p14:creationId xmlns:p14="http://schemas.microsoft.com/office/powerpoint/2010/main" val="1702112391"/>
       </p:ext>
     </p:extLst>
   </p:cSld>
@@ -5054,7 +5102,7 @@
           <a:p>
             <a:fld id="{7F872E2C-CB02-0A4B-9808-D43DF4D6EFE9}" type="datetimeFigureOut">
               <a:rPr lang="en-US" smtClean="0"/>
-              <a:t>10/16/23</a:t>
+              <a:t>10/17/23</a:t>
             </a:fld>
             <a:endParaRPr lang="en-US"/>
           </a:p>
@@ -5254,7 +5302,7 @@
           <a:p>
             <a:fld id="{7F872E2C-CB02-0A4B-9808-D43DF4D6EFE9}" type="datetimeFigureOut">
               <a:rPr lang="en-US" smtClean="0"/>
-              <a:t>10/16/23</a:t>
+              <a:t>10/17/23</a:t>
             </a:fld>
             <a:endParaRPr lang="en-US"/>
           </a:p>
@@ -5464,7 +5512,7 @@
           <a:p>
             <a:fld id="{7F872E2C-CB02-0A4B-9808-D43DF4D6EFE9}" type="datetimeFigureOut">
               <a:rPr lang="en-US" smtClean="0"/>
-              <a:t>10/16/23</a:t>
+              <a:t>10/17/23</a:t>
             </a:fld>
             <a:endParaRPr lang="en-US"/>
           </a:p>
@@ -7925,7 +7973,7 @@
           <a:p>
             <a:fld id="{7F872E2C-CB02-0A4B-9808-D43DF4D6EFE9}" type="datetimeFigureOut">
               <a:rPr lang="en-US" smtClean="0"/>
-              <a:t>10/16/23</a:t>
+              <a:t>10/17/23</a:t>
             </a:fld>
             <a:endParaRPr lang="en-US"/>
           </a:p>
@@ -10806,7 +10854,7 @@
           <a:p>
             <a:fld id="{7F872E2C-CB02-0A4B-9808-D43DF4D6EFE9}" type="datetimeFigureOut">
               <a:rPr lang="en-US" smtClean="0"/>
-              <a:t>10/16/23</a:t>
+              <a:t>10/17/23</a:t>
             </a:fld>
             <a:endParaRPr lang="en-US"/>
           </a:p>
@@ -12383,14 +12431,14 @@
           </a:ln>
           <a:extLst>
             <a:ext uri="{909E8E84-426E-40dd-AFC4-6F175D3DCCD1}">
-              <a14:hiddenFill xmlns:a14="http://schemas.microsoft.com/office/drawing/2010/main" xmlns="">
+              <a14:hiddenFill xmlns="" xmlns:a14="http://schemas.microsoft.com/office/drawing/2010/main">
                 <a:solidFill>
                   <a:srgbClr val="FFFFFF"/>
                 </a:solidFill>
               </a14:hiddenFill>
             </a:ext>
             <a:ext uri="{91240B29-F687-4f45-9708-019B960494DF}">
-              <a14:hiddenLine xmlns:a14="http://schemas.microsoft.com/office/drawing/2010/main" xmlns="" w="9525">
+              <a14:hiddenLine xmlns="" xmlns:a14="http://schemas.microsoft.com/office/drawing/2010/main" w="9525">
                 <a:solidFill>
                   <a:srgbClr val="000000"/>
                 </a:solidFill>
@@ -12400,7 +12448,7 @@
               </a14:hiddenLine>
             </a:ext>
             <a:ext uri="{FAA26D3D-D897-4be2-8F04-BA451C77F1D7}">
-              <ma14:placeholderFlag xmlns:ma14="http://schemas.microsoft.com/office/mac/drawingml/2011/main" xmlns="" val="1"/>
+              <ma14:placeholderFlag xmlns="" xmlns:ma14="http://schemas.microsoft.com/office/mac/drawingml/2011/main" val="1"/>
             </a:ext>
           </a:extLst>
         </p:spPr>
@@ -12480,14 +12528,14 @@
           </a:ln>
           <a:extLst>
             <a:ext uri="{909E8E84-426E-40dd-AFC4-6F175D3DCCD1}">
-              <a14:hiddenFill xmlns:a14="http://schemas.microsoft.com/office/drawing/2010/main" xmlns="">
+              <a14:hiddenFill xmlns="" xmlns:a14="http://schemas.microsoft.com/office/drawing/2010/main">
                 <a:solidFill>
                   <a:srgbClr val="FFFFFF"/>
                 </a:solidFill>
               </a14:hiddenFill>
             </a:ext>
             <a:ext uri="{91240B29-F687-4f45-9708-019B960494DF}">
-              <a14:hiddenLine xmlns:a14="http://schemas.microsoft.com/office/drawing/2010/main" xmlns="" w="9525">
+              <a14:hiddenLine xmlns="" xmlns:a14="http://schemas.microsoft.com/office/drawing/2010/main" w="9525">
                 <a:solidFill>
                   <a:srgbClr val="000000"/>
                 </a:solidFill>
@@ -12497,7 +12545,7 @@
               </a14:hiddenLine>
             </a:ext>
             <a:ext uri="{FAA26D3D-D897-4be2-8F04-BA451C77F1D7}">
-              <ma14:placeholderFlag xmlns:ma14="http://schemas.microsoft.com/office/mac/drawingml/2011/main" xmlns="" val="1"/>
+              <ma14:placeholderFlag xmlns="" xmlns:ma14="http://schemas.microsoft.com/office/mac/drawingml/2011/main" val="1"/>
             </a:ext>
           </a:extLst>
         </p:spPr>
@@ -12814,14 +12862,14 @@
           </a:ln>
           <a:extLst>
             <a:ext uri="{909E8E84-426E-40dd-AFC4-6F175D3DCCD1}">
-              <a14:hiddenFill xmlns:a14="http://schemas.microsoft.com/office/drawing/2010/main" xmlns="">
+              <a14:hiddenFill xmlns="" xmlns:a14="http://schemas.microsoft.com/office/drawing/2010/main">
                 <a:solidFill>
                   <a:srgbClr val="FFFFFF"/>
                 </a:solidFill>
               </a14:hiddenFill>
             </a:ext>
             <a:ext uri="{91240B29-F687-4f45-9708-019B960494DF}">
-              <a14:hiddenLine xmlns:a14="http://schemas.microsoft.com/office/drawing/2010/main" xmlns="" w="9525">
+              <a14:hiddenLine xmlns="" xmlns:a14="http://schemas.microsoft.com/office/drawing/2010/main" w="9525">
                 <a:solidFill>
                   <a:srgbClr val="000000"/>
                 </a:solidFill>
@@ -12831,7 +12879,7 @@
               </a14:hiddenLine>
             </a:ext>
             <a:ext uri="{FAA26D3D-D897-4be2-8F04-BA451C77F1D7}">
-              <ma14:placeholderFlag xmlns:ma14="http://schemas.microsoft.com/office/mac/drawingml/2011/main" xmlns="" val="1"/>
+              <ma14:placeholderFlag xmlns="" xmlns:ma14="http://schemas.microsoft.com/office/mac/drawingml/2011/main" val="1"/>
             </a:ext>
           </a:extLst>
         </p:spPr>
@@ -13028,14 +13076,14 @@
           </a:ln>
           <a:extLst>
             <a:ext uri="{909E8E84-426E-40dd-AFC4-6F175D3DCCD1}">
-              <a14:hiddenFill xmlns:a14="http://schemas.microsoft.com/office/drawing/2010/main" xmlns="">
+              <a14:hiddenFill xmlns="" xmlns:a14="http://schemas.microsoft.com/office/drawing/2010/main">
                 <a:solidFill>
                   <a:srgbClr val="FFFFFF"/>
                 </a:solidFill>
               </a14:hiddenFill>
             </a:ext>
             <a:ext uri="{91240B29-F687-4f45-9708-019B960494DF}">
-              <a14:hiddenLine xmlns:a14="http://schemas.microsoft.com/office/drawing/2010/main" xmlns="" w="9525">
+              <a14:hiddenLine xmlns="" xmlns:a14="http://schemas.microsoft.com/office/drawing/2010/main" w="9525">
                 <a:solidFill>
                   <a:srgbClr val="000000"/>
                 </a:solidFill>
@@ -13045,7 +13093,7 @@
               </a14:hiddenLine>
             </a:ext>
             <a:ext uri="{FAA26D3D-D897-4be2-8F04-BA451C77F1D7}">
-              <ma14:placeholderFlag xmlns:ma14="http://schemas.microsoft.com/office/mac/drawingml/2011/main" xmlns="" val="1"/>
+              <ma14:placeholderFlag xmlns="" xmlns:ma14="http://schemas.microsoft.com/office/mac/drawingml/2011/main" val="1"/>
             </a:ext>
           </a:extLst>
         </p:spPr>
@@ -13294,14 +13342,14 @@
           </a:ln>
           <a:extLst>
             <a:ext uri="{909E8E84-426E-40dd-AFC4-6F175D3DCCD1}">
-              <a14:hiddenFill xmlns:a14="http://schemas.microsoft.com/office/drawing/2010/main" xmlns="">
+              <a14:hiddenFill xmlns="" xmlns:a14="http://schemas.microsoft.com/office/drawing/2010/main">
                 <a:solidFill>
                   <a:srgbClr val="FFFFFF"/>
                 </a:solidFill>
               </a14:hiddenFill>
             </a:ext>
             <a:ext uri="{91240B29-F687-4f45-9708-019B960494DF}">
-              <a14:hiddenLine xmlns:a14="http://schemas.microsoft.com/office/drawing/2010/main" xmlns="" w="9525">
+              <a14:hiddenLine xmlns="" xmlns:a14="http://schemas.microsoft.com/office/drawing/2010/main" w="9525">
                 <a:solidFill>
                   <a:srgbClr val="000000"/>
                 </a:solidFill>
@@ -13311,7 +13359,7 @@
               </a14:hiddenLine>
             </a:ext>
             <a:ext uri="{FAA26D3D-D897-4be2-8F04-BA451C77F1D7}">
-              <ma14:placeholderFlag xmlns:ma14="http://schemas.microsoft.com/office/mac/drawingml/2011/main" xmlns="" val="1"/>
+              <ma14:placeholderFlag xmlns="" xmlns:ma14="http://schemas.microsoft.com/office/mac/drawingml/2011/main" val="1"/>
             </a:ext>
           </a:extLst>
         </p:spPr>
@@ -13545,14 +13593,14 @@
           </a:ln>
           <a:extLst>
             <a:ext uri="{909E8E84-426E-40dd-AFC4-6F175D3DCCD1}">
-              <a14:hiddenFill xmlns:a14="http://schemas.microsoft.com/office/drawing/2010/main" xmlns="">
+              <a14:hiddenFill xmlns="" xmlns:a14="http://schemas.microsoft.com/office/drawing/2010/main">
                 <a:solidFill>
                   <a:srgbClr val="FFFFFF"/>
                 </a:solidFill>
               </a14:hiddenFill>
             </a:ext>
             <a:ext uri="{91240B29-F687-4f45-9708-019B960494DF}">
-              <a14:hiddenLine xmlns:a14="http://schemas.microsoft.com/office/drawing/2010/main" xmlns="" w="9525">
+              <a14:hiddenLine xmlns="" xmlns:a14="http://schemas.microsoft.com/office/drawing/2010/main" w="9525">
                 <a:solidFill>
                   <a:srgbClr val="000000"/>
                 </a:solidFill>
@@ -13562,7 +13610,7 @@
               </a14:hiddenLine>
             </a:ext>
             <a:ext uri="{FAA26D3D-D897-4be2-8F04-BA451C77F1D7}">
-              <ma14:placeholderFlag xmlns:ma14="http://schemas.microsoft.com/office/mac/drawingml/2011/main" xmlns="" val="1"/>
+              <ma14:placeholderFlag xmlns="" xmlns:ma14="http://schemas.microsoft.com/office/mac/drawingml/2011/main" val="1"/>
             </a:ext>
           </a:extLst>
         </p:spPr>
@@ -13618,6 +13666,524 @@
             <a:extLst>
               <a:ext uri="{FF2B5EF4-FFF2-40B4-BE49-F238E27FC236}">
                 <a16:creationId xmlns:a16="http://schemas.microsoft.com/office/drawing/2014/main" id="{861D717C-1AC4-394E-91B8-A016BB12DA1B}"/>
+              </a:ext>
+            </a:extLst>
+          </p:cNvPr>
+          <p:cNvSpPr>
+            <a:spLocks noGrp="1"/>
+          </p:cNvSpPr>
+          <p:nvPr>
+            <p:ph type="title" hasCustomPrompt="1"/>
+          </p:nvPr>
+        </p:nvSpPr>
+        <p:spPr bwMode="auto">
+          <a:xfrm>
+            <a:off x="478367" y="501651"/>
+            <a:ext cx="11235267" cy="647183"/>
+          </a:xfrm>
+          <a:prstGeom prst="rect">
+            <a:avLst/>
+          </a:prstGeom>
+          <a:noFill/>
+          <a:ln>
+            <a:noFill/>
+          </a:ln>
+          <a:extLst>
+            <a:ext uri="{909E8E84-426E-40dd-AFC4-6F175D3DCCD1}">
+              <a14:hiddenFill xmlns="" xmlns:a14="http://schemas.microsoft.com/office/drawing/2010/main">
+                <a:solidFill>
+                  <a:srgbClr val="FFFFFF"/>
+                </a:solidFill>
+              </a14:hiddenFill>
+            </a:ext>
+            <a:ext uri="{91240B29-F687-4f45-9708-019B960494DF}">
+              <a14:hiddenLine xmlns="" xmlns:a14="http://schemas.microsoft.com/office/drawing/2010/main" w="9525">
+                <a:solidFill>
+                  <a:srgbClr val="000000"/>
+                </a:solidFill>
+                <a:miter lim="800000"/>
+                <a:headEnd/>
+                <a:tailEnd/>
+              </a14:hiddenLine>
+            </a:ext>
+            <a:ext uri="{FAA26D3D-D897-4be2-8F04-BA451C77F1D7}">
+              <ma14:placeholderFlag xmlns="" xmlns:ma14="http://schemas.microsoft.com/office/mac/drawingml/2011/main" val="1"/>
+            </a:ext>
+          </a:extLst>
+        </p:spPr>
+        <p:txBody>
+          <a:bodyPr vert="horz" wrap="square" lIns="0" tIns="0" rIns="0" bIns="0" numCol="1" anchor="t" anchorCtr="0" compatLnSpc="1">
+            <a:prstTxWarp prst="textNoShape">
+              <a:avLst/>
+            </a:prstTxWarp>
+          </a:bodyPr>
+          <a:lstStyle/>
+          <a:p>
+            <a:pPr lvl="0"/>
+            <a:r>
+              <a:rPr lang="en-US"/>
+              <a:t>Insert slide title</a:t>
+            </a:r>
+          </a:p>
+        </p:txBody>
+      </p:sp>
+    </p:spTree>
+    <p:extLst>
+      <p:ext uri="{BB962C8B-B14F-4D97-AF65-F5344CB8AC3E}">
+        <p14:creationId xmlns:p14="http://schemas.microsoft.com/office/powerpoint/2010/main" val="3537393740"/>
+      </p:ext>
+    </p:extLst>
+  </p:cSld>
+  <p:clrMapOvr>
+    <a:masterClrMapping/>
+  </p:clrMapOvr>
+</p:sldLayout>
+</file>
+
+<file path=ppt/slideLayouts/slideLayout4.xml><?xml version="1.0" encoding="utf-8"?>
+<p:sldLayout xmlns:a="http://schemas.openxmlformats.org/drawingml/2006/main" xmlns:r="http://schemas.openxmlformats.org/officeDocument/2006/relationships" xmlns:p="http://schemas.openxmlformats.org/presentationml/2006/main" type="twoObj" preserve="1">
+  <p:cSld name="Two Content">
+    <p:spTree>
+      <p:nvGrpSpPr>
+        <p:cNvPr id="1" name=""/>
+        <p:cNvGrpSpPr/>
+        <p:nvPr/>
+      </p:nvGrpSpPr>
+      <p:grpSpPr>
+        <a:xfrm>
+          <a:off x="0" y="0"/>
+          <a:ext cx="0" cy="0"/>
+          <a:chOff x="0" y="0"/>
+          <a:chExt cx="0" cy="0"/>
+        </a:xfrm>
+      </p:grpSpPr>
+      <p:sp>
+        <p:nvSpPr>
+          <p:cNvPr id="2" name="Title 1">
+            <a:extLst>
+              <a:ext uri="{FF2B5EF4-FFF2-40B4-BE49-F238E27FC236}">
+                <a16:creationId xmlns:a16="http://schemas.microsoft.com/office/drawing/2014/main" id="{BA2FD37D-07F9-AA81-355F-380E0229865B}"/>
+              </a:ext>
+            </a:extLst>
+          </p:cNvPr>
+          <p:cNvSpPr>
+            <a:spLocks noGrp="1"/>
+          </p:cNvSpPr>
+          <p:nvPr>
+            <p:ph type="title"/>
+          </p:nvPr>
+        </p:nvSpPr>
+        <p:spPr/>
+        <p:txBody>
+          <a:bodyPr/>
+          <a:lstStyle/>
+          <a:p>
+            <a:r>
+              <a:rPr lang="en-GB"/>
+              <a:t>Click to edit Master title style</a:t>
+            </a:r>
+            <a:endParaRPr lang="en-US"/>
+          </a:p>
+        </p:txBody>
+      </p:sp>
+      <p:sp>
+        <p:nvSpPr>
+          <p:cNvPr id="3" name="Content Placeholder 2">
+            <a:extLst>
+              <a:ext uri="{FF2B5EF4-FFF2-40B4-BE49-F238E27FC236}">
+                <a16:creationId xmlns:a16="http://schemas.microsoft.com/office/drawing/2014/main" id="{9C286EB7-4B97-3478-B6AF-C51414186BEE}"/>
+              </a:ext>
+            </a:extLst>
+          </p:cNvPr>
+          <p:cNvSpPr>
+            <a:spLocks noGrp="1"/>
+          </p:cNvSpPr>
+          <p:nvPr>
+            <p:ph sz="half" idx="1"/>
+          </p:nvPr>
+        </p:nvSpPr>
+        <p:spPr>
+          <a:xfrm>
+            <a:off x="838200" y="1825625"/>
+            <a:ext cx="5181600" cy="4351338"/>
+          </a:xfrm>
+        </p:spPr>
+        <p:txBody>
+          <a:bodyPr/>
+          <a:lstStyle/>
+          <a:p>
+            <a:pPr lvl="0"/>
+            <a:r>
+              <a:rPr lang="en-GB"/>
+              <a:t>Click to edit Master text styles</a:t>
+            </a:r>
+          </a:p>
+          <a:p>
+            <a:pPr lvl="1"/>
+            <a:r>
+              <a:rPr lang="en-GB"/>
+              <a:t>Second level</a:t>
+            </a:r>
+          </a:p>
+          <a:p>
+            <a:pPr lvl="2"/>
+            <a:r>
+              <a:rPr lang="en-GB"/>
+              <a:t>Third level</a:t>
+            </a:r>
+          </a:p>
+          <a:p>
+            <a:pPr lvl="3"/>
+            <a:r>
+              <a:rPr lang="en-GB"/>
+              <a:t>Fourth level</a:t>
+            </a:r>
+          </a:p>
+          <a:p>
+            <a:pPr lvl="4"/>
+            <a:r>
+              <a:rPr lang="en-GB"/>
+              <a:t>Fifth level</a:t>
+            </a:r>
+            <a:endParaRPr lang="en-US"/>
+          </a:p>
+        </p:txBody>
+      </p:sp>
+      <p:sp>
+        <p:nvSpPr>
+          <p:cNvPr id="4" name="Content Placeholder 3">
+            <a:extLst>
+              <a:ext uri="{FF2B5EF4-FFF2-40B4-BE49-F238E27FC236}">
+                <a16:creationId xmlns:a16="http://schemas.microsoft.com/office/drawing/2014/main" id="{F88C4EF3-9853-3D1C-32F2-2D25235378B2}"/>
+              </a:ext>
+            </a:extLst>
+          </p:cNvPr>
+          <p:cNvSpPr>
+            <a:spLocks noGrp="1"/>
+          </p:cNvSpPr>
+          <p:nvPr>
+            <p:ph sz="half" idx="2"/>
+          </p:nvPr>
+        </p:nvSpPr>
+        <p:spPr>
+          <a:xfrm>
+            <a:off x="6172200" y="1825625"/>
+            <a:ext cx="5181600" cy="4351338"/>
+          </a:xfrm>
+        </p:spPr>
+        <p:txBody>
+          <a:bodyPr/>
+          <a:lstStyle/>
+          <a:p>
+            <a:pPr lvl="0"/>
+            <a:r>
+              <a:rPr lang="en-GB"/>
+              <a:t>Click to edit Master text styles</a:t>
+            </a:r>
+          </a:p>
+          <a:p>
+            <a:pPr lvl="1"/>
+            <a:r>
+              <a:rPr lang="en-GB"/>
+              <a:t>Second level</a:t>
+            </a:r>
+          </a:p>
+          <a:p>
+            <a:pPr lvl="2"/>
+            <a:r>
+              <a:rPr lang="en-GB"/>
+              <a:t>Third level</a:t>
+            </a:r>
+          </a:p>
+          <a:p>
+            <a:pPr lvl="3"/>
+            <a:r>
+              <a:rPr lang="en-GB"/>
+              <a:t>Fourth level</a:t>
+            </a:r>
+          </a:p>
+          <a:p>
+            <a:pPr lvl="4"/>
+            <a:r>
+              <a:rPr lang="en-GB"/>
+              <a:t>Fifth level</a:t>
+            </a:r>
+            <a:endParaRPr lang="en-US"/>
+          </a:p>
+        </p:txBody>
+      </p:sp>
+      <p:sp>
+        <p:nvSpPr>
+          <p:cNvPr id="5" name="Date Placeholder 4">
+            <a:extLst>
+              <a:ext uri="{FF2B5EF4-FFF2-40B4-BE49-F238E27FC236}">
+                <a16:creationId xmlns:a16="http://schemas.microsoft.com/office/drawing/2014/main" id="{8B1CD88F-B3F2-FEC8-0D7C-616B31CA1C4F}"/>
+              </a:ext>
+            </a:extLst>
+          </p:cNvPr>
+          <p:cNvSpPr>
+            <a:spLocks noGrp="1"/>
+          </p:cNvSpPr>
+          <p:nvPr>
+            <p:ph type="dt" sz="half" idx="10"/>
+          </p:nvPr>
+        </p:nvSpPr>
+        <p:spPr/>
+        <p:txBody>
+          <a:bodyPr/>
+          <a:lstStyle/>
+          <a:p>
+            <a:fld id="{7F872E2C-CB02-0A4B-9808-D43DF4D6EFE9}" type="datetimeFigureOut">
+              <a:rPr lang="en-US" smtClean="0"/>
+              <a:t>10/17/23</a:t>
+            </a:fld>
+            <a:endParaRPr lang="en-US"/>
+          </a:p>
+        </p:txBody>
+      </p:sp>
+      <p:sp>
+        <p:nvSpPr>
+          <p:cNvPr id="6" name="Footer Placeholder 5">
+            <a:extLst>
+              <a:ext uri="{FF2B5EF4-FFF2-40B4-BE49-F238E27FC236}">
+                <a16:creationId xmlns:a16="http://schemas.microsoft.com/office/drawing/2014/main" id="{CC8C39A9-751B-37FA-5A78-F5680EFF0186}"/>
+              </a:ext>
+            </a:extLst>
+          </p:cNvPr>
+          <p:cNvSpPr>
+            <a:spLocks noGrp="1"/>
+          </p:cNvSpPr>
+          <p:nvPr>
+            <p:ph type="ftr" sz="quarter" idx="11"/>
+          </p:nvPr>
+        </p:nvSpPr>
+        <p:spPr/>
+        <p:txBody>
+          <a:bodyPr/>
+          <a:lstStyle/>
+          <a:p>
+            <a:endParaRPr lang="en-US"/>
+          </a:p>
+        </p:txBody>
+      </p:sp>
+      <p:sp>
+        <p:nvSpPr>
+          <p:cNvPr id="7" name="Slide Number Placeholder 6">
+            <a:extLst>
+              <a:ext uri="{FF2B5EF4-FFF2-40B4-BE49-F238E27FC236}">
+                <a16:creationId xmlns:a16="http://schemas.microsoft.com/office/drawing/2014/main" id="{B423E000-E213-B07A-7B1F-ECE44E197FA5}"/>
+              </a:ext>
+            </a:extLst>
+          </p:cNvPr>
+          <p:cNvSpPr>
+            <a:spLocks noGrp="1"/>
+          </p:cNvSpPr>
+          <p:nvPr>
+            <p:ph type="sldNum" sz="quarter" idx="12"/>
+          </p:nvPr>
+        </p:nvSpPr>
+        <p:spPr/>
+        <p:txBody>
+          <a:bodyPr/>
+          <a:lstStyle/>
+          <a:p>
+            <a:fld id="{06B02C6F-B72C-1E4C-A6D2-177E785FCAF7}" type="slidenum">
+              <a:rPr lang="en-US" smtClean="0"/>
+              <a:t>‹#›</a:t>
+            </a:fld>
+            <a:endParaRPr lang="en-US"/>
+          </a:p>
+        </p:txBody>
+      </p:sp>
+    </p:spTree>
+    <p:extLst>
+      <p:ext uri="{BB962C8B-B14F-4D97-AF65-F5344CB8AC3E}">
+        <p14:creationId xmlns:p14="http://schemas.microsoft.com/office/powerpoint/2010/main" val="3207970809"/>
+      </p:ext>
+    </p:extLst>
+  </p:cSld>
+  <p:clrMapOvr>
+    <a:masterClrMapping/>
+  </p:clrMapOvr>
+</p:sldLayout>
+</file>
+
+<file path=ppt/slideLayouts/slideLayout40.xml><?xml version="1.0" encoding="utf-8"?>
+<p:sldLayout xmlns:a="http://schemas.openxmlformats.org/drawingml/2006/main" xmlns:r="http://schemas.openxmlformats.org/officeDocument/2006/relationships" xmlns:p="http://schemas.openxmlformats.org/presentationml/2006/main" preserve="1" userDrawn="1">
+  <p:cSld name="Section Divider - Option 1">
+    <p:spTree>
+      <p:nvGrpSpPr>
+        <p:cNvPr id="1" name=""/>
+        <p:cNvGrpSpPr/>
+        <p:nvPr/>
+      </p:nvGrpSpPr>
+      <p:grpSpPr>
+        <a:xfrm>
+          <a:off x="0" y="0"/>
+          <a:ext cx="0" cy="0"/>
+          <a:chOff x="0" y="0"/>
+          <a:chExt cx="0" cy="0"/>
+        </a:xfrm>
+      </p:grpSpPr>
+      <p:pic>
+        <p:nvPicPr>
+          <p:cNvPr id="8" name="Picture 7" descr="USY_MB1_PMS_1_Colour_Reversed_Logo.png"/>
+          <p:cNvPicPr>
+            <a:picLocks noChangeAspect="1"/>
+          </p:cNvPicPr>
+          <p:nvPr/>
+        </p:nvPicPr>
+        <p:blipFill>
+          <a:blip r:embed="rId2" cstate="email">
+            <a:extLst>
+              <a:ext uri="{28A0092B-C50C-407E-A947-70E740481C1C}">
+                <a14:useLocalDpi xmlns:a14="http://schemas.microsoft.com/office/drawing/2010/main"/>
+              </a:ext>
+            </a:extLst>
+          </a:blip>
+          <a:srcRect/>
+          <a:stretch>
+            <a:fillRect/>
+          </a:stretch>
+        </p:blipFill>
+        <p:spPr bwMode="auto">
+          <a:xfrm>
+            <a:off x="605367" y="5905501"/>
+            <a:ext cx="2048933" cy="530225"/>
+          </a:xfrm>
+          <a:prstGeom prst="rect">
+            <a:avLst/>
+          </a:prstGeom>
+          <a:noFill/>
+          <a:ln>
+            <a:noFill/>
+          </a:ln>
+          <a:extLst>
+            <a:ext uri="{909E8E84-426E-40dd-AFC4-6F175D3DCCD1}">
+              <a14:hiddenFill xmlns:a14="http://schemas.microsoft.com/office/drawing/2010/main" xmlns="">
+                <a:solidFill>
+                  <a:srgbClr val="FFFFFF"/>
+                </a:solidFill>
+              </a14:hiddenFill>
+            </a:ext>
+            <a:ext uri="{91240B29-F687-4f45-9708-019B960494DF}">
+              <a14:hiddenLine xmlns:a14="http://schemas.microsoft.com/office/drawing/2010/main" xmlns="" w="9525">
+                <a:solidFill>
+                  <a:srgbClr val="000000"/>
+                </a:solidFill>
+                <a:miter lim="800000"/>
+                <a:headEnd/>
+                <a:tailEnd/>
+              </a14:hiddenLine>
+            </a:ext>
+          </a:extLst>
+        </p:spPr>
+      </p:pic>
+      <p:sp>
+        <p:nvSpPr>
+          <p:cNvPr id="5" name="Text Placeholder 4"/>
+          <p:cNvSpPr>
+            <a:spLocks noGrp="1"/>
+          </p:cNvSpPr>
+          <p:nvPr>
+            <p:ph type="body" sz="quarter" idx="11"/>
+          </p:nvPr>
+        </p:nvSpPr>
+        <p:spPr>
+          <a:xfrm>
+            <a:off x="478367" y="1173218"/>
+            <a:ext cx="11235267" cy="647183"/>
+          </a:xfrm>
+          <a:prstGeom prst="rect">
+            <a:avLst/>
+          </a:prstGeom>
+          <a:noFill/>
+        </p:spPr>
+        <p:txBody>
+          <a:bodyPr/>
+          <a:lstStyle>
+            <a:lvl1pPr marL="0" indent="0">
+              <a:lnSpc>
+                <a:spcPct val="90000"/>
+              </a:lnSpc>
+              <a:buNone/>
+              <a:defRPr sz="3200">
+                <a:solidFill>
+                  <a:schemeClr val="tx1"/>
+                </a:solidFill>
+              </a:defRPr>
+            </a:lvl1pPr>
+            <a:lvl2pPr marL="457189" indent="0">
+              <a:buNone/>
+              <a:defRPr/>
+            </a:lvl2pPr>
+            <a:lvl3pPr marL="914377" indent="0">
+              <a:buNone/>
+              <a:defRPr/>
+            </a:lvl3pPr>
+            <a:lvl4pPr marL="1371566" indent="0">
+              <a:buNone/>
+              <a:defRPr/>
+            </a:lvl4pPr>
+            <a:lvl5pPr marL="1828754" indent="0">
+              <a:buNone/>
+              <a:defRPr/>
+            </a:lvl5pPr>
+          </a:lstStyle>
+          <a:p>
+            <a:pPr lvl="0"/>
+            <a:r>
+              <a:rPr lang="en-US"/>
+              <a:t>Click to edit Master text styles</a:t>
+            </a:r>
+          </a:p>
+        </p:txBody>
+      </p:sp>
+      <p:sp>
+        <p:nvSpPr>
+          <p:cNvPr id="7" name="Picture Placeholder 13"/>
+          <p:cNvSpPr>
+            <a:spLocks noGrp="1"/>
+          </p:cNvSpPr>
+          <p:nvPr>
+            <p:ph type="pic" sz="quarter" idx="12"/>
+          </p:nvPr>
+        </p:nvSpPr>
+        <p:spPr>
+          <a:xfrm>
+            <a:off x="478367" y="1820400"/>
+            <a:ext cx="11235267" cy="4535949"/>
+          </a:xfrm>
+          <a:prstGeom prst="rect">
+            <a:avLst/>
+          </a:prstGeom>
+          <a:solidFill>
+            <a:srgbClr val="D9D9D9"/>
+          </a:solidFill>
+        </p:spPr>
+        <p:txBody>
+          <a:bodyPr anchor="ctr" anchorCtr="0"/>
+          <a:lstStyle>
+            <a:lvl1pPr marL="0" indent="0" algn="ctr">
+              <a:buNone/>
+              <a:defRPr/>
+            </a:lvl1pPr>
+          </a:lstStyle>
+          <a:p>
+            <a:pPr lvl="0"/>
+            <a:r>
+              <a:rPr lang="en-US" noProof="0"/>
+              <a:t>Click icon to add picture</a:t>
+            </a:r>
+          </a:p>
+        </p:txBody>
+      </p:sp>
+      <p:sp>
+        <p:nvSpPr>
+          <p:cNvPr id="10" name="Title Placeholder 1">
+            <a:extLst>
+              <a:ext uri="{FF2B5EF4-FFF2-40B4-BE49-F238E27FC236}">
+                <a16:creationId xmlns:a16="http://schemas.microsoft.com/office/drawing/2014/main" id="{8AB9FAD1-F758-AF4C-BAD5-AFAD67046B97}"/>
               </a:ext>
             </a:extLst>
           </p:cNvPr>
@@ -13682,524 +14248,6 @@
     </p:spTree>
     <p:extLst>
       <p:ext uri="{BB962C8B-B14F-4D97-AF65-F5344CB8AC3E}">
-        <p14:creationId xmlns:p14="http://schemas.microsoft.com/office/powerpoint/2010/main" val="3537393740"/>
-      </p:ext>
-    </p:extLst>
-  </p:cSld>
-  <p:clrMapOvr>
-    <a:masterClrMapping/>
-  </p:clrMapOvr>
-</p:sldLayout>
-</file>
-
-<file path=ppt/slideLayouts/slideLayout4.xml><?xml version="1.0" encoding="utf-8"?>
-<p:sldLayout xmlns:a="http://schemas.openxmlformats.org/drawingml/2006/main" xmlns:r="http://schemas.openxmlformats.org/officeDocument/2006/relationships" xmlns:p="http://schemas.openxmlformats.org/presentationml/2006/main" type="twoObj" preserve="1">
-  <p:cSld name="Two Content">
-    <p:spTree>
-      <p:nvGrpSpPr>
-        <p:cNvPr id="1" name=""/>
-        <p:cNvGrpSpPr/>
-        <p:nvPr/>
-      </p:nvGrpSpPr>
-      <p:grpSpPr>
-        <a:xfrm>
-          <a:off x="0" y="0"/>
-          <a:ext cx="0" cy="0"/>
-          <a:chOff x="0" y="0"/>
-          <a:chExt cx="0" cy="0"/>
-        </a:xfrm>
-      </p:grpSpPr>
-      <p:sp>
-        <p:nvSpPr>
-          <p:cNvPr id="2" name="Title 1">
-            <a:extLst>
-              <a:ext uri="{FF2B5EF4-FFF2-40B4-BE49-F238E27FC236}">
-                <a16:creationId xmlns:a16="http://schemas.microsoft.com/office/drawing/2014/main" id="{BA2FD37D-07F9-AA81-355F-380E0229865B}"/>
-              </a:ext>
-            </a:extLst>
-          </p:cNvPr>
-          <p:cNvSpPr>
-            <a:spLocks noGrp="1"/>
-          </p:cNvSpPr>
-          <p:nvPr>
-            <p:ph type="title"/>
-          </p:nvPr>
-        </p:nvSpPr>
-        <p:spPr/>
-        <p:txBody>
-          <a:bodyPr/>
-          <a:lstStyle/>
-          <a:p>
-            <a:r>
-              <a:rPr lang="en-GB"/>
-              <a:t>Click to edit Master title style</a:t>
-            </a:r>
-            <a:endParaRPr lang="en-US"/>
-          </a:p>
-        </p:txBody>
-      </p:sp>
-      <p:sp>
-        <p:nvSpPr>
-          <p:cNvPr id="3" name="Content Placeholder 2">
-            <a:extLst>
-              <a:ext uri="{FF2B5EF4-FFF2-40B4-BE49-F238E27FC236}">
-                <a16:creationId xmlns:a16="http://schemas.microsoft.com/office/drawing/2014/main" id="{9C286EB7-4B97-3478-B6AF-C51414186BEE}"/>
-              </a:ext>
-            </a:extLst>
-          </p:cNvPr>
-          <p:cNvSpPr>
-            <a:spLocks noGrp="1"/>
-          </p:cNvSpPr>
-          <p:nvPr>
-            <p:ph sz="half" idx="1"/>
-          </p:nvPr>
-        </p:nvSpPr>
-        <p:spPr>
-          <a:xfrm>
-            <a:off x="838200" y="1825625"/>
-            <a:ext cx="5181600" cy="4351338"/>
-          </a:xfrm>
-        </p:spPr>
-        <p:txBody>
-          <a:bodyPr/>
-          <a:lstStyle/>
-          <a:p>
-            <a:pPr lvl="0"/>
-            <a:r>
-              <a:rPr lang="en-GB"/>
-              <a:t>Click to edit Master text styles</a:t>
-            </a:r>
-          </a:p>
-          <a:p>
-            <a:pPr lvl="1"/>
-            <a:r>
-              <a:rPr lang="en-GB"/>
-              <a:t>Second level</a:t>
-            </a:r>
-          </a:p>
-          <a:p>
-            <a:pPr lvl="2"/>
-            <a:r>
-              <a:rPr lang="en-GB"/>
-              <a:t>Third level</a:t>
-            </a:r>
-          </a:p>
-          <a:p>
-            <a:pPr lvl="3"/>
-            <a:r>
-              <a:rPr lang="en-GB"/>
-              <a:t>Fourth level</a:t>
-            </a:r>
-          </a:p>
-          <a:p>
-            <a:pPr lvl="4"/>
-            <a:r>
-              <a:rPr lang="en-GB"/>
-              <a:t>Fifth level</a:t>
-            </a:r>
-            <a:endParaRPr lang="en-US"/>
-          </a:p>
-        </p:txBody>
-      </p:sp>
-      <p:sp>
-        <p:nvSpPr>
-          <p:cNvPr id="4" name="Content Placeholder 3">
-            <a:extLst>
-              <a:ext uri="{FF2B5EF4-FFF2-40B4-BE49-F238E27FC236}">
-                <a16:creationId xmlns:a16="http://schemas.microsoft.com/office/drawing/2014/main" id="{F88C4EF3-9853-3D1C-32F2-2D25235378B2}"/>
-              </a:ext>
-            </a:extLst>
-          </p:cNvPr>
-          <p:cNvSpPr>
-            <a:spLocks noGrp="1"/>
-          </p:cNvSpPr>
-          <p:nvPr>
-            <p:ph sz="half" idx="2"/>
-          </p:nvPr>
-        </p:nvSpPr>
-        <p:spPr>
-          <a:xfrm>
-            <a:off x="6172200" y="1825625"/>
-            <a:ext cx="5181600" cy="4351338"/>
-          </a:xfrm>
-        </p:spPr>
-        <p:txBody>
-          <a:bodyPr/>
-          <a:lstStyle/>
-          <a:p>
-            <a:pPr lvl="0"/>
-            <a:r>
-              <a:rPr lang="en-GB"/>
-              <a:t>Click to edit Master text styles</a:t>
-            </a:r>
-          </a:p>
-          <a:p>
-            <a:pPr lvl="1"/>
-            <a:r>
-              <a:rPr lang="en-GB"/>
-              <a:t>Second level</a:t>
-            </a:r>
-          </a:p>
-          <a:p>
-            <a:pPr lvl="2"/>
-            <a:r>
-              <a:rPr lang="en-GB"/>
-              <a:t>Third level</a:t>
-            </a:r>
-          </a:p>
-          <a:p>
-            <a:pPr lvl="3"/>
-            <a:r>
-              <a:rPr lang="en-GB"/>
-              <a:t>Fourth level</a:t>
-            </a:r>
-          </a:p>
-          <a:p>
-            <a:pPr lvl="4"/>
-            <a:r>
-              <a:rPr lang="en-GB"/>
-              <a:t>Fifth level</a:t>
-            </a:r>
-            <a:endParaRPr lang="en-US"/>
-          </a:p>
-        </p:txBody>
-      </p:sp>
-      <p:sp>
-        <p:nvSpPr>
-          <p:cNvPr id="5" name="Date Placeholder 4">
-            <a:extLst>
-              <a:ext uri="{FF2B5EF4-FFF2-40B4-BE49-F238E27FC236}">
-                <a16:creationId xmlns:a16="http://schemas.microsoft.com/office/drawing/2014/main" id="{8B1CD88F-B3F2-FEC8-0D7C-616B31CA1C4F}"/>
-              </a:ext>
-            </a:extLst>
-          </p:cNvPr>
-          <p:cNvSpPr>
-            <a:spLocks noGrp="1"/>
-          </p:cNvSpPr>
-          <p:nvPr>
-            <p:ph type="dt" sz="half" idx="10"/>
-          </p:nvPr>
-        </p:nvSpPr>
-        <p:spPr/>
-        <p:txBody>
-          <a:bodyPr/>
-          <a:lstStyle/>
-          <a:p>
-            <a:fld id="{7F872E2C-CB02-0A4B-9808-D43DF4D6EFE9}" type="datetimeFigureOut">
-              <a:rPr lang="en-US" smtClean="0"/>
-              <a:t>10/16/23</a:t>
-            </a:fld>
-            <a:endParaRPr lang="en-US"/>
-          </a:p>
-        </p:txBody>
-      </p:sp>
-      <p:sp>
-        <p:nvSpPr>
-          <p:cNvPr id="6" name="Footer Placeholder 5">
-            <a:extLst>
-              <a:ext uri="{FF2B5EF4-FFF2-40B4-BE49-F238E27FC236}">
-                <a16:creationId xmlns:a16="http://schemas.microsoft.com/office/drawing/2014/main" id="{CC8C39A9-751B-37FA-5A78-F5680EFF0186}"/>
-              </a:ext>
-            </a:extLst>
-          </p:cNvPr>
-          <p:cNvSpPr>
-            <a:spLocks noGrp="1"/>
-          </p:cNvSpPr>
-          <p:nvPr>
-            <p:ph type="ftr" sz="quarter" idx="11"/>
-          </p:nvPr>
-        </p:nvSpPr>
-        <p:spPr/>
-        <p:txBody>
-          <a:bodyPr/>
-          <a:lstStyle/>
-          <a:p>
-            <a:endParaRPr lang="en-US"/>
-          </a:p>
-        </p:txBody>
-      </p:sp>
-      <p:sp>
-        <p:nvSpPr>
-          <p:cNvPr id="7" name="Slide Number Placeholder 6">
-            <a:extLst>
-              <a:ext uri="{FF2B5EF4-FFF2-40B4-BE49-F238E27FC236}">
-                <a16:creationId xmlns:a16="http://schemas.microsoft.com/office/drawing/2014/main" id="{B423E000-E213-B07A-7B1F-ECE44E197FA5}"/>
-              </a:ext>
-            </a:extLst>
-          </p:cNvPr>
-          <p:cNvSpPr>
-            <a:spLocks noGrp="1"/>
-          </p:cNvSpPr>
-          <p:nvPr>
-            <p:ph type="sldNum" sz="quarter" idx="12"/>
-          </p:nvPr>
-        </p:nvSpPr>
-        <p:spPr/>
-        <p:txBody>
-          <a:bodyPr/>
-          <a:lstStyle/>
-          <a:p>
-            <a:fld id="{06B02C6F-B72C-1E4C-A6D2-177E785FCAF7}" type="slidenum">
-              <a:rPr lang="en-US" smtClean="0"/>
-              <a:t>‹#›</a:t>
-            </a:fld>
-            <a:endParaRPr lang="en-US"/>
-          </a:p>
-        </p:txBody>
-      </p:sp>
-    </p:spTree>
-    <p:extLst>
-      <p:ext uri="{BB962C8B-B14F-4D97-AF65-F5344CB8AC3E}">
-        <p14:creationId xmlns:p14="http://schemas.microsoft.com/office/powerpoint/2010/main" val="3207970809"/>
-      </p:ext>
-    </p:extLst>
-  </p:cSld>
-  <p:clrMapOvr>
-    <a:masterClrMapping/>
-  </p:clrMapOvr>
-</p:sldLayout>
-</file>
-
-<file path=ppt/slideLayouts/slideLayout40.xml><?xml version="1.0" encoding="utf-8"?>
-<p:sldLayout xmlns:a="http://schemas.openxmlformats.org/drawingml/2006/main" xmlns:r="http://schemas.openxmlformats.org/officeDocument/2006/relationships" xmlns:p="http://schemas.openxmlformats.org/presentationml/2006/main" preserve="1" userDrawn="1">
-  <p:cSld name="Section Divider - Option 1">
-    <p:spTree>
-      <p:nvGrpSpPr>
-        <p:cNvPr id="1" name=""/>
-        <p:cNvGrpSpPr/>
-        <p:nvPr/>
-      </p:nvGrpSpPr>
-      <p:grpSpPr>
-        <a:xfrm>
-          <a:off x="0" y="0"/>
-          <a:ext cx="0" cy="0"/>
-          <a:chOff x="0" y="0"/>
-          <a:chExt cx="0" cy="0"/>
-        </a:xfrm>
-      </p:grpSpPr>
-      <p:pic>
-        <p:nvPicPr>
-          <p:cNvPr id="8" name="Picture 7" descr="USY_MB1_PMS_1_Colour_Reversed_Logo.png"/>
-          <p:cNvPicPr>
-            <a:picLocks noChangeAspect="1"/>
-          </p:cNvPicPr>
-          <p:nvPr/>
-        </p:nvPicPr>
-        <p:blipFill>
-          <a:blip r:embed="rId2" cstate="email">
-            <a:extLst>
-              <a:ext uri="{28A0092B-C50C-407E-A947-70E740481C1C}">
-                <a14:useLocalDpi xmlns:a14="http://schemas.microsoft.com/office/drawing/2010/main"/>
-              </a:ext>
-            </a:extLst>
-          </a:blip>
-          <a:srcRect/>
-          <a:stretch>
-            <a:fillRect/>
-          </a:stretch>
-        </p:blipFill>
-        <p:spPr bwMode="auto">
-          <a:xfrm>
-            <a:off x="605367" y="5905501"/>
-            <a:ext cx="2048933" cy="530225"/>
-          </a:xfrm>
-          <a:prstGeom prst="rect">
-            <a:avLst/>
-          </a:prstGeom>
-          <a:noFill/>
-          <a:ln>
-            <a:noFill/>
-          </a:ln>
-          <a:extLst>
-            <a:ext uri="{909E8E84-426E-40dd-AFC4-6F175D3DCCD1}">
-              <a14:hiddenFill xmlns="" xmlns:a14="http://schemas.microsoft.com/office/drawing/2010/main">
-                <a:solidFill>
-                  <a:srgbClr val="FFFFFF"/>
-                </a:solidFill>
-              </a14:hiddenFill>
-            </a:ext>
-            <a:ext uri="{91240B29-F687-4f45-9708-019B960494DF}">
-              <a14:hiddenLine xmlns="" xmlns:a14="http://schemas.microsoft.com/office/drawing/2010/main" w="9525">
-                <a:solidFill>
-                  <a:srgbClr val="000000"/>
-                </a:solidFill>
-                <a:miter lim="800000"/>
-                <a:headEnd/>
-                <a:tailEnd/>
-              </a14:hiddenLine>
-            </a:ext>
-          </a:extLst>
-        </p:spPr>
-      </p:pic>
-      <p:sp>
-        <p:nvSpPr>
-          <p:cNvPr id="5" name="Text Placeholder 4"/>
-          <p:cNvSpPr>
-            <a:spLocks noGrp="1"/>
-          </p:cNvSpPr>
-          <p:nvPr>
-            <p:ph type="body" sz="quarter" idx="11"/>
-          </p:nvPr>
-        </p:nvSpPr>
-        <p:spPr>
-          <a:xfrm>
-            <a:off x="478367" y="1173218"/>
-            <a:ext cx="11235267" cy="647183"/>
-          </a:xfrm>
-          <a:prstGeom prst="rect">
-            <a:avLst/>
-          </a:prstGeom>
-          <a:noFill/>
-        </p:spPr>
-        <p:txBody>
-          <a:bodyPr/>
-          <a:lstStyle>
-            <a:lvl1pPr marL="0" indent="0">
-              <a:lnSpc>
-                <a:spcPct val="90000"/>
-              </a:lnSpc>
-              <a:buNone/>
-              <a:defRPr sz="3200">
-                <a:solidFill>
-                  <a:schemeClr val="tx1"/>
-                </a:solidFill>
-              </a:defRPr>
-            </a:lvl1pPr>
-            <a:lvl2pPr marL="457189" indent="0">
-              <a:buNone/>
-              <a:defRPr/>
-            </a:lvl2pPr>
-            <a:lvl3pPr marL="914377" indent="0">
-              <a:buNone/>
-              <a:defRPr/>
-            </a:lvl3pPr>
-            <a:lvl4pPr marL="1371566" indent="0">
-              <a:buNone/>
-              <a:defRPr/>
-            </a:lvl4pPr>
-            <a:lvl5pPr marL="1828754" indent="0">
-              <a:buNone/>
-              <a:defRPr/>
-            </a:lvl5pPr>
-          </a:lstStyle>
-          <a:p>
-            <a:pPr lvl="0"/>
-            <a:r>
-              <a:rPr lang="en-US"/>
-              <a:t>Click to edit Master text styles</a:t>
-            </a:r>
-          </a:p>
-        </p:txBody>
-      </p:sp>
-      <p:sp>
-        <p:nvSpPr>
-          <p:cNvPr id="7" name="Picture Placeholder 13"/>
-          <p:cNvSpPr>
-            <a:spLocks noGrp="1"/>
-          </p:cNvSpPr>
-          <p:nvPr>
-            <p:ph type="pic" sz="quarter" idx="12"/>
-          </p:nvPr>
-        </p:nvSpPr>
-        <p:spPr>
-          <a:xfrm>
-            <a:off x="478367" y="1820400"/>
-            <a:ext cx="11235267" cy="4535949"/>
-          </a:xfrm>
-          <a:prstGeom prst="rect">
-            <a:avLst/>
-          </a:prstGeom>
-          <a:solidFill>
-            <a:srgbClr val="D9D9D9"/>
-          </a:solidFill>
-        </p:spPr>
-        <p:txBody>
-          <a:bodyPr anchor="ctr" anchorCtr="0"/>
-          <a:lstStyle>
-            <a:lvl1pPr marL="0" indent="0" algn="ctr">
-              <a:buNone/>
-              <a:defRPr/>
-            </a:lvl1pPr>
-          </a:lstStyle>
-          <a:p>
-            <a:pPr lvl="0"/>
-            <a:r>
-              <a:rPr lang="en-US" noProof="0"/>
-              <a:t>Click icon to add picture</a:t>
-            </a:r>
-          </a:p>
-        </p:txBody>
-      </p:sp>
-      <p:sp>
-        <p:nvSpPr>
-          <p:cNvPr id="10" name="Title Placeholder 1">
-            <a:extLst>
-              <a:ext uri="{FF2B5EF4-FFF2-40B4-BE49-F238E27FC236}">
-                <a16:creationId xmlns:a16="http://schemas.microsoft.com/office/drawing/2014/main" id="{8AB9FAD1-F758-AF4C-BAD5-AFAD67046B97}"/>
-              </a:ext>
-            </a:extLst>
-          </p:cNvPr>
-          <p:cNvSpPr>
-            <a:spLocks noGrp="1"/>
-          </p:cNvSpPr>
-          <p:nvPr>
-            <p:ph type="title" hasCustomPrompt="1"/>
-          </p:nvPr>
-        </p:nvSpPr>
-        <p:spPr bwMode="auto">
-          <a:xfrm>
-            <a:off x="478367" y="501651"/>
-            <a:ext cx="11235267" cy="647183"/>
-          </a:xfrm>
-          <a:prstGeom prst="rect">
-            <a:avLst/>
-          </a:prstGeom>
-          <a:noFill/>
-          <a:ln>
-            <a:noFill/>
-          </a:ln>
-          <a:extLst>
-            <a:ext uri="{909E8E84-426E-40dd-AFC4-6F175D3DCCD1}">
-              <a14:hiddenFill xmlns="" xmlns:a14="http://schemas.microsoft.com/office/drawing/2010/main">
-                <a:solidFill>
-                  <a:srgbClr val="FFFFFF"/>
-                </a:solidFill>
-              </a14:hiddenFill>
-            </a:ext>
-            <a:ext uri="{91240B29-F687-4f45-9708-019B960494DF}">
-              <a14:hiddenLine xmlns="" xmlns:a14="http://schemas.microsoft.com/office/drawing/2010/main" w="9525">
-                <a:solidFill>
-                  <a:srgbClr val="000000"/>
-                </a:solidFill>
-                <a:miter lim="800000"/>
-                <a:headEnd/>
-                <a:tailEnd/>
-              </a14:hiddenLine>
-            </a:ext>
-            <a:ext uri="{FAA26D3D-D897-4be2-8F04-BA451C77F1D7}">
-              <ma14:placeholderFlag xmlns="" xmlns:ma14="http://schemas.microsoft.com/office/mac/drawingml/2011/main" val="1"/>
-            </a:ext>
-          </a:extLst>
-        </p:spPr>
-        <p:txBody>
-          <a:bodyPr vert="horz" wrap="square" lIns="0" tIns="0" rIns="0" bIns="0" numCol="1" anchor="t" anchorCtr="0" compatLnSpc="1">
-            <a:prstTxWarp prst="textNoShape">
-              <a:avLst/>
-            </a:prstTxWarp>
-          </a:bodyPr>
-          <a:lstStyle/>
-          <a:p>
-            <a:pPr lvl="0"/>
-            <a:r>
-              <a:rPr lang="en-US"/>
-              <a:t>Insert slide title</a:t>
-            </a:r>
-          </a:p>
-        </p:txBody>
-      </p:sp>
-    </p:spTree>
-    <p:extLst>
-      <p:ext uri="{BB962C8B-B14F-4D97-AF65-F5344CB8AC3E}">
         <p14:creationId xmlns:p14="http://schemas.microsoft.com/office/powerpoint/2010/main" val="3208751754"/>
       </p:ext>
     </p:extLst>
@@ -14893,6 +14941,366 @@
 </p:sldLayout>
 </file>
 
+<file path=ppt/slideLayouts/slideLayout44.xml><?xml version="1.0" encoding="utf-8"?>
+<p:sldLayout xmlns:a="http://schemas.openxmlformats.org/drawingml/2006/main" xmlns:r="http://schemas.openxmlformats.org/officeDocument/2006/relationships" xmlns:p="http://schemas.openxmlformats.org/presentationml/2006/main" matchingName="Title and body" type="tx">
+  <p:cSld name="Title and body">
+    <p:spTree>
+      <p:nvGrpSpPr>
+        <p:cNvPr id="1" name="Shape 16"/>
+        <p:cNvGrpSpPr/>
+        <p:nvPr/>
+      </p:nvGrpSpPr>
+      <p:grpSpPr>
+        <a:xfrm>
+          <a:off x="0" y="0"/>
+          <a:ext cx="0" cy="0"/>
+          <a:chOff x="0" y="0"/>
+          <a:chExt cx="0" cy="0"/>
+        </a:xfrm>
+      </p:grpSpPr>
+      <p:sp>
+        <p:nvSpPr>
+          <p:cNvPr id="17" name="Google Shape;17;p4"/>
+          <p:cNvSpPr txBox="1">
+            <a:spLocks noGrp="1"/>
+          </p:cNvSpPr>
+          <p:nvPr>
+            <p:ph type="title"/>
+          </p:nvPr>
+        </p:nvSpPr>
+        <p:spPr>
+          <a:xfrm>
+            <a:off x="415600" y="593367"/>
+            <a:ext cx="11360800" cy="763600"/>
+          </a:xfrm>
+          <a:prstGeom prst="rect">
+            <a:avLst/>
+          </a:prstGeom>
+        </p:spPr>
+        <p:txBody>
+          <a:bodyPr spcFirstLastPara="1" wrap="square" lIns="91425" tIns="91425" rIns="91425" bIns="91425" anchor="t" anchorCtr="0">
+            <a:noAutofit/>
+          </a:bodyPr>
+          <a:lstStyle>
+            <a:lvl1pPr lvl="0">
+              <a:spcBef>
+                <a:spcPts val="0"/>
+              </a:spcBef>
+              <a:spcAft>
+                <a:spcPts val="0"/>
+              </a:spcAft>
+              <a:buSzPts val="2800"/>
+              <a:buNone/>
+              <a:defRPr/>
+            </a:lvl1pPr>
+            <a:lvl2pPr lvl="1">
+              <a:spcBef>
+                <a:spcPts val="0"/>
+              </a:spcBef>
+              <a:spcAft>
+                <a:spcPts val="0"/>
+              </a:spcAft>
+              <a:buSzPts val="2800"/>
+              <a:buNone/>
+              <a:defRPr/>
+            </a:lvl2pPr>
+            <a:lvl3pPr lvl="2">
+              <a:spcBef>
+                <a:spcPts val="0"/>
+              </a:spcBef>
+              <a:spcAft>
+                <a:spcPts val="0"/>
+              </a:spcAft>
+              <a:buSzPts val="2800"/>
+              <a:buNone/>
+              <a:defRPr/>
+            </a:lvl3pPr>
+            <a:lvl4pPr lvl="3">
+              <a:spcBef>
+                <a:spcPts val="0"/>
+              </a:spcBef>
+              <a:spcAft>
+                <a:spcPts val="0"/>
+              </a:spcAft>
+              <a:buSzPts val="2800"/>
+              <a:buNone/>
+              <a:defRPr/>
+            </a:lvl4pPr>
+            <a:lvl5pPr lvl="4">
+              <a:spcBef>
+                <a:spcPts val="0"/>
+              </a:spcBef>
+              <a:spcAft>
+                <a:spcPts val="0"/>
+              </a:spcAft>
+              <a:buSzPts val="2800"/>
+              <a:buNone/>
+              <a:defRPr/>
+            </a:lvl5pPr>
+            <a:lvl6pPr lvl="5">
+              <a:spcBef>
+                <a:spcPts val="0"/>
+              </a:spcBef>
+              <a:spcAft>
+                <a:spcPts val="0"/>
+              </a:spcAft>
+              <a:buSzPts val="2800"/>
+              <a:buNone/>
+              <a:defRPr/>
+            </a:lvl6pPr>
+            <a:lvl7pPr lvl="6">
+              <a:spcBef>
+                <a:spcPts val="0"/>
+              </a:spcBef>
+              <a:spcAft>
+                <a:spcPts val="0"/>
+              </a:spcAft>
+              <a:buSzPts val="2800"/>
+              <a:buNone/>
+              <a:defRPr/>
+            </a:lvl7pPr>
+            <a:lvl8pPr lvl="7">
+              <a:spcBef>
+                <a:spcPts val="0"/>
+              </a:spcBef>
+              <a:spcAft>
+                <a:spcPts val="0"/>
+              </a:spcAft>
+              <a:buSzPts val="2800"/>
+              <a:buNone/>
+              <a:defRPr/>
+            </a:lvl8pPr>
+            <a:lvl9pPr lvl="8">
+              <a:spcBef>
+                <a:spcPts val="0"/>
+              </a:spcBef>
+              <a:spcAft>
+                <a:spcPts val="0"/>
+              </a:spcAft>
+              <a:buSzPts val="2800"/>
+              <a:buNone/>
+              <a:defRPr/>
+            </a:lvl9pPr>
+          </a:lstStyle>
+          <a:p>
+            <a:endParaRPr/>
+          </a:p>
+        </p:txBody>
+      </p:sp>
+      <p:sp>
+        <p:nvSpPr>
+          <p:cNvPr id="18" name="Google Shape;18;p4"/>
+          <p:cNvSpPr txBox="1">
+            <a:spLocks noGrp="1"/>
+          </p:cNvSpPr>
+          <p:nvPr>
+            <p:ph type="body" idx="1"/>
+          </p:nvPr>
+        </p:nvSpPr>
+        <p:spPr>
+          <a:xfrm>
+            <a:off x="415600" y="1536633"/>
+            <a:ext cx="11360800" cy="4555200"/>
+          </a:xfrm>
+          <a:prstGeom prst="rect">
+            <a:avLst/>
+          </a:prstGeom>
+        </p:spPr>
+        <p:txBody>
+          <a:bodyPr spcFirstLastPara="1" wrap="square" lIns="91425" tIns="91425" rIns="91425" bIns="91425" anchor="t" anchorCtr="0">
+            <a:noAutofit/>
+          </a:bodyPr>
+          <a:lstStyle>
+            <a:lvl1pPr marL="609585" lvl="0" indent="-457189">
+              <a:spcBef>
+                <a:spcPts val="0"/>
+              </a:spcBef>
+              <a:spcAft>
+                <a:spcPts val="0"/>
+              </a:spcAft>
+              <a:buSzPts val="1800"/>
+              <a:buChar char="●"/>
+              <a:defRPr/>
+            </a:lvl1pPr>
+            <a:lvl2pPr marL="1219170" lvl="1" indent="-423323">
+              <a:spcBef>
+                <a:spcPts val="2133"/>
+              </a:spcBef>
+              <a:spcAft>
+                <a:spcPts val="0"/>
+              </a:spcAft>
+              <a:buSzPts val="1400"/>
+              <a:buChar char="○"/>
+              <a:defRPr/>
+            </a:lvl2pPr>
+            <a:lvl3pPr marL="1828754" lvl="2" indent="-423323">
+              <a:spcBef>
+                <a:spcPts val="2133"/>
+              </a:spcBef>
+              <a:spcAft>
+                <a:spcPts val="0"/>
+              </a:spcAft>
+              <a:buSzPts val="1400"/>
+              <a:buChar char="■"/>
+              <a:defRPr/>
+            </a:lvl3pPr>
+            <a:lvl4pPr marL="2438339" lvl="3" indent="-423323">
+              <a:spcBef>
+                <a:spcPts val="2133"/>
+              </a:spcBef>
+              <a:spcAft>
+                <a:spcPts val="0"/>
+              </a:spcAft>
+              <a:buSzPts val="1400"/>
+              <a:buChar char="●"/>
+              <a:defRPr/>
+            </a:lvl4pPr>
+            <a:lvl5pPr marL="3047924" lvl="4" indent="-423323">
+              <a:spcBef>
+                <a:spcPts val="2133"/>
+              </a:spcBef>
+              <a:spcAft>
+                <a:spcPts val="0"/>
+              </a:spcAft>
+              <a:buSzPts val="1400"/>
+              <a:buChar char="○"/>
+              <a:defRPr/>
+            </a:lvl5pPr>
+            <a:lvl6pPr marL="3657509" lvl="5" indent="-423323">
+              <a:spcBef>
+                <a:spcPts val="2133"/>
+              </a:spcBef>
+              <a:spcAft>
+                <a:spcPts val="0"/>
+              </a:spcAft>
+              <a:buSzPts val="1400"/>
+              <a:buChar char="■"/>
+              <a:defRPr/>
+            </a:lvl6pPr>
+            <a:lvl7pPr marL="4267093" lvl="6" indent="-423323">
+              <a:spcBef>
+                <a:spcPts val="2133"/>
+              </a:spcBef>
+              <a:spcAft>
+                <a:spcPts val="0"/>
+              </a:spcAft>
+              <a:buSzPts val="1400"/>
+              <a:buChar char="●"/>
+              <a:defRPr/>
+            </a:lvl7pPr>
+            <a:lvl8pPr marL="4876678" lvl="7" indent="-423323">
+              <a:spcBef>
+                <a:spcPts val="2133"/>
+              </a:spcBef>
+              <a:spcAft>
+                <a:spcPts val="0"/>
+              </a:spcAft>
+              <a:buSzPts val="1400"/>
+              <a:buChar char="○"/>
+              <a:defRPr/>
+            </a:lvl8pPr>
+            <a:lvl9pPr marL="5486263" lvl="8" indent="-423323">
+              <a:spcBef>
+                <a:spcPts val="2133"/>
+              </a:spcBef>
+              <a:spcAft>
+                <a:spcPts val="2133"/>
+              </a:spcAft>
+              <a:buSzPts val="1400"/>
+              <a:buChar char="■"/>
+              <a:defRPr/>
+            </a:lvl9pPr>
+          </a:lstStyle>
+          <a:p>
+            <a:endParaRPr/>
+          </a:p>
+        </p:txBody>
+      </p:sp>
+      <p:sp>
+        <p:nvSpPr>
+          <p:cNvPr id="19" name="Google Shape;19;p4"/>
+          <p:cNvSpPr txBox="1">
+            <a:spLocks noGrp="1"/>
+          </p:cNvSpPr>
+          <p:nvPr>
+            <p:ph type="sldNum" idx="12"/>
+          </p:nvPr>
+        </p:nvSpPr>
+        <p:spPr>
+          <a:xfrm>
+            <a:off x="11296611" y="6217623"/>
+            <a:ext cx="731600" cy="524800"/>
+          </a:xfrm>
+          <a:prstGeom prst="rect">
+            <a:avLst/>
+          </a:prstGeom>
+        </p:spPr>
+        <p:txBody>
+          <a:bodyPr spcFirstLastPara="1" wrap="square" lIns="91425" tIns="91425" rIns="91425" bIns="91425" anchor="ctr" anchorCtr="0">
+            <a:noAutofit/>
+          </a:bodyPr>
+          <a:lstStyle>
+            <a:lvl1pPr lvl="0">
+              <a:buNone/>
+              <a:defRPr/>
+            </a:lvl1pPr>
+            <a:lvl2pPr lvl="1">
+              <a:buNone/>
+              <a:defRPr/>
+            </a:lvl2pPr>
+            <a:lvl3pPr lvl="2">
+              <a:buNone/>
+              <a:defRPr/>
+            </a:lvl3pPr>
+            <a:lvl4pPr lvl="3">
+              <a:buNone/>
+              <a:defRPr/>
+            </a:lvl4pPr>
+            <a:lvl5pPr lvl="4">
+              <a:buNone/>
+              <a:defRPr/>
+            </a:lvl5pPr>
+            <a:lvl6pPr lvl="5">
+              <a:buNone/>
+              <a:defRPr/>
+            </a:lvl6pPr>
+            <a:lvl7pPr lvl="6">
+              <a:buNone/>
+              <a:defRPr/>
+            </a:lvl7pPr>
+            <a:lvl8pPr lvl="7">
+              <a:buNone/>
+              <a:defRPr/>
+            </a:lvl8pPr>
+            <a:lvl9pPr lvl="8">
+              <a:buNone/>
+              <a:defRPr/>
+            </a:lvl9pPr>
+          </a:lstStyle>
+          <a:p>
+            <a:pPr algn="r"/>
+            <a:fld id="{00000000-1234-1234-1234-123412341234}" type="slidenum">
+              <a:rPr lang="en-GB" smtClean="0"/>
+              <a:pPr algn="r"/>
+              <a:t>‹#›</a:t>
+            </a:fld>
+            <a:endParaRPr lang="en-GB"/>
+          </a:p>
+        </p:txBody>
+      </p:sp>
+    </p:spTree>
+    <p:extLst>
+      <p:ext uri="{BB962C8B-B14F-4D97-AF65-F5344CB8AC3E}">
+        <p14:creationId xmlns:p14="http://schemas.microsoft.com/office/powerpoint/2010/main" val="366404248"/>
+      </p:ext>
+    </p:extLst>
+  </p:cSld>
+  <p:clrMapOvr>
+    <a:masterClrMapping/>
+  </p:clrMapOvr>
+</p:sldLayout>
+</file>
+
 <file path=ppt/slideLayouts/slideLayout5.xml><?xml version="1.0" encoding="utf-8"?>
 <p:sldLayout xmlns:a="http://schemas.openxmlformats.org/drawingml/2006/main" xmlns:r="http://schemas.openxmlformats.org/officeDocument/2006/relationships" xmlns:p="http://schemas.openxmlformats.org/presentationml/2006/main" type="twoTxTwoObj" preserve="1">
   <p:cSld name="Comparison">
@@ -15235,7 +15643,7 @@
           <a:p>
             <a:fld id="{7F872E2C-CB02-0A4B-9808-D43DF4D6EFE9}" type="datetimeFigureOut">
               <a:rPr lang="en-US" smtClean="0"/>
-              <a:t>10/16/23</a:t>
+              <a:t>10/17/23</a:t>
             </a:fld>
             <a:endParaRPr lang="en-US"/>
           </a:p>
@@ -15377,7 +15785,7 @@
           <a:p>
             <a:fld id="{7F872E2C-CB02-0A4B-9808-D43DF4D6EFE9}" type="datetimeFigureOut">
               <a:rPr lang="en-US" smtClean="0"/>
-              <a:t>10/16/23</a:t>
+              <a:t>10/17/23</a:t>
             </a:fld>
             <a:endParaRPr lang="en-US"/>
           </a:p>
@@ -15490,7 +15898,7 @@
           <a:p>
             <a:fld id="{7F872E2C-CB02-0A4B-9808-D43DF4D6EFE9}" type="datetimeFigureOut">
               <a:rPr lang="en-US" smtClean="0"/>
-              <a:t>10/16/23</a:t>
+              <a:t>10/17/23</a:t>
             </a:fld>
             <a:endParaRPr lang="en-US"/>
           </a:p>
@@ -15803,7 +16211,7 @@
           <a:p>
             <a:fld id="{7F872E2C-CB02-0A4B-9808-D43DF4D6EFE9}" type="datetimeFigureOut">
               <a:rPr lang="en-US" smtClean="0"/>
-              <a:t>10/16/23</a:t>
+              <a:t>10/17/23</a:t>
             </a:fld>
             <a:endParaRPr lang="en-US"/>
           </a:p>
@@ -16092,7 +16500,7 @@
           <a:p>
             <a:fld id="{7F872E2C-CB02-0A4B-9808-D43DF4D6EFE9}" type="datetimeFigureOut">
               <a:rPr lang="en-US" smtClean="0"/>
-              <a:t>10/16/23</a:t>
+              <a:t>10/17/23</a:t>
             </a:fld>
             <a:endParaRPr lang="en-US"/>
           </a:p>
@@ -16335,7 +16743,7 @@
           <a:p>
             <a:fld id="{7F872E2C-CB02-0A4B-9808-D43DF4D6EFE9}" type="datetimeFigureOut">
               <a:rPr lang="en-US" smtClean="0"/>
-              <a:t>10/16/23</a:t>
+              <a:t>10/17/23</a:t>
             </a:fld>
             <a:endParaRPr lang="en-US"/>
           </a:p>
@@ -17084,14 +17492,14 @@
           </a:ln>
           <a:extLst>
             <a:ext uri="{909E8E84-426E-40dd-AFC4-6F175D3DCCD1}">
-              <a14:hiddenFill xmlns:a14="http://schemas.microsoft.com/office/drawing/2010/main" xmlns="">
+              <a14:hiddenFill xmlns="" xmlns:a14="http://schemas.microsoft.com/office/drawing/2010/main">
                 <a:solidFill>
                   <a:srgbClr val="FFFFFF"/>
                 </a:solidFill>
               </a14:hiddenFill>
             </a:ext>
             <a:ext uri="{91240B29-F687-4f45-9708-019B960494DF}">
-              <a14:hiddenLine xmlns:a14="http://schemas.microsoft.com/office/drawing/2010/main" xmlns="" w="9525">
+              <a14:hiddenLine xmlns="" xmlns:a14="http://schemas.microsoft.com/office/drawing/2010/main" w="9525">
                 <a:solidFill>
                   <a:srgbClr val="000000"/>
                 </a:solidFill>
@@ -17101,7 +17509,7 @@
               </a14:hiddenLine>
             </a:ext>
             <a:ext uri="{FAA26D3D-D897-4be2-8F04-BA451C77F1D7}">
-              <ma14:placeholderFlag xmlns:ma14="http://schemas.microsoft.com/office/mac/drawingml/2011/main" xmlns="" val="1"/>
+              <ma14:placeholderFlag xmlns="" xmlns:ma14="http://schemas.microsoft.com/office/mac/drawingml/2011/main" val="1"/>
             </a:ext>
           </a:extLst>
         </p:spPr>
@@ -17151,14 +17559,14 @@
           </a:ln>
           <a:extLst>
             <a:ext uri="{909E8E84-426E-40dd-AFC4-6F175D3DCCD1}">
-              <a14:hiddenFill xmlns:a14="http://schemas.microsoft.com/office/drawing/2010/main" xmlns="">
+              <a14:hiddenFill xmlns="" xmlns:a14="http://schemas.microsoft.com/office/drawing/2010/main">
                 <a:solidFill>
                   <a:srgbClr val="FFFFFF"/>
                 </a:solidFill>
               </a14:hiddenFill>
             </a:ext>
             <a:ext uri="{91240B29-F687-4f45-9708-019B960494DF}">
-              <a14:hiddenLine xmlns:a14="http://schemas.microsoft.com/office/drawing/2010/main" xmlns="" w="9525">
+              <a14:hiddenLine xmlns="" xmlns:a14="http://schemas.microsoft.com/office/drawing/2010/main" w="9525">
                 <a:solidFill>
                   <a:srgbClr val="000000"/>
                 </a:solidFill>
@@ -17168,7 +17576,7 @@
               </a14:hiddenLine>
             </a:ext>
             <a:ext uri="{FAA26D3D-D897-4be2-8F04-BA451C77F1D7}">
-              <ma14:placeholderFlag xmlns:ma14="http://schemas.microsoft.com/office/mac/drawingml/2011/main" xmlns="" val="1"/>
+              <ma14:placeholderFlag xmlns="" xmlns:ma14="http://schemas.microsoft.com/office/mac/drawingml/2011/main" val="1"/>
             </a:ext>
           </a:extLst>
         </p:spPr>
@@ -17235,6 +17643,7 @@
     <p:sldLayoutId id="2147483689" r:id="rId29"/>
     <p:sldLayoutId id="2147483690" r:id="rId30"/>
     <p:sldLayoutId id="2147483691" r:id="rId31"/>
+    <p:sldLayoutId id="2147483693" r:id="rId32"/>
   </p:sldLayoutIdLst>
   <p:txStyles>
     <p:titleStyle>
@@ -17769,7 +18178,7 @@
           <a:p>
             <a:r>
               <a:rPr lang="en-US" b="0" dirty="0"/>
-              <a:t>Sydney Informatic Hub</a:t>
+              <a:t>Sydney Informatics Hub</a:t>
             </a:r>
           </a:p>
         </p:txBody>
@@ -17838,7 +18247,7 @@
   <p:cSld>
     <p:spTree>
       <p:nvGrpSpPr>
-        <p:cNvPr id="1" name=""/>
+        <p:cNvPr id="1" name="Shape 253"/>
         <p:cNvGrpSpPr/>
         <p:nvPr/>
       </p:nvGrpSpPr>
@@ -17850,141 +18259,78 @@
           <a:chExt cx="0" cy="0"/>
         </a:xfrm>
       </p:grpSpPr>
+      <p:pic>
+        <p:nvPicPr>
+          <p:cNvPr id="7" name="Picture 6" descr="A screenshot of a web page&#10;&#10;Description automatically generated">
+            <a:hlinkClick r:id="rId3"/>
+            <a:extLst>
+              <a:ext uri="{FF2B5EF4-FFF2-40B4-BE49-F238E27FC236}">
+                <a16:creationId xmlns:a16="http://schemas.microsoft.com/office/drawing/2014/main" id="{44C9549B-3AF1-283E-11BE-4B269C151B98}"/>
+              </a:ext>
+            </a:extLst>
+          </p:cNvPr>
+          <p:cNvPicPr>
+            <a:picLocks noChangeAspect="1"/>
+          </p:cNvPicPr>
+          <p:nvPr/>
+        </p:nvPicPr>
+        <p:blipFill rotWithShape="1">
+          <a:blip r:embed="rId4"/>
+          <a:srcRect r="59484" b="52573"/>
+          <a:stretch/>
+        </p:blipFill>
+        <p:spPr>
+          <a:xfrm>
+            <a:off x="112378" y="4349081"/>
+            <a:ext cx="2648155" cy="2374592"/>
+          </a:xfrm>
+          <a:prstGeom prst="rect">
+            <a:avLst/>
+          </a:prstGeom>
+        </p:spPr>
+      </p:pic>
       <p:sp>
         <p:nvSpPr>
-          <p:cNvPr id="2" name="Content Placeholder 1">
+          <p:cNvPr id="2" name="Google Shape;256;p40">
             <a:extLst>
               <a:ext uri="{FF2B5EF4-FFF2-40B4-BE49-F238E27FC236}">
-                <a16:creationId xmlns:a16="http://schemas.microsoft.com/office/drawing/2014/main" id="{9BC353E3-BD5D-AE49-23BE-82B24AFD8568}"/>
+                <a16:creationId xmlns:a16="http://schemas.microsoft.com/office/drawing/2014/main" id="{3E1EE6D0-3F35-E64A-186C-1518432C7BFC}"/>
               </a:ext>
             </a:extLst>
           </p:cNvPr>
-          <p:cNvSpPr>
-            <a:spLocks noGrp="1"/>
-          </p:cNvSpPr>
-          <p:nvPr>
-            <p:ph idx="1"/>
-          </p:nvPr>
+          <p:cNvSpPr txBox="1"/>
+          <p:nvPr/>
         </p:nvSpPr>
-        <p:spPr/>
+        <p:spPr>
+          <a:xfrm>
+            <a:off x="289044" y="160053"/>
+            <a:ext cx="11548000" cy="1536800"/>
+          </a:xfrm>
+          <a:prstGeom prst="rect">
+            <a:avLst/>
+          </a:prstGeom>
+          <a:noFill/>
+          <a:ln>
+            <a:noFill/>
+          </a:ln>
+        </p:spPr>
         <p:txBody>
-          <a:bodyPr/>
+          <a:bodyPr spcFirstLastPara="1" wrap="square" lIns="121900" tIns="121900" rIns="121900" bIns="121900" anchor="t" anchorCtr="0">
+            <a:noAutofit/>
+          </a:bodyPr>
           <a:lstStyle/>
           <a:p>
-            <a:pPr marL="342265" indent="-342265">
-              <a:buFont typeface="Calibri" charset="0"/>
-              <a:buChar char="-"/>
-            </a:pPr>
-            <a:r>
-              <a:rPr lang="en-AU" b="0" i="0" u="none" strike="noStrike" dirty="0">
-                <a:effectLst/>
-                <a:latin typeface="+mn-lt"/>
-                <a:ea typeface="ＭＳ Ｐゴシック"/>
+            <a:r>
+              <a:rPr lang="en-GB" sz="3733" b="1" dirty="0">
+                <a:solidFill>
+                  <a:schemeClr val="tx2"/>
+                </a:solidFill>
               </a:rPr>
-              <a:t>Form teams </a:t>
-            </a:r>
-            <a:r>
-              <a:rPr lang="en-AU" b="0" dirty="0">
-                <a:latin typeface="+mn-lt"/>
-                <a:ea typeface="ＭＳ Ｐゴシック"/>
-              </a:rPr>
-              <a:t>within your table</a:t>
-            </a:r>
-            <a:r>
-              <a:rPr lang="en-AU" b="0" i="0" u="none" strike="noStrike" dirty="0">
-                <a:effectLst/>
-                <a:latin typeface="+mn-lt"/>
-                <a:ea typeface="ＭＳ Ｐゴシック"/>
-              </a:rPr>
-              <a:t>;</a:t>
-            </a:r>
-            <a:endParaRPr lang="en-US" dirty="0"/>
-          </a:p>
-          <a:p>
-            <a:pPr marL="342265" indent="-342265" algn="l"/>
-            <a:r>
-              <a:rPr lang="en-AU" b="0" i="0" u="none" strike="noStrike" dirty="0">
-                <a:effectLst/>
-                <a:latin typeface="+mn-lt"/>
-                <a:ea typeface="ＭＳ Ｐゴシック"/>
-              </a:rPr>
-              <a:t>Share your backgrounds with R, data, and Machine Learning; </a:t>
-            </a:r>
-          </a:p>
-          <a:p>
-            <a:pPr marL="342265" indent="-342265" algn="l"/>
-            <a:r>
-              <a:rPr lang="en-AU" b="0" dirty="0">
-                <a:latin typeface="+mn-lt"/>
-                <a:ea typeface="ＭＳ Ｐゴシック"/>
-              </a:rPr>
-              <a:t>Choose</a:t>
-            </a:r>
-            <a:r>
-              <a:rPr lang="en-AU" b="0" i="0" u="none" strike="noStrike" dirty="0">
-                <a:effectLst/>
-                <a:latin typeface="+mn-lt"/>
-                <a:ea typeface="ＭＳ Ｐゴシック"/>
-              </a:rPr>
-              <a:t> a team name;</a:t>
-            </a:r>
-          </a:p>
-          <a:p>
-            <a:pPr marL="342265" indent="-342265" algn="l"/>
-            <a:r>
-              <a:rPr lang="en-AU" b="0" dirty="0">
-                <a:latin typeface="+mn-lt"/>
-                <a:ea typeface="ＭＳ Ｐゴシック"/>
-              </a:rPr>
-              <a:t>Start the tutorial!</a:t>
-            </a:r>
-            <a:endParaRPr lang="en-AU" b="0" i="0" u="none" strike="noStrike" dirty="0">
-              <a:effectLst/>
-              <a:latin typeface="+mn-lt"/>
-              <a:ea typeface="ＭＳ Ｐゴシック"/>
-            </a:endParaRPr>
-          </a:p>
-          <a:p>
-            <a:pPr marL="342265" indent="-342265"/>
-            <a:endParaRPr lang="en-US" dirty="0">
-              <a:latin typeface="+mn-lt"/>
-            </a:endParaRPr>
-          </a:p>
-        </p:txBody>
-      </p:sp>
-      <p:sp>
-        <p:nvSpPr>
-          <p:cNvPr id="3" name="Title 2">
-            <a:extLst>
-              <a:ext uri="{FF2B5EF4-FFF2-40B4-BE49-F238E27FC236}">
-                <a16:creationId xmlns:a16="http://schemas.microsoft.com/office/drawing/2014/main" id="{4EE4C11D-6F78-F5C5-494C-358FF9C1889B}"/>
-              </a:ext>
-            </a:extLst>
-          </p:cNvPr>
-          <p:cNvSpPr>
-            <a:spLocks noGrp="1"/>
-          </p:cNvSpPr>
-          <p:nvPr>
-            <p:ph type="title"/>
-          </p:nvPr>
-        </p:nvSpPr>
-        <p:spPr/>
-        <p:txBody>
-          <a:bodyPr/>
-          <a:lstStyle/>
-          <a:p>
-            <a:r>
-              <a:rPr lang="en-US">
-                <a:solidFill>
-                  <a:srgbClr val="002060"/>
-                </a:solidFill>
-                <a:ea typeface="ＭＳ Ｐゴシック"/>
-              </a:rPr>
-              <a:t>Your turn!</a:t>
-            </a:r>
-            <a:endParaRPr lang="en-US">
+              <a:t>Learn with us!</a:t>
+            </a:r>
+            <a:endParaRPr sz="3733" b="1" dirty="0">
               <a:solidFill>
-                <a:srgbClr val="002060"/>
+                <a:schemeClr val="tx2"/>
               </a:solidFill>
             </a:endParaRPr>
           </a:p>
@@ -17992,10 +18338,10 @@
       </p:sp>
       <p:pic>
         <p:nvPicPr>
-          <p:cNvPr id="7" name="Picture 6">
+          <p:cNvPr id="6" name="Picture 5" descr="A blue logo with a white letter y&#10;&#10;Description automatically generated with low confidence">
             <a:extLst>
               <a:ext uri="{FF2B5EF4-FFF2-40B4-BE49-F238E27FC236}">
-                <a16:creationId xmlns:a16="http://schemas.microsoft.com/office/drawing/2014/main" id="{E6175ED7-73B5-B184-8F0C-47DD99534D63}"/>
+                <a16:creationId xmlns:a16="http://schemas.microsoft.com/office/drawing/2014/main" id="{9E4E77F2-2AC7-7294-224C-660128A65281}"/>
               </a:ext>
             </a:extLst>
           </p:cNvPr>
@@ -18005,15 +18351,15 @@
           <p:nvPr/>
         </p:nvPicPr>
         <p:blipFill>
-          <a:blip r:embed="rId2"/>
+          <a:blip r:embed="rId5"/>
           <a:stretch>
             <a:fillRect/>
           </a:stretch>
         </p:blipFill>
         <p:spPr>
           <a:xfrm>
-            <a:off x="478367" y="4780107"/>
-            <a:ext cx="10267196" cy="718991"/>
+            <a:off x="264369" y="1227580"/>
+            <a:ext cx="649948" cy="631640"/>
           </a:xfrm>
           <a:prstGeom prst="rect">
             <a:avLst/>
@@ -18025,7 +18371,7 @@
           <p:cNvPr id="9" name="TextBox 8">
             <a:extLst>
               <a:ext uri="{FF2B5EF4-FFF2-40B4-BE49-F238E27FC236}">
-                <a16:creationId xmlns:a16="http://schemas.microsoft.com/office/drawing/2014/main" id="{D70203D9-0EFE-3ED2-BE8A-129FDF2FC4DD}"/>
+                <a16:creationId xmlns:a16="http://schemas.microsoft.com/office/drawing/2014/main" id="{21ADFB5C-9AAB-4B8C-7DE5-A14D7207672D}"/>
               </a:ext>
             </a:extLst>
           </p:cNvPr>
@@ -18034,8 +18380,155 @@
         </p:nvSpPr>
         <p:spPr>
           <a:xfrm>
-            <a:off x="534479" y="4200707"/>
-            <a:ext cx="10154971" cy="369332"/>
+            <a:off x="962869" y="1326633"/>
+            <a:ext cx="3671583" cy="379656"/>
+          </a:xfrm>
+          <a:prstGeom prst="rect">
+            <a:avLst/>
+          </a:prstGeom>
+          <a:noFill/>
+        </p:spPr>
+        <p:txBody>
+          <a:bodyPr wrap="none" rtlCol="0">
+            <a:spAutoFit/>
+          </a:bodyPr>
+          <a:lstStyle/>
+          <a:p>
+            <a:r>
+              <a:rPr lang="en-US" sz="1867" dirty="0">
+                <a:latin typeface="Arial" panose="020B0604020202020204" pitchFamily="34" charset="0"/>
+                <a:cs typeface="Arial" panose="020B0604020202020204" pitchFamily="34" charset="0"/>
+              </a:rPr>
+              <a:t>Sydney Informatics Hub Yammer</a:t>
+            </a:r>
+          </a:p>
+        </p:txBody>
+      </p:sp>
+      <p:pic>
+        <p:nvPicPr>
+          <p:cNvPr id="10" name="Picture 9">
+            <a:extLst>
+              <a:ext uri="{FF2B5EF4-FFF2-40B4-BE49-F238E27FC236}">
+                <a16:creationId xmlns:a16="http://schemas.microsoft.com/office/drawing/2014/main" id="{3D47AD99-DBCA-DD87-F4B3-B625F8099C25}"/>
+              </a:ext>
+            </a:extLst>
+          </p:cNvPr>
+          <p:cNvPicPr>
+            <a:picLocks noChangeAspect="1"/>
+          </p:cNvPicPr>
+          <p:nvPr/>
+        </p:nvPicPr>
+        <p:blipFill>
+          <a:blip r:embed="rId6"/>
+          <a:stretch>
+            <a:fillRect/>
+          </a:stretch>
+        </p:blipFill>
+        <p:spPr>
+          <a:xfrm>
+            <a:off x="264369" y="1903841"/>
+            <a:ext cx="698500" cy="571500"/>
+          </a:xfrm>
+          <a:prstGeom prst="rect">
+            <a:avLst/>
+          </a:prstGeom>
+        </p:spPr>
+      </p:pic>
+      <p:sp>
+        <p:nvSpPr>
+          <p:cNvPr id="11" name="TextBox 10">
+            <a:extLst>
+              <a:ext uri="{FF2B5EF4-FFF2-40B4-BE49-F238E27FC236}">
+                <a16:creationId xmlns:a16="http://schemas.microsoft.com/office/drawing/2014/main" id="{E4BC5801-6326-6351-B85F-77E78200AD10}"/>
+              </a:ext>
+            </a:extLst>
+          </p:cNvPr>
+          <p:cNvSpPr txBox="1"/>
+          <p:nvPr/>
+        </p:nvSpPr>
+        <p:spPr>
+          <a:xfrm>
+            <a:off x="962868" y="1903248"/>
+            <a:ext cx="1853392" cy="379656"/>
+          </a:xfrm>
+          <a:prstGeom prst="rect">
+            <a:avLst/>
+          </a:prstGeom>
+          <a:noFill/>
+        </p:spPr>
+        <p:txBody>
+          <a:bodyPr wrap="none" rtlCol="0">
+            <a:spAutoFit/>
+          </a:bodyPr>
+          <a:lstStyle/>
+          <a:p>
+            <a:r>
+              <a:rPr lang="en-US" sz="1867" dirty="0">
+                <a:latin typeface="Arial" panose="020B0604020202020204" pitchFamily="34" charset="0"/>
+                <a:cs typeface="Arial" panose="020B0604020202020204" pitchFamily="34" charset="0"/>
+              </a:rPr>
+              <a:t>@</a:t>
+            </a:r>
+            <a:r>
+              <a:rPr lang="en-US" sz="1867" dirty="0" err="1">
+                <a:latin typeface="Arial" panose="020B0604020202020204" pitchFamily="34" charset="0"/>
+                <a:cs typeface="Arial" panose="020B0604020202020204" pitchFamily="34" charset="0"/>
+              </a:rPr>
+              <a:t>Sydney_CRF</a:t>
+            </a:r>
+            <a:endParaRPr lang="en-US" sz="1867" dirty="0">
+              <a:latin typeface="Arial" panose="020B0604020202020204" pitchFamily="34" charset="0"/>
+              <a:cs typeface="Arial" panose="020B0604020202020204" pitchFamily="34" charset="0"/>
+            </a:endParaRPr>
+          </a:p>
+        </p:txBody>
+      </p:sp>
+      <p:pic>
+        <p:nvPicPr>
+          <p:cNvPr id="12" name="Picture 11" descr="A picture containing line, design&#10;&#10;Description automatically generated">
+            <a:extLst>
+              <a:ext uri="{FF2B5EF4-FFF2-40B4-BE49-F238E27FC236}">
+                <a16:creationId xmlns:a16="http://schemas.microsoft.com/office/drawing/2014/main" id="{6E0D416A-23B2-8FC4-CFA8-B9BA14CFA159}"/>
+              </a:ext>
+            </a:extLst>
+          </p:cNvPr>
+          <p:cNvPicPr>
+            <a:picLocks noChangeAspect="1"/>
+          </p:cNvPicPr>
+          <p:nvPr/>
+        </p:nvPicPr>
+        <p:blipFill>
+          <a:blip r:embed="rId7"/>
+          <a:stretch>
+            <a:fillRect/>
+          </a:stretch>
+        </p:blipFill>
+        <p:spPr>
+          <a:xfrm>
+            <a:off x="379035" y="2591483"/>
+            <a:ext cx="420612" cy="299527"/>
+          </a:xfrm>
+          <a:prstGeom prst="rect">
+            <a:avLst/>
+          </a:prstGeom>
+        </p:spPr>
+      </p:pic>
+      <p:sp>
+        <p:nvSpPr>
+          <p:cNvPr id="13" name="TextBox 12">
+            <a:extLst>
+              <a:ext uri="{FF2B5EF4-FFF2-40B4-BE49-F238E27FC236}">
+                <a16:creationId xmlns:a16="http://schemas.microsoft.com/office/drawing/2014/main" id="{4120BDC6-03C2-0573-2BA7-91D3F6317029}"/>
+              </a:ext>
+            </a:extLst>
+          </p:cNvPr>
+          <p:cNvSpPr txBox="1"/>
+          <p:nvPr/>
+        </p:nvSpPr>
+        <p:spPr>
+          <a:xfrm>
+            <a:off x="962868" y="2562220"/>
+            <a:ext cx="6099859" cy="379656"/>
           </a:xfrm>
           <a:prstGeom prst="rect">
             <a:avLst/>
@@ -18049,24 +18542,213 @@
           <a:lstStyle/>
           <a:p>
             <a:r>
-              <a:rPr lang="en-US" dirty="0"/>
-              <a:t>https://</a:t>
-            </a:r>
-            <a:r>
-              <a:rPr lang="en-US" dirty="0" err="1"/>
-              <a:t>github.com</a:t>
-            </a:r>
-            <a:r>
-              <a:rPr lang="en-US" dirty="0"/>
-              <a:t>/Sydney-Informatics-Hub/Module3R</a:t>
+              <a:rPr lang="en-AU" sz="1867" dirty="0">
+                <a:latin typeface="Arial" panose="020B0604020202020204" pitchFamily="34" charset="0"/>
+                <a:cs typeface="Arial" panose="020B0604020202020204" pitchFamily="34" charset="0"/>
+              </a:rPr>
+              <a:t>sih.training@sydney.edu.au</a:t>
             </a:r>
           </a:p>
         </p:txBody>
       </p:sp>
+      <p:pic>
+        <p:nvPicPr>
+          <p:cNvPr id="14" name="Picture 13">
+            <a:extLst>
+              <a:ext uri="{FF2B5EF4-FFF2-40B4-BE49-F238E27FC236}">
+                <a16:creationId xmlns:a16="http://schemas.microsoft.com/office/drawing/2014/main" id="{944670B9-1546-2AB2-675A-9A1EBDFB3526}"/>
+              </a:ext>
+            </a:extLst>
+          </p:cNvPr>
+          <p:cNvPicPr>
+            <a:picLocks noChangeAspect="1"/>
+          </p:cNvPicPr>
+          <p:nvPr/>
+        </p:nvPicPr>
+        <p:blipFill rotWithShape="1">
+          <a:blip r:embed="rId8"/>
+          <a:srcRect r="69415" b="5089"/>
+          <a:stretch/>
+        </p:blipFill>
+        <p:spPr>
+          <a:xfrm>
+            <a:off x="289045" y="3177165"/>
+            <a:ext cx="481647" cy="470092"/>
+          </a:xfrm>
+          <a:prstGeom prst="rect">
+            <a:avLst/>
+          </a:prstGeom>
+        </p:spPr>
+      </p:pic>
+      <p:sp>
+        <p:nvSpPr>
+          <p:cNvPr id="15" name="TextBox 14">
+            <a:extLst>
+              <a:ext uri="{FF2B5EF4-FFF2-40B4-BE49-F238E27FC236}">
+                <a16:creationId xmlns:a16="http://schemas.microsoft.com/office/drawing/2014/main" id="{CDBB3B42-9857-25B6-5FA1-09D05B40B8B1}"/>
+              </a:ext>
+            </a:extLst>
+          </p:cNvPr>
+          <p:cNvSpPr txBox="1"/>
+          <p:nvPr/>
+        </p:nvSpPr>
+        <p:spPr>
+          <a:xfrm>
+            <a:off x="962868" y="3120364"/>
+            <a:ext cx="5979009" cy="379656"/>
+          </a:xfrm>
+          <a:prstGeom prst="rect">
+            <a:avLst/>
+          </a:prstGeom>
+          <a:noFill/>
+        </p:spPr>
+        <p:txBody>
+          <a:bodyPr wrap="none" rtlCol="0">
+            <a:spAutoFit/>
+          </a:bodyPr>
+          <a:lstStyle/>
+          <a:p>
+            <a:r>
+              <a:rPr lang="en-US" sz="1867" dirty="0">
+                <a:latin typeface="Arial" panose="020B0604020202020204" pitchFamily="34" charset="0"/>
+                <a:cs typeface="Arial" panose="020B0604020202020204" pitchFamily="34" charset="0"/>
+              </a:rPr>
+              <a:t>https://</a:t>
+            </a:r>
+            <a:r>
+              <a:rPr lang="en-US" sz="1867" dirty="0" err="1">
+                <a:latin typeface="Arial" panose="020B0604020202020204" pitchFamily="34" charset="0"/>
+                <a:cs typeface="Arial" panose="020B0604020202020204" pitchFamily="34" charset="0"/>
+              </a:rPr>
+              <a:t>www.youtube.com</a:t>
+            </a:r>
+            <a:r>
+              <a:rPr lang="en-US" sz="1867" dirty="0">
+                <a:latin typeface="Arial" panose="020B0604020202020204" pitchFamily="34" charset="0"/>
+                <a:cs typeface="Arial" panose="020B0604020202020204" pitchFamily="34" charset="0"/>
+              </a:rPr>
+              <a:t>/@sydneyinformaticshub1170</a:t>
+            </a:r>
+          </a:p>
+        </p:txBody>
+      </p:sp>
+      <p:pic>
+        <p:nvPicPr>
+          <p:cNvPr id="16" name="Picture 15">
+            <a:extLst>
+              <a:ext uri="{FF2B5EF4-FFF2-40B4-BE49-F238E27FC236}">
+                <a16:creationId xmlns:a16="http://schemas.microsoft.com/office/drawing/2014/main" id="{388999C4-CDE3-32E6-729F-10B96DA287A2}"/>
+              </a:ext>
+            </a:extLst>
+          </p:cNvPr>
+          <p:cNvPicPr>
+            <a:picLocks noChangeAspect="1"/>
+          </p:cNvPicPr>
+          <p:nvPr/>
+        </p:nvPicPr>
+        <p:blipFill>
+          <a:blip r:embed="rId9"/>
+          <a:stretch>
+            <a:fillRect/>
+          </a:stretch>
+        </p:blipFill>
+        <p:spPr>
+          <a:xfrm>
+            <a:off x="356967" y="3793286"/>
+            <a:ext cx="457568" cy="389780"/>
+          </a:xfrm>
+          <a:prstGeom prst="rect">
+            <a:avLst/>
+          </a:prstGeom>
+        </p:spPr>
+      </p:pic>
+      <p:sp>
+        <p:nvSpPr>
+          <p:cNvPr id="17" name="TextBox 16">
+            <a:extLst>
+              <a:ext uri="{FF2B5EF4-FFF2-40B4-BE49-F238E27FC236}">
+                <a16:creationId xmlns:a16="http://schemas.microsoft.com/office/drawing/2014/main" id="{5B58ACEA-C7E3-5450-3E9F-E44F1EF418A1}"/>
+              </a:ext>
+            </a:extLst>
+          </p:cNvPr>
+          <p:cNvSpPr txBox="1"/>
+          <p:nvPr/>
+        </p:nvSpPr>
+        <p:spPr>
+          <a:xfrm>
+            <a:off x="962868" y="3726080"/>
+            <a:ext cx="4701928" cy="379656"/>
+          </a:xfrm>
+          <a:prstGeom prst="rect">
+            <a:avLst/>
+          </a:prstGeom>
+          <a:noFill/>
+        </p:spPr>
+        <p:txBody>
+          <a:bodyPr wrap="none" rtlCol="0">
+            <a:spAutoFit/>
+          </a:bodyPr>
+          <a:lstStyle>
+            <a:defPPr>
+              <a:defRPr lang="en-US"/>
+            </a:defPPr>
+            <a:lvl1pPr>
+              <a:defRPr sz="2800">
+                <a:latin typeface="Arial" panose="020B0604020202020204" pitchFamily="34" charset="0"/>
+                <a:cs typeface="Arial" panose="020B0604020202020204" pitchFamily="34" charset="0"/>
+              </a:defRPr>
+            </a:lvl1pPr>
+          </a:lstStyle>
+          <a:p>
+            <a:r>
+              <a:rPr lang="en-US" sz="1867" dirty="0"/>
+              <a:t>https://</a:t>
+            </a:r>
+            <a:r>
+              <a:rPr lang="en-US" sz="1867" dirty="0" err="1"/>
+              <a:t>github.com</a:t>
+            </a:r>
+            <a:r>
+              <a:rPr lang="en-US" sz="1867" dirty="0"/>
+              <a:t>/Sydney-Informatics-Hub</a:t>
+            </a:r>
+          </a:p>
+        </p:txBody>
+      </p:sp>
+      <p:pic>
+        <p:nvPicPr>
+          <p:cNvPr id="5" name="Picture 4" descr="A qr code with blue squares and circles&#10;&#10;Description automatically generated">
+            <a:extLst>
+              <a:ext uri="{FF2B5EF4-FFF2-40B4-BE49-F238E27FC236}">
+                <a16:creationId xmlns:a16="http://schemas.microsoft.com/office/drawing/2014/main" id="{EF7BB41E-2C32-E726-60E2-DC87CF38B249}"/>
+              </a:ext>
+            </a:extLst>
+          </p:cNvPr>
+          <p:cNvPicPr>
+            <a:picLocks noChangeAspect="1"/>
+          </p:cNvPicPr>
+          <p:nvPr/>
+        </p:nvPicPr>
+        <p:blipFill>
+          <a:blip r:embed="rId10"/>
+          <a:stretch>
+            <a:fillRect/>
+          </a:stretch>
+        </p:blipFill>
+        <p:spPr>
+          <a:xfrm>
+            <a:off x="7793255" y="1034110"/>
+            <a:ext cx="3435876" cy="3435876"/>
+          </a:xfrm>
+          <a:prstGeom prst="rect">
+            <a:avLst/>
+          </a:prstGeom>
+        </p:spPr>
+      </p:pic>
     </p:spTree>
     <p:extLst>
       <p:ext uri="{BB962C8B-B14F-4D97-AF65-F5344CB8AC3E}">
-        <p14:creationId xmlns:p14="http://schemas.microsoft.com/office/powerpoint/2010/main" val="1800459148"/>
+        <p14:creationId xmlns:p14="http://schemas.microsoft.com/office/powerpoint/2010/main" val="1066293812"/>
       </p:ext>
     </p:extLst>
   </p:cSld>
@@ -19327,155 +20009,6 @@
       </p:grpSpPr>
       <p:sp>
         <p:nvSpPr>
-          <p:cNvPr id="2" name="Title 1"/>
-          <p:cNvSpPr>
-            <a:spLocks noGrp="1"/>
-          </p:cNvSpPr>
-          <p:nvPr>
-            <p:ph type="title"/>
-          </p:nvPr>
-        </p:nvSpPr>
-        <p:spPr/>
-        <p:txBody>
-          <a:bodyPr/>
-          <a:lstStyle/>
-          <a:p>
-            <a:r>
-              <a:rPr lang="en-AU" dirty="0">
-                <a:solidFill>
-                  <a:srgbClr val="002060"/>
-                </a:solidFill>
-              </a:rPr>
-              <a:t>(Examples of) Unacceptable behaviour</a:t>
-            </a:r>
-            <a:endParaRPr i="1" dirty="0">
-              <a:solidFill>
-                <a:srgbClr val="002060"/>
-              </a:solidFill>
-            </a:endParaRPr>
-          </a:p>
-        </p:txBody>
-      </p:sp>
-      <p:sp>
-        <p:nvSpPr>
-          <p:cNvPr id="4" name="Content Placeholder 3">
-            <a:extLst>
-              <a:ext uri="{FF2B5EF4-FFF2-40B4-BE49-F238E27FC236}">
-                <a16:creationId xmlns:a16="http://schemas.microsoft.com/office/drawing/2014/main" id="{DF23BF2F-9E27-8B4B-BA9A-F431C3A13D85}"/>
-              </a:ext>
-            </a:extLst>
-          </p:cNvPr>
-          <p:cNvSpPr>
-            <a:spLocks noGrp="1"/>
-          </p:cNvSpPr>
-          <p:nvPr>
-            <p:ph idx="1"/>
-          </p:nvPr>
-        </p:nvSpPr>
-        <p:spPr/>
-        <p:txBody>
-          <a:bodyPr/>
-          <a:lstStyle/>
-          <a:p>
-            <a:r>
-              <a:rPr lang="en-AU" sz="2133"/>
-              <a:t>Sustained disruption of talks, events or communications</a:t>
-            </a:r>
-          </a:p>
-          <a:p>
-            <a:r>
-              <a:rPr lang="en-AU" sz="2133"/>
-              <a:t>Written/verbal comments which have the effect of excluding people on the basis of membership of any specific group</a:t>
-            </a:r>
-          </a:p>
-          <a:p>
-            <a:r>
-              <a:rPr lang="en-AU" sz="2133"/>
-              <a:t>Causing someone to fear for their safety, such as through stalking, following, or intimidation</a:t>
-            </a:r>
-          </a:p>
-          <a:p>
-            <a:r>
-              <a:rPr lang="en-AU" sz="2133"/>
-              <a:t>Violent threats or language directed against another person</a:t>
-            </a:r>
-          </a:p>
-          <a:p>
-            <a:r>
-              <a:rPr lang="en-AU" sz="2133"/>
-              <a:t>The display of sexual or violent images</a:t>
-            </a:r>
-          </a:p>
-          <a:p>
-            <a:r>
-              <a:rPr lang="en-AU" sz="2133"/>
-              <a:t>Unwelcome sexual attention; non-consensual or unwelcome physical contact</a:t>
-            </a:r>
-          </a:p>
-          <a:p>
-            <a:r>
-              <a:rPr lang="en-AU" sz="2133"/>
-              <a:t>Insults or put downs; excessive swearing</a:t>
-            </a:r>
-          </a:p>
-          <a:p>
-            <a:r>
-              <a:rPr lang="en-AU" sz="2133"/>
-              <a:t>Sexist, racist, homophobic, transphobic, ableist, or exclusionary jokes</a:t>
-            </a:r>
-          </a:p>
-          <a:p>
-            <a:r>
-              <a:rPr lang="en-AU" sz="2133"/>
-              <a:t>Incitement to violence, suicide, or self-harm</a:t>
-            </a:r>
-          </a:p>
-          <a:p>
-            <a:r>
-              <a:rPr lang="en-AU" sz="2133"/>
-              <a:t>Continuing to initiate interaction (including photography or recording) with someone after being asked to stop</a:t>
-            </a:r>
-          </a:p>
-          <a:p>
-            <a:r>
-              <a:rPr lang="en-AU" sz="2133"/>
-              <a:t>Publication of private communication without consent</a:t>
-            </a:r>
-          </a:p>
-        </p:txBody>
-      </p:sp>
-    </p:spTree>
-    <p:extLst>
-      <p:ext uri="{BB962C8B-B14F-4D97-AF65-F5344CB8AC3E}">
-        <p14:creationId xmlns:p14="http://schemas.microsoft.com/office/powerpoint/2010/main" val="1708249462"/>
-      </p:ext>
-    </p:extLst>
-  </p:cSld>
-  <p:clrMapOvr>
-    <a:masterClrMapping/>
-  </p:clrMapOvr>
-</p:sld>
-</file>
-
-<file path=ppt/slides/slide5.xml><?xml version="1.0" encoding="utf-8"?>
-<p:sld xmlns:a="http://schemas.openxmlformats.org/drawingml/2006/main" xmlns:r="http://schemas.openxmlformats.org/officeDocument/2006/relationships" xmlns:p="http://schemas.openxmlformats.org/presentationml/2006/main">
-  <p:cSld>
-    <p:spTree>
-      <p:nvGrpSpPr>
-        <p:cNvPr id="1" name=""/>
-        <p:cNvGrpSpPr/>
-        <p:nvPr/>
-      </p:nvGrpSpPr>
-      <p:grpSpPr>
-        <a:xfrm>
-          <a:off x="0" y="0"/>
-          <a:ext cx="0" cy="0"/>
-          <a:chOff x="0" y="0"/>
-          <a:chExt cx="0" cy="0"/>
-        </a:xfrm>
-      </p:grpSpPr>
-      <p:sp>
-        <p:nvSpPr>
           <p:cNvPr id="3" name="Title 2">
             <a:extLst>
               <a:ext uri="{FF2B5EF4-FFF2-40B4-BE49-F238E27FC236}">
@@ -19568,7 +20101,7 @@
 </p:sld>
 </file>
 
-<file path=ppt/slides/slide6.xml><?xml version="1.0" encoding="utf-8"?>
+<file path=ppt/slides/slide5.xml><?xml version="1.0" encoding="utf-8"?>
 <p:sld xmlns:a="http://schemas.openxmlformats.org/drawingml/2006/main" xmlns:r="http://schemas.openxmlformats.org/officeDocument/2006/relationships" xmlns:p="http://schemas.openxmlformats.org/presentationml/2006/main">
   <p:cSld>
     <p:spTree>
@@ -19755,6 +20288,102 @@
     <p:extLst>
       <p:ext uri="{BB962C8B-B14F-4D97-AF65-F5344CB8AC3E}">
         <p14:creationId xmlns:p14="http://schemas.microsoft.com/office/powerpoint/2010/main" val="1090820978"/>
+      </p:ext>
+    </p:extLst>
+  </p:cSld>
+  <p:clrMapOvr>
+    <a:masterClrMapping/>
+  </p:clrMapOvr>
+</p:sld>
+</file>
+
+<file path=ppt/slides/slide6.xml><?xml version="1.0" encoding="utf-8"?>
+<p:sld xmlns:a="http://schemas.openxmlformats.org/drawingml/2006/main" xmlns:r="http://schemas.openxmlformats.org/officeDocument/2006/relationships" xmlns:p="http://schemas.openxmlformats.org/presentationml/2006/main">
+  <p:cSld>
+    <p:spTree>
+      <p:nvGrpSpPr>
+        <p:cNvPr id="1" name=""/>
+        <p:cNvGrpSpPr/>
+        <p:nvPr/>
+      </p:nvGrpSpPr>
+      <p:grpSpPr>
+        <a:xfrm>
+          <a:off x="0" y="0"/>
+          <a:ext cx="0" cy="0"/>
+          <a:chOff x="0" y="0"/>
+          <a:chExt cx="0" cy="0"/>
+        </a:xfrm>
+      </p:grpSpPr>
+      <p:pic>
+        <p:nvPicPr>
+          <p:cNvPr id="5" name="Content Placeholder 4" descr="A screenshot of a computer&#10;&#10;Description automatically generated">
+            <a:extLst>
+              <a:ext uri="{FF2B5EF4-FFF2-40B4-BE49-F238E27FC236}">
+                <a16:creationId xmlns:a16="http://schemas.microsoft.com/office/drawing/2014/main" id="{3DE5640F-124B-B239-4480-4FA96B3CD8E0}"/>
+              </a:ext>
+            </a:extLst>
+          </p:cNvPr>
+          <p:cNvPicPr>
+            <a:picLocks noGrp="1" noChangeAspect="1"/>
+          </p:cNvPicPr>
+          <p:nvPr>
+            <p:ph idx="1"/>
+          </p:nvPr>
+        </p:nvPicPr>
+        <p:blipFill>
+          <a:blip r:embed="rId3"/>
+          <a:stretch>
+            <a:fillRect/>
+          </a:stretch>
+        </p:blipFill>
+        <p:spPr>
+          <a:xfrm>
+            <a:off x="1832258" y="1310104"/>
+            <a:ext cx="7785100" cy="4660900"/>
+          </a:xfrm>
+        </p:spPr>
+      </p:pic>
+      <p:sp>
+        <p:nvSpPr>
+          <p:cNvPr id="3" name="Title 2">
+            <a:extLst>
+              <a:ext uri="{FF2B5EF4-FFF2-40B4-BE49-F238E27FC236}">
+                <a16:creationId xmlns:a16="http://schemas.microsoft.com/office/drawing/2014/main" id="{A36B876C-8720-9227-A96D-D1D84DC8EFFB}"/>
+              </a:ext>
+            </a:extLst>
+          </p:cNvPr>
+          <p:cNvSpPr>
+            <a:spLocks noGrp="1"/>
+          </p:cNvSpPr>
+          <p:nvPr>
+            <p:ph type="title"/>
+          </p:nvPr>
+        </p:nvSpPr>
+        <p:spPr>
+          <a:xfrm>
+            <a:off x="478366" y="358744"/>
+            <a:ext cx="11235267" cy="647183"/>
+          </a:xfrm>
+        </p:spPr>
+        <p:txBody>
+          <a:bodyPr/>
+          <a:lstStyle/>
+          <a:p>
+            <a:r>
+              <a:rPr lang="en-US" dirty="0">
+                <a:solidFill>
+                  <a:srgbClr val="002060"/>
+                </a:solidFill>
+              </a:rPr>
+              <a:t>How to use the tutorial</a:t>
+            </a:r>
+          </a:p>
+        </p:txBody>
+      </p:sp>
+    </p:spTree>
+    <p:extLst>
+      <p:ext uri="{BB962C8B-B14F-4D97-AF65-F5344CB8AC3E}">
+        <p14:creationId xmlns:p14="http://schemas.microsoft.com/office/powerpoint/2010/main" val="2547146072"/>
       </p:ext>
     </p:extLst>
   </p:cSld>
@@ -19781,35 +20410,6 @@
           <a:chExt cx="0" cy="0"/>
         </a:xfrm>
       </p:grpSpPr>
-      <p:pic>
-        <p:nvPicPr>
-          <p:cNvPr id="5" name="Content Placeholder 4" descr="A screenshot of a computer&#10;&#10;Description automatically generated">
-            <a:extLst>
-              <a:ext uri="{FF2B5EF4-FFF2-40B4-BE49-F238E27FC236}">
-                <a16:creationId xmlns:a16="http://schemas.microsoft.com/office/drawing/2014/main" id="{3DE5640F-124B-B239-4480-4FA96B3CD8E0}"/>
-              </a:ext>
-            </a:extLst>
-          </p:cNvPr>
-          <p:cNvPicPr>
-            <a:picLocks noGrp="1" noChangeAspect="1"/>
-          </p:cNvPicPr>
-          <p:nvPr>
-            <p:ph idx="1"/>
-          </p:nvPr>
-        </p:nvPicPr>
-        <p:blipFill>
-          <a:blip r:embed="rId3"/>
-          <a:stretch>
-            <a:fillRect/>
-          </a:stretch>
-        </p:blipFill>
-        <p:spPr>
-          <a:xfrm>
-            <a:off x="1832258" y="1310104"/>
-            <a:ext cx="7785100" cy="4660900"/>
-          </a:xfrm>
-        </p:spPr>
-      </p:pic>
       <p:sp>
         <p:nvSpPr>
           <p:cNvPr id="3" name="Title 2">
@@ -19847,73 +20447,6 @@
           </a:p>
         </p:txBody>
       </p:sp>
-    </p:spTree>
-    <p:extLst>
-      <p:ext uri="{BB962C8B-B14F-4D97-AF65-F5344CB8AC3E}">
-        <p14:creationId xmlns:p14="http://schemas.microsoft.com/office/powerpoint/2010/main" val="2547146072"/>
-      </p:ext>
-    </p:extLst>
-  </p:cSld>
-  <p:clrMapOvr>
-    <a:masterClrMapping/>
-  </p:clrMapOvr>
-</p:sld>
-</file>
-
-<file path=ppt/slides/slide8.xml><?xml version="1.0" encoding="utf-8"?>
-<p:sld xmlns:a="http://schemas.openxmlformats.org/drawingml/2006/main" xmlns:r="http://schemas.openxmlformats.org/officeDocument/2006/relationships" xmlns:p="http://schemas.openxmlformats.org/presentationml/2006/main">
-  <p:cSld>
-    <p:spTree>
-      <p:nvGrpSpPr>
-        <p:cNvPr id="1" name=""/>
-        <p:cNvGrpSpPr/>
-        <p:nvPr/>
-      </p:nvGrpSpPr>
-      <p:grpSpPr>
-        <a:xfrm>
-          <a:off x="0" y="0"/>
-          <a:ext cx="0" cy="0"/>
-          <a:chOff x="0" y="0"/>
-          <a:chExt cx="0" cy="0"/>
-        </a:xfrm>
-      </p:grpSpPr>
-      <p:sp>
-        <p:nvSpPr>
-          <p:cNvPr id="3" name="Title 2">
-            <a:extLst>
-              <a:ext uri="{FF2B5EF4-FFF2-40B4-BE49-F238E27FC236}">
-                <a16:creationId xmlns:a16="http://schemas.microsoft.com/office/drawing/2014/main" id="{A36B876C-8720-9227-A96D-D1D84DC8EFFB}"/>
-              </a:ext>
-            </a:extLst>
-          </p:cNvPr>
-          <p:cNvSpPr>
-            <a:spLocks noGrp="1"/>
-          </p:cNvSpPr>
-          <p:nvPr>
-            <p:ph type="title"/>
-          </p:nvPr>
-        </p:nvSpPr>
-        <p:spPr>
-          <a:xfrm>
-            <a:off x="478366" y="358744"/>
-            <a:ext cx="11235267" cy="647183"/>
-          </a:xfrm>
-        </p:spPr>
-        <p:txBody>
-          <a:bodyPr/>
-          <a:lstStyle/>
-          <a:p>
-            <a:r>
-              <a:rPr lang="en-US" dirty="0">
-                <a:solidFill>
-                  <a:srgbClr val="002060"/>
-                </a:solidFill>
-              </a:rPr>
-              <a:t>How to use the tutorial</a:t>
-            </a:r>
-          </a:p>
-        </p:txBody>
-      </p:sp>
       <p:pic>
         <p:nvPicPr>
           <p:cNvPr id="7" name="Picture 6" descr="A screenshot of a computer&#10;&#10;Description automatically generated">
@@ -19936,8 +20469,8 @@
         </p:blipFill>
         <p:spPr>
           <a:xfrm>
-            <a:off x="2936342" y="2744329"/>
-            <a:ext cx="5803900" cy="1143000"/>
+            <a:off x="1808114" y="2584558"/>
+            <a:ext cx="8575772" cy="1688883"/>
           </a:xfrm>
           <a:prstGeom prst="rect">
             <a:avLst/>
@@ -19957,7 +20490,7 @@
 </p:sld>
 </file>
 
-<file path=ppt/slides/slide9.xml><?xml version="1.0" encoding="utf-8"?>
+<file path=ppt/slides/slide8.xml><?xml version="1.0" encoding="utf-8"?>
 <p:sld xmlns:a="http://schemas.openxmlformats.org/drawingml/2006/main" xmlns:r="http://schemas.openxmlformats.org/officeDocument/2006/relationships" xmlns:p="http://schemas.openxmlformats.org/presentationml/2006/main">
   <p:cSld>
     <p:spTree>
@@ -20321,6 +20854,188 @@
     <p:extLst>
       <p:ext uri="{BB962C8B-B14F-4D97-AF65-F5344CB8AC3E}">
         <p14:creationId xmlns:p14="http://schemas.microsoft.com/office/powerpoint/2010/main" val="45786628"/>
+      </p:ext>
+    </p:extLst>
+  </p:cSld>
+  <p:clrMapOvr>
+    <a:masterClrMapping/>
+  </p:clrMapOvr>
+</p:sld>
+</file>
+
+<file path=ppt/slides/slide9.xml><?xml version="1.0" encoding="utf-8"?>
+<p:sld xmlns:a="http://schemas.openxmlformats.org/drawingml/2006/main" xmlns:r="http://schemas.openxmlformats.org/officeDocument/2006/relationships" xmlns:p="http://schemas.openxmlformats.org/presentationml/2006/main">
+  <p:cSld>
+    <p:spTree>
+      <p:nvGrpSpPr>
+        <p:cNvPr id="1" name=""/>
+        <p:cNvGrpSpPr/>
+        <p:nvPr/>
+      </p:nvGrpSpPr>
+      <p:grpSpPr>
+        <a:xfrm>
+          <a:off x="0" y="0"/>
+          <a:ext cx="0" cy="0"/>
+          <a:chOff x="0" y="0"/>
+          <a:chExt cx="0" cy="0"/>
+        </a:xfrm>
+      </p:grpSpPr>
+      <p:sp>
+        <p:nvSpPr>
+          <p:cNvPr id="2" name="Content Placeholder 1">
+            <a:extLst>
+              <a:ext uri="{FF2B5EF4-FFF2-40B4-BE49-F238E27FC236}">
+                <a16:creationId xmlns:a16="http://schemas.microsoft.com/office/drawing/2014/main" id="{9BC353E3-BD5D-AE49-23BE-82B24AFD8568}"/>
+              </a:ext>
+            </a:extLst>
+          </p:cNvPr>
+          <p:cNvSpPr>
+            <a:spLocks noGrp="1"/>
+          </p:cNvSpPr>
+          <p:nvPr>
+            <p:ph idx="1"/>
+          </p:nvPr>
+        </p:nvSpPr>
+        <p:spPr/>
+        <p:txBody>
+          <a:bodyPr/>
+          <a:lstStyle/>
+          <a:p>
+            <a:pPr marL="342265" indent="-342265">
+              <a:buFont typeface="Calibri" charset="0"/>
+              <a:buChar char="-"/>
+            </a:pPr>
+            <a:r>
+              <a:rPr lang="en-AU" b="0" i="0" u="none" strike="noStrike" dirty="0">
+                <a:effectLst/>
+                <a:latin typeface="+mn-lt"/>
+                <a:ea typeface="ＭＳ Ｐゴシック"/>
+              </a:rPr>
+              <a:t>Form teams </a:t>
+            </a:r>
+            <a:r>
+              <a:rPr lang="en-AU" b="0" dirty="0">
+                <a:latin typeface="+mn-lt"/>
+                <a:ea typeface="ＭＳ Ｐゴシック"/>
+              </a:rPr>
+              <a:t>within your table</a:t>
+            </a:r>
+            <a:r>
+              <a:rPr lang="en-AU" b="0" i="0" u="none" strike="noStrike" dirty="0">
+                <a:effectLst/>
+                <a:latin typeface="+mn-lt"/>
+                <a:ea typeface="ＭＳ Ｐゴシック"/>
+              </a:rPr>
+              <a:t>;</a:t>
+            </a:r>
+            <a:endParaRPr lang="en-US" dirty="0"/>
+          </a:p>
+          <a:p>
+            <a:pPr marL="342265" indent="-342265" algn="l"/>
+            <a:r>
+              <a:rPr lang="en-AU" b="0" i="0" u="none" strike="noStrike" dirty="0">
+                <a:effectLst/>
+                <a:latin typeface="+mn-lt"/>
+                <a:ea typeface="ＭＳ Ｐゴシック"/>
+              </a:rPr>
+              <a:t>Share your backgrounds with R, data, and Machine Learning; </a:t>
+            </a:r>
+          </a:p>
+          <a:p>
+            <a:pPr marL="342265" indent="-342265" algn="l"/>
+            <a:r>
+              <a:rPr lang="en-AU" b="0" dirty="0">
+                <a:latin typeface="+mn-lt"/>
+                <a:ea typeface="ＭＳ Ｐゴシック"/>
+              </a:rPr>
+              <a:t>Start the tutorial!</a:t>
+            </a:r>
+            <a:endParaRPr lang="en-AU" b="0" i="0" u="none" strike="noStrike" dirty="0">
+              <a:effectLst/>
+              <a:latin typeface="+mn-lt"/>
+              <a:ea typeface="ＭＳ Ｐゴシック"/>
+            </a:endParaRPr>
+          </a:p>
+          <a:p>
+            <a:pPr marL="342265" indent="-342265"/>
+            <a:endParaRPr lang="en-US" dirty="0">
+              <a:latin typeface="+mn-lt"/>
+            </a:endParaRPr>
+          </a:p>
+        </p:txBody>
+      </p:sp>
+      <p:sp>
+        <p:nvSpPr>
+          <p:cNvPr id="3" name="Title 2">
+            <a:extLst>
+              <a:ext uri="{FF2B5EF4-FFF2-40B4-BE49-F238E27FC236}">
+                <a16:creationId xmlns:a16="http://schemas.microsoft.com/office/drawing/2014/main" id="{4EE4C11D-6F78-F5C5-494C-358FF9C1889B}"/>
+              </a:ext>
+            </a:extLst>
+          </p:cNvPr>
+          <p:cNvSpPr>
+            <a:spLocks noGrp="1"/>
+          </p:cNvSpPr>
+          <p:nvPr>
+            <p:ph type="title"/>
+          </p:nvPr>
+        </p:nvSpPr>
+        <p:spPr/>
+        <p:txBody>
+          <a:bodyPr/>
+          <a:lstStyle/>
+          <a:p>
+            <a:r>
+              <a:rPr lang="en-US">
+                <a:solidFill>
+                  <a:srgbClr val="002060"/>
+                </a:solidFill>
+                <a:ea typeface="ＭＳ Ｐゴシック"/>
+              </a:rPr>
+              <a:t>Your turn!</a:t>
+            </a:r>
+            <a:endParaRPr lang="en-US">
+              <a:solidFill>
+                <a:srgbClr val="002060"/>
+              </a:solidFill>
+            </a:endParaRPr>
+          </a:p>
+        </p:txBody>
+      </p:sp>
+      <p:pic>
+        <p:nvPicPr>
+          <p:cNvPr id="7" name="Picture 6">
+            <a:extLst>
+              <a:ext uri="{FF2B5EF4-FFF2-40B4-BE49-F238E27FC236}">
+                <a16:creationId xmlns:a16="http://schemas.microsoft.com/office/drawing/2014/main" id="{E6175ED7-73B5-B184-8F0C-47DD99534D63}"/>
+              </a:ext>
+            </a:extLst>
+          </p:cNvPr>
+          <p:cNvPicPr>
+            <a:picLocks noChangeAspect="1"/>
+          </p:cNvPicPr>
+          <p:nvPr/>
+        </p:nvPicPr>
+        <p:blipFill>
+          <a:blip r:embed="rId2"/>
+          <a:stretch>
+            <a:fillRect/>
+          </a:stretch>
+        </p:blipFill>
+        <p:spPr>
+          <a:xfrm>
+            <a:off x="128408" y="3913903"/>
+            <a:ext cx="12063592" cy="844789"/>
+          </a:xfrm>
+          <a:prstGeom prst="rect">
+            <a:avLst/>
+          </a:prstGeom>
+        </p:spPr>
+      </p:pic>
+    </p:spTree>
+    <p:extLst>
+      <p:ext uri="{BB962C8B-B14F-4D97-AF65-F5344CB8AC3E}">
+        <p14:creationId xmlns:p14="http://schemas.microsoft.com/office/powerpoint/2010/main" val="1800459148"/>
       </p:ext>
     </p:extLst>
   </p:cSld>
